--- a/OOAD/lectures/090--Pragmatics.pptx
+++ b/OOAD/lectures/090--Pragmatics.pptx
@@ -143,7 +143,7 @@
   </p:defaultTextStyle>
   <p:extLst>
     <p:ext uri="{EFAFB233-063F-42B5-8137-9DF3F51BA10A}">
-      <p15:sldGuideLst xmlns:p15="http://schemas.microsoft.com/office/powerpoint/2012/main">
+      <p15:sldGuideLst xmlns:p15="http://schemas.microsoft.com/office/powerpoint/2012/main" xmlns="">
         <p15:guide id="1" orient="horz" pos="2160">
           <p15:clr>
             <a:srgbClr val="A4A3A4"/>
@@ -210,14 +210,14 @@
           <a:effectLst/>
           <a:extLst>
             <a:ext uri="{909E8E84-426E-40DD-AFC4-6F175D3DCCD1}">
-              <a14:hiddenFill xmlns:a14="http://schemas.microsoft.com/office/drawing/2010/main">
+              <a14:hiddenFill xmlns:a14="http://schemas.microsoft.com/office/drawing/2010/main" xmlns="">
                 <a:solidFill>
                   <a:schemeClr val="accent1"/>
                 </a:solidFill>
               </a14:hiddenFill>
             </a:ext>
             <a:ext uri="{91240B29-F687-4F45-9708-019B960494DF}">
-              <a14:hiddenLine xmlns:a14="http://schemas.microsoft.com/office/drawing/2010/main" w="9525">
+              <a14:hiddenLine xmlns:a14="http://schemas.microsoft.com/office/drawing/2010/main" xmlns="" w="9525">
                 <a:solidFill>
                   <a:schemeClr val="tx1"/>
                 </a:solidFill>
@@ -227,7 +227,7 @@
               </a14:hiddenLine>
             </a:ext>
             <a:ext uri="{AF507438-7753-43E0-B8FC-AC1667EBCBE1}">
-              <a14:hiddenEffects xmlns:a14="http://schemas.microsoft.com/office/drawing/2010/main">
+              <a14:hiddenEffects xmlns:a14="http://schemas.microsoft.com/office/drawing/2010/main" xmlns="">
                 <a:effectLst>
                   <a:outerShdw dist="35921" dir="2700000" algn="ctr" rotWithShape="0">
                     <a:schemeClr val="bg2"/>
@@ -281,14 +281,14 @@
           <a:effectLst/>
           <a:extLst>
             <a:ext uri="{909E8E84-426E-40DD-AFC4-6F175D3DCCD1}">
-              <a14:hiddenFill xmlns:a14="http://schemas.microsoft.com/office/drawing/2010/main">
+              <a14:hiddenFill xmlns:a14="http://schemas.microsoft.com/office/drawing/2010/main" xmlns="">
                 <a:solidFill>
                   <a:schemeClr val="accent1"/>
                 </a:solidFill>
               </a14:hiddenFill>
             </a:ext>
             <a:ext uri="{91240B29-F687-4F45-9708-019B960494DF}">
-              <a14:hiddenLine xmlns:a14="http://schemas.microsoft.com/office/drawing/2010/main" w="9525">
+              <a14:hiddenLine xmlns:a14="http://schemas.microsoft.com/office/drawing/2010/main" xmlns="" w="9525">
                 <a:solidFill>
                   <a:schemeClr val="tx1"/>
                 </a:solidFill>
@@ -298,7 +298,7 @@
               </a14:hiddenLine>
             </a:ext>
             <a:ext uri="{AF507438-7753-43E0-B8FC-AC1667EBCBE1}">
-              <a14:hiddenEffects xmlns:a14="http://schemas.microsoft.com/office/drawing/2010/main">
+              <a14:hiddenEffects xmlns:a14="http://schemas.microsoft.com/office/drawing/2010/main" xmlns="">
                 <a:effectLst>
                   <a:outerShdw dist="35921" dir="2700000" algn="ctr" rotWithShape="0">
                     <a:schemeClr val="bg2"/>
@@ -331,7 +331,7 @@
         <p:nvSpPr>
           <p:cNvPr id="8196" name="Rectangle 4"/>
           <p:cNvSpPr>
-            <a:spLocks noRot="1" noChangeArrowheads="1" noTextEdit="1"/>
+            <a:spLocks noGrp="1" noRot="1" noChangeAspect="1" noChangeArrowheads="1" noTextEdit="1"/>
           </p:cNvSpPr>
           <p:nvPr>
             <p:ph type="sldImg" idx="2"/>
@@ -357,14 +357,14 @@
           <a:effectLst/>
           <a:extLst>
             <a:ext uri="{909E8E84-426E-40DD-AFC4-6F175D3DCCD1}">
-              <a14:hiddenFill xmlns:a14="http://schemas.microsoft.com/office/drawing/2010/main">
+              <a14:hiddenFill xmlns:a14="http://schemas.microsoft.com/office/drawing/2010/main" xmlns="">
                 <a:solidFill>
                   <a:srgbClr val="FFFFFF"/>
                 </a:solidFill>
               </a14:hiddenFill>
             </a:ext>
             <a:ext uri="{AF507438-7753-43E0-B8FC-AC1667EBCBE1}">
-              <a14:hiddenEffects xmlns:a14="http://schemas.microsoft.com/office/drawing/2010/main">
+              <a14:hiddenEffects xmlns:a14="http://schemas.microsoft.com/office/drawing/2010/main" xmlns="">
                 <a:effectLst>
                   <a:outerShdw dist="35921" dir="2700000" algn="ctr" rotWithShape="0">
                     <a:srgbClr val="808080"/>
@@ -373,7 +373,7 @@
               </a14:hiddenEffects>
             </a:ext>
             <a:ext uri="{53640926-AAD7-44D8-BBD7-CCE9431645EC}">
-              <a14:shadowObscured xmlns:a14="http://schemas.microsoft.com/office/drawing/2010/main" val="1"/>
+              <a14:shadowObscured xmlns:a14="http://schemas.microsoft.com/office/drawing/2010/main" xmlns="" val="1"/>
             </a:ext>
           </a:extLst>
         </p:spPr>
@@ -403,14 +403,14 @@
           <a:effectLst/>
           <a:extLst>
             <a:ext uri="{909E8E84-426E-40DD-AFC4-6F175D3DCCD1}">
-              <a14:hiddenFill xmlns:a14="http://schemas.microsoft.com/office/drawing/2010/main">
+              <a14:hiddenFill xmlns:a14="http://schemas.microsoft.com/office/drawing/2010/main" xmlns="">
                 <a:solidFill>
                   <a:schemeClr val="accent1"/>
                 </a:solidFill>
               </a14:hiddenFill>
             </a:ext>
             <a:ext uri="{91240B29-F687-4F45-9708-019B960494DF}">
-              <a14:hiddenLine xmlns:a14="http://schemas.microsoft.com/office/drawing/2010/main" w="9525">
+              <a14:hiddenLine xmlns:a14="http://schemas.microsoft.com/office/drawing/2010/main" xmlns="" w="9525">
                 <a:solidFill>
                   <a:schemeClr val="tx1"/>
                 </a:solidFill>
@@ -420,7 +420,7 @@
               </a14:hiddenLine>
             </a:ext>
             <a:ext uri="{AF507438-7753-43E0-B8FC-AC1667EBCBE1}">
-              <a14:hiddenEffects xmlns:a14="http://schemas.microsoft.com/office/drawing/2010/main">
+              <a14:hiddenEffects xmlns:a14="http://schemas.microsoft.com/office/drawing/2010/main" xmlns="">
                 <a:effectLst>
                   <a:outerShdw dist="35921" dir="2700000" algn="ctr" rotWithShape="0">
                     <a:schemeClr val="bg2"/>
@@ -499,14 +499,14 @@
           <a:effectLst/>
           <a:extLst>
             <a:ext uri="{909E8E84-426E-40DD-AFC4-6F175D3DCCD1}">
-              <a14:hiddenFill xmlns:a14="http://schemas.microsoft.com/office/drawing/2010/main">
+              <a14:hiddenFill xmlns:a14="http://schemas.microsoft.com/office/drawing/2010/main" xmlns="">
                 <a:solidFill>
                   <a:schemeClr val="accent1"/>
                 </a:solidFill>
               </a14:hiddenFill>
             </a:ext>
             <a:ext uri="{91240B29-F687-4F45-9708-019B960494DF}">
-              <a14:hiddenLine xmlns:a14="http://schemas.microsoft.com/office/drawing/2010/main" w="9525">
+              <a14:hiddenLine xmlns:a14="http://schemas.microsoft.com/office/drawing/2010/main" xmlns="" w="9525">
                 <a:solidFill>
                   <a:schemeClr val="tx1"/>
                 </a:solidFill>
@@ -516,7 +516,7 @@
               </a14:hiddenLine>
             </a:ext>
             <a:ext uri="{AF507438-7753-43E0-B8FC-AC1667EBCBE1}">
-              <a14:hiddenEffects xmlns:a14="http://schemas.microsoft.com/office/drawing/2010/main">
+              <a14:hiddenEffects xmlns:a14="http://schemas.microsoft.com/office/drawing/2010/main" xmlns="">
                 <a:effectLst>
                   <a:outerShdw dist="35921" dir="2700000" algn="ctr" rotWithShape="0">
                     <a:schemeClr val="bg2"/>
@@ -570,14 +570,14 @@
           <a:effectLst/>
           <a:extLst>
             <a:ext uri="{909E8E84-426E-40DD-AFC4-6F175D3DCCD1}">
-              <a14:hiddenFill xmlns:a14="http://schemas.microsoft.com/office/drawing/2010/main">
+              <a14:hiddenFill xmlns:a14="http://schemas.microsoft.com/office/drawing/2010/main" xmlns="">
                 <a:solidFill>
                   <a:schemeClr val="accent1"/>
                 </a:solidFill>
               </a14:hiddenFill>
             </a:ext>
             <a:ext uri="{91240B29-F687-4F45-9708-019B960494DF}">
-              <a14:hiddenLine xmlns:a14="http://schemas.microsoft.com/office/drawing/2010/main" w="9525">
+              <a14:hiddenLine xmlns:a14="http://schemas.microsoft.com/office/drawing/2010/main" xmlns="" w="9525">
                 <a:solidFill>
                   <a:schemeClr val="tx1"/>
                 </a:solidFill>
@@ -587,7 +587,7 @@
               </a14:hiddenLine>
             </a:ext>
             <a:ext uri="{AF507438-7753-43E0-B8FC-AC1667EBCBE1}">
-              <a14:hiddenEffects xmlns:a14="http://schemas.microsoft.com/office/drawing/2010/main">
+              <a14:hiddenEffects xmlns:a14="http://schemas.microsoft.com/office/drawing/2010/main" xmlns="">
                 <a:effectLst>
                   <a:outerShdw dist="35921" dir="2700000" algn="ctr" rotWithShape="0">
                     <a:schemeClr val="bg2"/>
@@ -626,7 +626,7 @@
     </p:spTree>
     <p:extLst>
       <p:ext uri="{BB962C8B-B14F-4D97-AF65-F5344CB8AC3E}">
-        <p14:creationId xmlns:p14="http://schemas.microsoft.com/office/powerpoint/2010/main" val="1016880840"/>
+        <p14:creationId xmlns:p14="http://schemas.microsoft.com/office/powerpoint/2010/main" xmlns="" val="1016880840"/>
       </p:ext>
     </p:extLst>
   </p:cSld>
@@ -873,7 +873,7 @@
     </p:spTree>
     <p:extLst>
       <p:ext uri="{BB962C8B-B14F-4D97-AF65-F5344CB8AC3E}">
-        <p14:creationId xmlns:p14="http://schemas.microsoft.com/office/powerpoint/2010/main" val="3266833690"/>
+        <p14:creationId xmlns:p14="http://schemas.microsoft.com/office/powerpoint/2010/main" xmlns="" val="3266833690"/>
       </p:ext>
     </p:extLst>
   </p:cSld>
@@ -1010,7 +1010,7 @@
               <a:pPr>
                 <a:defRPr/>
               </a:pPr>
-              <a:t>10/28/2017</a:t>
+              <a:t>10/29/2017</a:t>
             </a:fld>
             <a:endParaRPr lang="en-US" altLang="en-US"/>
           </a:p>
@@ -1097,7 +1097,7 @@
     </p:spTree>
     <p:extLst>
       <p:ext uri="{BB962C8B-B14F-4D97-AF65-F5344CB8AC3E}">
-        <p14:creationId xmlns:p14="http://schemas.microsoft.com/office/powerpoint/2010/main" val="1730415393"/>
+        <p14:creationId xmlns:p14="http://schemas.microsoft.com/office/powerpoint/2010/main" xmlns="" val="1730415393"/>
       </p:ext>
     </p:extLst>
   </p:cSld>
@@ -1244,7 +1244,7 @@
               <a:pPr>
                 <a:defRPr/>
               </a:pPr>
-              <a:t>10/28/2017</a:t>
+              <a:t>10/29/2017</a:t>
             </a:fld>
             <a:endParaRPr lang="en-US" altLang="en-US"/>
           </a:p>
@@ -1331,7 +1331,7 @@
     </p:spTree>
     <p:extLst>
       <p:ext uri="{BB962C8B-B14F-4D97-AF65-F5344CB8AC3E}">
-        <p14:creationId xmlns:p14="http://schemas.microsoft.com/office/powerpoint/2010/main" val="3400579074"/>
+        <p14:creationId xmlns:p14="http://schemas.microsoft.com/office/powerpoint/2010/main" xmlns="" val="3400579074"/>
       </p:ext>
     </p:extLst>
   </p:cSld>
@@ -1436,7 +1436,7 @@
     </p:spTree>
     <p:extLst>
       <p:ext uri="{BB962C8B-B14F-4D97-AF65-F5344CB8AC3E}">
-        <p14:creationId xmlns:p14="http://schemas.microsoft.com/office/powerpoint/2010/main" val="3909272198"/>
+        <p14:creationId xmlns:p14="http://schemas.microsoft.com/office/powerpoint/2010/main" xmlns="" val="3909272198"/>
       </p:ext>
     </p:extLst>
   </p:cSld>
@@ -1563,7 +1563,7 @@
     </p:spTree>
     <p:extLst>
       <p:ext uri="{BB962C8B-B14F-4D97-AF65-F5344CB8AC3E}">
-        <p14:creationId xmlns:p14="http://schemas.microsoft.com/office/powerpoint/2010/main" val="1834414426"/>
+        <p14:creationId xmlns:p14="http://schemas.microsoft.com/office/powerpoint/2010/main" xmlns="" val="1834414426"/>
       </p:ext>
     </p:extLst>
   </p:cSld>
@@ -1730,7 +1730,7 @@
     </p:spTree>
     <p:extLst>
       <p:ext uri="{BB962C8B-B14F-4D97-AF65-F5344CB8AC3E}">
-        <p14:creationId xmlns:p14="http://schemas.microsoft.com/office/powerpoint/2010/main" val="744733422"/>
+        <p14:creationId xmlns:p14="http://schemas.microsoft.com/office/powerpoint/2010/main" xmlns="" val="744733422"/>
       </p:ext>
     </p:extLst>
   </p:cSld>
@@ -2032,7 +2032,7 @@
     </p:spTree>
     <p:extLst>
       <p:ext uri="{BB962C8B-B14F-4D97-AF65-F5344CB8AC3E}">
-        <p14:creationId xmlns:p14="http://schemas.microsoft.com/office/powerpoint/2010/main" val="3457555674"/>
+        <p14:creationId xmlns:p14="http://schemas.microsoft.com/office/powerpoint/2010/main" xmlns="" val="3457555674"/>
       </p:ext>
     </p:extLst>
   </p:cSld>
@@ -2117,7 +2117,7 @@
               <a:pPr>
                 <a:defRPr/>
               </a:pPr>
-              <a:t>10/28/2017</a:t>
+              <a:t>10/29/2017</a:t>
             </a:fld>
             <a:endParaRPr lang="en-US" altLang="en-US"/>
           </a:p>
@@ -2204,7 +2204,7 @@
     </p:spTree>
     <p:extLst>
       <p:ext uri="{BB962C8B-B14F-4D97-AF65-F5344CB8AC3E}">
-        <p14:creationId xmlns:p14="http://schemas.microsoft.com/office/powerpoint/2010/main" val="3861976490"/>
+        <p14:creationId xmlns:p14="http://schemas.microsoft.com/office/powerpoint/2010/main" xmlns="" val="3861976490"/>
       </p:ext>
     </p:extLst>
   </p:cSld>
@@ -2266,7 +2266,7 @@
               <a:pPr>
                 <a:defRPr/>
               </a:pPr>
-              <a:t>10/28/2017</a:t>
+              <a:t>10/29/2017</a:t>
             </a:fld>
             <a:endParaRPr lang="en-US" altLang="en-US"/>
           </a:p>
@@ -2353,7 +2353,7 @@
     </p:spTree>
     <p:extLst>
       <p:ext uri="{BB962C8B-B14F-4D97-AF65-F5344CB8AC3E}">
-        <p14:creationId xmlns:p14="http://schemas.microsoft.com/office/powerpoint/2010/main" val="664392681"/>
+        <p14:creationId xmlns:p14="http://schemas.microsoft.com/office/powerpoint/2010/main" xmlns="" val="664392681"/>
       </p:ext>
     </p:extLst>
   </p:cSld>
@@ -2597,7 +2597,7 @@
               <a:pPr>
                 <a:defRPr/>
               </a:pPr>
-              <a:t>10/28/2017</a:t>
+              <a:t>10/29/2017</a:t>
             </a:fld>
             <a:endParaRPr lang="en-US" altLang="en-US"/>
           </a:p>
@@ -2684,7 +2684,7 @@
     </p:spTree>
     <p:extLst>
       <p:ext uri="{BB962C8B-B14F-4D97-AF65-F5344CB8AC3E}">
-        <p14:creationId xmlns:p14="http://schemas.microsoft.com/office/powerpoint/2010/main" val="2862084545"/>
+        <p14:creationId xmlns:p14="http://schemas.microsoft.com/office/powerpoint/2010/main" xmlns="" val="2862084545"/>
       </p:ext>
     </p:extLst>
   </p:cSld>
@@ -2905,7 +2905,7 @@
               <a:pPr>
                 <a:defRPr/>
               </a:pPr>
-              <a:t>10/28/2017</a:t>
+              <a:t>10/29/2017</a:t>
             </a:fld>
             <a:endParaRPr lang="en-US" altLang="en-US"/>
           </a:p>
@@ -2992,7 +2992,7 @@
     </p:spTree>
     <p:extLst>
       <p:ext uri="{BB962C8B-B14F-4D97-AF65-F5344CB8AC3E}">
-        <p14:creationId xmlns:p14="http://schemas.microsoft.com/office/powerpoint/2010/main" val="3487852279"/>
+        <p14:creationId xmlns:p14="http://schemas.microsoft.com/office/powerpoint/2010/main" xmlns="" val="3487852279"/>
       </p:ext>
     </p:extLst>
   </p:cSld>
@@ -3052,14 +3052,14 @@
           <a:effectLst/>
           <a:extLst>
             <a:ext uri="{909E8E84-426E-40DD-AFC4-6F175D3DCCD1}">
-              <a14:hiddenFill xmlns:a14="http://schemas.microsoft.com/office/drawing/2010/main">
+              <a14:hiddenFill xmlns:a14="http://schemas.microsoft.com/office/drawing/2010/main" xmlns="">
                 <a:solidFill>
                   <a:schemeClr val="accent1"/>
                 </a:solidFill>
               </a14:hiddenFill>
             </a:ext>
             <a:ext uri="{91240B29-F687-4F45-9708-019B960494DF}">
-              <a14:hiddenLine xmlns:a14="http://schemas.microsoft.com/office/drawing/2010/main" w="9525">
+              <a14:hiddenLine xmlns:a14="http://schemas.microsoft.com/office/drawing/2010/main" xmlns="" w="9525">
                 <a:solidFill>
                   <a:schemeClr val="tx1"/>
                 </a:solidFill>
@@ -3069,7 +3069,7 @@
               </a14:hiddenLine>
             </a:ext>
             <a:ext uri="{AF507438-7753-43E0-B8FC-AC1667EBCBE1}">
-              <a14:hiddenEffects xmlns:a14="http://schemas.microsoft.com/office/drawing/2010/main">
+              <a14:hiddenEffects xmlns:a14="http://schemas.microsoft.com/office/drawing/2010/main" xmlns="">
                 <a:effectLst>
                   <a:outerShdw dist="35921" dir="2700000" algn="ctr" rotWithShape="0">
                     <a:schemeClr val="bg2"/>
@@ -3120,14 +3120,14 @@
           <a:effectLst/>
           <a:extLst>
             <a:ext uri="{909E8E84-426E-40DD-AFC4-6F175D3DCCD1}">
-              <a14:hiddenFill xmlns:a14="http://schemas.microsoft.com/office/drawing/2010/main">
+              <a14:hiddenFill xmlns:a14="http://schemas.microsoft.com/office/drawing/2010/main" xmlns="">
                 <a:solidFill>
                   <a:schemeClr val="accent1"/>
                 </a:solidFill>
               </a14:hiddenFill>
             </a:ext>
             <a:ext uri="{91240B29-F687-4F45-9708-019B960494DF}">
-              <a14:hiddenLine xmlns:a14="http://schemas.microsoft.com/office/drawing/2010/main" w="9525">
+              <a14:hiddenLine xmlns:a14="http://schemas.microsoft.com/office/drawing/2010/main" xmlns="" w="9525">
                 <a:solidFill>
                   <a:schemeClr val="tx1"/>
                 </a:solidFill>
@@ -3137,7 +3137,7 @@
               </a14:hiddenLine>
             </a:ext>
             <a:ext uri="{AF507438-7753-43E0-B8FC-AC1667EBCBE1}">
-              <a14:hiddenEffects xmlns:a14="http://schemas.microsoft.com/office/drawing/2010/main">
+              <a14:hiddenEffects xmlns:a14="http://schemas.microsoft.com/office/drawing/2010/main" xmlns="">
                 <a:effectLst>
                   <a:outerShdw dist="35921" dir="2700000" algn="ctr" rotWithShape="0">
                     <a:schemeClr val="bg2"/>
@@ -3685,14 +3685,14 @@
           </a:ln>
           <a:extLst>
             <a:ext uri="{909E8E84-426E-40DD-AFC4-6F175D3DCCD1}">
-              <a14:hiddenFill xmlns:a14="http://schemas.microsoft.com/office/drawing/2010/main">
+              <a14:hiddenFill xmlns:a14="http://schemas.microsoft.com/office/drawing/2010/main" xmlns="">
                 <a:solidFill>
                   <a:srgbClr val="FFFFFF"/>
                 </a:solidFill>
               </a14:hiddenFill>
             </a:ext>
             <a:ext uri="{91240B29-F687-4F45-9708-019B960494DF}">
-              <a14:hiddenLine xmlns:a14="http://schemas.microsoft.com/office/drawing/2010/main" w="9525">
+              <a14:hiddenLine xmlns:a14="http://schemas.microsoft.com/office/drawing/2010/main" xmlns="" w="9525">
                 <a:solidFill>
                   <a:srgbClr val="000000"/>
                 </a:solidFill>
@@ -4081,15 +4081,20 @@
           <a:lstStyle/>
           <a:p>
             <a:r>
+              <a:rPr lang="en-GB" altLang="en-US" dirty="0" smtClean="0"/>
+              <a:t>Review Slides</a:t>
+            </a:r>
+          </a:p>
+          <a:p>
+            <a:r>
               <a:rPr lang="en-GB" altLang="en-US" smtClean="0"/>
-              <a:t>Review Slides</a:t>
-            </a:r>
-          </a:p>
-          <a:p>
+              <a:t>Read Chapter </a:t>
+            </a:r>
             <a:r>
               <a:rPr lang="en-GB" altLang="en-US" smtClean="0"/>
-              <a:t>Read Chapter 7</a:t>
-            </a:r>
+              <a:t>8</a:t>
+            </a:r>
+            <a:endParaRPr lang="en-GB" altLang="en-US" smtClean="0"/>
           </a:p>
         </p:txBody>
       </p:sp>
@@ -4666,7 +4671,7 @@
   </a:extraClrSchemeLst>
   <a:extLst>
     <a:ext uri="{05A4C25C-085E-4340-85A3-A5531E510DB2}">
-      <thm15:themeFamily xmlns:thm15="http://schemas.microsoft.com/office/thememl/2012/main" name="Office Theme" id="{62F939B6-93AF-4DB8-9C6B-D6C7DFDC589F}" vid="{4A3C46E8-61CC-4603-A589-7422A47A8E4A}"/>
+      <thm15:themeFamily xmlns:thm15="http://schemas.microsoft.com/office/thememl/2012/main" xmlns="" name="Office Theme" id="{62F939B6-93AF-4DB8-9C6B-D6C7DFDC589F}" vid="{4A3C46E8-61CC-4603-A589-7422A47A8E4A}"/>
     </a:ext>
   </a:extLst>
 </a:theme>
@@ -4715,7 +4720,7 @@
     </a:clrScheme>
     <a:fontScheme name="Office">
       <a:majorFont>
-        <a:latin typeface="Calibri Light" panose="020F0302020204030204"/>
+        <a:latin typeface="Calibri Light"/>
         <a:ea typeface=""/>
         <a:cs typeface=""/>
         <a:font script="Jpan" typeface="ＭＳ Ｐゴシック"/>
@@ -4750,7 +4755,7 @@
         <a:font script="Geor" typeface="Sylfaen"/>
       </a:majorFont>
       <a:minorFont>
-        <a:latin typeface="Calibri" panose="020F0502020204030204"/>
+        <a:latin typeface="Calibri"/>
         <a:ea typeface=""/>
         <a:cs typeface=""/>
         <a:font script="Jpan" typeface="ＭＳ Ｐゴシック"/>
@@ -4927,7 +4932,7 @@
   <a:extraClrSchemeLst/>
   <a:extLst>
     <a:ext uri="{05A4C25C-085E-4340-85A3-A5531E510DB2}">
-      <thm15:themeFamily xmlns:thm15="http://schemas.microsoft.com/office/thememl/2012/main" name="Office Theme" id="{62F939B6-93AF-4DB8-9C6B-D6C7DFDC589F}" vid="{4A3C46E8-61CC-4603-A589-7422A47A8E4A}"/>
+      <thm15:themeFamily xmlns:thm15="http://schemas.microsoft.com/office/thememl/2012/main" xmlns="" name="Office Theme" id="{62F939B6-93AF-4DB8-9C6B-D6C7DFDC589F}" vid="{4A3C46E8-61CC-4603-A589-7422A47A8E4A}"/>
     </a:ext>
   </a:extLst>
 </a:theme>

--- a/OOAD/lectures/090--Pragmatics.pptx
+++ b/OOAD/lectures/090--Pragmatics.pptx
@@ -5,14 +5,62 @@
     <p:sldMasterId id="2147483648" r:id="rId1"/>
   </p:sldMasterIdLst>
   <p:notesMasterIdLst>
-    <p:notesMasterId r:id="rId7"/>
+    <p:notesMasterId r:id="rId55"/>
   </p:notesMasterIdLst>
   <p:sldIdLst>
     <p:sldId id="267" r:id="rId2"/>
-    <p:sldId id="274" r:id="rId3"/>
-    <p:sldId id="272" r:id="rId4"/>
-    <p:sldId id="291" r:id="rId5"/>
-    <p:sldId id="268" r:id="rId6"/>
+    <p:sldId id="342" r:id="rId3"/>
+    <p:sldId id="292" r:id="rId4"/>
+    <p:sldId id="331" r:id="rId5"/>
+    <p:sldId id="333" r:id="rId6"/>
+    <p:sldId id="332" r:id="rId7"/>
+    <p:sldId id="338" r:id="rId8"/>
+    <p:sldId id="339" r:id="rId9"/>
+    <p:sldId id="340" r:id="rId10"/>
+    <p:sldId id="341" r:id="rId11"/>
+    <p:sldId id="336" r:id="rId12"/>
+    <p:sldId id="337" r:id="rId13"/>
+    <p:sldId id="334" r:id="rId14"/>
+    <p:sldId id="335" r:id="rId15"/>
+    <p:sldId id="274" r:id="rId16"/>
+    <p:sldId id="294" r:id="rId17"/>
+    <p:sldId id="296" r:id="rId18"/>
+    <p:sldId id="297" r:id="rId19"/>
+    <p:sldId id="298" r:id="rId20"/>
+    <p:sldId id="299" r:id="rId21"/>
+    <p:sldId id="300" r:id="rId22"/>
+    <p:sldId id="302" r:id="rId23"/>
+    <p:sldId id="303" r:id="rId24"/>
+    <p:sldId id="304" r:id="rId25"/>
+    <p:sldId id="305" r:id="rId26"/>
+    <p:sldId id="306" r:id="rId27"/>
+    <p:sldId id="307" r:id="rId28"/>
+    <p:sldId id="308" r:id="rId29"/>
+    <p:sldId id="309" r:id="rId30"/>
+    <p:sldId id="295" r:id="rId31"/>
+    <p:sldId id="310" r:id="rId32"/>
+    <p:sldId id="311" r:id="rId33"/>
+    <p:sldId id="326" r:id="rId34"/>
+    <p:sldId id="327" r:id="rId35"/>
+    <p:sldId id="313" r:id="rId36"/>
+    <p:sldId id="314" r:id="rId37"/>
+    <p:sldId id="316" r:id="rId38"/>
+    <p:sldId id="315" r:id="rId39"/>
+    <p:sldId id="317" r:id="rId40"/>
+    <p:sldId id="318" r:id="rId41"/>
+    <p:sldId id="319" r:id="rId42"/>
+    <p:sldId id="320" r:id="rId43"/>
+    <p:sldId id="321" r:id="rId44"/>
+    <p:sldId id="322" r:id="rId45"/>
+    <p:sldId id="323" r:id="rId46"/>
+    <p:sldId id="324" r:id="rId47"/>
+    <p:sldId id="325" r:id="rId48"/>
+    <p:sldId id="272" r:id="rId49"/>
+    <p:sldId id="291" r:id="rId50"/>
+    <p:sldId id="268" r:id="rId51"/>
+    <p:sldId id="293" r:id="rId52"/>
+    <p:sldId id="328" r:id="rId53"/>
+    <p:sldId id="329" r:id="rId54"/>
   </p:sldIdLst>
   <p:sldSz cx="9144000" cy="6858000" type="screen4x3"/>
   <p:notesSz cx="6858000" cy="9144000"/>
@@ -143,7 +191,7 @@
   </p:defaultTextStyle>
   <p:extLst>
     <p:ext uri="{EFAFB233-063F-42B5-8137-9DF3F51BA10A}">
-      <p15:sldGuideLst xmlns:p15="http://schemas.microsoft.com/office/powerpoint/2012/main" xmlns="">
+      <p15:sldGuideLst xmlns:p15="http://schemas.microsoft.com/office/powerpoint/2012/main">
         <p15:guide id="1" orient="horz" pos="2160">
           <p15:clr>
             <a:srgbClr val="A4A3A4"/>
@@ -210,14 +258,14 @@
           <a:effectLst/>
           <a:extLst>
             <a:ext uri="{909E8E84-426E-40DD-AFC4-6F175D3DCCD1}">
-              <a14:hiddenFill xmlns:a14="http://schemas.microsoft.com/office/drawing/2010/main" xmlns="">
+              <a14:hiddenFill xmlns:a14="http://schemas.microsoft.com/office/drawing/2010/main">
                 <a:solidFill>
                   <a:schemeClr val="accent1"/>
                 </a:solidFill>
               </a14:hiddenFill>
             </a:ext>
             <a:ext uri="{91240B29-F687-4F45-9708-019B960494DF}">
-              <a14:hiddenLine xmlns:a14="http://schemas.microsoft.com/office/drawing/2010/main" xmlns="" w="9525">
+              <a14:hiddenLine xmlns:a14="http://schemas.microsoft.com/office/drawing/2010/main" w="9525">
                 <a:solidFill>
                   <a:schemeClr val="tx1"/>
                 </a:solidFill>
@@ -227,7 +275,7 @@
               </a14:hiddenLine>
             </a:ext>
             <a:ext uri="{AF507438-7753-43E0-B8FC-AC1667EBCBE1}">
-              <a14:hiddenEffects xmlns:a14="http://schemas.microsoft.com/office/drawing/2010/main" xmlns="">
+              <a14:hiddenEffects xmlns:a14="http://schemas.microsoft.com/office/drawing/2010/main">
                 <a:effectLst>
                   <a:outerShdw dist="35921" dir="2700000" algn="ctr" rotWithShape="0">
                     <a:schemeClr val="bg2"/>
@@ -281,14 +329,14 @@
           <a:effectLst/>
           <a:extLst>
             <a:ext uri="{909E8E84-426E-40DD-AFC4-6F175D3DCCD1}">
-              <a14:hiddenFill xmlns:a14="http://schemas.microsoft.com/office/drawing/2010/main" xmlns="">
+              <a14:hiddenFill xmlns:a14="http://schemas.microsoft.com/office/drawing/2010/main">
                 <a:solidFill>
                   <a:schemeClr val="accent1"/>
                 </a:solidFill>
               </a14:hiddenFill>
             </a:ext>
             <a:ext uri="{91240B29-F687-4F45-9708-019B960494DF}">
-              <a14:hiddenLine xmlns:a14="http://schemas.microsoft.com/office/drawing/2010/main" xmlns="" w="9525">
+              <a14:hiddenLine xmlns:a14="http://schemas.microsoft.com/office/drawing/2010/main" w="9525">
                 <a:solidFill>
                   <a:schemeClr val="tx1"/>
                 </a:solidFill>
@@ -298,7 +346,7 @@
               </a14:hiddenLine>
             </a:ext>
             <a:ext uri="{AF507438-7753-43E0-B8FC-AC1667EBCBE1}">
-              <a14:hiddenEffects xmlns:a14="http://schemas.microsoft.com/office/drawing/2010/main" xmlns="">
+              <a14:hiddenEffects xmlns:a14="http://schemas.microsoft.com/office/drawing/2010/main">
                 <a:effectLst>
                   <a:outerShdw dist="35921" dir="2700000" algn="ctr" rotWithShape="0">
                     <a:schemeClr val="bg2"/>
@@ -357,14 +405,14 @@
           <a:effectLst/>
           <a:extLst>
             <a:ext uri="{909E8E84-426E-40DD-AFC4-6F175D3DCCD1}">
-              <a14:hiddenFill xmlns:a14="http://schemas.microsoft.com/office/drawing/2010/main" xmlns="">
+              <a14:hiddenFill xmlns:a14="http://schemas.microsoft.com/office/drawing/2010/main">
                 <a:solidFill>
                   <a:srgbClr val="FFFFFF"/>
                 </a:solidFill>
               </a14:hiddenFill>
             </a:ext>
             <a:ext uri="{AF507438-7753-43E0-B8FC-AC1667EBCBE1}">
-              <a14:hiddenEffects xmlns:a14="http://schemas.microsoft.com/office/drawing/2010/main" xmlns="">
+              <a14:hiddenEffects xmlns:a14="http://schemas.microsoft.com/office/drawing/2010/main">
                 <a:effectLst>
                   <a:outerShdw dist="35921" dir="2700000" algn="ctr" rotWithShape="0">
                     <a:srgbClr val="808080"/>
@@ -373,7 +421,7 @@
               </a14:hiddenEffects>
             </a:ext>
             <a:ext uri="{53640926-AAD7-44D8-BBD7-CCE9431645EC}">
-              <a14:shadowObscured xmlns:a14="http://schemas.microsoft.com/office/drawing/2010/main" xmlns="" val="1"/>
+              <a14:shadowObscured xmlns:a14="http://schemas.microsoft.com/office/drawing/2010/main" val="1"/>
             </a:ext>
           </a:extLst>
         </p:spPr>
@@ -403,14 +451,14 @@
           <a:effectLst/>
           <a:extLst>
             <a:ext uri="{909E8E84-426E-40DD-AFC4-6F175D3DCCD1}">
-              <a14:hiddenFill xmlns:a14="http://schemas.microsoft.com/office/drawing/2010/main" xmlns="">
+              <a14:hiddenFill xmlns:a14="http://schemas.microsoft.com/office/drawing/2010/main">
                 <a:solidFill>
                   <a:schemeClr val="accent1"/>
                 </a:solidFill>
               </a14:hiddenFill>
             </a:ext>
             <a:ext uri="{91240B29-F687-4F45-9708-019B960494DF}">
-              <a14:hiddenLine xmlns:a14="http://schemas.microsoft.com/office/drawing/2010/main" xmlns="" w="9525">
+              <a14:hiddenLine xmlns:a14="http://schemas.microsoft.com/office/drawing/2010/main" w="9525">
                 <a:solidFill>
                   <a:schemeClr val="tx1"/>
                 </a:solidFill>
@@ -420,7 +468,7 @@
               </a14:hiddenLine>
             </a:ext>
             <a:ext uri="{AF507438-7753-43E0-B8FC-AC1667EBCBE1}">
-              <a14:hiddenEffects xmlns:a14="http://schemas.microsoft.com/office/drawing/2010/main" xmlns="">
+              <a14:hiddenEffects xmlns:a14="http://schemas.microsoft.com/office/drawing/2010/main">
                 <a:effectLst>
                   <a:outerShdw dist="35921" dir="2700000" algn="ctr" rotWithShape="0">
                     <a:schemeClr val="bg2"/>
@@ -499,14 +547,14 @@
           <a:effectLst/>
           <a:extLst>
             <a:ext uri="{909E8E84-426E-40DD-AFC4-6F175D3DCCD1}">
-              <a14:hiddenFill xmlns:a14="http://schemas.microsoft.com/office/drawing/2010/main" xmlns="">
+              <a14:hiddenFill xmlns:a14="http://schemas.microsoft.com/office/drawing/2010/main">
                 <a:solidFill>
                   <a:schemeClr val="accent1"/>
                 </a:solidFill>
               </a14:hiddenFill>
             </a:ext>
             <a:ext uri="{91240B29-F687-4F45-9708-019B960494DF}">
-              <a14:hiddenLine xmlns:a14="http://schemas.microsoft.com/office/drawing/2010/main" xmlns="" w="9525">
+              <a14:hiddenLine xmlns:a14="http://schemas.microsoft.com/office/drawing/2010/main" w="9525">
                 <a:solidFill>
                   <a:schemeClr val="tx1"/>
                 </a:solidFill>
@@ -516,7 +564,7 @@
               </a14:hiddenLine>
             </a:ext>
             <a:ext uri="{AF507438-7753-43E0-B8FC-AC1667EBCBE1}">
-              <a14:hiddenEffects xmlns:a14="http://schemas.microsoft.com/office/drawing/2010/main" xmlns="">
+              <a14:hiddenEffects xmlns:a14="http://schemas.microsoft.com/office/drawing/2010/main">
                 <a:effectLst>
                   <a:outerShdw dist="35921" dir="2700000" algn="ctr" rotWithShape="0">
                     <a:schemeClr val="bg2"/>
@@ -570,14 +618,14 @@
           <a:effectLst/>
           <a:extLst>
             <a:ext uri="{909E8E84-426E-40DD-AFC4-6F175D3DCCD1}">
-              <a14:hiddenFill xmlns:a14="http://schemas.microsoft.com/office/drawing/2010/main" xmlns="">
+              <a14:hiddenFill xmlns:a14="http://schemas.microsoft.com/office/drawing/2010/main">
                 <a:solidFill>
                   <a:schemeClr val="accent1"/>
                 </a:solidFill>
               </a14:hiddenFill>
             </a:ext>
             <a:ext uri="{91240B29-F687-4F45-9708-019B960494DF}">
-              <a14:hiddenLine xmlns:a14="http://schemas.microsoft.com/office/drawing/2010/main" xmlns="" w="9525">
+              <a14:hiddenLine xmlns:a14="http://schemas.microsoft.com/office/drawing/2010/main" w="9525">
                 <a:solidFill>
                   <a:schemeClr val="tx1"/>
                 </a:solidFill>
@@ -587,7 +635,7 @@
               </a14:hiddenLine>
             </a:ext>
             <a:ext uri="{AF507438-7753-43E0-B8FC-AC1667EBCBE1}">
-              <a14:hiddenEffects xmlns:a14="http://schemas.microsoft.com/office/drawing/2010/main" xmlns="">
+              <a14:hiddenEffects xmlns:a14="http://schemas.microsoft.com/office/drawing/2010/main">
                 <a:effectLst>
                   <a:outerShdw dist="35921" dir="2700000" algn="ctr" rotWithShape="0">
                     <a:schemeClr val="bg2"/>
@@ -626,7 +674,7 @@
     </p:spTree>
     <p:extLst>
       <p:ext uri="{BB962C8B-B14F-4D97-AF65-F5344CB8AC3E}">
-        <p14:creationId xmlns:p14="http://schemas.microsoft.com/office/powerpoint/2010/main" xmlns="" val="1016880840"/>
+        <p14:creationId xmlns:p14="http://schemas.microsoft.com/office/powerpoint/2010/main" val="1016880840"/>
       </p:ext>
     </p:extLst>
   </p:cSld>
@@ -873,7 +921,7 @@
     </p:spTree>
     <p:extLst>
       <p:ext uri="{BB962C8B-B14F-4D97-AF65-F5344CB8AC3E}">
-        <p14:creationId xmlns:p14="http://schemas.microsoft.com/office/powerpoint/2010/main" xmlns="" val="3266833690"/>
+        <p14:creationId xmlns:p14="http://schemas.microsoft.com/office/powerpoint/2010/main" val="3266833690"/>
       </p:ext>
     </p:extLst>
   </p:cSld>
@@ -1010,7 +1058,7 @@
               <a:pPr>
                 <a:defRPr/>
               </a:pPr>
-              <a:t>10/29/2017</a:t>
+              <a:t>11/19/2017</a:t>
             </a:fld>
             <a:endParaRPr lang="en-US" altLang="en-US"/>
           </a:p>
@@ -1097,7 +1145,7 @@
     </p:spTree>
     <p:extLst>
       <p:ext uri="{BB962C8B-B14F-4D97-AF65-F5344CB8AC3E}">
-        <p14:creationId xmlns:p14="http://schemas.microsoft.com/office/powerpoint/2010/main" xmlns="" val="1730415393"/>
+        <p14:creationId xmlns:p14="http://schemas.microsoft.com/office/powerpoint/2010/main" val="1730415393"/>
       </p:ext>
     </p:extLst>
   </p:cSld>
@@ -1244,7 +1292,7 @@
               <a:pPr>
                 <a:defRPr/>
               </a:pPr>
-              <a:t>10/29/2017</a:t>
+              <a:t>11/19/2017</a:t>
             </a:fld>
             <a:endParaRPr lang="en-US" altLang="en-US"/>
           </a:p>
@@ -1331,7 +1379,7 @@
     </p:spTree>
     <p:extLst>
       <p:ext uri="{BB962C8B-B14F-4D97-AF65-F5344CB8AC3E}">
-        <p14:creationId xmlns:p14="http://schemas.microsoft.com/office/powerpoint/2010/main" xmlns="" val="3400579074"/>
+        <p14:creationId xmlns:p14="http://schemas.microsoft.com/office/powerpoint/2010/main" val="3400579074"/>
       </p:ext>
     </p:extLst>
   </p:cSld>
@@ -1436,7 +1484,7 @@
     </p:spTree>
     <p:extLst>
       <p:ext uri="{BB962C8B-B14F-4D97-AF65-F5344CB8AC3E}">
-        <p14:creationId xmlns:p14="http://schemas.microsoft.com/office/powerpoint/2010/main" xmlns="" val="3909272198"/>
+        <p14:creationId xmlns:p14="http://schemas.microsoft.com/office/powerpoint/2010/main" val="3909272198"/>
       </p:ext>
     </p:extLst>
   </p:cSld>
@@ -1563,7 +1611,7 @@
     </p:spTree>
     <p:extLst>
       <p:ext uri="{BB962C8B-B14F-4D97-AF65-F5344CB8AC3E}">
-        <p14:creationId xmlns:p14="http://schemas.microsoft.com/office/powerpoint/2010/main" xmlns="" val="1834414426"/>
+        <p14:creationId xmlns:p14="http://schemas.microsoft.com/office/powerpoint/2010/main" val="1834414426"/>
       </p:ext>
     </p:extLst>
   </p:cSld>
@@ -1730,7 +1778,7 @@
     </p:spTree>
     <p:extLst>
       <p:ext uri="{BB962C8B-B14F-4D97-AF65-F5344CB8AC3E}">
-        <p14:creationId xmlns:p14="http://schemas.microsoft.com/office/powerpoint/2010/main" xmlns="" val="744733422"/>
+        <p14:creationId xmlns:p14="http://schemas.microsoft.com/office/powerpoint/2010/main" val="744733422"/>
       </p:ext>
     </p:extLst>
   </p:cSld>
@@ -2032,7 +2080,7 @@
     </p:spTree>
     <p:extLst>
       <p:ext uri="{BB962C8B-B14F-4D97-AF65-F5344CB8AC3E}">
-        <p14:creationId xmlns:p14="http://schemas.microsoft.com/office/powerpoint/2010/main" xmlns="" val="3457555674"/>
+        <p14:creationId xmlns:p14="http://schemas.microsoft.com/office/powerpoint/2010/main" val="3457555674"/>
       </p:ext>
     </p:extLst>
   </p:cSld>
@@ -2117,7 +2165,7 @@
               <a:pPr>
                 <a:defRPr/>
               </a:pPr>
-              <a:t>10/29/2017</a:t>
+              <a:t>11/19/2017</a:t>
             </a:fld>
             <a:endParaRPr lang="en-US" altLang="en-US"/>
           </a:p>
@@ -2204,7 +2252,7 @@
     </p:spTree>
     <p:extLst>
       <p:ext uri="{BB962C8B-B14F-4D97-AF65-F5344CB8AC3E}">
-        <p14:creationId xmlns:p14="http://schemas.microsoft.com/office/powerpoint/2010/main" xmlns="" val="3861976490"/>
+        <p14:creationId xmlns:p14="http://schemas.microsoft.com/office/powerpoint/2010/main" val="3861976490"/>
       </p:ext>
     </p:extLst>
   </p:cSld>
@@ -2266,7 +2314,7 @@
               <a:pPr>
                 <a:defRPr/>
               </a:pPr>
-              <a:t>10/29/2017</a:t>
+              <a:t>11/19/2017</a:t>
             </a:fld>
             <a:endParaRPr lang="en-US" altLang="en-US"/>
           </a:p>
@@ -2353,7 +2401,7 @@
     </p:spTree>
     <p:extLst>
       <p:ext uri="{BB962C8B-B14F-4D97-AF65-F5344CB8AC3E}">
-        <p14:creationId xmlns:p14="http://schemas.microsoft.com/office/powerpoint/2010/main" xmlns="" val="664392681"/>
+        <p14:creationId xmlns:p14="http://schemas.microsoft.com/office/powerpoint/2010/main" val="664392681"/>
       </p:ext>
     </p:extLst>
   </p:cSld>
@@ -2597,7 +2645,7 @@
               <a:pPr>
                 <a:defRPr/>
               </a:pPr>
-              <a:t>10/29/2017</a:t>
+              <a:t>11/19/2017</a:t>
             </a:fld>
             <a:endParaRPr lang="en-US" altLang="en-US"/>
           </a:p>
@@ -2684,7 +2732,7 @@
     </p:spTree>
     <p:extLst>
       <p:ext uri="{BB962C8B-B14F-4D97-AF65-F5344CB8AC3E}">
-        <p14:creationId xmlns:p14="http://schemas.microsoft.com/office/powerpoint/2010/main" xmlns="" val="2862084545"/>
+        <p14:creationId xmlns:p14="http://schemas.microsoft.com/office/powerpoint/2010/main" val="2862084545"/>
       </p:ext>
     </p:extLst>
   </p:cSld>
@@ -2905,7 +2953,7 @@
               <a:pPr>
                 <a:defRPr/>
               </a:pPr>
-              <a:t>10/29/2017</a:t>
+              <a:t>11/19/2017</a:t>
             </a:fld>
             <a:endParaRPr lang="en-US" altLang="en-US"/>
           </a:p>
@@ -2992,7 +3040,7 @@
     </p:spTree>
     <p:extLst>
       <p:ext uri="{BB962C8B-B14F-4D97-AF65-F5344CB8AC3E}">
-        <p14:creationId xmlns:p14="http://schemas.microsoft.com/office/powerpoint/2010/main" xmlns="" val="3487852279"/>
+        <p14:creationId xmlns:p14="http://schemas.microsoft.com/office/powerpoint/2010/main" val="3487852279"/>
       </p:ext>
     </p:extLst>
   </p:cSld>
@@ -3052,14 +3100,14 @@
           <a:effectLst/>
           <a:extLst>
             <a:ext uri="{909E8E84-426E-40DD-AFC4-6F175D3DCCD1}">
-              <a14:hiddenFill xmlns:a14="http://schemas.microsoft.com/office/drawing/2010/main" xmlns="">
+              <a14:hiddenFill xmlns:a14="http://schemas.microsoft.com/office/drawing/2010/main">
                 <a:solidFill>
                   <a:schemeClr val="accent1"/>
                 </a:solidFill>
               </a14:hiddenFill>
             </a:ext>
             <a:ext uri="{91240B29-F687-4F45-9708-019B960494DF}">
-              <a14:hiddenLine xmlns:a14="http://schemas.microsoft.com/office/drawing/2010/main" xmlns="" w="9525">
+              <a14:hiddenLine xmlns:a14="http://schemas.microsoft.com/office/drawing/2010/main" w="9525">
                 <a:solidFill>
                   <a:schemeClr val="tx1"/>
                 </a:solidFill>
@@ -3069,7 +3117,7 @@
               </a14:hiddenLine>
             </a:ext>
             <a:ext uri="{AF507438-7753-43E0-B8FC-AC1667EBCBE1}">
-              <a14:hiddenEffects xmlns:a14="http://schemas.microsoft.com/office/drawing/2010/main" xmlns="">
+              <a14:hiddenEffects xmlns:a14="http://schemas.microsoft.com/office/drawing/2010/main">
                 <a:effectLst>
                   <a:outerShdw dist="35921" dir="2700000" algn="ctr" rotWithShape="0">
                     <a:schemeClr val="bg2"/>
@@ -3120,14 +3168,14 @@
           <a:effectLst/>
           <a:extLst>
             <a:ext uri="{909E8E84-426E-40DD-AFC4-6F175D3DCCD1}">
-              <a14:hiddenFill xmlns:a14="http://schemas.microsoft.com/office/drawing/2010/main" xmlns="">
+              <a14:hiddenFill xmlns:a14="http://schemas.microsoft.com/office/drawing/2010/main">
                 <a:solidFill>
                   <a:schemeClr val="accent1"/>
                 </a:solidFill>
               </a14:hiddenFill>
             </a:ext>
             <a:ext uri="{91240B29-F687-4F45-9708-019B960494DF}">
-              <a14:hiddenLine xmlns:a14="http://schemas.microsoft.com/office/drawing/2010/main" xmlns="" w="9525">
+              <a14:hiddenLine xmlns:a14="http://schemas.microsoft.com/office/drawing/2010/main" w="9525">
                 <a:solidFill>
                   <a:schemeClr val="tx1"/>
                 </a:solidFill>
@@ -3137,7 +3185,7 @@
               </a14:hiddenLine>
             </a:ext>
             <a:ext uri="{AF507438-7753-43E0-B8FC-AC1667EBCBE1}">
-              <a14:hiddenEffects xmlns:a14="http://schemas.microsoft.com/office/drawing/2010/main" xmlns="">
+              <a14:hiddenEffects xmlns:a14="http://schemas.microsoft.com/office/drawing/2010/main">
                 <a:effectLst>
                   <a:outerShdw dist="35921" dir="2700000" algn="ctr" rotWithShape="0">
                     <a:schemeClr val="bg2"/>
@@ -3685,14 +3733,14 @@
           </a:ln>
           <a:extLst>
             <a:ext uri="{909E8E84-426E-40DD-AFC4-6F175D3DCCD1}">
-              <a14:hiddenFill xmlns:a14="http://schemas.microsoft.com/office/drawing/2010/main" xmlns="">
+              <a14:hiddenFill xmlns:a14="http://schemas.microsoft.com/office/drawing/2010/main">
                 <a:solidFill>
                   <a:srgbClr val="FFFFFF"/>
                 </a:solidFill>
               </a14:hiddenFill>
             </a:ext>
             <a:ext uri="{91240B29-F687-4F45-9708-019B960494DF}">
-              <a14:hiddenLine xmlns:a14="http://schemas.microsoft.com/office/drawing/2010/main" xmlns="" w="9525">
+              <a14:hiddenLine xmlns:a14="http://schemas.microsoft.com/office/drawing/2010/main" w="9525">
                 <a:solidFill>
                   <a:srgbClr val="000000"/>
                 </a:solidFill>
@@ -3867,6 +3915,1504 @@
 </p:sld>
 </file>
 
+<file path=ppt/slides/slide10.xml><?xml version="1.0" encoding="utf-8"?>
+<p:sld xmlns:a="http://schemas.openxmlformats.org/drawingml/2006/main" xmlns:r="http://schemas.openxmlformats.org/officeDocument/2006/relationships" xmlns:p="http://schemas.openxmlformats.org/presentationml/2006/main">
+  <p:cSld>
+    <p:spTree>
+      <p:nvGrpSpPr>
+        <p:cNvPr id="1" name=""/>
+        <p:cNvGrpSpPr/>
+        <p:nvPr/>
+      </p:nvGrpSpPr>
+      <p:grpSpPr>
+        <a:xfrm>
+          <a:off x="0" y="0"/>
+          <a:ext cx="0" cy="0"/>
+          <a:chOff x="0" y="0"/>
+          <a:chExt cx="0" cy="0"/>
+        </a:xfrm>
+      </p:grpSpPr>
+      <p:sp>
+        <p:nvSpPr>
+          <p:cNvPr id="2" name="Title 1"/>
+          <p:cNvSpPr>
+            <a:spLocks noGrp="1"/>
+          </p:cNvSpPr>
+          <p:nvPr>
+            <p:ph type="title"/>
+          </p:nvPr>
+        </p:nvSpPr>
+        <p:spPr/>
+        <p:txBody>
+          <a:bodyPr/>
+          <a:lstStyle/>
+          <a:p>
+            <a:r>
+              <a:rPr lang="en-US" dirty="0" smtClean="0"/>
+              <a:t>Answer</a:t>
+            </a:r>
+            <a:endParaRPr lang="en-US" dirty="0"/>
+          </a:p>
+        </p:txBody>
+      </p:sp>
+      <p:sp>
+        <p:nvSpPr>
+          <p:cNvPr id="3" name="Content Placeholder 2"/>
+          <p:cNvSpPr>
+            <a:spLocks noGrp="1"/>
+          </p:cNvSpPr>
+          <p:nvPr>
+            <p:ph idx="1"/>
+          </p:nvPr>
+        </p:nvSpPr>
+        <p:spPr/>
+        <p:txBody>
+          <a:bodyPr/>
+          <a:lstStyle/>
+          <a:p>
+            <a:r>
+              <a:rPr lang="en-US" dirty="0"/>
+              <a:t>d</a:t>
+            </a:r>
+            <a:r>
+              <a:rPr lang="en-US" dirty="0" smtClean="0"/>
+              <a:t>) incremental development approach</a:t>
+            </a:r>
+          </a:p>
+          <a:p>
+            <a:endParaRPr lang="en-US" dirty="0"/>
+          </a:p>
+        </p:txBody>
+      </p:sp>
+    </p:spTree>
+    <p:extLst>
+      <p:ext uri="{BB962C8B-B14F-4D97-AF65-F5344CB8AC3E}">
+        <p14:creationId xmlns:p14="http://schemas.microsoft.com/office/powerpoint/2010/main" val="963848789"/>
+      </p:ext>
+    </p:extLst>
+  </p:cSld>
+  <p:clrMapOvr>
+    <a:masterClrMapping/>
+  </p:clrMapOvr>
+</p:sld>
+</file>
+
+<file path=ppt/slides/slide11.xml><?xml version="1.0" encoding="utf-8"?>
+<p:sld xmlns:a="http://schemas.openxmlformats.org/drawingml/2006/main" xmlns:r="http://schemas.openxmlformats.org/officeDocument/2006/relationships" xmlns:p="http://schemas.openxmlformats.org/presentationml/2006/main">
+  <p:cSld>
+    <p:spTree>
+      <p:nvGrpSpPr>
+        <p:cNvPr id="1" name=""/>
+        <p:cNvGrpSpPr/>
+        <p:nvPr/>
+      </p:nvGrpSpPr>
+      <p:grpSpPr>
+        <a:xfrm>
+          <a:off x="0" y="0"/>
+          <a:ext cx="0" cy="0"/>
+          <a:chOff x="0" y="0"/>
+          <a:chExt cx="0" cy="0"/>
+        </a:xfrm>
+      </p:grpSpPr>
+      <p:sp>
+        <p:nvSpPr>
+          <p:cNvPr id="2" name="Title 1"/>
+          <p:cNvSpPr>
+            <a:spLocks noGrp="1"/>
+          </p:cNvSpPr>
+          <p:nvPr>
+            <p:ph type="title"/>
+          </p:nvPr>
+        </p:nvSpPr>
+        <p:spPr/>
+        <p:txBody>
+          <a:bodyPr/>
+          <a:lstStyle/>
+          <a:p>
+            <a:r>
+              <a:rPr lang="en-GB" dirty="0" smtClean="0"/>
+              <a:t>Question</a:t>
+            </a:r>
+            <a:endParaRPr lang="en-GB" dirty="0"/>
+          </a:p>
+        </p:txBody>
+      </p:sp>
+      <p:sp>
+        <p:nvSpPr>
+          <p:cNvPr id="3" name="Content Placeholder 2"/>
+          <p:cNvSpPr>
+            <a:spLocks noGrp="1"/>
+          </p:cNvSpPr>
+          <p:nvPr>
+            <p:ph idx="1"/>
+          </p:nvPr>
+        </p:nvSpPr>
+        <p:spPr/>
+        <p:txBody>
+          <a:bodyPr/>
+          <a:lstStyle/>
+          <a:p>
+            <a:r>
+              <a:rPr lang="en-GB" dirty="0" smtClean="0"/>
+              <a:t>What are the four lifecycle phases for SCRUM?</a:t>
+            </a:r>
+            <a:endParaRPr lang="en-GB" dirty="0"/>
+          </a:p>
+        </p:txBody>
+      </p:sp>
+      <p:pic>
+        <p:nvPicPr>
+          <p:cNvPr id="4" name="Picture 1"/>
+          <p:cNvPicPr>
+            <a:picLocks noChangeAspect="1"/>
+          </p:cNvPicPr>
+          <p:nvPr/>
+        </p:nvPicPr>
+        <p:blipFill>
+          <a:blip r:embed="rId2">
+            <a:extLst>
+              <a:ext uri="{28A0092B-C50C-407E-A947-70E740481C1C}">
+                <a14:useLocalDpi xmlns:a14="http://schemas.microsoft.com/office/drawing/2010/main" val="0"/>
+              </a:ext>
+            </a:extLst>
+          </a:blip>
+          <a:srcRect/>
+          <a:stretch>
+            <a:fillRect/>
+          </a:stretch>
+        </p:blipFill>
+        <p:spPr bwMode="auto">
+          <a:xfrm>
+            <a:off x="6468140" y="4800600"/>
+            <a:ext cx="2294860" cy="1879600"/>
+          </a:xfrm>
+          <a:prstGeom prst="rect">
+            <a:avLst/>
+          </a:prstGeom>
+          <a:noFill/>
+          <a:ln>
+            <a:noFill/>
+          </a:ln>
+          <a:extLst>
+            <a:ext uri="{909E8E84-426E-40DD-AFC4-6F175D3DCCD1}">
+              <a14:hiddenFill xmlns:a14="http://schemas.microsoft.com/office/drawing/2010/main">
+                <a:solidFill>
+                  <a:srgbClr val="FFFFFF"/>
+                </a:solidFill>
+              </a14:hiddenFill>
+            </a:ext>
+            <a:ext uri="{91240B29-F687-4F45-9708-019B960494DF}">
+              <a14:hiddenLine xmlns:a14="http://schemas.microsoft.com/office/drawing/2010/main" w="9525">
+                <a:solidFill>
+                  <a:srgbClr val="000000"/>
+                </a:solidFill>
+                <a:miter lim="800000"/>
+                <a:headEnd/>
+                <a:tailEnd/>
+              </a14:hiddenLine>
+            </a:ext>
+          </a:extLst>
+        </p:spPr>
+      </p:pic>
+    </p:spTree>
+    <p:extLst>
+      <p:ext uri="{BB962C8B-B14F-4D97-AF65-F5344CB8AC3E}">
+        <p14:creationId xmlns:p14="http://schemas.microsoft.com/office/powerpoint/2010/main" val="3291156147"/>
+      </p:ext>
+    </p:extLst>
+  </p:cSld>
+  <p:clrMapOvr>
+    <a:masterClrMapping/>
+  </p:clrMapOvr>
+</p:sld>
+</file>
+
+<file path=ppt/slides/slide12.xml><?xml version="1.0" encoding="utf-8"?>
+<p:sld xmlns:a="http://schemas.openxmlformats.org/drawingml/2006/main" xmlns:r="http://schemas.openxmlformats.org/officeDocument/2006/relationships" xmlns:p="http://schemas.openxmlformats.org/presentationml/2006/main">
+  <p:cSld>
+    <p:spTree>
+      <p:nvGrpSpPr>
+        <p:cNvPr id="1" name=""/>
+        <p:cNvGrpSpPr/>
+        <p:nvPr/>
+      </p:nvGrpSpPr>
+      <p:grpSpPr>
+        <a:xfrm>
+          <a:off x="0" y="0"/>
+          <a:ext cx="0" cy="0"/>
+          <a:chOff x="0" y="0"/>
+          <a:chExt cx="0" cy="0"/>
+        </a:xfrm>
+      </p:grpSpPr>
+      <p:sp>
+        <p:nvSpPr>
+          <p:cNvPr id="2" name="Title 1"/>
+          <p:cNvSpPr>
+            <a:spLocks noGrp="1"/>
+          </p:cNvSpPr>
+          <p:nvPr>
+            <p:ph type="title"/>
+          </p:nvPr>
+        </p:nvSpPr>
+        <p:spPr/>
+        <p:txBody>
+          <a:bodyPr/>
+          <a:lstStyle/>
+          <a:p>
+            <a:r>
+              <a:rPr lang="en-GB" dirty="0" smtClean="0"/>
+              <a:t>Answer</a:t>
+            </a:r>
+            <a:endParaRPr lang="en-GB" dirty="0"/>
+          </a:p>
+        </p:txBody>
+      </p:sp>
+      <p:sp>
+        <p:nvSpPr>
+          <p:cNvPr id="3" name="Content Placeholder 2"/>
+          <p:cNvSpPr>
+            <a:spLocks noGrp="1"/>
+          </p:cNvSpPr>
+          <p:nvPr>
+            <p:ph idx="1"/>
+          </p:nvPr>
+        </p:nvSpPr>
+        <p:spPr/>
+        <p:txBody>
+          <a:bodyPr/>
+          <a:lstStyle/>
+          <a:p>
+            <a:r>
+              <a:rPr lang="en-US" dirty="0">
+                <a:solidFill>
+                  <a:srgbClr val="FF0000"/>
+                </a:solidFill>
+              </a:rPr>
+              <a:t>SCRUM</a:t>
+            </a:r>
+            <a:r>
+              <a:rPr lang="en-US" dirty="0"/>
+              <a:t> lifecycle includes </a:t>
+            </a:r>
+            <a:r>
+              <a:rPr lang="en-US" dirty="0">
+                <a:solidFill>
+                  <a:srgbClr val="FF0000"/>
+                </a:solidFill>
+              </a:rPr>
+              <a:t>four</a:t>
+            </a:r>
+            <a:r>
+              <a:rPr lang="en-US" dirty="0"/>
+              <a:t> </a:t>
+            </a:r>
+            <a:r>
+              <a:rPr lang="en-US" dirty="0" smtClean="0"/>
+              <a:t>phases:</a:t>
+            </a:r>
+            <a:endParaRPr lang="en-US" dirty="0"/>
+          </a:p>
+          <a:p>
+            <a:pPr marL="514350" indent="-514350">
+              <a:buAutoNum type="arabicPeriod"/>
+            </a:pPr>
+            <a:r>
+              <a:rPr lang="en-US" i="1" dirty="0" smtClean="0">
+                <a:solidFill>
+                  <a:schemeClr val="bg1"/>
+                </a:solidFill>
+              </a:rPr>
+              <a:t>Planning</a:t>
+            </a:r>
+          </a:p>
+          <a:p>
+            <a:pPr marL="514350" indent="-514350">
+              <a:buAutoNum type="arabicPeriod"/>
+            </a:pPr>
+            <a:r>
+              <a:rPr lang="en-US" i="1" dirty="0" smtClean="0">
+                <a:solidFill>
+                  <a:schemeClr val="bg1"/>
+                </a:solidFill>
+              </a:rPr>
+              <a:t>Staging</a:t>
+            </a:r>
+          </a:p>
+          <a:p>
+            <a:pPr marL="514350" indent="-514350">
+              <a:buAutoNum type="arabicPeriod"/>
+            </a:pPr>
+            <a:r>
+              <a:rPr lang="en-US" i="1" dirty="0" smtClean="0">
+                <a:solidFill>
+                  <a:schemeClr val="bg1"/>
+                </a:solidFill>
+              </a:rPr>
+              <a:t>Development</a:t>
+            </a:r>
+          </a:p>
+          <a:p>
+            <a:pPr marL="514350" indent="-514350">
+              <a:buAutoNum type="arabicPeriod"/>
+            </a:pPr>
+            <a:r>
+              <a:rPr lang="en-US" i="1" dirty="0" smtClean="0">
+                <a:solidFill>
+                  <a:schemeClr val="bg1"/>
+                </a:solidFill>
+              </a:rPr>
+              <a:t>Release</a:t>
+            </a:r>
+            <a:endParaRPr lang="en-GB" dirty="0"/>
+          </a:p>
+        </p:txBody>
+      </p:sp>
+    </p:spTree>
+    <p:extLst>
+      <p:ext uri="{BB962C8B-B14F-4D97-AF65-F5344CB8AC3E}">
+        <p14:creationId xmlns:p14="http://schemas.microsoft.com/office/powerpoint/2010/main" val="746122061"/>
+      </p:ext>
+    </p:extLst>
+  </p:cSld>
+  <p:clrMapOvr>
+    <a:masterClrMapping/>
+  </p:clrMapOvr>
+</p:sld>
+</file>
+
+<file path=ppt/slides/slide13.xml><?xml version="1.0" encoding="utf-8"?>
+<p:sld xmlns:a="http://schemas.openxmlformats.org/drawingml/2006/main" xmlns:r="http://schemas.openxmlformats.org/officeDocument/2006/relationships" xmlns:p="http://schemas.openxmlformats.org/presentationml/2006/main">
+  <p:cSld>
+    <p:spTree>
+      <p:nvGrpSpPr>
+        <p:cNvPr id="1" name=""/>
+        <p:cNvGrpSpPr/>
+        <p:nvPr/>
+      </p:nvGrpSpPr>
+      <p:grpSpPr>
+        <a:xfrm>
+          <a:off x="0" y="0"/>
+          <a:ext cx="0" cy="0"/>
+          <a:chOff x="0" y="0"/>
+          <a:chExt cx="0" cy="0"/>
+        </a:xfrm>
+      </p:grpSpPr>
+      <p:sp>
+        <p:nvSpPr>
+          <p:cNvPr id="2" name="Title 1"/>
+          <p:cNvSpPr>
+            <a:spLocks noGrp="1"/>
+          </p:cNvSpPr>
+          <p:nvPr>
+            <p:ph type="title"/>
+          </p:nvPr>
+        </p:nvSpPr>
+        <p:spPr/>
+        <p:txBody>
+          <a:bodyPr/>
+          <a:lstStyle/>
+          <a:p>
+            <a:r>
+              <a:rPr lang="en-GB" dirty="0" smtClean="0"/>
+              <a:t>Question</a:t>
+            </a:r>
+            <a:endParaRPr lang="en-GB" dirty="0"/>
+          </a:p>
+        </p:txBody>
+      </p:sp>
+      <p:sp>
+        <p:nvSpPr>
+          <p:cNvPr id="3" name="Content Placeholder 2"/>
+          <p:cNvSpPr>
+            <a:spLocks noGrp="1"/>
+          </p:cNvSpPr>
+          <p:nvPr>
+            <p:ph idx="1"/>
+          </p:nvPr>
+        </p:nvSpPr>
+        <p:spPr/>
+        <p:txBody>
+          <a:bodyPr/>
+          <a:lstStyle/>
+          <a:p>
+            <a:r>
+              <a:rPr lang="en-GB" dirty="0" smtClean="0"/>
+              <a:t>Write down the differences between Agile and Plan-Driven development</a:t>
+            </a:r>
+            <a:endParaRPr lang="en-GB" dirty="0"/>
+          </a:p>
+        </p:txBody>
+      </p:sp>
+      <p:pic>
+        <p:nvPicPr>
+          <p:cNvPr id="4" name="Picture 1"/>
+          <p:cNvPicPr>
+            <a:picLocks noChangeAspect="1"/>
+          </p:cNvPicPr>
+          <p:nvPr/>
+        </p:nvPicPr>
+        <p:blipFill>
+          <a:blip r:embed="rId2">
+            <a:extLst>
+              <a:ext uri="{28A0092B-C50C-407E-A947-70E740481C1C}">
+                <a14:useLocalDpi xmlns:a14="http://schemas.microsoft.com/office/drawing/2010/main" val="0"/>
+              </a:ext>
+            </a:extLst>
+          </a:blip>
+          <a:srcRect/>
+          <a:stretch>
+            <a:fillRect/>
+          </a:stretch>
+        </p:blipFill>
+        <p:spPr bwMode="auto">
+          <a:xfrm>
+            <a:off x="6468140" y="4800600"/>
+            <a:ext cx="2294860" cy="1879600"/>
+          </a:xfrm>
+          <a:prstGeom prst="rect">
+            <a:avLst/>
+          </a:prstGeom>
+          <a:noFill/>
+          <a:ln>
+            <a:noFill/>
+          </a:ln>
+          <a:extLst>
+            <a:ext uri="{909E8E84-426E-40DD-AFC4-6F175D3DCCD1}">
+              <a14:hiddenFill xmlns:a14="http://schemas.microsoft.com/office/drawing/2010/main">
+                <a:solidFill>
+                  <a:srgbClr val="FFFFFF"/>
+                </a:solidFill>
+              </a14:hiddenFill>
+            </a:ext>
+            <a:ext uri="{91240B29-F687-4F45-9708-019B960494DF}">
+              <a14:hiddenLine xmlns:a14="http://schemas.microsoft.com/office/drawing/2010/main" w="9525">
+                <a:solidFill>
+                  <a:srgbClr val="000000"/>
+                </a:solidFill>
+                <a:miter lim="800000"/>
+                <a:headEnd/>
+                <a:tailEnd/>
+              </a14:hiddenLine>
+            </a:ext>
+          </a:extLst>
+        </p:spPr>
+      </p:pic>
+    </p:spTree>
+    <p:extLst>
+      <p:ext uri="{BB962C8B-B14F-4D97-AF65-F5344CB8AC3E}">
+        <p14:creationId xmlns:p14="http://schemas.microsoft.com/office/powerpoint/2010/main" val="3440749323"/>
+      </p:ext>
+    </p:extLst>
+  </p:cSld>
+  <p:clrMapOvr>
+    <a:masterClrMapping/>
+  </p:clrMapOvr>
+</p:sld>
+</file>
+
+<file path=ppt/slides/slide14.xml><?xml version="1.0" encoding="utf-8"?>
+<p:sld xmlns:a="http://schemas.openxmlformats.org/drawingml/2006/main" xmlns:r="http://schemas.openxmlformats.org/officeDocument/2006/relationships" xmlns:p="http://schemas.openxmlformats.org/presentationml/2006/main">
+  <p:cSld>
+    <p:spTree>
+      <p:nvGrpSpPr>
+        <p:cNvPr id="1" name=""/>
+        <p:cNvGrpSpPr/>
+        <p:nvPr/>
+      </p:nvGrpSpPr>
+      <p:grpSpPr>
+        <a:xfrm>
+          <a:off x="0" y="0"/>
+          <a:ext cx="0" cy="0"/>
+          <a:chOff x="0" y="0"/>
+          <a:chExt cx="0" cy="0"/>
+        </a:xfrm>
+      </p:grpSpPr>
+      <p:sp>
+        <p:nvSpPr>
+          <p:cNvPr id="4" name="Content Placeholder 3"/>
+          <p:cNvSpPr>
+            <a:spLocks noGrp="1"/>
+          </p:cNvSpPr>
+          <p:nvPr>
+            <p:ph sz="half" idx="2"/>
+          </p:nvPr>
+        </p:nvSpPr>
+        <p:spPr>
+          <a:xfrm>
+            <a:off x="630238" y="609600"/>
+            <a:ext cx="3868737" cy="6172200"/>
+          </a:xfrm>
+        </p:spPr>
+        <p:txBody>
+          <a:bodyPr>
+            <a:normAutofit/>
+          </a:bodyPr>
+          <a:lstStyle/>
+          <a:p>
+            <a:r>
+              <a:rPr lang="en-US" sz="1600" dirty="0" smtClean="0"/>
+              <a:t>Project is small</a:t>
+            </a:r>
+          </a:p>
+          <a:p>
+            <a:r>
+              <a:rPr lang="en-US" sz="1600" dirty="0" smtClean="0"/>
+              <a:t>Experienced teams with a wide range of abilities take part</a:t>
+            </a:r>
+          </a:p>
+          <a:p>
+            <a:r>
+              <a:rPr lang="en-US" sz="1600" dirty="0" smtClean="0"/>
+              <a:t>Teams are self-starters, independent leaders and others who are self-directing</a:t>
+            </a:r>
+          </a:p>
+          <a:p>
+            <a:r>
+              <a:rPr lang="en-US" sz="1600" dirty="0" smtClean="0"/>
+              <a:t>Project is an in-house project and the team co-located</a:t>
+            </a:r>
+          </a:p>
+          <a:p>
+            <a:r>
+              <a:rPr lang="en-US" sz="1600" dirty="0" smtClean="0"/>
+              <a:t>System is new with lots of unknowns</a:t>
+            </a:r>
+          </a:p>
+          <a:p>
+            <a:r>
+              <a:rPr lang="en-US" sz="1600" dirty="0" smtClean="0"/>
+              <a:t>Requirements must be discovered</a:t>
+            </a:r>
+          </a:p>
+          <a:p>
+            <a:r>
+              <a:rPr lang="en-US" sz="1600" dirty="0" smtClean="0"/>
+              <a:t>Requirements and environment are volatile with high change rates</a:t>
+            </a:r>
+          </a:p>
+          <a:p>
+            <a:r>
+              <a:rPr lang="en-US" sz="1600" dirty="0" smtClean="0"/>
+              <a:t>End-user environment is flexible</a:t>
+            </a:r>
+          </a:p>
+          <a:p>
+            <a:r>
+              <a:rPr lang="en-US" sz="1600" dirty="0" smtClean="0"/>
+              <a:t>Relationship with customer is close and collaborative</a:t>
+            </a:r>
+          </a:p>
+          <a:p>
+            <a:r>
+              <a:rPr lang="en-US" sz="1600" dirty="0" smtClean="0"/>
+              <a:t>Customer is readily available dedicated and co-located</a:t>
+            </a:r>
+          </a:p>
+          <a:p>
+            <a:r>
+              <a:rPr lang="en-US" sz="1600" dirty="0" smtClean="0"/>
+              <a:t>High trust environment exists within the development teams and customer</a:t>
+            </a:r>
+          </a:p>
+          <a:p>
+            <a:r>
+              <a:rPr lang="en-US" sz="1600" dirty="0" smtClean="0"/>
+              <a:t>Rapid value and high-responsiveness are required</a:t>
+            </a:r>
+            <a:endParaRPr lang="en-US" sz="1600" dirty="0"/>
+          </a:p>
+        </p:txBody>
+      </p:sp>
+      <p:sp>
+        <p:nvSpPr>
+          <p:cNvPr id="6" name="Content Placeholder 5"/>
+          <p:cNvSpPr>
+            <a:spLocks noGrp="1"/>
+          </p:cNvSpPr>
+          <p:nvPr>
+            <p:ph sz="quarter" idx="4"/>
+          </p:nvPr>
+        </p:nvSpPr>
+        <p:spPr>
+          <a:xfrm>
+            <a:off x="4629150" y="609600"/>
+            <a:ext cx="3887788" cy="6172200"/>
+          </a:xfrm>
+        </p:spPr>
+        <p:txBody>
+          <a:bodyPr>
+            <a:normAutofit/>
+          </a:bodyPr>
+          <a:lstStyle/>
+          <a:p>
+            <a:r>
+              <a:rPr lang="en-US" sz="1600" dirty="0" smtClean="0"/>
+              <a:t>Project is large</a:t>
+            </a:r>
+          </a:p>
+          <a:p>
+            <a:r>
+              <a:rPr lang="en-US" sz="1600" dirty="0" smtClean="0"/>
+              <a:t>Teams include varied capabilities and skill sets</a:t>
+            </a:r>
+          </a:p>
+          <a:p>
+            <a:r>
+              <a:rPr lang="en-US" sz="1600" dirty="0" smtClean="0"/>
+              <a:t>Teams are geographically distributed and/or outsourced</a:t>
+            </a:r>
+          </a:p>
+          <a:p>
+            <a:r>
+              <a:rPr lang="en-US" sz="1600" dirty="0" smtClean="0"/>
+              <a:t>Project is of strategic importance</a:t>
+            </a:r>
+          </a:p>
+          <a:p>
+            <a:r>
+              <a:rPr lang="en-US" sz="1600" dirty="0" smtClean="0"/>
+              <a:t>System is well understood (scope and features set)</a:t>
+            </a:r>
+          </a:p>
+          <a:p>
+            <a:r>
+              <a:rPr lang="en-US" sz="1600" dirty="0" smtClean="0"/>
+              <a:t>Requirements are fairly stable</a:t>
+            </a:r>
+          </a:p>
+          <a:p>
+            <a:r>
+              <a:rPr lang="en-US" sz="1600" dirty="0" smtClean="0"/>
+              <a:t>System is large and complex (critical safety/high reliability requirements)</a:t>
+            </a:r>
+          </a:p>
+          <a:p>
+            <a:r>
+              <a:rPr lang="en-US" sz="1600" dirty="0" smtClean="0"/>
+              <a:t>Project stakeholders have a weak relationship with the development team</a:t>
+            </a:r>
+          </a:p>
+          <a:p>
+            <a:r>
+              <a:rPr lang="en-US" sz="1600" dirty="0" smtClean="0"/>
+              <a:t>External legal concerns</a:t>
+            </a:r>
+          </a:p>
+          <a:p>
+            <a:r>
+              <a:rPr lang="en-US" sz="1600" dirty="0" smtClean="0"/>
+              <a:t>Focus is on a strong, quantitative process improvement</a:t>
+            </a:r>
+          </a:p>
+          <a:p>
+            <a:r>
+              <a:rPr lang="en-US" sz="1600" dirty="0" smtClean="0"/>
+              <a:t>Definition and management of process are important</a:t>
+            </a:r>
+          </a:p>
+          <a:p>
+            <a:r>
+              <a:rPr lang="en-US" sz="1600" dirty="0" smtClean="0"/>
+              <a:t>Predictability and stability of process are important</a:t>
+            </a:r>
+            <a:endParaRPr lang="en-US" sz="1600" dirty="0"/>
+          </a:p>
+        </p:txBody>
+      </p:sp>
+      <p:sp>
+        <p:nvSpPr>
+          <p:cNvPr id="7" name="TextBox 6"/>
+          <p:cNvSpPr txBox="1"/>
+          <p:nvPr/>
+        </p:nvSpPr>
+        <p:spPr>
+          <a:xfrm>
+            <a:off x="1828800" y="76200"/>
+            <a:ext cx="5141151" cy="461665"/>
+          </a:xfrm>
+          <a:prstGeom prst="rect">
+            <a:avLst/>
+          </a:prstGeom>
+          <a:noFill/>
+        </p:spPr>
+        <p:txBody>
+          <a:bodyPr wrap="none" rtlCol="0">
+            <a:spAutoFit/>
+          </a:bodyPr>
+          <a:lstStyle/>
+          <a:p>
+            <a:r>
+              <a:rPr lang="en-US" dirty="0" smtClean="0">
+                <a:solidFill>
+                  <a:schemeClr val="bg2"/>
+                </a:solidFill>
+              </a:rPr>
+              <a:t>Agile                                    Plan-Driven</a:t>
+            </a:r>
+            <a:endParaRPr lang="en-US" dirty="0">
+              <a:solidFill>
+                <a:schemeClr val="bg2"/>
+              </a:solidFill>
+            </a:endParaRPr>
+          </a:p>
+        </p:txBody>
+      </p:sp>
+      <p:sp>
+        <p:nvSpPr>
+          <p:cNvPr id="2" name="TextBox 1"/>
+          <p:cNvSpPr txBox="1"/>
+          <p:nvPr/>
+        </p:nvSpPr>
+        <p:spPr>
+          <a:xfrm>
+            <a:off x="3581400" y="76200"/>
+            <a:ext cx="1143262" cy="461665"/>
+          </a:xfrm>
+          <a:prstGeom prst="rect">
+            <a:avLst/>
+          </a:prstGeom>
+          <a:noFill/>
+        </p:spPr>
+        <p:txBody>
+          <a:bodyPr wrap="none" rtlCol="0">
+            <a:spAutoFit/>
+          </a:bodyPr>
+          <a:lstStyle/>
+          <a:p>
+            <a:r>
+              <a:rPr lang="en-GB" dirty="0" smtClean="0">
+                <a:solidFill>
+                  <a:srgbClr val="FF0000"/>
+                </a:solidFill>
+              </a:rPr>
+              <a:t>Answer</a:t>
+            </a:r>
+            <a:endParaRPr lang="en-GB" dirty="0">
+              <a:solidFill>
+                <a:srgbClr val="FF0000"/>
+              </a:solidFill>
+            </a:endParaRPr>
+          </a:p>
+        </p:txBody>
+      </p:sp>
+    </p:spTree>
+    <p:extLst>
+      <p:ext uri="{BB962C8B-B14F-4D97-AF65-F5344CB8AC3E}">
+        <p14:creationId xmlns:p14="http://schemas.microsoft.com/office/powerpoint/2010/main" val="1315319606"/>
+      </p:ext>
+    </p:extLst>
+  </p:cSld>
+  <p:clrMapOvr>
+    <a:masterClrMapping/>
+  </p:clrMapOvr>
+  <p:timing>
+    <p:tnLst>
+      <p:par>
+        <p:cTn id="1" dur="indefinite" restart="never" nodeType="tmRoot"/>
+      </p:par>
+    </p:tnLst>
+  </p:timing>
+</p:sld>
+</file>
+
+<file path=ppt/slides/slide15.xml><?xml version="1.0" encoding="utf-8"?>
+<p:sld xmlns:a="http://schemas.openxmlformats.org/drawingml/2006/main" xmlns:r="http://schemas.openxmlformats.org/officeDocument/2006/relationships" xmlns:p="http://schemas.openxmlformats.org/presentationml/2006/main">
+  <p:cSld>
+    <p:spTree>
+      <p:nvGrpSpPr>
+        <p:cNvPr id="1" name=""/>
+        <p:cNvGrpSpPr/>
+        <p:nvPr/>
+      </p:nvGrpSpPr>
+      <p:grpSpPr>
+        <a:xfrm>
+          <a:off x="0" y="0"/>
+          <a:ext cx="0" cy="0"/>
+          <a:chOff x="0" y="0"/>
+          <a:chExt cx="0" cy="0"/>
+        </a:xfrm>
+      </p:grpSpPr>
+      <p:sp>
+        <p:nvSpPr>
+          <p:cNvPr id="10242" name="Rectangle 2"/>
+          <p:cNvSpPr>
+            <a:spLocks noGrp="1" noChangeArrowheads="1"/>
+          </p:cNvSpPr>
+          <p:nvPr>
+            <p:ph type="title"/>
+          </p:nvPr>
+        </p:nvSpPr>
+        <p:spPr/>
+        <p:txBody>
+          <a:bodyPr/>
+          <a:lstStyle/>
+          <a:p>
+            <a:pPr eaLnBrk="1" hangingPunct="1"/>
+            <a:r>
+              <a:rPr lang="en-US" altLang="en-US" smtClean="0"/>
+              <a:t>Outline</a:t>
+            </a:r>
+          </a:p>
+        </p:txBody>
+      </p:sp>
+      <p:sp>
+        <p:nvSpPr>
+          <p:cNvPr id="10243" name="Rectangle 3"/>
+          <p:cNvSpPr>
+            <a:spLocks noGrp="1" noChangeArrowheads="1"/>
+          </p:cNvSpPr>
+          <p:nvPr>
+            <p:ph idx="1"/>
+          </p:nvPr>
+        </p:nvSpPr>
+        <p:spPr>
+          <a:xfrm>
+            <a:off x="685800" y="1981200"/>
+            <a:ext cx="7924800" cy="4572000"/>
+          </a:xfrm>
+        </p:spPr>
+        <p:txBody>
+          <a:bodyPr/>
+          <a:lstStyle/>
+          <a:p>
+            <a:pPr eaLnBrk="1" hangingPunct="1"/>
+            <a:r>
+              <a:rPr lang="en-US" altLang="en-US" dirty="0" smtClean="0"/>
+              <a:t>Review</a:t>
+            </a:r>
+          </a:p>
+          <a:p>
+            <a:pPr eaLnBrk="1" hangingPunct="1"/>
+            <a:r>
+              <a:rPr lang="en-US" altLang="en-US" dirty="0" smtClean="0"/>
+              <a:t>What do we mean by Pragmatics?</a:t>
+            </a:r>
+          </a:p>
+          <a:p>
+            <a:pPr eaLnBrk="1" hangingPunct="1"/>
+            <a:r>
+              <a:rPr lang="en-US" altLang="en-US" dirty="0" smtClean="0"/>
+              <a:t>Management and Planning</a:t>
+            </a:r>
+          </a:p>
+          <a:p>
+            <a:pPr eaLnBrk="1" hangingPunct="1"/>
+            <a:r>
+              <a:rPr lang="en-US" altLang="en-US" dirty="0" smtClean="0"/>
+              <a:t>Benefits and Risks of Object Orientated Methods</a:t>
+            </a:r>
+          </a:p>
+          <a:p>
+            <a:pPr eaLnBrk="1" hangingPunct="1"/>
+            <a:r>
+              <a:rPr lang="en-US" altLang="en-US" dirty="0" smtClean="0"/>
+              <a:t>Testing</a:t>
+            </a:r>
+          </a:p>
+          <a:p>
+            <a:pPr eaLnBrk="1" hangingPunct="1"/>
+            <a:r>
+              <a:rPr lang="en-US" altLang="en-US" dirty="0" smtClean="0"/>
+              <a:t>Conclusion &amp; Discussion</a:t>
+            </a:r>
+          </a:p>
+        </p:txBody>
+      </p:sp>
+    </p:spTree>
+  </p:cSld>
+  <p:clrMapOvr>
+    <a:masterClrMapping/>
+  </p:clrMapOvr>
+  <p:timing>
+    <p:tnLst>
+      <p:par>
+        <p:cTn id="1" dur="indefinite" restart="never" nodeType="tmRoot"/>
+      </p:par>
+    </p:tnLst>
+  </p:timing>
+</p:sld>
+</file>
+
+<file path=ppt/slides/slide16.xml><?xml version="1.0" encoding="utf-8"?>
+<p:sld xmlns:a="http://schemas.openxmlformats.org/drawingml/2006/main" xmlns:r="http://schemas.openxmlformats.org/officeDocument/2006/relationships" xmlns:p="http://schemas.openxmlformats.org/presentationml/2006/main">
+  <p:cSld>
+    <p:spTree>
+      <p:nvGrpSpPr>
+        <p:cNvPr id="1" name=""/>
+        <p:cNvGrpSpPr/>
+        <p:nvPr/>
+      </p:nvGrpSpPr>
+      <p:grpSpPr>
+        <a:xfrm>
+          <a:off x="0" y="0"/>
+          <a:ext cx="0" cy="0"/>
+          <a:chOff x="0" y="0"/>
+          <a:chExt cx="0" cy="0"/>
+        </a:xfrm>
+      </p:grpSpPr>
+      <p:sp>
+        <p:nvSpPr>
+          <p:cNvPr id="2" name="Title 1"/>
+          <p:cNvSpPr>
+            <a:spLocks noGrp="1"/>
+          </p:cNvSpPr>
+          <p:nvPr>
+            <p:ph type="title"/>
+          </p:nvPr>
+        </p:nvSpPr>
+        <p:spPr/>
+        <p:txBody>
+          <a:bodyPr/>
+          <a:lstStyle/>
+          <a:p>
+            <a:r>
+              <a:rPr lang="en-GB" dirty="0"/>
+              <a:t>Management and Planning</a:t>
+            </a:r>
+          </a:p>
+        </p:txBody>
+      </p:sp>
+      <p:sp>
+        <p:nvSpPr>
+          <p:cNvPr id="3" name="Content Placeholder 2"/>
+          <p:cNvSpPr>
+            <a:spLocks noGrp="1"/>
+          </p:cNvSpPr>
+          <p:nvPr>
+            <p:ph idx="1"/>
+          </p:nvPr>
+        </p:nvSpPr>
+        <p:spPr/>
+        <p:txBody>
+          <a:bodyPr/>
+          <a:lstStyle/>
+          <a:p>
+            <a:r>
+              <a:rPr lang="en-GB" dirty="0" smtClean="0"/>
+              <a:t>Strong </a:t>
+            </a:r>
+            <a:r>
+              <a:rPr lang="en-GB" dirty="0"/>
+              <a:t>project leadership </a:t>
+            </a:r>
+            <a:endParaRPr lang="en-GB" dirty="0" smtClean="0"/>
+          </a:p>
+          <a:p>
+            <a:r>
+              <a:rPr lang="en-GB" dirty="0" smtClean="0"/>
+              <a:t>Actively </a:t>
+            </a:r>
+            <a:r>
+              <a:rPr lang="en-GB" dirty="0"/>
+              <a:t>manages and directs </a:t>
+            </a:r>
+            <a:r>
+              <a:rPr lang="en-GB" dirty="0" smtClean="0"/>
+              <a:t>a project’s activities</a:t>
+            </a:r>
+          </a:p>
+          <a:p>
+            <a:r>
+              <a:rPr lang="en-GB" dirty="0" smtClean="0"/>
+              <a:t>Avoid project going astray </a:t>
+            </a:r>
+          </a:p>
+          <a:p>
+            <a:pPr lvl="1"/>
+            <a:r>
+              <a:rPr lang="en-GB" dirty="0" smtClean="0"/>
+              <a:t>lack </a:t>
+            </a:r>
+            <a:r>
+              <a:rPr lang="en-GB" dirty="0"/>
+              <a:t>of </a:t>
+            </a:r>
+            <a:r>
+              <a:rPr lang="en-GB" dirty="0" smtClean="0"/>
+              <a:t>focus</a:t>
+            </a:r>
+          </a:p>
+          <a:p>
+            <a:pPr lvl="1"/>
+            <a:r>
+              <a:rPr lang="en-GB" dirty="0" smtClean="0"/>
+              <a:t>Ignoring problems</a:t>
+            </a:r>
+            <a:endParaRPr lang="en-GB" dirty="0"/>
+          </a:p>
+        </p:txBody>
+      </p:sp>
+    </p:spTree>
+    <p:extLst>
+      <p:ext uri="{BB962C8B-B14F-4D97-AF65-F5344CB8AC3E}">
+        <p14:creationId xmlns:p14="http://schemas.microsoft.com/office/powerpoint/2010/main" val="713610903"/>
+      </p:ext>
+    </p:extLst>
+  </p:cSld>
+  <p:clrMapOvr>
+    <a:masterClrMapping/>
+  </p:clrMapOvr>
+</p:sld>
+</file>
+
+<file path=ppt/slides/slide17.xml><?xml version="1.0" encoding="utf-8"?>
+<p:sld xmlns:a="http://schemas.openxmlformats.org/drawingml/2006/main" xmlns:r="http://schemas.openxmlformats.org/officeDocument/2006/relationships" xmlns:p="http://schemas.openxmlformats.org/presentationml/2006/main">
+  <p:cSld>
+    <p:spTree>
+      <p:nvGrpSpPr>
+        <p:cNvPr id="1" name=""/>
+        <p:cNvGrpSpPr/>
+        <p:nvPr/>
+      </p:nvGrpSpPr>
+      <p:grpSpPr>
+        <a:xfrm>
+          <a:off x="0" y="0"/>
+          <a:ext cx="0" cy="0"/>
+          <a:chOff x="0" y="0"/>
+          <a:chExt cx="0" cy="0"/>
+        </a:xfrm>
+      </p:grpSpPr>
+      <p:sp>
+        <p:nvSpPr>
+          <p:cNvPr id="2" name="Title 1"/>
+          <p:cNvSpPr>
+            <a:spLocks noGrp="1"/>
+          </p:cNvSpPr>
+          <p:nvPr>
+            <p:ph type="title"/>
+          </p:nvPr>
+        </p:nvSpPr>
+        <p:spPr>
+          <a:xfrm>
+            <a:off x="685800" y="76200"/>
+            <a:ext cx="7772400" cy="1143000"/>
+          </a:xfrm>
+        </p:spPr>
+        <p:txBody>
+          <a:bodyPr/>
+          <a:lstStyle/>
+          <a:p>
+            <a:r>
+              <a:rPr lang="en-GB" b="1" dirty="0"/>
+              <a:t>Risk </a:t>
+            </a:r>
+            <a:r>
+              <a:rPr lang="en-GB" b="1" dirty="0" smtClean="0"/>
+              <a:t>Management</a:t>
+            </a:r>
+            <a:endParaRPr lang="en-GB" dirty="0"/>
+          </a:p>
+        </p:txBody>
+      </p:sp>
+      <p:sp>
+        <p:nvSpPr>
+          <p:cNvPr id="3" name="Content Placeholder 2"/>
+          <p:cNvSpPr>
+            <a:spLocks noGrp="1"/>
+          </p:cNvSpPr>
+          <p:nvPr>
+            <p:ph idx="1"/>
+          </p:nvPr>
+        </p:nvSpPr>
+        <p:spPr>
+          <a:xfrm>
+            <a:off x="685800" y="1447800"/>
+            <a:ext cx="7772400" cy="4800600"/>
+          </a:xfrm>
+        </p:spPr>
+        <p:txBody>
+          <a:bodyPr>
+            <a:normAutofit lnSpcReduction="10000"/>
+          </a:bodyPr>
+          <a:lstStyle/>
+          <a:p>
+            <a:r>
+              <a:rPr lang="en-GB" dirty="0" smtClean="0"/>
+              <a:t>Software development is responsible for non-technical risks</a:t>
+            </a:r>
+          </a:p>
+          <a:p>
+            <a:pPr lvl="1"/>
+            <a:r>
+              <a:rPr lang="en-GB" sz="2400" dirty="0"/>
+              <a:t>supervising the timely delivery of software from </a:t>
+            </a:r>
+            <a:r>
+              <a:rPr lang="en-GB" sz="2400" dirty="0" smtClean="0"/>
+              <a:t>a third-party vendor</a:t>
+            </a:r>
+          </a:p>
+          <a:p>
+            <a:r>
+              <a:rPr lang="en-GB" dirty="0" smtClean="0"/>
+              <a:t>Technical </a:t>
+            </a:r>
+            <a:r>
+              <a:rPr lang="en-GB" dirty="0"/>
+              <a:t>risks are typically the responsibility of </a:t>
+            </a:r>
+            <a:r>
+              <a:rPr lang="en-GB" dirty="0" smtClean="0"/>
+              <a:t>the project architect</a:t>
+            </a:r>
+          </a:p>
+          <a:p>
+            <a:pPr lvl="1"/>
+            <a:r>
+              <a:rPr lang="en-GB" sz="2400" dirty="0"/>
+              <a:t>selection of an inheritance structure that offers the best compromise between usability and flexibility</a:t>
+            </a:r>
+          </a:p>
+          <a:p>
+            <a:pPr lvl="1"/>
+            <a:r>
+              <a:rPr lang="en-GB" sz="2400" dirty="0"/>
+              <a:t>choice of mechanisms that yield acceptable performance while simplifying the system’s architecture</a:t>
+            </a:r>
+          </a:p>
+          <a:p>
+            <a:endParaRPr lang="en-GB" dirty="0"/>
+          </a:p>
+        </p:txBody>
+      </p:sp>
+    </p:spTree>
+    <p:extLst>
+      <p:ext uri="{BB962C8B-B14F-4D97-AF65-F5344CB8AC3E}">
+        <p14:creationId xmlns:p14="http://schemas.microsoft.com/office/powerpoint/2010/main" val="2813030426"/>
+      </p:ext>
+    </p:extLst>
+  </p:cSld>
+  <p:clrMapOvr>
+    <a:masterClrMapping/>
+  </p:clrMapOvr>
+</p:sld>
+</file>
+
+<file path=ppt/slides/slide18.xml><?xml version="1.0" encoding="utf-8"?>
+<p:sld xmlns:a="http://schemas.openxmlformats.org/drawingml/2006/main" xmlns:r="http://schemas.openxmlformats.org/officeDocument/2006/relationships" xmlns:p="http://schemas.openxmlformats.org/presentationml/2006/main">
+  <p:cSld>
+    <p:spTree>
+      <p:nvGrpSpPr>
+        <p:cNvPr id="1" name=""/>
+        <p:cNvGrpSpPr/>
+        <p:nvPr/>
+      </p:nvGrpSpPr>
+      <p:grpSpPr>
+        <a:xfrm>
+          <a:off x="0" y="0"/>
+          <a:ext cx="0" cy="0"/>
+          <a:chOff x="0" y="0"/>
+          <a:chExt cx="0" cy="0"/>
+        </a:xfrm>
+      </p:grpSpPr>
+      <p:sp>
+        <p:nvSpPr>
+          <p:cNvPr id="2" name="Title 1"/>
+          <p:cNvSpPr>
+            <a:spLocks noGrp="1"/>
+          </p:cNvSpPr>
+          <p:nvPr>
+            <p:ph type="title"/>
+          </p:nvPr>
+        </p:nvSpPr>
+        <p:spPr/>
+        <p:txBody>
+          <a:bodyPr/>
+          <a:lstStyle/>
+          <a:p>
+            <a:r>
+              <a:rPr lang="en-GB" b="1" dirty="0"/>
+              <a:t>Task </a:t>
+            </a:r>
+            <a:r>
+              <a:rPr lang="en-GB" b="1" dirty="0" smtClean="0"/>
+              <a:t>Planning</a:t>
+            </a:r>
+            <a:endParaRPr lang="en-GB" dirty="0"/>
+          </a:p>
+        </p:txBody>
+      </p:sp>
+      <p:sp>
+        <p:nvSpPr>
+          <p:cNvPr id="3" name="Content Placeholder 2"/>
+          <p:cNvSpPr>
+            <a:spLocks noGrp="1"/>
+          </p:cNvSpPr>
+          <p:nvPr>
+            <p:ph idx="1"/>
+          </p:nvPr>
+        </p:nvSpPr>
+        <p:spPr>
+          <a:xfrm>
+            <a:off x="685800" y="1981200"/>
+            <a:ext cx="7772400" cy="4343400"/>
+          </a:xfrm>
+        </p:spPr>
+        <p:txBody>
+          <a:bodyPr>
+            <a:normAutofit fontScale="92500" lnSpcReduction="20000"/>
+          </a:bodyPr>
+          <a:lstStyle/>
+          <a:p>
+            <a:r>
+              <a:rPr lang="en-GB" dirty="0" smtClean="0"/>
+              <a:t>Periodic </a:t>
+            </a:r>
+            <a:r>
+              <a:rPr lang="en-GB" dirty="0"/>
+              <a:t>team </a:t>
+            </a:r>
+            <a:r>
+              <a:rPr lang="en-GB" dirty="0" smtClean="0"/>
+              <a:t>meetings</a:t>
+            </a:r>
+          </a:p>
+          <a:p>
+            <a:pPr lvl="1"/>
+            <a:r>
+              <a:rPr lang="en-GB" dirty="0" smtClean="0"/>
+              <a:t>discuss </a:t>
+            </a:r>
+            <a:r>
+              <a:rPr lang="en-GB" dirty="0"/>
+              <a:t>work </a:t>
+            </a:r>
+            <a:r>
+              <a:rPr lang="en-GB" dirty="0" smtClean="0"/>
+              <a:t>completed</a:t>
+            </a:r>
+          </a:p>
+          <a:p>
+            <a:pPr lvl="1"/>
+            <a:r>
+              <a:rPr lang="en-GB" dirty="0" smtClean="0"/>
+              <a:t>activities </a:t>
+            </a:r>
+            <a:r>
+              <a:rPr lang="en-GB" dirty="0"/>
+              <a:t>for the coming work </a:t>
+            </a:r>
+            <a:r>
+              <a:rPr lang="en-GB" dirty="0" smtClean="0"/>
+              <a:t>period</a:t>
+            </a:r>
+          </a:p>
+          <a:p>
+            <a:r>
+              <a:rPr lang="en-GB" dirty="0" smtClean="0"/>
+              <a:t>Too </a:t>
+            </a:r>
+            <a:r>
+              <a:rPr lang="en-GB" dirty="0"/>
+              <a:t>many meetings </a:t>
+            </a:r>
+            <a:r>
+              <a:rPr lang="en-GB" dirty="0" smtClean="0"/>
+              <a:t>	</a:t>
+            </a:r>
+          </a:p>
+          <a:p>
+            <a:pPr lvl="1"/>
+            <a:r>
+              <a:rPr lang="en-GB" dirty="0" smtClean="0"/>
+              <a:t>destroys </a:t>
+            </a:r>
+            <a:r>
+              <a:rPr lang="en-GB" dirty="0"/>
+              <a:t>productivity </a:t>
+            </a:r>
+            <a:endParaRPr lang="en-GB" dirty="0" smtClean="0"/>
+          </a:p>
+          <a:p>
+            <a:pPr lvl="1"/>
+            <a:r>
+              <a:rPr lang="en-GB" dirty="0" smtClean="0"/>
+              <a:t>sign </a:t>
+            </a:r>
+            <a:r>
+              <a:rPr lang="en-GB" dirty="0"/>
+              <a:t>that </a:t>
+            </a:r>
+            <a:r>
+              <a:rPr lang="en-GB" dirty="0" smtClean="0"/>
+              <a:t>the project </a:t>
+            </a:r>
+            <a:r>
+              <a:rPr lang="en-GB" dirty="0"/>
+              <a:t>has lost its </a:t>
+            </a:r>
+            <a:r>
+              <a:rPr lang="en-GB" dirty="0" smtClean="0"/>
+              <a:t>way</a:t>
+            </a:r>
+          </a:p>
+          <a:p>
+            <a:r>
+              <a:rPr lang="en-GB" dirty="0" smtClean="0"/>
+              <a:t>Developers require unscheduled time</a:t>
+            </a:r>
+          </a:p>
+          <a:p>
+            <a:pPr lvl="1"/>
+            <a:r>
+              <a:rPr lang="en-GB" dirty="0" smtClean="0"/>
+              <a:t>allows them to think</a:t>
+            </a:r>
+            <a:r>
+              <a:rPr lang="en-GB" dirty="0"/>
+              <a:t>, innovate, develop</a:t>
+            </a:r>
+            <a:r>
+              <a:rPr lang="en-GB" dirty="0" smtClean="0"/>
+              <a:t>, share knowledge with other teams/individuals</a:t>
+            </a:r>
+            <a:r>
+              <a:rPr lang="en-GB" dirty="0"/>
+              <a:t/>
+            </a:r>
+            <a:br>
+              <a:rPr lang="en-GB" dirty="0"/>
+            </a:br>
+            <a:endParaRPr lang="en-GB" dirty="0"/>
+          </a:p>
+        </p:txBody>
+      </p:sp>
+    </p:spTree>
+    <p:extLst>
+      <p:ext uri="{BB962C8B-B14F-4D97-AF65-F5344CB8AC3E}">
+        <p14:creationId xmlns:p14="http://schemas.microsoft.com/office/powerpoint/2010/main" val="2726353881"/>
+      </p:ext>
+    </p:extLst>
+  </p:cSld>
+  <p:clrMapOvr>
+    <a:masterClrMapping/>
+  </p:clrMapOvr>
+</p:sld>
+</file>
+
+<file path=ppt/slides/slide19.xml><?xml version="1.0" encoding="utf-8"?>
+<p:sld xmlns:a="http://schemas.openxmlformats.org/drawingml/2006/main" xmlns:r="http://schemas.openxmlformats.org/officeDocument/2006/relationships" xmlns:p="http://schemas.openxmlformats.org/presentationml/2006/main">
+  <p:cSld>
+    <p:spTree>
+      <p:nvGrpSpPr>
+        <p:cNvPr id="1" name=""/>
+        <p:cNvGrpSpPr/>
+        <p:nvPr/>
+      </p:nvGrpSpPr>
+      <p:grpSpPr>
+        <a:xfrm>
+          <a:off x="0" y="0"/>
+          <a:ext cx="0" cy="0"/>
+          <a:chOff x="0" y="0"/>
+          <a:chExt cx="0" cy="0"/>
+        </a:xfrm>
+      </p:grpSpPr>
+      <p:sp>
+        <p:nvSpPr>
+          <p:cNvPr id="2" name="Title 1"/>
+          <p:cNvSpPr>
+            <a:spLocks noGrp="1"/>
+          </p:cNvSpPr>
+          <p:nvPr>
+            <p:ph type="title"/>
+          </p:nvPr>
+        </p:nvSpPr>
+        <p:spPr/>
+        <p:txBody>
+          <a:bodyPr/>
+          <a:lstStyle/>
+          <a:p>
+            <a:r>
+              <a:rPr lang="en-GB" dirty="0" smtClean="0"/>
+              <a:t>Schedules</a:t>
+            </a:r>
+            <a:endParaRPr lang="en-GB" dirty="0"/>
+          </a:p>
+        </p:txBody>
+      </p:sp>
+      <p:sp>
+        <p:nvSpPr>
+          <p:cNvPr id="3" name="Content Placeholder 2"/>
+          <p:cNvSpPr>
+            <a:spLocks noGrp="1"/>
+          </p:cNvSpPr>
+          <p:nvPr>
+            <p:ph idx="1"/>
+          </p:nvPr>
+        </p:nvSpPr>
+        <p:spPr/>
+        <p:txBody>
+          <a:bodyPr/>
+          <a:lstStyle/>
+          <a:p>
+            <a:r>
+              <a:rPr lang="en-GB" dirty="0" smtClean="0"/>
+              <a:t>Avoid overly optimising the schedule/plan</a:t>
+            </a:r>
+          </a:p>
+          <a:p>
+            <a:pPr lvl="1"/>
+            <a:r>
+              <a:rPr lang="en-GB" dirty="0" smtClean="0"/>
+              <a:t>at </a:t>
+            </a:r>
+            <a:r>
+              <a:rPr lang="en-GB" dirty="0"/>
+              <a:t>the mercy of overly optimistic </a:t>
+            </a:r>
+            <a:r>
+              <a:rPr lang="en-GB" dirty="0" smtClean="0"/>
+              <a:t>planning</a:t>
+            </a:r>
+          </a:p>
+          <a:p>
+            <a:r>
+              <a:rPr lang="en-GB" dirty="0" smtClean="0"/>
+              <a:t>Schedules/tasks change</a:t>
+            </a:r>
+          </a:p>
+          <a:p>
+            <a:r>
+              <a:rPr lang="en-GB" dirty="0" smtClean="0"/>
+              <a:t>Require fine-tuning</a:t>
+            </a:r>
+          </a:p>
+          <a:p>
+            <a:r>
+              <a:rPr lang="en-GB" dirty="0" smtClean="0"/>
+              <a:t>Milestones within the schedule to monitor the project</a:t>
+            </a:r>
+            <a:r>
+              <a:rPr lang="en-GB" dirty="0"/>
+              <a:t/>
+            </a:r>
+            <a:br>
+              <a:rPr lang="en-GB" dirty="0"/>
+            </a:br>
+            <a:r>
+              <a:rPr lang="en-GB" dirty="0"/>
+              <a:t/>
+            </a:r>
+            <a:br>
+              <a:rPr lang="en-GB" dirty="0"/>
+            </a:br>
+            <a:endParaRPr lang="en-GB" dirty="0"/>
+          </a:p>
+        </p:txBody>
+      </p:sp>
+    </p:spTree>
+    <p:extLst>
+      <p:ext uri="{BB962C8B-B14F-4D97-AF65-F5344CB8AC3E}">
+        <p14:creationId xmlns:p14="http://schemas.microsoft.com/office/powerpoint/2010/main" val="2337650456"/>
+      </p:ext>
+    </p:extLst>
+  </p:cSld>
+  <p:clrMapOvr>
+    <a:masterClrMapping/>
+  </p:clrMapOvr>
+</p:sld>
+</file>
+
 <file path=ppt/slides/slide2.xml><?xml version="1.0" encoding="utf-8"?>
 <p:sld xmlns:a="http://schemas.openxmlformats.org/drawingml/2006/main" xmlns:r="http://schemas.openxmlformats.org/officeDocument/2006/relationships" xmlns:p="http://schemas.openxmlformats.org/presentationml/2006/main">
   <p:cSld>
@@ -3886,9 +5432,9 @@
       </p:grpSpPr>
       <p:sp>
         <p:nvSpPr>
-          <p:cNvPr id="10242" name="Rectangle 2"/>
-          <p:cNvSpPr>
-            <a:spLocks noGrp="1" noChangeArrowheads="1"/>
+          <p:cNvPr id="2" name="Title 1"/>
+          <p:cNvSpPr>
+            <a:spLocks noGrp="1"/>
           </p:cNvSpPr>
           <p:nvPr>
             <p:ph type="title"/>
@@ -3899,54 +5445,1294 @@
           <a:bodyPr/>
           <a:lstStyle/>
           <a:p>
-            <a:pPr eaLnBrk="1" hangingPunct="1"/>
-            <a:r>
-              <a:rPr lang="en-US" altLang="en-US" smtClean="0"/>
-              <a:t>Outline</a:t>
-            </a:r>
-          </a:p>
-        </p:txBody>
-      </p:sp>
-      <p:sp>
-        <p:nvSpPr>
-          <p:cNvPr id="10243" name="Rectangle 3"/>
-          <p:cNvSpPr>
-            <a:spLocks noGrp="1" noChangeArrowheads="1"/>
+            <a:r>
+              <a:rPr lang="en-GB" dirty="0" smtClean="0"/>
+              <a:t>Next Week</a:t>
+            </a:r>
+            <a:endParaRPr lang="en-GB" dirty="0"/>
+          </a:p>
+        </p:txBody>
+      </p:sp>
+      <p:sp>
+        <p:nvSpPr>
+          <p:cNvPr id="3" name="Content Placeholder 2"/>
+          <p:cNvSpPr>
+            <a:spLocks noGrp="1"/>
           </p:cNvSpPr>
           <p:nvPr>
             <p:ph idx="1"/>
           </p:nvPr>
         </p:nvSpPr>
-        <p:spPr>
-          <a:xfrm>
-            <a:off x="685800" y="1981200"/>
-            <a:ext cx="7924800" cy="4572000"/>
-          </a:xfrm>
-        </p:spPr>
-        <p:txBody>
-          <a:bodyPr/>
-          <a:lstStyle/>
-          <a:p>
-            <a:pPr eaLnBrk="1" hangingPunct="1"/>
-            <a:r>
-              <a:rPr lang="en-US" altLang="en-US" smtClean="0"/>
-              <a:t>What do we mean by Pragmatics?</a:t>
-            </a:r>
+        <p:spPr/>
+        <p:txBody>
+          <a:bodyPr/>
+          <a:lstStyle/>
+          <a:p>
+            <a:r>
+              <a:rPr lang="en-GB" dirty="0" smtClean="0"/>
+              <a:t>Revision Week</a:t>
+            </a:r>
+          </a:p>
+          <a:p>
+            <a:r>
+              <a:rPr lang="en-GB" smtClean="0"/>
+              <a:t>No Lecture</a:t>
+            </a:r>
+            <a:endParaRPr lang="en-GB"/>
           </a:p>
         </p:txBody>
       </p:sp>
     </p:spTree>
+    <p:extLst>
+      <p:ext uri="{BB962C8B-B14F-4D97-AF65-F5344CB8AC3E}">
+        <p14:creationId xmlns:p14="http://schemas.microsoft.com/office/powerpoint/2010/main" val="2708133152"/>
+      </p:ext>
+    </p:extLst>
   </p:cSld>
   <p:clrMapOvr>
     <a:masterClrMapping/>
   </p:clrMapOvr>
-  <p:timing>
-    <p:tnLst>
-      <p:par>
-        <p:cTn id="1" dur="indefinite" restart="never" nodeType="tmRoot"/>
-      </p:par>
-    </p:tnLst>
-  </p:timing>
+</p:sld>
+</file>
+
+<file path=ppt/slides/slide20.xml><?xml version="1.0" encoding="utf-8"?>
+<p:sld xmlns:a="http://schemas.openxmlformats.org/drawingml/2006/main" xmlns:r="http://schemas.openxmlformats.org/officeDocument/2006/relationships" xmlns:p="http://schemas.openxmlformats.org/presentationml/2006/main">
+  <p:cSld>
+    <p:spTree>
+      <p:nvGrpSpPr>
+        <p:cNvPr id="1" name=""/>
+        <p:cNvGrpSpPr/>
+        <p:nvPr/>
+      </p:nvGrpSpPr>
+      <p:grpSpPr>
+        <a:xfrm>
+          <a:off x="0" y="0"/>
+          <a:ext cx="0" cy="0"/>
+          <a:chOff x="0" y="0"/>
+          <a:chExt cx="0" cy="0"/>
+        </a:xfrm>
+      </p:grpSpPr>
+      <p:sp>
+        <p:nvSpPr>
+          <p:cNvPr id="2" name="Title 1"/>
+          <p:cNvSpPr>
+            <a:spLocks noGrp="1"/>
+          </p:cNvSpPr>
+          <p:nvPr>
+            <p:ph type="title"/>
+          </p:nvPr>
+        </p:nvSpPr>
+        <p:spPr/>
+        <p:txBody>
+          <a:bodyPr/>
+          <a:lstStyle/>
+          <a:p>
+            <a:r>
+              <a:rPr lang="en-GB" dirty="0"/>
+              <a:t>Staffing</a:t>
+            </a:r>
+          </a:p>
+        </p:txBody>
+      </p:sp>
+      <p:sp>
+        <p:nvSpPr>
+          <p:cNvPr id="3" name="Content Placeholder 2"/>
+          <p:cNvSpPr>
+            <a:spLocks noGrp="1"/>
+          </p:cNvSpPr>
+          <p:nvPr>
+            <p:ph idx="1"/>
+          </p:nvPr>
+        </p:nvSpPr>
+        <p:spPr/>
+        <p:txBody>
+          <a:bodyPr/>
+          <a:lstStyle/>
+          <a:p>
+            <a:r>
+              <a:rPr lang="en-GB" dirty="0" smtClean="0"/>
+              <a:t>Timing </a:t>
+            </a:r>
+            <a:r>
+              <a:rPr lang="en-GB" dirty="0"/>
+              <a:t>of </a:t>
+            </a:r>
+            <a:r>
+              <a:rPr lang="en-GB" dirty="0" smtClean="0"/>
+              <a:t>resources </a:t>
+            </a:r>
+            <a:r>
+              <a:rPr lang="en-GB" dirty="0"/>
+              <a:t>within the development </a:t>
+            </a:r>
+            <a:r>
+              <a:rPr lang="en-GB" dirty="0" smtClean="0"/>
+              <a:t>cycle</a:t>
+            </a:r>
+            <a:endParaRPr lang="en-GB" dirty="0"/>
+          </a:p>
+          <a:p>
+            <a:r>
+              <a:rPr lang="en-GB" dirty="0" smtClean="0"/>
+              <a:t>Different skillsets/abilities at different times during the project</a:t>
+            </a:r>
+          </a:p>
+          <a:p>
+            <a:r>
+              <a:rPr lang="en-GB" dirty="0" smtClean="0"/>
+              <a:t>Account for ‘change’</a:t>
+            </a:r>
+          </a:p>
+          <a:p>
+            <a:pPr lvl="1"/>
+            <a:r>
+              <a:rPr lang="en-GB" dirty="0" smtClean="0"/>
+              <a:t>Staff leaving/changing/training</a:t>
+            </a:r>
+          </a:p>
+        </p:txBody>
+      </p:sp>
+    </p:spTree>
+    <p:extLst>
+      <p:ext uri="{BB962C8B-B14F-4D97-AF65-F5344CB8AC3E}">
+        <p14:creationId xmlns:p14="http://schemas.microsoft.com/office/powerpoint/2010/main" val="3572303311"/>
+      </p:ext>
+    </p:extLst>
+  </p:cSld>
+  <p:clrMapOvr>
+    <a:masterClrMapping/>
+  </p:clrMapOvr>
+</p:sld>
+</file>
+
+<file path=ppt/slides/slide21.xml><?xml version="1.0" encoding="utf-8"?>
+<p:sld xmlns:a="http://schemas.openxmlformats.org/drawingml/2006/main" xmlns:r="http://schemas.openxmlformats.org/officeDocument/2006/relationships" xmlns:p="http://schemas.openxmlformats.org/presentationml/2006/main">
+  <p:cSld>
+    <p:spTree>
+      <p:nvGrpSpPr>
+        <p:cNvPr id="1" name=""/>
+        <p:cNvGrpSpPr/>
+        <p:nvPr/>
+      </p:nvGrpSpPr>
+      <p:grpSpPr>
+        <a:xfrm>
+          <a:off x="0" y="0"/>
+          <a:ext cx="0" cy="0"/>
+          <a:chOff x="0" y="0"/>
+          <a:chExt cx="0" cy="0"/>
+        </a:xfrm>
+      </p:grpSpPr>
+      <p:pic>
+        <p:nvPicPr>
+          <p:cNvPr id="4" name="Picture 3"/>
+          <p:cNvPicPr>
+            <a:picLocks noChangeAspect="1"/>
+          </p:cNvPicPr>
+          <p:nvPr/>
+        </p:nvPicPr>
+        <p:blipFill>
+          <a:blip r:embed="rId2"/>
+          <a:stretch>
+            <a:fillRect/>
+          </a:stretch>
+        </p:blipFill>
+        <p:spPr>
+          <a:xfrm>
+            <a:off x="914400" y="2362200"/>
+            <a:ext cx="7058025" cy="4286250"/>
+          </a:xfrm>
+          <a:prstGeom prst="rect">
+            <a:avLst/>
+          </a:prstGeom>
+        </p:spPr>
+      </p:pic>
+      <p:sp>
+        <p:nvSpPr>
+          <p:cNvPr id="2" name="Title 1"/>
+          <p:cNvSpPr>
+            <a:spLocks noGrp="1"/>
+          </p:cNvSpPr>
+          <p:nvPr>
+            <p:ph type="title"/>
+          </p:nvPr>
+        </p:nvSpPr>
+        <p:spPr>
+          <a:xfrm>
+            <a:off x="685800" y="228600"/>
+            <a:ext cx="7772400" cy="1143000"/>
+          </a:xfrm>
+        </p:spPr>
+        <p:txBody>
+          <a:bodyPr/>
+          <a:lstStyle/>
+          <a:p>
+            <a:r>
+              <a:rPr lang="en-GB" dirty="0" smtClean="0"/>
+              <a:t>Staff Resource </a:t>
+            </a:r>
+            <a:r>
+              <a:rPr lang="en-GB" dirty="0"/>
+              <a:t>Allocation</a:t>
+            </a:r>
+          </a:p>
+        </p:txBody>
+      </p:sp>
+      <p:sp>
+        <p:nvSpPr>
+          <p:cNvPr id="3" name="Content Placeholder 2"/>
+          <p:cNvSpPr>
+            <a:spLocks noGrp="1"/>
+          </p:cNvSpPr>
+          <p:nvPr>
+            <p:ph idx="1"/>
+          </p:nvPr>
+        </p:nvSpPr>
+        <p:spPr>
+          <a:xfrm>
+            <a:off x="685800" y="1295400"/>
+            <a:ext cx="7772400" cy="4114800"/>
+          </a:xfrm>
+        </p:spPr>
+        <p:txBody>
+          <a:bodyPr/>
+          <a:lstStyle/>
+          <a:p>
+            <a:r>
+              <a:rPr lang="en-GB" dirty="0" smtClean="0"/>
+              <a:t>Design, Development, Testing, …</a:t>
+            </a:r>
+          </a:p>
+          <a:p>
+            <a:r>
+              <a:rPr lang="en-GB" dirty="0" smtClean="0"/>
+              <a:t>Lifecycle Costs</a:t>
+            </a:r>
+            <a:endParaRPr lang="en-GB" dirty="0"/>
+          </a:p>
+        </p:txBody>
+      </p:sp>
+    </p:spTree>
+    <p:extLst>
+      <p:ext uri="{BB962C8B-B14F-4D97-AF65-F5344CB8AC3E}">
+        <p14:creationId xmlns:p14="http://schemas.microsoft.com/office/powerpoint/2010/main" val="1016890434"/>
+      </p:ext>
+    </p:extLst>
+  </p:cSld>
+  <p:clrMapOvr>
+    <a:masterClrMapping/>
+  </p:clrMapOvr>
+</p:sld>
+</file>
+
+<file path=ppt/slides/slide22.xml><?xml version="1.0" encoding="utf-8"?>
+<p:sld xmlns:a="http://schemas.openxmlformats.org/drawingml/2006/main" xmlns:r="http://schemas.openxmlformats.org/officeDocument/2006/relationships" xmlns:p="http://schemas.openxmlformats.org/presentationml/2006/main">
+  <p:cSld>
+    <p:spTree>
+      <p:nvGrpSpPr>
+        <p:cNvPr id="1" name=""/>
+        <p:cNvGrpSpPr/>
+        <p:nvPr/>
+      </p:nvGrpSpPr>
+      <p:grpSpPr>
+        <a:xfrm>
+          <a:off x="0" y="0"/>
+          <a:ext cx="0" cy="0"/>
+          <a:chOff x="0" y="0"/>
+          <a:chExt cx="0" cy="0"/>
+        </a:xfrm>
+      </p:grpSpPr>
+      <p:sp>
+        <p:nvSpPr>
+          <p:cNvPr id="2" name="Title 1"/>
+          <p:cNvSpPr>
+            <a:spLocks noGrp="1"/>
+          </p:cNvSpPr>
+          <p:nvPr>
+            <p:ph type="title"/>
+          </p:nvPr>
+        </p:nvSpPr>
+        <p:spPr/>
+        <p:txBody>
+          <a:bodyPr/>
+          <a:lstStyle/>
+          <a:p>
+            <a:r>
+              <a:rPr lang="en-GB" dirty="0"/>
+              <a:t>Development Team Roles</a:t>
+            </a:r>
+          </a:p>
+        </p:txBody>
+      </p:sp>
+      <p:sp>
+        <p:nvSpPr>
+          <p:cNvPr id="3" name="Content Placeholder 2"/>
+          <p:cNvSpPr>
+            <a:spLocks noGrp="1"/>
+          </p:cNvSpPr>
+          <p:nvPr>
+            <p:ph idx="1"/>
+          </p:nvPr>
+        </p:nvSpPr>
+        <p:spPr/>
+        <p:txBody>
+          <a:bodyPr/>
+          <a:lstStyle/>
+          <a:p>
+            <a:r>
+              <a:rPr lang="en-GB" dirty="0" smtClean="0"/>
+              <a:t>Software </a:t>
+            </a:r>
+            <a:r>
+              <a:rPr lang="en-GB" dirty="0"/>
+              <a:t>development is ultimately a </a:t>
+            </a:r>
+            <a:r>
+              <a:rPr lang="en-GB" dirty="0" smtClean="0"/>
+              <a:t>human endeavour</a:t>
+            </a:r>
+          </a:p>
+          <a:p>
+            <a:r>
+              <a:rPr lang="en-GB" dirty="0"/>
+              <a:t>Developers are not interchangeable </a:t>
+            </a:r>
+            <a:r>
+              <a:rPr lang="en-GB" dirty="0" smtClean="0"/>
+              <a:t>parts</a:t>
+            </a:r>
+          </a:p>
+          <a:p>
+            <a:r>
+              <a:rPr lang="en-GB" dirty="0" smtClean="0"/>
+              <a:t>Complex </a:t>
+            </a:r>
+            <a:r>
+              <a:rPr lang="en-GB" dirty="0"/>
+              <a:t>system requires the unique and varied skills of a </a:t>
+            </a:r>
+            <a:r>
+              <a:rPr lang="en-GB" dirty="0" smtClean="0"/>
+              <a:t>focused team </a:t>
+            </a:r>
+            <a:r>
+              <a:rPr lang="en-GB" dirty="0"/>
+              <a:t>of people</a:t>
+            </a:r>
+          </a:p>
+        </p:txBody>
+      </p:sp>
+    </p:spTree>
+    <p:extLst>
+      <p:ext uri="{BB962C8B-B14F-4D97-AF65-F5344CB8AC3E}">
+        <p14:creationId xmlns:p14="http://schemas.microsoft.com/office/powerpoint/2010/main" val="338097095"/>
+      </p:ext>
+    </p:extLst>
+  </p:cSld>
+  <p:clrMapOvr>
+    <a:masterClrMapping/>
+  </p:clrMapOvr>
+</p:sld>
+</file>
+
+<file path=ppt/slides/slide23.xml><?xml version="1.0" encoding="utf-8"?>
+<p:sld xmlns:a="http://schemas.openxmlformats.org/drawingml/2006/main" xmlns:r="http://schemas.openxmlformats.org/officeDocument/2006/relationships" xmlns:p="http://schemas.openxmlformats.org/presentationml/2006/main">
+  <p:cSld>
+    <p:spTree>
+      <p:nvGrpSpPr>
+        <p:cNvPr id="1" name=""/>
+        <p:cNvGrpSpPr/>
+        <p:nvPr/>
+      </p:nvGrpSpPr>
+      <p:grpSpPr>
+        <a:xfrm>
+          <a:off x="0" y="0"/>
+          <a:ext cx="0" cy="0"/>
+          <a:chOff x="0" y="0"/>
+          <a:chExt cx="0" cy="0"/>
+        </a:xfrm>
+      </p:grpSpPr>
+      <p:sp>
+        <p:nvSpPr>
+          <p:cNvPr id="2" name="Title 1"/>
+          <p:cNvSpPr>
+            <a:spLocks noGrp="1"/>
+          </p:cNvSpPr>
+          <p:nvPr>
+            <p:ph type="title"/>
+          </p:nvPr>
+        </p:nvSpPr>
+        <p:spPr/>
+        <p:txBody>
+          <a:bodyPr/>
+          <a:lstStyle/>
+          <a:p>
+            <a:r>
+              <a:rPr lang="en-GB" smtClean="0"/>
+              <a:t>Central</a:t>
+            </a:r>
+            <a:endParaRPr lang="en-GB" dirty="0"/>
+          </a:p>
+        </p:txBody>
+      </p:sp>
+      <p:sp>
+        <p:nvSpPr>
+          <p:cNvPr id="3" name="Content Placeholder 2"/>
+          <p:cNvSpPr>
+            <a:spLocks noGrp="1"/>
+          </p:cNvSpPr>
+          <p:nvPr>
+            <p:ph idx="1"/>
+          </p:nvPr>
+        </p:nvSpPr>
+        <p:spPr/>
+        <p:txBody>
+          <a:bodyPr/>
+          <a:lstStyle/>
+          <a:p>
+            <a:r>
+              <a:rPr lang="en-GB" dirty="0" smtClean="0"/>
+              <a:t>Three </a:t>
+            </a:r>
+            <a:r>
+              <a:rPr lang="en-GB" dirty="0"/>
+              <a:t>roles to be central to the technical development team </a:t>
+            </a:r>
+            <a:r>
+              <a:rPr lang="en-GB" dirty="0" smtClean="0"/>
+              <a:t>for an </a:t>
+            </a:r>
+            <a:r>
+              <a:rPr lang="en-GB" dirty="0"/>
+              <a:t>object-oriented </a:t>
+            </a:r>
+            <a:r>
+              <a:rPr lang="en-GB" dirty="0" smtClean="0"/>
+              <a:t>project</a:t>
+            </a:r>
+          </a:p>
+          <a:p>
+            <a:pPr marL="457200" lvl="1" indent="0">
+              <a:buNone/>
+            </a:pPr>
+            <a:r>
+              <a:rPr lang="en-GB" dirty="0"/>
+              <a:t>1. Project architect</a:t>
+            </a:r>
+            <a:br>
+              <a:rPr lang="en-GB" dirty="0"/>
+            </a:br>
+            <a:r>
+              <a:rPr lang="en-GB" dirty="0"/>
+              <a:t>2. Component lead</a:t>
+            </a:r>
+            <a:br>
+              <a:rPr lang="en-GB" dirty="0"/>
+            </a:br>
+            <a:r>
+              <a:rPr lang="en-GB" dirty="0"/>
+              <a:t>3. Application engineer</a:t>
+            </a:r>
+            <a:br>
+              <a:rPr lang="en-GB" dirty="0"/>
+            </a:br>
+            <a:r>
+              <a:rPr lang="en-GB" dirty="0"/>
+              <a:t/>
+            </a:r>
+            <a:br>
+              <a:rPr lang="en-GB" dirty="0"/>
+            </a:br>
+            <a:endParaRPr lang="en-GB" dirty="0"/>
+          </a:p>
+        </p:txBody>
+      </p:sp>
+    </p:spTree>
+    <p:extLst>
+      <p:ext uri="{BB962C8B-B14F-4D97-AF65-F5344CB8AC3E}">
+        <p14:creationId xmlns:p14="http://schemas.microsoft.com/office/powerpoint/2010/main" val="1985037990"/>
+      </p:ext>
+    </p:extLst>
+  </p:cSld>
+  <p:clrMapOvr>
+    <a:masterClrMapping/>
+  </p:clrMapOvr>
+</p:sld>
+</file>
+
+<file path=ppt/slides/slide24.xml><?xml version="1.0" encoding="utf-8"?>
+<p:sld xmlns:a="http://schemas.openxmlformats.org/drawingml/2006/main" xmlns:r="http://schemas.openxmlformats.org/officeDocument/2006/relationships" xmlns:p="http://schemas.openxmlformats.org/presentationml/2006/main">
+  <p:cSld>
+    <p:spTree>
+      <p:nvGrpSpPr>
+        <p:cNvPr id="1" name=""/>
+        <p:cNvGrpSpPr/>
+        <p:nvPr/>
+      </p:nvGrpSpPr>
+      <p:grpSpPr>
+        <a:xfrm>
+          <a:off x="0" y="0"/>
+          <a:ext cx="0" cy="0"/>
+          <a:chOff x="0" y="0"/>
+          <a:chExt cx="0" cy="0"/>
+        </a:xfrm>
+      </p:grpSpPr>
+      <p:sp>
+        <p:nvSpPr>
+          <p:cNvPr id="2" name="Title 1"/>
+          <p:cNvSpPr>
+            <a:spLocks noGrp="1"/>
+          </p:cNvSpPr>
+          <p:nvPr>
+            <p:ph type="title"/>
+          </p:nvPr>
+        </p:nvSpPr>
+        <p:spPr/>
+        <p:txBody>
+          <a:bodyPr/>
+          <a:lstStyle/>
+          <a:p>
+            <a:r>
+              <a:rPr lang="en-GB" dirty="0" smtClean="0"/>
+              <a:t>Challenges</a:t>
+            </a:r>
+            <a:endParaRPr lang="en-GB" dirty="0"/>
+          </a:p>
+        </p:txBody>
+      </p:sp>
+      <p:sp>
+        <p:nvSpPr>
+          <p:cNvPr id="3" name="Content Placeholder 2"/>
+          <p:cNvSpPr>
+            <a:spLocks noGrp="1"/>
+          </p:cNvSpPr>
+          <p:nvPr>
+            <p:ph idx="1"/>
+          </p:nvPr>
+        </p:nvSpPr>
+        <p:spPr/>
+        <p:txBody>
+          <a:bodyPr/>
+          <a:lstStyle/>
+          <a:p>
+            <a:r>
+              <a:rPr lang="en-GB" dirty="0" smtClean="0"/>
+              <a:t>Breakdown </a:t>
+            </a:r>
+            <a:r>
+              <a:rPr lang="en-GB" dirty="0"/>
+              <a:t>of skills addresses </a:t>
+            </a:r>
+            <a:r>
+              <a:rPr lang="en-GB" dirty="0" smtClean="0"/>
+              <a:t>the staffing </a:t>
+            </a:r>
+            <a:r>
+              <a:rPr lang="en-GB" dirty="0"/>
+              <a:t>problem faced by most </a:t>
+            </a:r>
+            <a:r>
+              <a:rPr lang="en-GB" dirty="0" smtClean="0"/>
+              <a:t>software development organizations </a:t>
+            </a:r>
+          </a:p>
+          <a:p>
+            <a:r>
+              <a:rPr lang="en-GB" dirty="0" smtClean="0"/>
+              <a:t>Handful </a:t>
+            </a:r>
+            <a:r>
+              <a:rPr lang="en-GB" dirty="0"/>
+              <a:t>of really </a:t>
+            </a:r>
+            <a:r>
+              <a:rPr lang="en-GB" dirty="0" smtClean="0"/>
+              <a:t>skilled experienced individuals and </a:t>
+            </a:r>
+            <a:r>
+              <a:rPr lang="en-GB" dirty="0"/>
+              <a:t>many more less-experienced </a:t>
+            </a:r>
+            <a:r>
+              <a:rPr lang="en-GB" dirty="0" smtClean="0"/>
+              <a:t>ones</a:t>
+            </a:r>
+          </a:p>
+          <a:p>
+            <a:r>
+              <a:rPr lang="en-GB" dirty="0" smtClean="0"/>
+              <a:t>Opportunity to learn/gain experience</a:t>
+            </a:r>
+            <a:r>
+              <a:rPr lang="en-GB" dirty="0"/>
+              <a:t/>
+            </a:r>
+            <a:br>
+              <a:rPr lang="en-GB" dirty="0"/>
+            </a:br>
+            <a:r>
+              <a:rPr lang="en-GB" dirty="0"/>
+              <a:t/>
+            </a:r>
+            <a:br>
+              <a:rPr lang="en-GB" dirty="0"/>
+            </a:br>
+            <a:endParaRPr lang="en-GB" dirty="0"/>
+          </a:p>
+        </p:txBody>
+      </p:sp>
+    </p:spTree>
+    <p:extLst>
+      <p:ext uri="{BB962C8B-B14F-4D97-AF65-F5344CB8AC3E}">
+        <p14:creationId xmlns:p14="http://schemas.microsoft.com/office/powerpoint/2010/main" val="2784503646"/>
+      </p:ext>
+    </p:extLst>
+  </p:cSld>
+  <p:clrMapOvr>
+    <a:masterClrMapping/>
+  </p:clrMapOvr>
+</p:sld>
+</file>
+
+<file path=ppt/slides/slide25.xml><?xml version="1.0" encoding="utf-8"?>
+<p:sld xmlns:a="http://schemas.openxmlformats.org/drawingml/2006/main" xmlns:r="http://schemas.openxmlformats.org/officeDocument/2006/relationships" xmlns:p="http://schemas.openxmlformats.org/presentationml/2006/main">
+  <p:cSld>
+    <p:spTree>
+      <p:nvGrpSpPr>
+        <p:cNvPr id="1" name=""/>
+        <p:cNvGrpSpPr/>
+        <p:nvPr/>
+      </p:nvGrpSpPr>
+      <p:grpSpPr>
+        <a:xfrm>
+          <a:off x="0" y="0"/>
+          <a:ext cx="0" cy="0"/>
+          <a:chOff x="0" y="0"/>
+          <a:chExt cx="0" cy="0"/>
+        </a:xfrm>
+      </p:grpSpPr>
+      <p:sp>
+        <p:nvSpPr>
+          <p:cNvPr id="2" name="Title 1"/>
+          <p:cNvSpPr>
+            <a:spLocks noGrp="1"/>
+          </p:cNvSpPr>
+          <p:nvPr>
+            <p:ph type="title"/>
+          </p:nvPr>
+        </p:nvSpPr>
+        <p:spPr/>
+        <p:txBody>
+          <a:bodyPr/>
+          <a:lstStyle/>
+          <a:p>
+            <a:r>
+              <a:rPr lang="en-GB" dirty="0"/>
+              <a:t>Configuration Management and Version Control</a:t>
+            </a:r>
+          </a:p>
+        </p:txBody>
+      </p:sp>
+      <p:sp>
+        <p:nvSpPr>
+          <p:cNvPr id="3" name="Content Placeholder 2"/>
+          <p:cNvSpPr>
+            <a:spLocks noGrp="1"/>
+          </p:cNvSpPr>
+          <p:nvPr>
+            <p:ph idx="1"/>
+          </p:nvPr>
+        </p:nvSpPr>
+        <p:spPr/>
+        <p:txBody>
+          <a:bodyPr/>
+          <a:lstStyle/>
+          <a:p>
+            <a:r>
+              <a:rPr lang="en-GB" dirty="0" smtClean="0"/>
+              <a:t>Interfacing components</a:t>
+            </a:r>
+          </a:p>
+          <a:p>
+            <a:r>
+              <a:rPr lang="en-GB" dirty="0" smtClean="0"/>
+              <a:t>Keeping track of different versions</a:t>
+            </a:r>
+          </a:p>
+          <a:p>
+            <a:pPr lvl="1"/>
+            <a:r>
+              <a:rPr lang="en-GB" dirty="0" smtClean="0"/>
+              <a:t>stable, debug, testing, …</a:t>
+            </a:r>
+          </a:p>
+          <a:p>
+            <a:pPr lvl="1"/>
+            <a:r>
+              <a:rPr lang="en-GB" dirty="0" smtClean="0"/>
+              <a:t>features, …</a:t>
+            </a:r>
+          </a:p>
+          <a:p>
+            <a:pPr lvl="1"/>
+            <a:r>
+              <a:rPr lang="en-GB" dirty="0"/>
+              <a:t>compatible </a:t>
+            </a:r>
+            <a:r>
+              <a:rPr lang="en-GB" dirty="0" smtClean="0"/>
+              <a:t>components</a:t>
+            </a:r>
+          </a:p>
+          <a:p>
+            <a:pPr lvl="1"/>
+            <a:r>
+              <a:rPr lang="en-GB" dirty="0" smtClean="0"/>
+              <a:t>build 03929, 03930, ..</a:t>
+            </a:r>
+          </a:p>
+          <a:p>
+            <a:r>
+              <a:rPr lang="en-GB" dirty="0" smtClean="0"/>
+              <a:t>Avoid ‘halting’ work while newer versions </a:t>
+            </a:r>
+            <a:r>
+              <a:rPr lang="en-GB" dirty="0"/>
+              <a:t>of </a:t>
+            </a:r>
+            <a:r>
+              <a:rPr lang="en-GB" dirty="0" smtClean="0"/>
+              <a:t>components are developed</a:t>
+            </a:r>
+            <a:r>
+              <a:rPr lang="en-GB" dirty="0"/>
+              <a:t/>
+            </a:r>
+            <a:br>
+              <a:rPr lang="en-GB" dirty="0"/>
+            </a:br>
+            <a:r>
+              <a:rPr lang="en-GB" dirty="0"/>
+              <a:t/>
+            </a:r>
+            <a:br>
+              <a:rPr lang="en-GB" dirty="0"/>
+            </a:br>
+            <a:endParaRPr lang="en-GB" dirty="0"/>
+          </a:p>
+        </p:txBody>
+      </p:sp>
+    </p:spTree>
+    <p:extLst>
+      <p:ext uri="{BB962C8B-B14F-4D97-AF65-F5344CB8AC3E}">
+        <p14:creationId xmlns:p14="http://schemas.microsoft.com/office/powerpoint/2010/main" val="4020148598"/>
+      </p:ext>
+    </p:extLst>
+  </p:cSld>
+  <p:clrMapOvr>
+    <a:masterClrMapping/>
+  </p:clrMapOvr>
+</p:sld>
+</file>
+
+<file path=ppt/slides/slide26.xml><?xml version="1.0" encoding="utf-8"?>
+<p:sld xmlns:a="http://schemas.openxmlformats.org/drawingml/2006/main" xmlns:r="http://schemas.openxmlformats.org/officeDocument/2006/relationships" xmlns:p="http://schemas.openxmlformats.org/presentationml/2006/main">
+  <p:cSld>
+    <p:spTree>
+      <p:nvGrpSpPr>
+        <p:cNvPr id="1" name=""/>
+        <p:cNvGrpSpPr/>
+        <p:nvPr/>
+      </p:nvGrpSpPr>
+      <p:grpSpPr>
+        <a:xfrm>
+          <a:off x="0" y="0"/>
+          <a:ext cx="0" cy="0"/>
+          <a:chOff x="0" y="0"/>
+          <a:chExt cx="0" cy="0"/>
+        </a:xfrm>
+      </p:grpSpPr>
+      <p:sp>
+        <p:nvSpPr>
+          <p:cNvPr id="2" name="Title 1"/>
+          <p:cNvSpPr>
+            <a:spLocks noGrp="1"/>
+          </p:cNvSpPr>
+          <p:nvPr>
+            <p:ph type="title"/>
+          </p:nvPr>
+        </p:nvSpPr>
+        <p:spPr/>
+        <p:txBody>
+          <a:bodyPr/>
+          <a:lstStyle/>
+          <a:p>
+            <a:r>
+              <a:rPr lang="en-GB" b="1" dirty="0" smtClean="0"/>
+              <a:t>Integration</a:t>
+            </a:r>
+            <a:endParaRPr lang="en-GB" dirty="0"/>
+          </a:p>
+        </p:txBody>
+      </p:sp>
+      <p:sp>
+        <p:nvSpPr>
+          <p:cNvPr id="3" name="Content Placeholder 2"/>
+          <p:cNvSpPr>
+            <a:spLocks noGrp="1"/>
+          </p:cNvSpPr>
+          <p:nvPr>
+            <p:ph idx="1"/>
+          </p:nvPr>
+        </p:nvSpPr>
+        <p:spPr/>
+        <p:txBody>
+          <a:bodyPr/>
+          <a:lstStyle/>
+          <a:p>
+            <a:r>
+              <a:rPr lang="en-GB" dirty="0" smtClean="0"/>
+              <a:t>Integration events</a:t>
+            </a:r>
+          </a:p>
+          <a:p>
+            <a:r>
+              <a:rPr lang="en-GB" dirty="0" smtClean="0"/>
+              <a:t>Each marking </a:t>
+            </a:r>
+            <a:r>
+              <a:rPr lang="en-GB" dirty="0"/>
+              <a:t>the creation of another prototype or architectural </a:t>
+            </a:r>
+            <a:r>
+              <a:rPr lang="en-GB" dirty="0" smtClean="0"/>
+              <a:t>release</a:t>
+            </a:r>
+          </a:p>
+          <a:p>
+            <a:r>
+              <a:rPr lang="en-GB" dirty="0" smtClean="0"/>
+              <a:t>Generally </a:t>
+            </a:r>
+            <a:r>
+              <a:rPr lang="en-GB" dirty="0"/>
+              <a:t>incremental in </a:t>
+            </a:r>
+            <a:r>
+              <a:rPr lang="en-GB" dirty="0" smtClean="0"/>
+              <a:t>nature</a:t>
+            </a:r>
+          </a:p>
+          <a:p>
+            <a:pPr lvl="1"/>
+            <a:r>
+              <a:rPr lang="en-GB" dirty="0" smtClean="0"/>
+              <a:t>(i.e., not big-bang)</a:t>
+            </a:r>
+            <a:endParaRPr lang="en-GB" dirty="0"/>
+          </a:p>
+        </p:txBody>
+      </p:sp>
+    </p:spTree>
+    <p:extLst>
+      <p:ext uri="{BB962C8B-B14F-4D97-AF65-F5344CB8AC3E}">
+        <p14:creationId xmlns:p14="http://schemas.microsoft.com/office/powerpoint/2010/main" val="2540850130"/>
+      </p:ext>
+    </p:extLst>
+  </p:cSld>
+  <p:clrMapOvr>
+    <a:masterClrMapping/>
+  </p:clrMapOvr>
+</p:sld>
+</file>
+
+<file path=ppt/slides/slide27.xml><?xml version="1.0" encoding="utf-8"?>
+<p:sld xmlns:a="http://schemas.openxmlformats.org/drawingml/2006/main" xmlns:r="http://schemas.openxmlformats.org/officeDocument/2006/relationships" xmlns:p="http://schemas.openxmlformats.org/presentationml/2006/main">
+  <p:cSld>
+    <p:spTree>
+      <p:nvGrpSpPr>
+        <p:cNvPr id="1" name=""/>
+        <p:cNvGrpSpPr/>
+        <p:nvPr/>
+      </p:nvGrpSpPr>
+      <p:grpSpPr>
+        <a:xfrm>
+          <a:off x="0" y="0"/>
+          <a:ext cx="0" cy="0"/>
+          <a:chOff x="0" y="0"/>
+          <a:chExt cx="0" cy="0"/>
+        </a:xfrm>
+      </p:grpSpPr>
+      <p:sp>
+        <p:nvSpPr>
+          <p:cNvPr id="2" name="Title 1"/>
+          <p:cNvSpPr>
+            <a:spLocks noGrp="1"/>
+          </p:cNvSpPr>
+          <p:nvPr>
+            <p:ph type="title"/>
+          </p:nvPr>
+        </p:nvSpPr>
+        <p:spPr/>
+        <p:txBody>
+          <a:bodyPr/>
+          <a:lstStyle/>
+          <a:p>
+            <a:r>
+              <a:rPr lang="en-GB" dirty="0"/>
+              <a:t>Testing</a:t>
+            </a:r>
+          </a:p>
+        </p:txBody>
+      </p:sp>
+      <p:sp>
+        <p:nvSpPr>
+          <p:cNvPr id="3" name="Content Placeholder 2"/>
+          <p:cNvSpPr>
+            <a:spLocks noGrp="1"/>
+          </p:cNvSpPr>
+          <p:nvPr>
+            <p:ph idx="1"/>
+          </p:nvPr>
+        </p:nvSpPr>
+        <p:spPr/>
+        <p:txBody>
+          <a:bodyPr/>
+          <a:lstStyle/>
+          <a:p>
+            <a:r>
+              <a:rPr lang="en-GB" dirty="0" smtClean="0"/>
+              <a:t>Testing should </a:t>
+            </a:r>
+            <a:r>
+              <a:rPr lang="en-GB" dirty="0"/>
+              <a:t>encompass at least three </a:t>
+            </a:r>
+            <a:r>
+              <a:rPr lang="en-GB" dirty="0" smtClean="0"/>
+              <a:t>dimensions:</a:t>
+            </a:r>
+          </a:p>
+          <a:p>
+            <a:pPr marL="457200" lvl="1" indent="0">
+              <a:buNone/>
+            </a:pPr>
+            <a:r>
+              <a:rPr lang="en-GB" dirty="0" smtClean="0"/>
+              <a:t>1.</a:t>
+            </a:r>
+            <a:r>
+              <a:rPr lang="en-GB" i="1" dirty="0" smtClean="0"/>
+              <a:t> Unit </a:t>
+            </a:r>
+            <a:r>
+              <a:rPr lang="en-GB" i="1" dirty="0"/>
+              <a:t>testing</a:t>
+            </a:r>
+            <a:r>
+              <a:rPr lang="en-GB" dirty="0"/>
+              <a:t/>
+            </a:r>
+            <a:br>
+              <a:rPr lang="en-GB" dirty="0"/>
+            </a:br>
+            <a:r>
+              <a:rPr lang="en-GB" dirty="0" smtClean="0"/>
+              <a:t>2. Component testing</a:t>
+            </a:r>
+          </a:p>
+          <a:p>
+            <a:pPr marL="457200" lvl="1" indent="0">
+              <a:buNone/>
+            </a:pPr>
+            <a:r>
+              <a:rPr lang="en-GB" i="1" dirty="0" smtClean="0"/>
+              <a:t>3. System </a:t>
+            </a:r>
+            <a:r>
+              <a:rPr lang="en-GB" i="1" dirty="0"/>
+              <a:t>testing</a:t>
+            </a:r>
+            <a:r>
+              <a:rPr lang="en-GB" dirty="0"/>
+              <a:t/>
+            </a:r>
+            <a:br>
+              <a:rPr lang="en-GB" dirty="0"/>
+            </a:br>
+            <a:r>
+              <a:rPr lang="en-GB" dirty="0"/>
+              <a:t/>
+            </a:r>
+            <a:br>
+              <a:rPr lang="en-GB" dirty="0"/>
+            </a:br>
+            <a:endParaRPr lang="en-GB" dirty="0"/>
+          </a:p>
+        </p:txBody>
+      </p:sp>
+    </p:spTree>
+    <p:extLst>
+      <p:ext uri="{BB962C8B-B14F-4D97-AF65-F5344CB8AC3E}">
+        <p14:creationId xmlns:p14="http://schemas.microsoft.com/office/powerpoint/2010/main" val="830208248"/>
+      </p:ext>
+    </p:extLst>
+  </p:cSld>
+  <p:clrMapOvr>
+    <a:masterClrMapping/>
+  </p:clrMapOvr>
+</p:sld>
+</file>
+
+<file path=ppt/slides/slide28.xml><?xml version="1.0" encoding="utf-8"?>
+<p:sld xmlns:a="http://schemas.openxmlformats.org/drawingml/2006/main" xmlns:r="http://schemas.openxmlformats.org/officeDocument/2006/relationships" xmlns:p="http://schemas.openxmlformats.org/presentationml/2006/main">
+  <p:cSld>
+    <p:spTree>
+      <p:nvGrpSpPr>
+        <p:cNvPr id="1" name=""/>
+        <p:cNvGrpSpPr/>
+        <p:nvPr/>
+      </p:nvGrpSpPr>
+      <p:grpSpPr>
+        <a:xfrm>
+          <a:off x="0" y="0"/>
+          <a:ext cx="0" cy="0"/>
+          <a:chOff x="0" y="0"/>
+          <a:chExt cx="0" cy="0"/>
+        </a:xfrm>
+      </p:grpSpPr>
+      <p:sp>
+        <p:nvSpPr>
+          <p:cNvPr id="2" name="Title 1"/>
+          <p:cNvSpPr>
+            <a:spLocks noGrp="1"/>
+          </p:cNvSpPr>
+          <p:nvPr>
+            <p:ph type="title"/>
+          </p:nvPr>
+        </p:nvSpPr>
+        <p:spPr/>
+        <p:txBody>
+          <a:bodyPr/>
+          <a:lstStyle/>
+          <a:p>
+            <a:r>
+              <a:rPr lang="en-GB" dirty="0" smtClean="0"/>
+              <a:t>Unit Testing</a:t>
+            </a:r>
+            <a:endParaRPr lang="en-GB" dirty="0"/>
+          </a:p>
+        </p:txBody>
+      </p:sp>
+      <p:sp>
+        <p:nvSpPr>
+          <p:cNvPr id="3" name="Content Placeholder 2"/>
+          <p:cNvSpPr>
+            <a:spLocks noGrp="1"/>
+          </p:cNvSpPr>
+          <p:nvPr>
+            <p:ph idx="1"/>
+          </p:nvPr>
+        </p:nvSpPr>
+        <p:spPr/>
+        <p:txBody>
+          <a:bodyPr/>
+          <a:lstStyle/>
+          <a:p>
+            <a:r>
+              <a:rPr lang="en-GB" dirty="0" smtClean="0"/>
+              <a:t>Involves </a:t>
+            </a:r>
+            <a:r>
+              <a:rPr lang="en-GB" dirty="0"/>
+              <a:t>testing individual classes and </a:t>
+            </a:r>
+            <a:r>
+              <a:rPr lang="en-GB" dirty="0" smtClean="0"/>
+              <a:t>mechanisms and is the responsibility </a:t>
+            </a:r>
+            <a:r>
+              <a:rPr lang="en-GB" dirty="0"/>
+              <a:t>of the application engineer </a:t>
+            </a:r>
+            <a:r>
+              <a:rPr lang="en-GB" dirty="0" smtClean="0"/>
+              <a:t>who implemented </a:t>
+            </a:r>
+            <a:r>
+              <a:rPr lang="en-GB" dirty="0"/>
+              <a:t>the </a:t>
+            </a:r>
+            <a:r>
+              <a:rPr lang="en-GB" dirty="0" smtClean="0"/>
+              <a:t>structure</a:t>
+            </a:r>
+            <a:endParaRPr lang="en-GB" dirty="0"/>
+          </a:p>
+        </p:txBody>
+      </p:sp>
+    </p:spTree>
+    <p:extLst>
+      <p:ext uri="{BB962C8B-B14F-4D97-AF65-F5344CB8AC3E}">
+        <p14:creationId xmlns:p14="http://schemas.microsoft.com/office/powerpoint/2010/main" val="3200125596"/>
+      </p:ext>
+    </p:extLst>
+  </p:cSld>
+  <p:clrMapOvr>
+    <a:masterClrMapping/>
+  </p:clrMapOvr>
+</p:sld>
+</file>
+
+<file path=ppt/slides/slide29.xml><?xml version="1.0" encoding="utf-8"?>
+<p:sld xmlns:a="http://schemas.openxmlformats.org/drawingml/2006/main" xmlns:r="http://schemas.openxmlformats.org/officeDocument/2006/relationships" xmlns:p="http://schemas.openxmlformats.org/presentationml/2006/main">
+  <p:cSld>
+    <p:spTree>
+      <p:nvGrpSpPr>
+        <p:cNvPr id="1" name=""/>
+        <p:cNvGrpSpPr/>
+        <p:nvPr/>
+      </p:nvGrpSpPr>
+      <p:grpSpPr>
+        <a:xfrm>
+          <a:off x="0" y="0"/>
+          <a:ext cx="0" cy="0"/>
+          <a:chOff x="0" y="0"/>
+          <a:chExt cx="0" cy="0"/>
+        </a:xfrm>
+      </p:grpSpPr>
+      <p:sp>
+        <p:nvSpPr>
+          <p:cNvPr id="2" name="Title 1"/>
+          <p:cNvSpPr>
+            <a:spLocks noGrp="1"/>
+          </p:cNvSpPr>
+          <p:nvPr>
+            <p:ph type="title"/>
+          </p:nvPr>
+        </p:nvSpPr>
+        <p:spPr>
+          <a:xfrm>
+            <a:off x="685800" y="76200"/>
+            <a:ext cx="7772400" cy="1143000"/>
+          </a:xfrm>
+        </p:spPr>
+        <p:txBody>
+          <a:bodyPr/>
+          <a:lstStyle/>
+          <a:p>
+            <a:r>
+              <a:rPr lang="en-GB" dirty="0" smtClean="0"/>
+              <a:t>Component Testing</a:t>
+            </a:r>
+            <a:endParaRPr lang="en-GB" dirty="0"/>
+          </a:p>
+        </p:txBody>
+      </p:sp>
+      <p:sp>
+        <p:nvSpPr>
+          <p:cNvPr id="3" name="Content Placeholder 2"/>
+          <p:cNvSpPr>
+            <a:spLocks noGrp="1"/>
+          </p:cNvSpPr>
+          <p:nvPr>
+            <p:ph idx="1"/>
+          </p:nvPr>
+        </p:nvSpPr>
+        <p:spPr>
+          <a:xfrm>
+            <a:off x="685800" y="1447800"/>
+            <a:ext cx="7772400" cy="5029200"/>
+          </a:xfrm>
+        </p:spPr>
+        <p:txBody>
+          <a:bodyPr>
+            <a:normAutofit fontScale="92500" lnSpcReduction="10000"/>
+          </a:bodyPr>
+          <a:lstStyle/>
+          <a:p>
+            <a:r>
+              <a:rPr lang="en-GB" dirty="0" smtClean="0"/>
+              <a:t>Involves </a:t>
+            </a:r>
+            <a:r>
+              <a:rPr lang="en-GB" dirty="0"/>
+              <a:t>integration testing a complete </a:t>
+            </a:r>
+            <a:r>
+              <a:rPr lang="en-GB" dirty="0" smtClean="0"/>
+              <a:t>component and is </a:t>
+            </a:r>
+            <a:r>
+              <a:rPr lang="en-GB" dirty="0"/>
+              <a:t>the responsibility of the component lead. </a:t>
+            </a:r>
+            <a:endParaRPr lang="en-GB" dirty="0" smtClean="0"/>
+          </a:p>
+          <a:p>
+            <a:r>
+              <a:rPr lang="en-GB" dirty="0" smtClean="0"/>
+              <a:t>Component </a:t>
+            </a:r>
+            <a:r>
+              <a:rPr lang="en-GB" dirty="0"/>
+              <a:t>tests can </a:t>
+            </a:r>
+            <a:r>
+              <a:rPr lang="en-GB" dirty="0" smtClean="0"/>
+              <a:t>be used </a:t>
+            </a:r>
+            <a:r>
+              <a:rPr lang="en-GB" dirty="0"/>
+              <a:t>as regression tests for each newly released version of the </a:t>
+            </a:r>
+            <a:r>
+              <a:rPr lang="en-GB" dirty="0" smtClean="0"/>
+              <a:t>component</a:t>
+            </a:r>
+            <a:endParaRPr lang="en-GB" dirty="0"/>
+          </a:p>
+          <a:p>
+            <a:r>
+              <a:rPr lang="en-GB" dirty="0"/>
+              <a:t>Note that the term component is generic and can mean a single </a:t>
+            </a:r>
+            <a:r>
+              <a:rPr lang="en-GB" dirty="0" smtClean="0"/>
+              <a:t>component in </a:t>
+            </a:r>
+            <a:r>
+              <a:rPr lang="en-GB" dirty="0"/>
+              <a:t>a small project or a collection </a:t>
+            </a:r>
+            <a:r>
+              <a:rPr lang="en-GB" dirty="0" smtClean="0"/>
+              <a:t>of components</a:t>
+            </a:r>
+            <a:r>
+              <a:rPr lang="en-GB" dirty="0"/>
+              <a:t>, sometimes referred to as </a:t>
+            </a:r>
+            <a:r>
+              <a:rPr lang="en-GB" dirty="0" smtClean="0"/>
+              <a:t>a subsystem</a:t>
+            </a:r>
+            <a:r>
+              <a:rPr lang="en-GB" dirty="0"/>
+              <a:t>, in a larger project</a:t>
+            </a:r>
+          </a:p>
+        </p:txBody>
+      </p:sp>
+    </p:spTree>
+    <p:extLst>
+      <p:ext uri="{BB962C8B-B14F-4D97-AF65-F5344CB8AC3E}">
+        <p14:creationId xmlns:p14="http://schemas.microsoft.com/office/powerpoint/2010/main" val="152427149"/>
+      </p:ext>
+    </p:extLst>
+  </p:cSld>
+  <p:clrMapOvr>
+    <a:masterClrMapping/>
+  </p:clrMapOvr>
 </p:sld>
 </file>
 
@@ -3967,62 +6753,1278 @@
           <a:chExt cx="0" cy="0"/>
         </a:xfrm>
       </p:grpSpPr>
-      <p:sp>
-        <p:nvSpPr>
-          <p:cNvPr id="11266" name="Title 1"/>
-          <p:cNvSpPr>
-            <a:spLocks noGrp="1"/>
-          </p:cNvSpPr>
-          <p:nvPr>
-            <p:ph type="title"/>
-          </p:nvPr>
-        </p:nvSpPr>
-        <p:spPr/>
-        <p:txBody>
-          <a:bodyPr/>
-          <a:lstStyle/>
-          <a:p>
-            <a:r>
-              <a:rPr lang="en-GB" altLang="en-US" smtClean="0"/>
-              <a:t>Summary</a:t>
-            </a:r>
-          </a:p>
-        </p:txBody>
-      </p:sp>
-      <p:sp>
-        <p:nvSpPr>
-          <p:cNvPr id="11267" name="Content Placeholder 2"/>
-          <p:cNvSpPr>
-            <a:spLocks noGrp="1"/>
-          </p:cNvSpPr>
-          <p:nvPr>
-            <p:ph idx="1"/>
-          </p:nvPr>
-        </p:nvSpPr>
-        <p:spPr/>
-        <p:txBody>
-          <a:bodyPr/>
-          <a:lstStyle/>
-          <a:p>
-            <a:r>
-              <a:rPr lang="en-GB" altLang="en-US" smtClean="0"/>
-              <a:t>Clear idea of Pragmatics in Object Orientated Analysis and Design</a:t>
+      <p:pic>
+        <p:nvPicPr>
+          <p:cNvPr id="4" name="Picture 3"/>
+          <p:cNvPicPr>
+            <a:picLocks noChangeAspect="1"/>
+          </p:cNvPicPr>
+          <p:nvPr/>
+        </p:nvPicPr>
+        <p:blipFill>
+          <a:blip r:embed="rId2"/>
+          <a:stretch>
+            <a:fillRect/>
+          </a:stretch>
+        </p:blipFill>
+        <p:spPr>
+          <a:xfrm>
+            <a:off x="1295400" y="0"/>
+            <a:ext cx="6705600" cy="6705600"/>
+          </a:xfrm>
+          <a:prstGeom prst="rect">
+            <a:avLst/>
+          </a:prstGeom>
+        </p:spPr>
+      </p:pic>
+      <p:sp>
+        <p:nvSpPr>
+          <p:cNvPr id="5" name="TextBox 4"/>
+          <p:cNvSpPr txBox="1"/>
+          <p:nvPr/>
+        </p:nvSpPr>
+        <p:spPr>
+          <a:xfrm>
+            <a:off x="1447800" y="4831140"/>
+            <a:ext cx="6103530" cy="1569660"/>
+          </a:xfrm>
+          <a:prstGeom prst="rect">
+            <a:avLst/>
+          </a:prstGeom>
+          <a:noFill/>
+        </p:spPr>
+        <p:txBody>
+          <a:bodyPr wrap="none" rtlCol="0">
+            <a:spAutoFit/>
+          </a:bodyPr>
+          <a:lstStyle/>
+          <a:p>
+            <a:pPr algn="ctr"/>
+            <a:r>
+              <a:rPr lang="en-GB" sz="3200" b="1" dirty="0">
+                <a:solidFill>
+                  <a:schemeClr val="bg2"/>
+                </a:solidFill>
+              </a:rPr>
+              <a:t>"That's a great question. Come to</a:t>
+            </a:r>
+          </a:p>
+          <a:p>
+            <a:pPr algn="ctr"/>
+            <a:r>
+              <a:rPr lang="en-GB" sz="3200" b="1" dirty="0">
+                <a:solidFill>
+                  <a:schemeClr val="bg2"/>
+                </a:solidFill>
+              </a:rPr>
+              <a:t>think of it, I'm not sure what it</a:t>
+            </a:r>
+          </a:p>
+          <a:p>
+            <a:pPr algn="ctr"/>
+            <a:r>
+              <a:rPr lang="en-GB" sz="3200" b="1" dirty="0">
+                <a:solidFill>
+                  <a:schemeClr val="bg2"/>
+                </a:solidFill>
+              </a:rPr>
+              <a:t>is I'm trying to design."</a:t>
             </a:r>
           </a:p>
         </p:txBody>
       </p:sp>
     </p:spTree>
+    <p:extLst>
+      <p:ext uri="{BB962C8B-B14F-4D97-AF65-F5344CB8AC3E}">
+        <p14:creationId xmlns:p14="http://schemas.microsoft.com/office/powerpoint/2010/main" val="3771947640"/>
+      </p:ext>
+    </p:extLst>
   </p:cSld>
   <p:clrMapOvr>
     <a:masterClrMapping/>
   </p:clrMapOvr>
-  <p:timing>
-    <p:tnLst>
-      <p:par>
-        <p:cTn id="1" dur="indefinite" restart="never" nodeType="tmRoot"/>
-      </p:par>
-    </p:tnLst>
-  </p:timing>
+</p:sld>
+</file>
+
+<file path=ppt/slides/slide30.xml><?xml version="1.0" encoding="utf-8"?>
+<p:sld xmlns:a="http://schemas.openxmlformats.org/drawingml/2006/main" xmlns:r="http://schemas.openxmlformats.org/officeDocument/2006/relationships" xmlns:p="http://schemas.openxmlformats.org/presentationml/2006/main">
+  <p:cSld>
+    <p:spTree>
+      <p:nvGrpSpPr>
+        <p:cNvPr id="1" name=""/>
+        <p:cNvGrpSpPr/>
+        <p:nvPr/>
+      </p:nvGrpSpPr>
+      <p:grpSpPr>
+        <a:xfrm>
+          <a:off x="0" y="0"/>
+          <a:ext cx="0" cy="0"/>
+          <a:chOff x="0" y="0"/>
+          <a:chExt cx="0" cy="0"/>
+        </a:xfrm>
+      </p:grpSpPr>
+      <p:sp>
+        <p:nvSpPr>
+          <p:cNvPr id="2" name="Title 1"/>
+          <p:cNvSpPr>
+            <a:spLocks noGrp="1"/>
+          </p:cNvSpPr>
+          <p:nvPr>
+            <p:ph type="title"/>
+          </p:nvPr>
+        </p:nvSpPr>
+        <p:spPr/>
+        <p:txBody>
+          <a:bodyPr/>
+          <a:lstStyle/>
+          <a:p>
+            <a:r>
+              <a:rPr lang="en-GB" dirty="0" smtClean="0"/>
+              <a:t>System Testing</a:t>
+            </a:r>
+            <a:endParaRPr lang="en-GB" dirty="0"/>
+          </a:p>
+        </p:txBody>
+      </p:sp>
+      <p:sp>
+        <p:nvSpPr>
+          <p:cNvPr id="3" name="Content Placeholder 2"/>
+          <p:cNvSpPr>
+            <a:spLocks noGrp="1"/>
+          </p:cNvSpPr>
+          <p:nvPr>
+            <p:ph idx="1"/>
+          </p:nvPr>
+        </p:nvSpPr>
+        <p:spPr/>
+        <p:txBody>
+          <a:bodyPr/>
+          <a:lstStyle/>
+          <a:p>
+            <a:r>
+              <a:rPr lang="en-GB" dirty="0" smtClean="0"/>
+              <a:t>Involves </a:t>
+            </a:r>
+            <a:r>
+              <a:rPr lang="en-GB" dirty="0"/>
+              <a:t>integration testing the system as a whole and is </a:t>
+            </a:r>
+            <a:r>
+              <a:rPr lang="en-GB" dirty="0" smtClean="0"/>
+              <a:t>the responsibility </a:t>
+            </a:r>
+            <a:r>
+              <a:rPr lang="en-GB" dirty="0"/>
+              <a:t>of the quality assurance </a:t>
+            </a:r>
+            <a:r>
+              <a:rPr lang="en-GB" dirty="0" smtClean="0"/>
+              <a:t>team</a:t>
+            </a:r>
+          </a:p>
+          <a:p>
+            <a:r>
+              <a:rPr lang="en-GB" dirty="0" smtClean="0"/>
+              <a:t>System </a:t>
+            </a:r>
+            <a:r>
+              <a:rPr lang="en-GB" dirty="0"/>
+              <a:t>tests are also </a:t>
+            </a:r>
+            <a:r>
+              <a:rPr lang="en-GB" dirty="0" smtClean="0"/>
+              <a:t>typically used </a:t>
+            </a:r>
+            <a:r>
+              <a:rPr lang="en-GB" dirty="0"/>
+              <a:t>as regression tests by the integration team when assembling </a:t>
+            </a:r>
+            <a:r>
+              <a:rPr lang="en-GB" dirty="0" smtClean="0"/>
+              <a:t>new releases</a:t>
+            </a:r>
+            <a:endParaRPr lang="en-GB" dirty="0"/>
+          </a:p>
+        </p:txBody>
+      </p:sp>
+    </p:spTree>
+    <p:extLst>
+      <p:ext uri="{BB962C8B-B14F-4D97-AF65-F5344CB8AC3E}">
+        <p14:creationId xmlns:p14="http://schemas.microsoft.com/office/powerpoint/2010/main" val="1523786038"/>
+      </p:ext>
+    </p:extLst>
+  </p:cSld>
+  <p:clrMapOvr>
+    <a:masterClrMapping/>
+  </p:clrMapOvr>
+</p:sld>
+</file>
+
+<file path=ppt/slides/slide31.xml><?xml version="1.0" encoding="utf-8"?>
+<p:sld xmlns:a="http://schemas.openxmlformats.org/drawingml/2006/main" xmlns:r="http://schemas.openxmlformats.org/officeDocument/2006/relationships" xmlns:p="http://schemas.openxmlformats.org/presentationml/2006/main">
+  <p:cSld>
+    <p:spTree>
+      <p:nvGrpSpPr>
+        <p:cNvPr id="1" name=""/>
+        <p:cNvGrpSpPr/>
+        <p:nvPr/>
+      </p:nvGrpSpPr>
+      <p:grpSpPr>
+        <a:xfrm>
+          <a:off x="0" y="0"/>
+          <a:ext cx="0" cy="0"/>
+          <a:chOff x="0" y="0"/>
+          <a:chExt cx="0" cy="0"/>
+        </a:xfrm>
+      </p:grpSpPr>
+      <p:sp>
+        <p:nvSpPr>
+          <p:cNvPr id="2" name="Title 1"/>
+          <p:cNvSpPr>
+            <a:spLocks noGrp="1"/>
+          </p:cNvSpPr>
+          <p:nvPr>
+            <p:ph type="title"/>
+          </p:nvPr>
+        </p:nvSpPr>
+        <p:spPr/>
+        <p:txBody>
+          <a:bodyPr/>
+          <a:lstStyle/>
+          <a:p>
+            <a:r>
+              <a:rPr lang="en-GB" dirty="0"/>
+              <a:t>Reuse</a:t>
+            </a:r>
+          </a:p>
+        </p:txBody>
+      </p:sp>
+      <p:sp>
+        <p:nvSpPr>
+          <p:cNvPr id="3" name="Content Placeholder 2"/>
+          <p:cNvSpPr>
+            <a:spLocks noGrp="1"/>
+          </p:cNvSpPr>
+          <p:nvPr>
+            <p:ph idx="1"/>
+          </p:nvPr>
+        </p:nvSpPr>
+        <p:spPr/>
+        <p:txBody>
+          <a:bodyPr/>
+          <a:lstStyle/>
+          <a:p>
+            <a:r>
+              <a:rPr lang="en-GB" dirty="0" smtClean="0"/>
+              <a:t>Acclaimed </a:t>
+            </a:r>
+            <a:r>
+              <a:rPr lang="en-GB" dirty="0"/>
+              <a:t>benefits of object-oriented development is </a:t>
+            </a:r>
+            <a:r>
+              <a:rPr lang="en-GB" dirty="0" smtClean="0"/>
+              <a:t>reuse</a:t>
+            </a:r>
+          </a:p>
+          <a:p>
+            <a:r>
+              <a:rPr lang="en-GB" dirty="0" smtClean="0"/>
+              <a:t>Depends on management</a:t>
+            </a:r>
+          </a:p>
+          <a:p>
+            <a:r>
+              <a:rPr lang="en-GB" dirty="0" smtClean="0"/>
+              <a:t>Realize the </a:t>
+            </a:r>
+            <a:r>
+              <a:rPr lang="en-GB" dirty="0"/>
+              <a:t>benefits of reusing </a:t>
+            </a:r>
+            <a:r>
+              <a:rPr lang="en-GB" dirty="0" smtClean="0"/>
+              <a:t>the many </a:t>
+            </a:r>
+            <a:r>
+              <a:rPr lang="en-GB" dirty="0" err="1"/>
+              <a:t>artifacts</a:t>
+            </a:r>
+            <a:r>
+              <a:rPr lang="en-GB" dirty="0"/>
+              <a:t> of the development process</a:t>
+            </a:r>
+          </a:p>
+        </p:txBody>
+      </p:sp>
+    </p:spTree>
+    <p:extLst>
+      <p:ext uri="{BB962C8B-B14F-4D97-AF65-F5344CB8AC3E}">
+        <p14:creationId xmlns:p14="http://schemas.microsoft.com/office/powerpoint/2010/main" val="2034320265"/>
+      </p:ext>
+    </p:extLst>
+  </p:cSld>
+  <p:clrMapOvr>
+    <a:masterClrMapping/>
+  </p:clrMapOvr>
+</p:sld>
+</file>
+
+<file path=ppt/slides/slide32.xml><?xml version="1.0" encoding="utf-8"?>
+<p:sld xmlns:a="http://schemas.openxmlformats.org/drawingml/2006/main" xmlns:r="http://schemas.openxmlformats.org/officeDocument/2006/relationships" xmlns:p="http://schemas.openxmlformats.org/presentationml/2006/main">
+  <p:cSld>
+    <p:spTree>
+      <p:nvGrpSpPr>
+        <p:cNvPr id="1" name=""/>
+        <p:cNvGrpSpPr/>
+        <p:nvPr/>
+      </p:nvGrpSpPr>
+      <p:grpSpPr>
+        <a:xfrm>
+          <a:off x="0" y="0"/>
+          <a:ext cx="0" cy="0"/>
+          <a:chOff x="0" y="0"/>
+          <a:chExt cx="0" cy="0"/>
+        </a:xfrm>
+      </p:grpSpPr>
+      <p:sp>
+        <p:nvSpPr>
+          <p:cNvPr id="2" name="Title 1"/>
+          <p:cNvSpPr>
+            <a:spLocks noGrp="1"/>
+          </p:cNvSpPr>
+          <p:nvPr>
+            <p:ph type="title"/>
+          </p:nvPr>
+        </p:nvSpPr>
+        <p:spPr/>
+        <p:txBody>
+          <a:bodyPr/>
+          <a:lstStyle/>
+          <a:p>
+            <a:r>
+              <a:rPr lang="en-GB" dirty="0"/>
+              <a:t>Elements of Reuse</a:t>
+            </a:r>
+          </a:p>
+        </p:txBody>
+      </p:sp>
+      <p:sp>
+        <p:nvSpPr>
+          <p:cNvPr id="3" name="Content Placeholder 2"/>
+          <p:cNvSpPr>
+            <a:spLocks noGrp="1"/>
+          </p:cNvSpPr>
+          <p:nvPr>
+            <p:ph idx="1"/>
+          </p:nvPr>
+        </p:nvSpPr>
+        <p:spPr/>
+        <p:txBody>
+          <a:bodyPr>
+            <a:normAutofit fontScale="92500" lnSpcReduction="10000"/>
+          </a:bodyPr>
+          <a:lstStyle/>
+          <a:p>
+            <a:r>
+              <a:rPr lang="en-GB" dirty="0">
+                <a:solidFill>
+                  <a:srgbClr val="FF0000"/>
+                </a:solidFill>
+              </a:rPr>
+              <a:t>Any</a:t>
+            </a:r>
+            <a:r>
+              <a:rPr lang="en-GB" dirty="0"/>
+              <a:t> </a:t>
+            </a:r>
+            <a:r>
+              <a:rPr lang="en-GB" dirty="0" err="1"/>
+              <a:t>artifact</a:t>
+            </a:r>
+            <a:r>
+              <a:rPr lang="en-GB" dirty="0"/>
+              <a:t> of software development can be </a:t>
+            </a:r>
+            <a:r>
+              <a:rPr lang="en-GB" dirty="0" smtClean="0"/>
+              <a:t>reused</a:t>
+            </a:r>
+          </a:p>
+          <a:p>
+            <a:r>
+              <a:rPr lang="en-GB" dirty="0" smtClean="0"/>
+              <a:t>Any stage, e.g., requirement, development and testing</a:t>
+            </a:r>
+          </a:p>
+          <a:p>
+            <a:r>
+              <a:rPr lang="en-GB" dirty="0" smtClean="0"/>
+              <a:t>For example, design</a:t>
+            </a:r>
+            <a:r>
+              <a:rPr lang="en-GB" dirty="0"/>
+              <a:t>, </a:t>
+            </a:r>
+            <a:r>
+              <a:rPr lang="en-GB" dirty="0" smtClean="0"/>
+              <a:t>code </a:t>
+            </a:r>
+            <a:r>
+              <a:rPr lang="en-GB" dirty="0"/>
+              <a:t>and </a:t>
+            </a:r>
+            <a:r>
+              <a:rPr lang="en-GB" dirty="0" smtClean="0"/>
+              <a:t>documentation</a:t>
+            </a:r>
+          </a:p>
+          <a:p>
+            <a:pPr lvl="1"/>
+            <a:r>
+              <a:rPr lang="en-GB" dirty="0"/>
+              <a:t>reuse patterns of classes, objects, and designs in the form of </a:t>
+            </a:r>
+            <a:r>
+              <a:rPr lang="en-GB" dirty="0" smtClean="0"/>
+              <a:t>idioms, mechanisms</a:t>
+            </a:r>
+            <a:r>
+              <a:rPr lang="en-GB" dirty="0"/>
+              <a:t>, and frameworks</a:t>
+            </a:r>
+          </a:p>
+        </p:txBody>
+      </p:sp>
+    </p:spTree>
+    <p:extLst>
+      <p:ext uri="{BB962C8B-B14F-4D97-AF65-F5344CB8AC3E}">
+        <p14:creationId xmlns:p14="http://schemas.microsoft.com/office/powerpoint/2010/main" val="3872833892"/>
+      </p:ext>
+    </p:extLst>
+  </p:cSld>
+  <p:clrMapOvr>
+    <a:masterClrMapping/>
+  </p:clrMapOvr>
+</p:sld>
+</file>
+
+<file path=ppt/slides/slide33.xml><?xml version="1.0" encoding="utf-8"?>
+<p:sld xmlns:a="http://schemas.openxmlformats.org/drawingml/2006/main" xmlns:r="http://schemas.openxmlformats.org/officeDocument/2006/relationships" xmlns:p="http://schemas.openxmlformats.org/presentationml/2006/main">
+  <p:cSld>
+    <p:spTree>
+      <p:nvGrpSpPr>
+        <p:cNvPr id="1" name=""/>
+        <p:cNvGrpSpPr/>
+        <p:nvPr/>
+      </p:nvGrpSpPr>
+      <p:grpSpPr>
+        <a:xfrm>
+          <a:off x="0" y="0"/>
+          <a:ext cx="0" cy="0"/>
+          <a:chOff x="0" y="0"/>
+          <a:chExt cx="0" cy="0"/>
+        </a:xfrm>
+      </p:grpSpPr>
+      <p:sp>
+        <p:nvSpPr>
+          <p:cNvPr id="2" name="Title 1"/>
+          <p:cNvSpPr>
+            <a:spLocks noGrp="1"/>
+          </p:cNvSpPr>
+          <p:nvPr>
+            <p:ph type="title"/>
+          </p:nvPr>
+        </p:nvSpPr>
+        <p:spPr/>
+        <p:txBody>
+          <a:bodyPr/>
+          <a:lstStyle/>
+          <a:p>
+            <a:r>
+              <a:rPr lang="en-GB" dirty="0" smtClean="0"/>
+              <a:t>Question</a:t>
+            </a:r>
+            <a:endParaRPr lang="en-GB" dirty="0"/>
+          </a:p>
+        </p:txBody>
+      </p:sp>
+      <p:sp>
+        <p:nvSpPr>
+          <p:cNvPr id="3" name="Content Placeholder 2"/>
+          <p:cNvSpPr>
+            <a:spLocks noGrp="1"/>
+          </p:cNvSpPr>
+          <p:nvPr>
+            <p:ph idx="1"/>
+          </p:nvPr>
+        </p:nvSpPr>
+        <p:spPr/>
+        <p:txBody>
+          <a:bodyPr/>
+          <a:lstStyle/>
+          <a:p>
+            <a:r>
+              <a:rPr lang="en-GB" dirty="0"/>
+              <a:t>Documentation should </a:t>
+            </a:r>
+            <a:r>
+              <a:rPr lang="en-GB" dirty="0" smtClean="0"/>
+              <a:t>drive </a:t>
+            </a:r>
+            <a:r>
+              <a:rPr lang="en-GB" dirty="0"/>
+              <a:t>the development </a:t>
+            </a:r>
+            <a:r>
+              <a:rPr lang="en-GB" dirty="0" smtClean="0"/>
+              <a:t>process</a:t>
+            </a:r>
+          </a:p>
+          <a:p>
+            <a:endParaRPr lang="en-GB" dirty="0"/>
+          </a:p>
+          <a:p>
+            <a:pPr marL="514350" indent="-514350">
+              <a:buAutoNum type="alphaLcParenR"/>
+            </a:pPr>
+            <a:r>
+              <a:rPr lang="en-GB" dirty="0" smtClean="0"/>
+              <a:t>True</a:t>
+            </a:r>
+          </a:p>
+          <a:p>
+            <a:pPr marL="514350" indent="-514350">
+              <a:buAutoNum type="alphaLcParenR"/>
+            </a:pPr>
+            <a:r>
+              <a:rPr lang="en-GB" dirty="0" smtClean="0"/>
+              <a:t>False</a:t>
+            </a:r>
+            <a:endParaRPr lang="en-GB" dirty="0"/>
+          </a:p>
+        </p:txBody>
+      </p:sp>
+    </p:spTree>
+    <p:extLst>
+      <p:ext uri="{BB962C8B-B14F-4D97-AF65-F5344CB8AC3E}">
+        <p14:creationId xmlns:p14="http://schemas.microsoft.com/office/powerpoint/2010/main" val="3422991992"/>
+      </p:ext>
+    </p:extLst>
+  </p:cSld>
+  <p:clrMapOvr>
+    <a:masterClrMapping/>
+  </p:clrMapOvr>
+</p:sld>
+</file>
+
+<file path=ppt/slides/slide34.xml><?xml version="1.0" encoding="utf-8"?>
+<p:sld xmlns:a="http://schemas.openxmlformats.org/drawingml/2006/main" xmlns:r="http://schemas.openxmlformats.org/officeDocument/2006/relationships" xmlns:p="http://schemas.openxmlformats.org/presentationml/2006/main">
+  <p:cSld>
+    <p:spTree>
+      <p:nvGrpSpPr>
+        <p:cNvPr id="1" name=""/>
+        <p:cNvGrpSpPr/>
+        <p:nvPr/>
+      </p:nvGrpSpPr>
+      <p:grpSpPr>
+        <a:xfrm>
+          <a:off x="0" y="0"/>
+          <a:ext cx="0" cy="0"/>
+          <a:chOff x="0" y="0"/>
+          <a:chExt cx="0" cy="0"/>
+        </a:xfrm>
+      </p:grpSpPr>
+      <p:sp>
+        <p:nvSpPr>
+          <p:cNvPr id="2" name="Title 1"/>
+          <p:cNvSpPr>
+            <a:spLocks noGrp="1"/>
+          </p:cNvSpPr>
+          <p:nvPr>
+            <p:ph type="title"/>
+          </p:nvPr>
+        </p:nvSpPr>
+        <p:spPr/>
+        <p:txBody>
+          <a:bodyPr/>
+          <a:lstStyle/>
+          <a:p>
+            <a:r>
+              <a:rPr lang="en-GB" dirty="0" smtClean="0"/>
+              <a:t>Answer</a:t>
+            </a:r>
+            <a:endParaRPr lang="en-GB" dirty="0"/>
+          </a:p>
+        </p:txBody>
+      </p:sp>
+      <p:sp>
+        <p:nvSpPr>
+          <p:cNvPr id="3" name="Content Placeholder 2"/>
+          <p:cNvSpPr>
+            <a:spLocks noGrp="1"/>
+          </p:cNvSpPr>
+          <p:nvPr>
+            <p:ph idx="1"/>
+          </p:nvPr>
+        </p:nvSpPr>
+        <p:spPr/>
+        <p:txBody>
+          <a:bodyPr/>
+          <a:lstStyle/>
+          <a:p>
+            <a:r>
+              <a:rPr lang="en-GB" dirty="0" smtClean="0"/>
+              <a:t>b) False</a:t>
+            </a:r>
+          </a:p>
+          <a:p>
+            <a:endParaRPr lang="en-GB" dirty="0"/>
+          </a:p>
+          <a:p>
+            <a:pPr marL="0" indent="0">
+              <a:buNone/>
+            </a:pPr>
+            <a:r>
+              <a:rPr lang="en-GB" dirty="0"/>
+              <a:t>Documentation should </a:t>
+            </a:r>
+            <a:r>
+              <a:rPr lang="en-GB" dirty="0">
+                <a:solidFill>
+                  <a:srgbClr val="FF0000"/>
+                </a:solidFill>
+              </a:rPr>
+              <a:t>never</a:t>
+            </a:r>
+            <a:r>
+              <a:rPr lang="en-GB" dirty="0"/>
+              <a:t> drive the development process</a:t>
+            </a:r>
+            <a:br>
+              <a:rPr lang="en-GB" dirty="0"/>
+            </a:br>
+            <a:r>
+              <a:rPr lang="en-GB" dirty="0"/>
+              <a:t/>
+            </a:r>
+            <a:br>
+              <a:rPr lang="en-GB" dirty="0"/>
+            </a:br>
+            <a:endParaRPr lang="en-GB" dirty="0"/>
+          </a:p>
+        </p:txBody>
+      </p:sp>
+    </p:spTree>
+    <p:extLst>
+      <p:ext uri="{BB962C8B-B14F-4D97-AF65-F5344CB8AC3E}">
+        <p14:creationId xmlns:p14="http://schemas.microsoft.com/office/powerpoint/2010/main" val="2947681496"/>
+      </p:ext>
+    </p:extLst>
+  </p:cSld>
+  <p:clrMapOvr>
+    <a:masterClrMapping/>
+  </p:clrMapOvr>
+</p:sld>
+</file>
+
+<file path=ppt/slides/slide35.xml><?xml version="1.0" encoding="utf-8"?>
+<p:sld xmlns:a="http://schemas.openxmlformats.org/drawingml/2006/main" xmlns:r="http://schemas.openxmlformats.org/officeDocument/2006/relationships" xmlns:p="http://schemas.openxmlformats.org/presentationml/2006/main">
+  <p:cSld>
+    <p:spTree>
+      <p:nvGrpSpPr>
+        <p:cNvPr id="1" name=""/>
+        <p:cNvGrpSpPr/>
+        <p:nvPr/>
+      </p:nvGrpSpPr>
+      <p:grpSpPr>
+        <a:xfrm>
+          <a:off x="0" y="0"/>
+          <a:ext cx="0" cy="0"/>
+          <a:chOff x="0" y="0"/>
+          <a:chExt cx="0" cy="0"/>
+        </a:xfrm>
+      </p:grpSpPr>
+      <p:sp>
+        <p:nvSpPr>
+          <p:cNvPr id="2" name="Title 1"/>
+          <p:cNvSpPr>
+            <a:spLocks noGrp="1"/>
+          </p:cNvSpPr>
+          <p:nvPr>
+            <p:ph type="title"/>
+          </p:nvPr>
+        </p:nvSpPr>
+        <p:spPr/>
+        <p:txBody>
+          <a:bodyPr/>
+          <a:lstStyle/>
+          <a:p>
+            <a:r>
+              <a:rPr lang="en-GB" dirty="0"/>
+              <a:t>Institutionalizing Reuse</a:t>
+            </a:r>
+          </a:p>
+        </p:txBody>
+      </p:sp>
+      <p:sp>
+        <p:nvSpPr>
+          <p:cNvPr id="3" name="Content Placeholder 2"/>
+          <p:cNvSpPr>
+            <a:spLocks noGrp="1"/>
+          </p:cNvSpPr>
+          <p:nvPr>
+            <p:ph idx="1"/>
+          </p:nvPr>
+        </p:nvSpPr>
+        <p:spPr/>
+        <p:txBody>
+          <a:bodyPr/>
+          <a:lstStyle/>
+          <a:p>
+            <a:r>
+              <a:rPr lang="en-GB" dirty="0"/>
+              <a:t>Reuse within a project or even within an entire organization doesn’t just </a:t>
+            </a:r>
+            <a:r>
+              <a:rPr lang="en-GB" dirty="0" smtClean="0"/>
+              <a:t>happen</a:t>
+            </a:r>
+          </a:p>
+          <a:p>
+            <a:endParaRPr lang="en-GB" dirty="0"/>
+          </a:p>
+          <a:p>
+            <a:pPr marL="0" indent="0">
+              <a:buNone/>
+            </a:pPr>
+            <a:r>
+              <a:rPr lang="en-GB" dirty="0" smtClean="0"/>
+              <a:t>			 </a:t>
+            </a:r>
+            <a:r>
+              <a:rPr lang="en-GB" sz="6600" dirty="0" smtClean="0"/>
+              <a:t>WHY?</a:t>
+            </a:r>
+            <a:endParaRPr lang="en-GB" dirty="0"/>
+          </a:p>
+        </p:txBody>
+      </p:sp>
+      <p:pic>
+        <p:nvPicPr>
+          <p:cNvPr id="4" name="Picture 1"/>
+          <p:cNvPicPr>
+            <a:picLocks noChangeAspect="1"/>
+          </p:cNvPicPr>
+          <p:nvPr/>
+        </p:nvPicPr>
+        <p:blipFill>
+          <a:blip r:embed="rId2">
+            <a:extLst>
+              <a:ext uri="{28A0092B-C50C-407E-A947-70E740481C1C}">
+                <a14:useLocalDpi xmlns:a14="http://schemas.microsoft.com/office/drawing/2010/main" val="0"/>
+              </a:ext>
+            </a:extLst>
+          </a:blip>
+          <a:srcRect/>
+          <a:stretch>
+            <a:fillRect/>
+          </a:stretch>
+        </p:blipFill>
+        <p:spPr bwMode="auto">
+          <a:xfrm>
+            <a:off x="6468140" y="4800600"/>
+            <a:ext cx="2294860" cy="1879600"/>
+          </a:xfrm>
+          <a:prstGeom prst="rect">
+            <a:avLst/>
+          </a:prstGeom>
+          <a:noFill/>
+          <a:ln>
+            <a:noFill/>
+          </a:ln>
+          <a:extLst>
+            <a:ext uri="{909E8E84-426E-40DD-AFC4-6F175D3DCCD1}">
+              <a14:hiddenFill xmlns:a14="http://schemas.microsoft.com/office/drawing/2010/main">
+                <a:solidFill>
+                  <a:srgbClr val="FFFFFF"/>
+                </a:solidFill>
+              </a14:hiddenFill>
+            </a:ext>
+            <a:ext uri="{91240B29-F687-4F45-9708-019B960494DF}">
+              <a14:hiddenLine xmlns:a14="http://schemas.microsoft.com/office/drawing/2010/main" w="9525">
+                <a:solidFill>
+                  <a:srgbClr val="000000"/>
+                </a:solidFill>
+                <a:miter lim="800000"/>
+                <a:headEnd/>
+                <a:tailEnd/>
+              </a14:hiddenLine>
+            </a:ext>
+          </a:extLst>
+        </p:spPr>
+      </p:pic>
+    </p:spTree>
+    <p:extLst>
+      <p:ext uri="{BB962C8B-B14F-4D97-AF65-F5344CB8AC3E}">
+        <p14:creationId xmlns:p14="http://schemas.microsoft.com/office/powerpoint/2010/main" val="4021884752"/>
+      </p:ext>
+    </p:extLst>
+  </p:cSld>
+  <p:clrMapOvr>
+    <a:masterClrMapping/>
+  </p:clrMapOvr>
+</p:sld>
+</file>
+
+<file path=ppt/slides/slide36.xml><?xml version="1.0" encoding="utf-8"?>
+<p:sld xmlns:a="http://schemas.openxmlformats.org/drawingml/2006/main" xmlns:r="http://schemas.openxmlformats.org/officeDocument/2006/relationships" xmlns:p="http://schemas.openxmlformats.org/presentationml/2006/main">
+  <p:cSld>
+    <p:spTree>
+      <p:nvGrpSpPr>
+        <p:cNvPr id="1" name=""/>
+        <p:cNvGrpSpPr/>
+        <p:nvPr/>
+      </p:nvGrpSpPr>
+      <p:grpSpPr>
+        <a:xfrm>
+          <a:off x="0" y="0"/>
+          <a:ext cx="0" cy="0"/>
+          <a:chOff x="0" y="0"/>
+          <a:chExt cx="0" cy="0"/>
+        </a:xfrm>
+      </p:grpSpPr>
+      <p:sp>
+        <p:nvSpPr>
+          <p:cNvPr id="2" name="Title 1"/>
+          <p:cNvSpPr>
+            <a:spLocks noGrp="1"/>
+          </p:cNvSpPr>
+          <p:nvPr>
+            <p:ph type="title"/>
+          </p:nvPr>
+        </p:nvSpPr>
+        <p:spPr/>
+        <p:txBody>
+          <a:bodyPr/>
+          <a:lstStyle/>
+          <a:p>
+            <a:r>
+              <a:rPr lang="en-GB" dirty="0"/>
+              <a:t>Institutionalizing Reuse</a:t>
+            </a:r>
+          </a:p>
+        </p:txBody>
+      </p:sp>
+      <p:sp>
+        <p:nvSpPr>
+          <p:cNvPr id="3" name="Content Placeholder 2"/>
+          <p:cNvSpPr>
+            <a:spLocks noGrp="1"/>
+          </p:cNvSpPr>
+          <p:nvPr>
+            <p:ph idx="1"/>
+          </p:nvPr>
+        </p:nvSpPr>
+        <p:spPr/>
+        <p:txBody>
+          <a:bodyPr/>
+          <a:lstStyle/>
+          <a:p>
+            <a:r>
+              <a:rPr lang="en-GB" dirty="0" smtClean="0"/>
+              <a:t>Encouraged</a:t>
+            </a:r>
+          </a:p>
+          <a:p>
+            <a:r>
+              <a:rPr lang="en-GB" dirty="0" smtClean="0"/>
+              <a:t>Opportunities </a:t>
+            </a:r>
+            <a:r>
+              <a:rPr lang="en-GB" dirty="0"/>
+              <a:t>for reuse must </a:t>
+            </a:r>
+            <a:r>
+              <a:rPr lang="en-GB" dirty="0" smtClean="0"/>
+              <a:t>be actively </a:t>
+            </a:r>
+            <a:r>
+              <a:rPr lang="en-GB" dirty="0"/>
+              <a:t>sought out and </a:t>
+            </a:r>
+            <a:r>
+              <a:rPr lang="en-GB" dirty="0" smtClean="0"/>
+              <a:t>rewarded</a:t>
+            </a:r>
+          </a:p>
+          <a:p>
+            <a:r>
+              <a:rPr lang="en-GB" dirty="0" smtClean="0"/>
+              <a:t>Pattern </a:t>
+            </a:r>
+            <a:r>
+              <a:rPr lang="en-GB" dirty="0"/>
+              <a:t>scavenging as an </a:t>
+            </a:r>
+            <a:r>
+              <a:rPr lang="en-GB" dirty="0">
+                <a:solidFill>
+                  <a:srgbClr val="FF0000"/>
+                </a:solidFill>
+              </a:rPr>
+              <a:t>explicit</a:t>
+            </a:r>
+            <a:r>
+              <a:rPr lang="en-GB" dirty="0"/>
+              <a:t> activity in the </a:t>
+            </a:r>
+            <a:r>
+              <a:rPr lang="en-GB" dirty="0" smtClean="0"/>
+              <a:t>development process</a:t>
+            </a:r>
+          </a:p>
+          <a:p>
+            <a:r>
+              <a:rPr lang="en-GB" dirty="0" smtClean="0"/>
+              <a:t>Making </a:t>
+            </a:r>
+            <a:r>
+              <a:rPr lang="en-GB" dirty="0"/>
+              <a:t>specific </a:t>
+            </a:r>
+            <a:r>
+              <a:rPr lang="en-GB" dirty="0" smtClean="0"/>
+              <a:t>individuals responsible </a:t>
+            </a:r>
+            <a:r>
+              <a:rPr lang="en-GB" dirty="0"/>
+              <a:t>for leading the reuse activity</a:t>
+            </a:r>
+          </a:p>
+        </p:txBody>
+      </p:sp>
+    </p:spTree>
+    <p:extLst>
+      <p:ext uri="{BB962C8B-B14F-4D97-AF65-F5344CB8AC3E}">
+        <p14:creationId xmlns:p14="http://schemas.microsoft.com/office/powerpoint/2010/main" val="3610348242"/>
+      </p:ext>
+    </p:extLst>
+  </p:cSld>
+  <p:clrMapOvr>
+    <a:masterClrMapping/>
+  </p:clrMapOvr>
+</p:sld>
+</file>
+
+<file path=ppt/slides/slide37.xml><?xml version="1.0" encoding="utf-8"?>
+<p:sld xmlns:a="http://schemas.openxmlformats.org/drawingml/2006/main" xmlns:r="http://schemas.openxmlformats.org/officeDocument/2006/relationships" xmlns:p="http://schemas.openxmlformats.org/presentationml/2006/main">
+  <p:cSld>
+    <p:spTree>
+      <p:nvGrpSpPr>
+        <p:cNvPr id="1" name=""/>
+        <p:cNvGrpSpPr/>
+        <p:nvPr/>
+      </p:nvGrpSpPr>
+      <p:grpSpPr>
+        <a:xfrm>
+          <a:off x="0" y="0"/>
+          <a:ext cx="0" cy="0"/>
+          <a:chOff x="0" y="0"/>
+          <a:chExt cx="0" cy="0"/>
+        </a:xfrm>
+      </p:grpSpPr>
+      <p:sp>
+        <p:nvSpPr>
+          <p:cNvPr id="2" name="Title 1"/>
+          <p:cNvSpPr>
+            <a:spLocks noGrp="1"/>
+          </p:cNvSpPr>
+          <p:nvPr>
+            <p:ph type="title"/>
+          </p:nvPr>
+        </p:nvSpPr>
+        <p:spPr/>
+        <p:txBody>
+          <a:bodyPr/>
+          <a:lstStyle/>
+          <a:p>
+            <a:r>
+              <a:rPr lang="en-GB" dirty="0" smtClean="0"/>
+              <a:t>Long Term</a:t>
+            </a:r>
+            <a:endParaRPr lang="en-GB" dirty="0"/>
+          </a:p>
+        </p:txBody>
+      </p:sp>
+      <p:sp>
+        <p:nvSpPr>
+          <p:cNvPr id="3" name="Content Placeholder 2"/>
+          <p:cNvSpPr>
+            <a:spLocks noGrp="1"/>
+          </p:cNvSpPr>
+          <p:nvPr>
+            <p:ph idx="1"/>
+          </p:nvPr>
+        </p:nvSpPr>
+        <p:spPr/>
+        <p:txBody>
+          <a:bodyPr/>
+          <a:lstStyle/>
+          <a:p>
+            <a:r>
+              <a:rPr lang="en-GB" dirty="0" smtClean="0"/>
+              <a:t>Reuse </a:t>
+            </a:r>
+            <a:r>
+              <a:rPr lang="en-GB" dirty="0"/>
+              <a:t>costs resources in the short term but pays off in the long </a:t>
+            </a:r>
+            <a:r>
+              <a:rPr lang="en-GB" dirty="0" smtClean="0"/>
+              <a:t>term</a:t>
+            </a:r>
+          </a:p>
+          <a:p>
+            <a:r>
+              <a:rPr lang="en-GB" dirty="0" smtClean="0"/>
+              <a:t>Organization </a:t>
+            </a:r>
+            <a:r>
+              <a:rPr lang="en-GB" dirty="0"/>
+              <a:t>that takes a </a:t>
+            </a:r>
+            <a:r>
+              <a:rPr lang="en-GB" dirty="0" smtClean="0"/>
+              <a:t>long-term view </a:t>
+            </a:r>
+            <a:r>
+              <a:rPr lang="en-GB" dirty="0"/>
+              <a:t>of software development and optimizes resources</a:t>
+            </a:r>
+          </a:p>
+        </p:txBody>
+      </p:sp>
+    </p:spTree>
+    <p:extLst>
+      <p:ext uri="{BB962C8B-B14F-4D97-AF65-F5344CB8AC3E}">
+        <p14:creationId xmlns:p14="http://schemas.microsoft.com/office/powerpoint/2010/main" val="764621647"/>
+      </p:ext>
+    </p:extLst>
+  </p:cSld>
+  <p:clrMapOvr>
+    <a:masterClrMapping/>
+  </p:clrMapOvr>
+</p:sld>
+</file>
+
+<file path=ppt/slides/slide38.xml><?xml version="1.0" encoding="utf-8"?>
+<p:sld xmlns:a="http://schemas.openxmlformats.org/drawingml/2006/main" xmlns:r="http://schemas.openxmlformats.org/officeDocument/2006/relationships" xmlns:p="http://schemas.openxmlformats.org/presentationml/2006/main">
+  <p:cSld>
+    <p:spTree>
+      <p:nvGrpSpPr>
+        <p:cNvPr id="1" name=""/>
+        <p:cNvGrpSpPr/>
+        <p:nvPr/>
+      </p:nvGrpSpPr>
+      <p:grpSpPr>
+        <a:xfrm>
+          <a:off x="0" y="0"/>
+          <a:ext cx="0" cy="0"/>
+          <a:chOff x="0" y="0"/>
+          <a:chExt cx="0" cy="0"/>
+        </a:xfrm>
+      </p:grpSpPr>
+      <p:sp>
+        <p:nvSpPr>
+          <p:cNvPr id="2" name="Title 1"/>
+          <p:cNvSpPr>
+            <a:spLocks noGrp="1"/>
+          </p:cNvSpPr>
+          <p:nvPr>
+            <p:ph type="title"/>
+          </p:nvPr>
+        </p:nvSpPr>
+        <p:spPr/>
+        <p:txBody>
+          <a:bodyPr/>
+          <a:lstStyle/>
+          <a:p>
+            <a:r>
+              <a:rPr lang="en-GB" dirty="0"/>
+              <a:t>Quality Assurance and Metrics</a:t>
+            </a:r>
+          </a:p>
+        </p:txBody>
+      </p:sp>
+      <p:sp>
+        <p:nvSpPr>
+          <p:cNvPr id="3" name="Content Placeholder 2"/>
+          <p:cNvSpPr>
+            <a:spLocks noGrp="1"/>
+          </p:cNvSpPr>
+          <p:nvPr>
+            <p:ph idx="1"/>
+          </p:nvPr>
+        </p:nvSpPr>
+        <p:spPr/>
+        <p:txBody>
+          <a:bodyPr/>
+          <a:lstStyle/>
+          <a:p>
+            <a:r>
+              <a:rPr lang="en-GB" dirty="0" smtClean="0"/>
+              <a:t>Systematic </a:t>
+            </a:r>
+            <a:r>
+              <a:rPr lang="en-GB" dirty="0"/>
+              <a:t>activities providing </a:t>
+            </a:r>
+            <a:r>
+              <a:rPr lang="en-GB" dirty="0" smtClean="0"/>
+              <a:t>evidence of </a:t>
+            </a:r>
+            <a:r>
+              <a:rPr lang="en-GB" dirty="0"/>
+              <a:t>the fitness for use of the total software product</a:t>
+            </a:r>
+          </a:p>
+        </p:txBody>
+      </p:sp>
+    </p:spTree>
+    <p:extLst>
+      <p:ext uri="{BB962C8B-B14F-4D97-AF65-F5344CB8AC3E}">
+        <p14:creationId xmlns:p14="http://schemas.microsoft.com/office/powerpoint/2010/main" val="4271149563"/>
+      </p:ext>
+    </p:extLst>
+  </p:cSld>
+  <p:clrMapOvr>
+    <a:masterClrMapping/>
+  </p:clrMapOvr>
+</p:sld>
+</file>
+
+<file path=ppt/slides/slide39.xml><?xml version="1.0" encoding="utf-8"?>
+<p:sld xmlns:a="http://schemas.openxmlformats.org/drawingml/2006/main" xmlns:r="http://schemas.openxmlformats.org/officeDocument/2006/relationships" xmlns:p="http://schemas.openxmlformats.org/presentationml/2006/main">
+  <p:cSld>
+    <p:spTree>
+      <p:nvGrpSpPr>
+        <p:cNvPr id="1" name=""/>
+        <p:cNvGrpSpPr/>
+        <p:nvPr/>
+      </p:nvGrpSpPr>
+      <p:grpSpPr>
+        <a:xfrm>
+          <a:off x="0" y="0"/>
+          <a:ext cx="0" cy="0"/>
+          <a:chOff x="0" y="0"/>
+          <a:chExt cx="0" cy="0"/>
+        </a:xfrm>
+      </p:grpSpPr>
+      <p:sp>
+        <p:nvSpPr>
+          <p:cNvPr id="2" name="Title 1"/>
+          <p:cNvSpPr>
+            <a:spLocks noGrp="1"/>
+          </p:cNvSpPr>
+          <p:nvPr>
+            <p:ph type="title"/>
+          </p:nvPr>
+        </p:nvSpPr>
+        <p:spPr/>
+        <p:txBody>
+          <a:bodyPr/>
+          <a:lstStyle/>
+          <a:p>
+            <a:r>
+              <a:rPr lang="en-GB" dirty="0"/>
+              <a:t>Software Quality</a:t>
+            </a:r>
+          </a:p>
+        </p:txBody>
+      </p:sp>
+      <p:sp>
+        <p:nvSpPr>
+          <p:cNvPr id="3" name="Content Placeholder 2"/>
+          <p:cNvSpPr>
+            <a:spLocks noGrp="1"/>
+          </p:cNvSpPr>
+          <p:nvPr>
+            <p:ph idx="1"/>
+          </p:nvPr>
+        </p:nvSpPr>
+        <p:spPr/>
+        <p:txBody>
+          <a:bodyPr/>
+          <a:lstStyle/>
+          <a:p>
+            <a:r>
+              <a:rPr lang="en-GB" dirty="0" smtClean="0"/>
+              <a:t>Software </a:t>
+            </a:r>
+            <a:r>
+              <a:rPr lang="en-GB" dirty="0"/>
+              <a:t>quality as </a:t>
+            </a:r>
+            <a:r>
+              <a:rPr lang="en-GB" dirty="0" smtClean="0"/>
+              <a:t>the </a:t>
+            </a:r>
+            <a:r>
+              <a:rPr lang="en-GB" dirty="0"/>
+              <a:t>fitness for use of </a:t>
+            </a:r>
+            <a:r>
+              <a:rPr lang="en-GB" dirty="0" smtClean="0"/>
+              <a:t>the total </a:t>
+            </a:r>
+            <a:r>
+              <a:rPr lang="en-GB" dirty="0"/>
+              <a:t>software </a:t>
+            </a:r>
+            <a:r>
+              <a:rPr lang="en-GB" dirty="0" smtClean="0"/>
+              <a:t>product</a:t>
+            </a:r>
+          </a:p>
+          <a:p>
+            <a:r>
+              <a:rPr lang="en-GB" dirty="0"/>
+              <a:t>Software quality </a:t>
+            </a:r>
+            <a:r>
+              <a:rPr lang="en-GB" dirty="0">
+                <a:solidFill>
+                  <a:srgbClr val="FF0000"/>
+                </a:solidFill>
+              </a:rPr>
+              <a:t>doesn’t just happen</a:t>
+            </a:r>
+            <a:r>
+              <a:rPr lang="en-GB" dirty="0"/>
+              <a:t>: It must </a:t>
+            </a:r>
+            <a:r>
+              <a:rPr lang="en-GB" dirty="0" smtClean="0"/>
+              <a:t>be engineered </a:t>
+            </a:r>
+            <a:r>
+              <a:rPr lang="en-GB" dirty="0"/>
+              <a:t>into the system</a:t>
+            </a:r>
+          </a:p>
+        </p:txBody>
+      </p:sp>
+    </p:spTree>
+    <p:extLst>
+      <p:ext uri="{BB962C8B-B14F-4D97-AF65-F5344CB8AC3E}">
+        <p14:creationId xmlns:p14="http://schemas.microsoft.com/office/powerpoint/2010/main" val="1410255766"/>
+      </p:ext>
+    </p:extLst>
+  </p:cSld>
+  <p:clrMapOvr>
+    <a:masterClrMapping/>
+  </p:clrMapOvr>
 </p:sld>
 </file>
 
@@ -4045,6 +8047,1342 @@
       </p:grpSpPr>
       <p:sp>
         <p:nvSpPr>
+          <p:cNvPr id="2" name="Title 1"/>
+          <p:cNvSpPr>
+            <a:spLocks noGrp="1"/>
+          </p:cNvSpPr>
+          <p:nvPr>
+            <p:ph type="title"/>
+          </p:nvPr>
+        </p:nvSpPr>
+        <p:spPr>
+          <a:xfrm>
+            <a:off x="762000" y="152400"/>
+            <a:ext cx="7772400" cy="1143000"/>
+          </a:xfrm>
+        </p:spPr>
+        <p:txBody>
+          <a:bodyPr/>
+          <a:lstStyle/>
+          <a:p>
+            <a:r>
+              <a:rPr lang="en-US" dirty="0" smtClean="0"/>
+              <a:t>Crossword Challenge</a:t>
+            </a:r>
+            <a:endParaRPr lang="en-US" dirty="0"/>
+          </a:p>
+        </p:txBody>
+      </p:sp>
+      <p:grpSp>
+        <p:nvGrpSpPr>
+          <p:cNvPr id="3" name="Group 2"/>
+          <p:cNvGrpSpPr/>
+          <p:nvPr/>
+        </p:nvGrpSpPr>
+        <p:grpSpPr>
+          <a:xfrm>
+            <a:off x="76200" y="1295400"/>
+            <a:ext cx="9067800" cy="5367350"/>
+            <a:chOff x="76200" y="1295400"/>
+            <a:chExt cx="9067800" cy="5367350"/>
+          </a:xfrm>
+        </p:grpSpPr>
+        <p:pic>
+          <p:nvPicPr>
+            <p:cNvPr id="1033" name="Picture 9"/>
+            <p:cNvPicPr>
+              <a:picLocks noChangeAspect="1" noChangeArrowheads="1"/>
+            </p:cNvPicPr>
+            <p:nvPr/>
+          </p:nvPicPr>
+          <p:blipFill>
+            <a:blip r:embed="rId2"/>
+            <a:srcRect/>
+            <a:stretch>
+              <a:fillRect/>
+            </a:stretch>
+          </p:blipFill>
+          <p:spPr bwMode="auto">
+            <a:xfrm>
+              <a:off x="76200" y="1447800"/>
+              <a:ext cx="5823737" cy="5000625"/>
+            </a:xfrm>
+            <a:prstGeom prst="rect">
+              <a:avLst/>
+            </a:prstGeom>
+            <a:noFill/>
+            <a:ln w="9525">
+              <a:noFill/>
+              <a:miter lim="800000"/>
+              <a:headEnd/>
+              <a:tailEnd/>
+            </a:ln>
+            <a:effectLst/>
+          </p:spPr>
+        </p:pic>
+        <p:pic>
+          <p:nvPicPr>
+            <p:cNvPr id="1029" name="Picture 5"/>
+            <p:cNvPicPr>
+              <a:picLocks noChangeAspect="1" noChangeArrowheads="1"/>
+            </p:cNvPicPr>
+            <p:nvPr/>
+          </p:nvPicPr>
+          <p:blipFill>
+            <a:blip r:embed="rId3"/>
+            <a:srcRect/>
+            <a:stretch>
+              <a:fillRect/>
+            </a:stretch>
+          </p:blipFill>
+          <p:spPr bwMode="auto">
+            <a:xfrm>
+              <a:off x="5791200" y="1295400"/>
+              <a:ext cx="3352800" cy="3385038"/>
+            </a:xfrm>
+            <a:prstGeom prst="rect">
+              <a:avLst/>
+            </a:prstGeom>
+            <a:noFill/>
+            <a:ln w="9525">
+              <a:noFill/>
+              <a:miter lim="800000"/>
+              <a:headEnd/>
+              <a:tailEnd/>
+            </a:ln>
+            <a:effectLst/>
+          </p:spPr>
+        </p:pic>
+        <p:pic>
+          <p:nvPicPr>
+            <p:cNvPr id="1030" name="Picture 6"/>
+            <p:cNvPicPr>
+              <a:picLocks noChangeAspect="1" noChangeArrowheads="1"/>
+            </p:cNvPicPr>
+            <p:nvPr/>
+          </p:nvPicPr>
+          <p:blipFill>
+            <a:blip r:embed="rId4"/>
+            <a:srcRect/>
+            <a:stretch>
+              <a:fillRect/>
+            </a:stretch>
+          </p:blipFill>
+          <p:spPr bwMode="auto">
+            <a:xfrm>
+              <a:off x="5867400" y="4572000"/>
+              <a:ext cx="3124200" cy="2090750"/>
+            </a:xfrm>
+            <a:prstGeom prst="rect">
+              <a:avLst/>
+            </a:prstGeom>
+            <a:noFill/>
+            <a:ln w="9525">
+              <a:noFill/>
+              <a:miter lim="800000"/>
+              <a:headEnd/>
+              <a:tailEnd/>
+            </a:ln>
+            <a:effectLst/>
+          </p:spPr>
+        </p:pic>
+      </p:grpSp>
+    </p:spTree>
+    <p:extLst>
+      <p:ext uri="{BB962C8B-B14F-4D97-AF65-F5344CB8AC3E}">
+        <p14:creationId xmlns:p14="http://schemas.microsoft.com/office/powerpoint/2010/main" val="812927162"/>
+      </p:ext>
+    </p:extLst>
+  </p:cSld>
+  <p:clrMapOvr>
+    <a:masterClrMapping/>
+  </p:clrMapOvr>
+  <p:timing>
+    <p:tnLst>
+      <p:par>
+        <p:cTn id="1" dur="indefinite" restart="never" nodeType="tmRoot"/>
+      </p:par>
+    </p:tnLst>
+  </p:timing>
+</p:sld>
+</file>
+
+<file path=ppt/slides/slide40.xml><?xml version="1.0" encoding="utf-8"?>
+<p:sld xmlns:a="http://schemas.openxmlformats.org/drawingml/2006/main" xmlns:r="http://schemas.openxmlformats.org/officeDocument/2006/relationships" xmlns:p="http://schemas.openxmlformats.org/presentationml/2006/main">
+  <p:cSld>
+    <p:spTree>
+      <p:nvGrpSpPr>
+        <p:cNvPr id="1" name=""/>
+        <p:cNvGrpSpPr/>
+        <p:nvPr/>
+      </p:nvGrpSpPr>
+      <p:grpSpPr>
+        <a:xfrm>
+          <a:off x="0" y="0"/>
+          <a:ext cx="0" cy="0"/>
+          <a:chOff x="0" y="0"/>
+          <a:chExt cx="0" cy="0"/>
+        </a:xfrm>
+      </p:grpSpPr>
+      <p:sp>
+        <p:nvSpPr>
+          <p:cNvPr id="2" name="Title 1"/>
+          <p:cNvSpPr>
+            <a:spLocks noGrp="1"/>
+          </p:cNvSpPr>
+          <p:nvPr>
+            <p:ph type="title"/>
+          </p:nvPr>
+        </p:nvSpPr>
+        <p:spPr/>
+        <p:txBody>
+          <a:bodyPr/>
+          <a:lstStyle/>
+          <a:p>
+            <a:r>
+              <a:rPr lang="en-GB" dirty="0"/>
+              <a:t>Object-Oriented Metrics</a:t>
+            </a:r>
+          </a:p>
+        </p:txBody>
+      </p:sp>
+      <p:sp>
+        <p:nvSpPr>
+          <p:cNvPr id="3" name="Content Placeholder 2"/>
+          <p:cNvSpPr>
+            <a:spLocks noGrp="1"/>
+          </p:cNvSpPr>
+          <p:nvPr>
+            <p:ph idx="1"/>
+          </p:nvPr>
+        </p:nvSpPr>
+        <p:spPr/>
+        <p:txBody>
+          <a:bodyPr/>
+          <a:lstStyle/>
+          <a:p>
+            <a:r>
+              <a:rPr lang="en-GB" dirty="0" smtClean="0"/>
+              <a:t>Lord Kelvin:</a:t>
+            </a:r>
+          </a:p>
+          <a:p>
+            <a:pPr marL="0" indent="0">
+              <a:buNone/>
+            </a:pPr>
+            <a:r>
+              <a:rPr lang="en-GB" dirty="0" smtClean="0"/>
+              <a:t>“When </a:t>
+            </a:r>
+            <a:r>
+              <a:rPr lang="en-GB" dirty="0"/>
+              <a:t>you can measure what you</a:t>
+            </a:r>
+          </a:p>
+          <a:p>
+            <a:pPr marL="0" indent="0">
+              <a:buNone/>
+            </a:pPr>
+            <a:r>
+              <a:rPr lang="en-GB" dirty="0"/>
+              <a:t>are speaking about, and express it into numbers, you know something about it</a:t>
+            </a:r>
+          </a:p>
+          <a:p>
+            <a:pPr marL="0" indent="0">
+              <a:buNone/>
+            </a:pPr>
+            <a:endParaRPr lang="en-GB" dirty="0"/>
+          </a:p>
+        </p:txBody>
+      </p:sp>
+    </p:spTree>
+    <p:extLst>
+      <p:ext uri="{BB962C8B-B14F-4D97-AF65-F5344CB8AC3E}">
+        <p14:creationId xmlns:p14="http://schemas.microsoft.com/office/powerpoint/2010/main" val="2130846482"/>
+      </p:ext>
+    </p:extLst>
+  </p:cSld>
+  <p:clrMapOvr>
+    <a:masterClrMapping/>
+  </p:clrMapOvr>
+</p:sld>
+</file>
+
+<file path=ppt/slides/slide41.xml><?xml version="1.0" encoding="utf-8"?>
+<p:sld xmlns:a="http://schemas.openxmlformats.org/drawingml/2006/main" xmlns:r="http://schemas.openxmlformats.org/officeDocument/2006/relationships" xmlns:p="http://schemas.openxmlformats.org/presentationml/2006/main">
+  <p:cSld>
+    <p:spTree>
+      <p:nvGrpSpPr>
+        <p:cNvPr id="1" name=""/>
+        <p:cNvGrpSpPr/>
+        <p:nvPr/>
+      </p:nvGrpSpPr>
+      <p:grpSpPr>
+        <a:xfrm>
+          <a:off x="0" y="0"/>
+          <a:ext cx="0" cy="0"/>
+          <a:chOff x="0" y="0"/>
+          <a:chExt cx="0" cy="0"/>
+        </a:xfrm>
+      </p:grpSpPr>
+      <p:sp>
+        <p:nvSpPr>
+          <p:cNvPr id="2" name="Title 1"/>
+          <p:cNvSpPr>
+            <a:spLocks noGrp="1"/>
+          </p:cNvSpPr>
+          <p:nvPr>
+            <p:ph type="title"/>
+          </p:nvPr>
+        </p:nvSpPr>
+        <p:spPr/>
+        <p:txBody>
+          <a:bodyPr/>
+          <a:lstStyle/>
+          <a:p>
+            <a:r>
+              <a:rPr lang="en-GB" dirty="0" smtClean="0"/>
+              <a:t>Process &amp; Product Metrics</a:t>
+            </a:r>
+            <a:endParaRPr lang="en-GB" dirty="0"/>
+          </a:p>
+        </p:txBody>
+      </p:sp>
+      <p:sp>
+        <p:nvSpPr>
+          <p:cNvPr id="3" name="Content Placeholder 2"/>
+          <p:cNvSpPr>
+            <a:spLocks noGrp="1"/>
+          </p:cNvSpPr>
+          <p:nvPr>
+            <p:ph idx="1"/>
+          </p:nvPr>
+        </p:nvSpPr>
+        <p:spPr/>
+        <p:txBody>
+          <a:bodyPr>
+            <a:normAutofit fontScale="92500" lnSpcReduction="20000"/>
+          </a:bodyPr>
+          <a:lstStyle/>
+          <a:p>
+            <a:r>
+              <a:rPr lang="en-GB" dirty="0"/>
+              <a:t>Metrics to assist us in this </a:t>
+            </a:r>
+            <a:r>
+              <a:rPr lang="en-GB" dirty="0" err="1"/>
+              <a:t>endeavor</a:t>
+            </a:r>
+            <a:r>
+              <a:rPr lang="en-GB" dirty="0"/>
+              <a:t> fall into one of two categories, process metrics or product </a:t>
+            </a:r>
+            <a:r>
+              <a:rPr lang="en-GB" dirty="0" smtClean="0"/>
+              <a:t>metrics</a:t>
+            </a:r>
+          </a:p>
+          <a:p>
+            <a:r>
+              <a:rPr lang="en-GB" dirty="0">
+                <a:solidFill>
+                  <a:srgbClr val="FF0000"/>
+                </a:solidFill>
+              </a:rPr>
+              <a:t>Process metrics</a:t>
+            </a:r>
+            <a:r>
+              <a:rPr lang="en-GB" dirty="0"/>
+              <a:t>, sometimes called </a:t>
+            </a:r>
+            <a:r>
+              <a:rPr lang="en-GB" u="sng" dirty="0">
+                <a:solidFill>
+                  <a:srgbClr val="FF0000"/>
+                </a:solidFill>
+              </a:rPr>
+              <a:t>project metrics</a:t>
+            </a:r>
+            <a:r>
+              <a:rPr lang="en-GB" dirty="0"/>
+              <a:t>, </a:t>
+            </a:r>
+            <a:r>
+              <a:rPr lang="en-GB" dirty="0" smtClean="0"/>
+              <a:t>assist the </a:t>
+            </a:r>
+            <a:r>
+              <a:rPr lang="en-GB" dirty="0"/>
+              <a:t>management team in assessing progress with respect to the </a:t>
+            </a:r>
+            <a:r>
+              <a:rPr lang="en-GB" dirty="0" smtClean="0"/>
+              <a:t>object-oriented development </a:t>
+            </a:r>
+            <a:r>
+              <a:rPr lang="en-GB" dirty="0"/>
+              <a:t>process being used</a:t>
+            </a:r>
+            <a:br>
+              <a:rPr lang="en-GB" dirty="0"/>
+            </a:br>
+            <a:r>
+              <a:rPr lang="en-GB" dirty="0"/>
+              <a:t/>
+            </a:r>
+            <a:br>
+              <a:rPr lang="en-GB" dirty="0"/>
+            </a:br>
+            <a:endParaRPr lang="en-GB" dirty="0"/>
+          </a:p>
+        </p:txBody>
+      </p:sp>
+    </p:spTree>
+    <p:extLst>
+      <p:ext uri="{BB962C8B-B14F-4D97-AF65-F5344CB8AC3E}">
+        <p14:creationId xmlns:p14="http://schemas.microsoft.com/office/powerpoint/2010/main" val="904534021"/>
+      </p:ext>
+    </p:extLst>
+  </p:cSld>
+  <p:clrMapOvr>
+    <a:masterClrMapping/>
+  </p:clrMapOvr>
+</p:sld>
+</file>
+
+<file path=ppt/slides/slide42.xml><?xml version="1.0" encoding="utf-8"?>
+<p:sld xmlns:a="http://schemas.openxmlformats.org/drawingml/2006/main" xmlns:r="http://schemas.openxmlformats.org/officeDocument/2006/relationships" xmlns:p="http://schemas.openxmlformats.org/presentationml/2006/main">
+  <p:cSld>
+    <p:spTree>
+      <p:nvGrpSpPr>
+        <p:cNvPr id="1" name=""/>
+        <p:cNvGrpSpPr/>
+        <p:nvPr/>
+      </p:nvGrpSpPr>
+      <p:grpSpPr>
+        <a:xfrm>
+          <a:off x="0" y="0"/>
+          <a:ext cx="0" cy="0"/>
+          <a:chOff x="0" y="0"/>
+          <a:chExt cx="0" cy="0"/>
+        </a:xfrm>
+      </p:grpSpPr>
+      <p:sp>
+        <p:nvSpPr>
+          <p:cNvPr id="2" name="Title 1"/>
+          <p:cNvSpPr>
+            <a:spLocks noGrp="1"/>
+          </p:cNvSpPr>
+          <p:nvPr>
+            <p:ph type="title"/>
+          </p:nvPr>
+        </p:nvSpPr>
+        <p:spPr/>
+        <p:txBody>
+          <a:bodyPr/>
+          <a:lstStyle/>
+          <a:p>
+            <a:r>
+              <a:rPr lang="en-GB" dirty="0" smtClean="0"/>
+              <a:t>Process Metrics</a:t>
+            </a:r>
+            <a:endParaRPr lang="en-GB" dirty="0"/>
+          </a:p>
+        </p:txBody>
+      </p:sp>
+      <p:sp>
+        <p:nvSpPr>
+          <p:cNvPr id="3" name="Content Placeholder 2"/>
+          <p:cNvSpPr>
+            <a:spLocks noGrp="1"/>
+          </p:cNvSpPr>
+          <p:nvPr>
+            <p:ph idx="1"/>
+          </p:nvPr>
+        </p:nvSpPr>
+        <p:spPr/>
+        <p:txBody>
+          <a:bodyPr/>
+          <a:lstStyle/>
+          <a:p>
+            <a:endParaRPr lang="en-GB"/>
+          </a:p>
+        </p:txBody>
+      </p:sp>
+      <p:pic>
+        <p:nvPicPr>
+          <p:cNvPr id="4" name="Picture 3"/>
+          <p:cNvPicPr>
+            <a:picLocks noChangeAspect="1"/>
+          </p:cNvPicPr>
+          <p:nvPr/>
+        </p:nvPicPr>
+        <p:blipFill>
+          <a:blip r:embed="rId2"/>
+          <a:stretch>
+            <a:fillRect/>
+          </a:stretch>
+        </p:blipFill>
+        <p:spPr>
+          <a:xfrm>
+            <a:off x="2286000" y="1915619"/>
+            <a:ext cx="5091113" cy="4163448"/>
+          </a:xfrm>
+          <a:prstGeom prst="rect">
+            <a:avLst/>
+          </a:prstGeom>
+        </p:spPr>
+      </p:pic>
+    </p:spTree>
+    <p:extLst>
+      <p:ext uri="{BB962C8B-B14F-4D97-AF65-F5344CB8AC3E}">
+        <p14:creationId xmlns:p14="http://schemas.microsoft.com/office/powerpoint/2010/main" val="2249465940"/>
+      </p:ext>
+    </p:extLst>
+  </p:cSld>
+  <p:clrMapOvr>
+    <a:masterClrMapping/>
+  </p:clrMapOvr>
+</p:sld>
+</file>
+
+<file path=ppt/slides/slide43.xml><?xml version="1.0" encoding="utf-8"?>
+<p:sld xmlns:a="http://schemas.openxmlformats.org/drawingml/2006/main" xmlns:r="http://schemas.openxmlformats.org/officeDocument/2006/relationships" xmlns:p="http://schemas.openxmlformats.org/presentationml/2006/main">
+  <p:cSld>
+    <p:spTree>
+      <p:nvGrpSpPr>
+        <p:cNvPr id="1" name=""/>
+        <p:cNvGrpSpPr/>
+        <p:nvPr/>
+      </p:nvGrpSpPr>
+      <p:grpSpPr>
+        <a:xfrm>
+          <a:off x="0" y="0"/>
+          <a:ext cx="0" cy="0"/>
+          <a:chOff x="0" y="0"/>
+          <a:chExt cx="0" cy="0"/>
+        </a:xfrm>
+      </p:grpSpPr>
+      <p:sp>
+        <p:nvSpPr>
+          <p:cNvPr id="2" name="Title 1"/>
+          <p:cNvSpPr>
+            <a:spLocks noGrp="1"/>
+          </p:cNvSpPr>
+          <p:nvPr>
+            <p:ph type="title"/>
+          </p:nvPr>
+        </p:nvSpPr>
+        <p:spPr/>
+        <p:txBody>
+          <a:bodyPr/>
+          <a:lstStyle/>
+          <a:p>
+            <a:r>
+              <a:rPr lang="en-GB" dirty="0"/>
+              <a:t>Documentation</a:t>
+            </a:r>
+          </a:p>
+        </p:txBody>
+      </p:sp>
+      <p:sp>
+        <p:nvSpPr>
+          <p:cNvPr id="3" name="Content Placeholder 2"/>
+          <p:cNvSpPr>
+            <a:spLocks noGrp="1"/>
+          </p:cNvSpPr>
+          <p:nvPr>
+            <p:ph idx="1"/>
+          </p:nvPr>
+        </p:nvSpPr>
+        <p:spPr/>
+        <p:txBody>
+          <a:bodyPr/>
+          <a:lstStyle/>
+          <a:p>
+            <a:r>
+              <a:rPr lang="en-GB" dirty="0" smtClean="0"/>
+              <a:t>Development </a:t>
+            </a:r>
+            <a:r>
+              <a:rPr lang="en-GB" dirty="0" err="1"/>
+              <a:t>artifacts</a:t>
+            </a:r>
+            <a:r>
+              <a:rPr lang="en-GB" dirty="0"/>
+              <a:t> that are critical to the complete lifecycle of a software </a:t>
+            </a:r>
+            <a:r>
+              <a:rPr lang="en-GB" dirty="0" smtClean="0"/>
+              <a:t>system (other than code)</a:t>
+            </a:r>
+          </a:p>
+          <a:p>
+            <a:r>
+              <a:rPr lang="en-GB" dirty="0" smtClean="0"/>
+              <a:t>Example, requirements and design</a:t>
+            </a:r>
+            <a:r>
+              <a:rPr lang="en-GB" dirty="0"/>
+              <a:t>, must be documented to support the development process and the operation and maintenance of the </a:t>
+            </a:r>
+            <a:r>
+              <a:rPr lang="en-GB" dirty="0" smtClean="0"/>
+              <a:t>system</a:t>
+            </a:r>
+            <a:endParaRPr lang="en-GB" dirty="0"/>
+          </a:p>
+        </p:txBody>
+      </p:sp>
+    </p:spTree>
+    <p:extLst>
+      <p:ext uri="{BB962C8B-B14F-4D97-AF65-F5344CB8AC3E}">
+        <p14:creationId xmlns:p14="http://schemas.microsoft.com/office/powerpoint/2010/main" val="2107893518"/>
+      </p:ext>
+    </p:extLst>
+  </p:cSld>
+  <p:clrMapOvr>
+    <a:masterClrMapping/>
+  </p:clrMapOvr>
+</p:sld>
+</file>
+
+<file path=ppt/slides/slide44.xml><?xml version="1.0" encoding="utf-8"?>
+<p:sld xmlns:a="http://schemas.openxmlformats.org/drawingml/2006/main" xmlns:r="http://schemas.openxmlformats.org/officeDocument/2006/relationships" xmlns:p="http://schemas.openxmlformats.org/presentationml/2006/main">
+  <p:cSld>
+    <p:spTree>
+      <p:nvGrpSpPr>
+        <p:cNvPr id="1" name=""/>
+        <p:cNvGrpSpPr/>
+        <p:nvPr/>
+      </p:nvGrpSpPr>
+      <p:grpSpPr>
+        <a:xfrm>
+          <a:off x="0" y="0"/>
+          <a:ext cx="0" cy="0"/>
+          <a:chOff x="0" y="0"/>
+          <a:chExt cx="0" cy="0"/>
+        </a:xfrm>
+      </p:grpSpPr>
+      <p:sp>
+        <p:nvSpPr>
+          <p:cNvPr id="2" name="Title 1"/>
+          <p:cNvSpPr>
+            <a:spLocks noGrp="1"/>
+          </p:cNvSpPr>
+          <p:nvPr>
+            <p:ph type="title"/>
+          </p:nvPr>
+        </p:nvSpPr>
+        <p:spPr/>
+        <p:txBody>
+          <a:bodyPr/>
+          <a:lstStyle/>
+          <a:p>
+            <a:r>
+              <a:rPr lang="en-GB" dirty="0" smtClean="0"/>
+              <a:t>Tools</a:t>
+            </a:r>
+            <a:endParaRPr lang="en-GB" dirty="0"/>
+          </a:p>
+        </p:txBody>
+      </p:sp>
+      <p:sp>
+        <p:nvSpPr>
+          <p:cNvPr id="3" name="Content Placeholder 2"/>
+          <p:cNvSpPr>
+            <a:spLocks noGrp="1"/>
+          </p:cNvSpPr>
+          <p:nvPr>
+            <p:ph idx="1"/>
+          </p:nvPr>
+        </p:nvSpPr>
+        <p:spPr/>
+        <p:txBody>
+          <a:bodyPr/>
+          <a:lstStyle/>
+          <a:p>
+            <a:r>
+              <a:rPr lang="en-GB" dirty="0"/>
+              <a:t>Trying to build a large </a:t>
+            </a:r>
+            <a:r>
+              <a:rPr lang="en-GB" dirty="0" smtClean="0"/>
+              <a:t>software system </a:t>
+            </a:r>
+            <a:r>
+              <a:rPr lang="en-GB" dirty="0"/>
+              <a:t>with a minimal tool set is equivalent to building a </a:t>
+            </a:r>
+            <a:r>
+              <a:rPr lang="en-GB" dirty="0" smtClean="0"/>
+              <a:t>multi-story </a:t>
+            </a:r>
+            <a:r>
+              <a:rPr lang="en-GB" dirty="0"/>
+              <a:t>building </a:t>
+            </a:r>
+            <a:r>
+              <a:rPr lang="en-GB" dirty="0" smtClean="0"/>
+              <a:t>with stone </a:t>
+            </a:r>
+            <a:r>
+              <a:rPr lang="en-GB" dirty="0"/>
+              <a:t>hand </a:t>
+            </a:r>
+            <a:r>
+              <a:rPr lang="en-GB" dirty="0" smtClean="0"/>
+              <a:t>tools</a:t>
+            </a:r>
+          </a:p>
+          <a:p>
+            <a:r>
+              <a:rPr lang="en-GB" dirty="0" smtClean="0"/>
+              <a:t>Examples</a:t>
+            </a:r>
+          </a:p>
+          <a:p>
+            <a:pPr lvl="1"/>
+            <a:r>
+              <a:rPr lang="en-GB" dirty="0" smtClean="0"/>
+              <a:t>visual </a:t>
+            </a:r>
+            <a:r>
+              <a:rPr lang="en-GB" dirty="0" err="1"/>
+              <a:t>modeling</a:t>
+            </a:r>
+            <a:r>
+              <a:rPr lang="en-GB" dirty="0"/>
+              <a:t> tool </a:t>
+            </a:r>
+            <a:r>
+              <a:rPr lang="en-GB" dirty="0" smtClean="0"/>
+              <a:t>supporting </a:t>
+            </a:r>
+            <a:r>
+              <a:rPr lang="en-GB" dirty="0"/>
+              <a:t>the UML </a:t>
+            </a:r>
+            <a:r>
+              <a:rPr lang="en-GB" dirty="0" smtClean="0"/>
+              <a:t>notation</a:t>
+            </a:r>
+          </a:p>
+          <a:p>
+            <a:pPr lvl="1"/>
+            <a:r>
+              <a:rPr lang="en-GB" dirty="0" smtClean="0"/>
+              <a:t>version control </a:t>
+            </a:r>
+          </a:p>
+          <a:p>
+            <a:pPr marL="0" indent="0">
+              <a:buNone/>
+            </a:pPr>
+            <a:r>
+              <a:rPr lang="en-GB" dirty="0"/>
+              <a:t/>
+            </a:r>
+            <a:br>
+              <a:rPr lang="en-GB" dirty="0"/>
+            </a:br>
+            <a:r>
+              <a:rPr lang="en-GB" dirty="0"/>
+              <a:t/>
+            </a:r>
+            <a:br>
+              <a:rPr lang="en-GB" dirty="0"/>
+            </a:br>
+            <a:endParaRPr lang="en-GB" dirty="0"/>
+          </a:p>
+        </p:txBody>
+      </p:sp>
+    </p:spTree>
+    <p:extLst>
+      <p:ext uri="{BB962C8B-B14F-4D97-AF65-F5344CB8AC3E}">
+        <p14:creationId xmlns:p14="http://schemas.microsoft.com/office/powerpoint/2010/main" val="2759452002"/>
+      </p:ext>
+    </p:extLst>
+  </p:cSld>
+  <p:clrMapOvr>
+    <a:masterClrMapping/>
+  </p:clrMapOvr>
+</p:sld>
+</file>
+
+<file path=ppt/slides/slide45.xml><?xml version="1.0" encoding="utf-8"?>
+<p:sld xmlns:a="http://schemas.openxmlformats.org/drawingml/2006/main" xmlns:r="http://schemas.openxmlformats.org/officeDocument/2006/relationships" xmlns:p="http://schemas.openxmlformats.org/presentationml/2006/main">
+  <p:cSld>
+    <p:spTree>
+      <p:nvGrpSpPr>
+        <p:cNvPr id="1" name=""/>
+        <p:cNvGrpSpPr/>
+        <p:nvPr/>
+      </p:nvGrpSpPr>
+      <p:grpSpPr>
+        <a:xfrm>
+          <a:off x="0" y="0"/>
+          <a:ext cx="0" cy="0"/>
+          <a:chOff x="0" y="0"/>
+          <a:chExt cx="0" cy="0"/>
+        </a:xfrm>
+      </p:grpSpPr>
+      <p:sp>
+        <p:nvSpPr>
+          <p:cNvPr id="2" name="Title 1"/>
+          <p:cNvSpPr>
+            <a:spLocks noGrp="1"/>
+          </p:cNvSpPr>
+          <p:nvPr>
+            <p:ph type="title"/>
+          </p:nvPr>
+        </p:nvSpPr>
+        <p:spPr/>
+        <p:txBody>
+          <a:bodyPr/>
+          <a:lstStyle/>
+          <a:p>
+            <a:r>
+              <a:rPr lang="en-GB" dirty="0"/>
+              <a:t>Benefits of Object-Oriented</a:t>
+            </a:r>
+            <a:br>
+              <a:rPr lang="en-GB" dirty="0"/>
+            </a:br>
+            <a:r>
+              <a:rPr lang="en-GB" dirty="0"/>
+              <a:t>Development</a:t>
+            </a:r>
+          </a:p>
+        </p:txBody>
+      </p:sp>
+      <p:sp>
+        <p:nvSpPr>
+          <p:cNvPr id="3" name="Content Placeholder 2"/>
+          <p:cNvSpPr>
+            <a:spLocks noGrp="1"/>
+          </p:cNvSpPr>
+          <p:nvPr>
+            <p:ph idx="1"/>
+          </p:nvPr>
+        </p:nvSpPr>
+        <p:spPr/>
+        <p:txBody>
+          <a:bodyPr>
+            <a:normAutofit fontScale="92500"/>
+          </a:bodyPr>
+          <a:lstStyle/>
+          <a:p>
+            <a:r>
+              <a:rPr lang="en-GB" dirty="0"/>
+              <a:t>Appeals to the working of human cognition</a:t>
+            </a:r>
+          </a:p>
+          <a:p>
+            <a:r>
+              <a:rPr lang="en-GB" dirty="0" smtClean="0"/>
+              <a:t>Leads </a:t>
+            </a:r>
+            <a:r>
+              <a:rPr lang="en-GB" dirty="0"/>
+              <a:t>to systems that are more resilient to change</a:t>
+            </a:r>
+          </a:p>
+          <a:p>
+            <a:r>
+              <a:rPr lang="en-GB" dirty="0" smtClean="0"/>
+              <a:t>Encourages </a:t>
+            </a:r>
+            <a:r>
+              <a:rPr lang="en-GB" dirty="0"/>
+              <a:t>the reuse of software components</a:t>
+            </a:r>
+          </a:p>
+          <a:p>
+            <a:r>
+              <a:rPr lang="en-GB" dirty="0" smtClean="0"/>
+              <a:t>Reduces </a:t>
+            </a:r>
+            <a:r>
+              <a:rPr lang="en-GB" dirty="0"/>
+              <a:t>development risk</a:t>
+            </a:r>
+          </a:p>
+          <a:p>
+            <a:r>
+              <a:rPr lang="en-GB" dirty="0" smtClean="0"/>
+              <a:t>Exploits </a:t>
+            </a:r>
+            <a:r>
+              <a:rPr lang="en-GB" dirty="0"/>
+              <a:t>the expressive power of object-oriented programming languages</a:t>
+            </a:r>
+          </a:p>
+        </p:txBody>
+      </p:sp>
+    </p:spTree>
+    <p:extLst>
+      <p:ext uri="{BB962C8B-B14F-4D97-AF65-F5344CB8AC3E}">
+        <p14:creationId xmlns:p14="http://schemas.microsoft.com/office/powerpoint/2010/main" val="1527939254"/>
+      </p:ext>
+    </p:extLst>
+  </p:cSld>
+  <p:clrMapOvr>
+    <a:masterClrMapping/>
+  </p:clrMapOvr>
+</p:sld>
+</file>
+
+<file path=ppt/slides/slide46.xml><?xml version="1.0" encoding="utf-8"?>
+<p:sld xmlns:a="http://schemas.openxmlformats.org/drawingml/2006/main" xmlns:r="http://schemas.openxmlformats.org/officeDocument/2006/relationships" xmlns:p="http://schemas.openxmlformats.org/presentationml/2006/main">
+  <p:cSld>
+    <p:spTree>
+      <p:nvGrpSpPr>
+        <p:cNvPr id="1" name=""/>
+        <p:cNvGrpSpPr/>
+        <p:nvPr/>
+      </p:nvGrpSpPr>
+      <p:grpSpPr>
+        <a:xfrm>
+          <a:off x="0" y="0"/>
+          <a:ext cx="0" cy="0"/>
+          <a:chOff x="0" y="0"/>
+          <a:chExt cx="0" cy="0"/>
+        </a:xfrm>
+      </p:grpSpPr>
+      <p:sp>
+        <p:nvSpPr>
+          <p:cNvPr id="2" name="Title 1"/>
+          <p:cNvSpPr>
+            <a:spLocks noGrp="1"/>
+          </p:cNvSpPr>
+          <p:nvPr>
+            <p:ph type="title"/>
+          </p:nvPr>
+        </p:nvSpPr>
+        <p:spPr>
+          <a:xfrm>
+            <a:off x="685800" y="228600"/>
+            <a:ext cx="7772400" cy="1143000"/>
+          </a:xfrm>
+        </p:spPr>
+        <p:txBody>
+          <a:bodyPr/>
+          <a:lstStyle/>
+          <a:p>
+            <a:r>
+              <a:rPr lang="en-GB" dirty="0"/>
+              <a:t>Risks of Object-Oriented Development</a:t>
+            </a:r>
+          </a:p>
+        </p:txBody>
+      </p:sp>
+      <p:sp>
+        <p:nvSpPr>
+          <p:cNvPr id="3" name="Content Placeholder 2"/>
+          <p:cNvSpPr>
+            <a:spLocks noGrp="1"/>
+          </p:cNvSpPr>
+          <p:nvPr>
+            <p:ph idx="1"/>
+          </p:nvPr>
+        </p:nvSpPr>
+        <p:spPr>
+          <a:xfrm>
+            <a:off x="685800" y="1600200"/>
+            <a:ext cx="8077200" cy="5029200"/>
+          </a:xfrm>
+        </p:spPr>
+        <p:txBody>
+          <a:bodyPr>
+            <a:normAutofit fontScale="77500" lnSpcReduction="20000"/>
+          </a:bodyPr>
+          <a:lstStyle/>
+          <a:p>
+            <a:r>
+              <a:rPr lang="en-GB" dirty="0"/>
+              <a:t>A unique way to define architecture and data structure instances</a:t>
+            </a:r>
+          </a:p>
+          <a:p>
+            <a:r>
+              <a:rPr lang="en-GB" dirty="0" smtClean="0"/>
+              <a:t>Information </a:t>
+            </a:r>
+            <a:r>
+              <a:rPr lang="en-GB" dirty="0"/>
+              <a:t>hiding through abstraction and encapsulation</a:t>
+            </a:r>
+          </a:p>
+          <a:p>
+            <a:r>
+              <a:rPr lang="en-GB" dirty="0" smtClean="0"/>
+              <a:t>Inheritance </a:t>
+            </a:r>
+            <a:r>
+              <a:rPr lang="en-GB" dirty="0"/>
+              <a:t>to organize related elements</a:t>
+            </a:r>
+          </a:p>
+          <a:p>
+            <a:r>
+              <a:rPr lang="en-GB" dirty="0" smtClean="0"/>
+              <a:t>Polymorphism </a:t>
+            </a:r>
+            <a:r>
+              <a:rPr lang="en-GB" dirty="0"/>
+              <a:t>to perform operations that can automatically adapt to </a:t>
+            </a:r>
+            <a:r>
+              <a:rPr lang="en-GB" dirty="0" smtClean="0"/>
+              <a:t>the type </a:t>
+            </a:r>
+            <a:r>
+              <a:rPr lang="en-GB" dirty="0"/>
+              <a:t>of structure they operate on</a:t>
+            </a:r>
+          </a:p>
+          <a:p>
+            <a:r>
+              <a:rPr lang="en-GB" dirty="0" smtClean="0"/>
+              <a:t>Specialized </a:t>
+            </a:r>
+            <a:r>
+              <a:rPr lang="en-GB" dirty="0"/>
+              <a:t>analysis and design methods</a:t>
+            </a:r>
+          </a:p>
+          <a:p>
+            <a:r>
+              <a:rPr lang="en-GB" dirty="0" smtClean="0"/>
+              <a:t>Object-oriented </a:t>
+            </a:r>
+            <a:r>
+              <a:rPr lang="en-GB" dirty="0"/>
+              <a:t>languages</a:t>
+            </a:r>
+          </a:p>
+          <a:p>
+            <a:r>
+              <a:rPr lang="en-GB" dirty="0" smtClean="0"/>
+              <a:t>Environments </a:t>
+            </a:r>
+            <a:r>
+              <a:rPr lang="en-GB" dirty="0"/>
+              <a:t>that facilitate the creation of object-oriented systems</a:t>
+            </a:r>
+          </a:p>
+          <a:p>
+            <a:r>
+              <a:rPr lang="en-GB" dirty="0" smtClean="0"/>
+              <a:t>Design </a:t>
+            </a:r>
+            <a:r>
+              <a:rPr lang="en-GB" dirty="0"/>
+              <a:t>by contract, a powerful technique to circumvent module </a:t>
+            </a:r>
+            <a:r>
+              <a:rPr lang="en-GB" dirty="0" smtClean="0"/>
+              <a:t>boundary and </a:t>
+            </a:r>
+            <a:r>
+              <a:rPr lang="en-GB" dirty="0"/>
+              <a:t>interface problems</a:t>
+            </a:r>
+          </a:p>
+        </p:txBody>
+      </p:sp>
+    </p:spTree>
+    <p:extLst>
+      <p:ext uri="{BB962C8B-B14F-4D97-AF65-F5344CB8AC3E}">
+        <p14:creationId xmlns:p14="http://schemas.microsoft.com/office/powerpoint/2010/main" val="724208070"/>
+      </p:ext>
+    </p:extLst>
+  </p:cSld>
+  <p:clrMapOvr>
+    <a:masterClrMapping/>
+  </p:clrMapOvr>
+</p:sld>
+</file>
+
+<file path=ppt/slides/slide47.xml><?xml version="1.0" encoding="utf-8"?>
+<p:sld xmlns:a="http://schemas.openxmlformats.org/drawingml/2006/main" xmlns:r="http://schemas.openxmlformats.org/officeDocument/2006/relationships" xmlns:p="http://schemas.openxmlformats.org/presentationml/2006/main">
+  <p:cSld>
+    <p:spTree>
+      <p:nvGrpSpPr>
+        <p:cNvPr id="1" name=""/>
+        <p:cNvGrpSpPr/>
+        <p:nvPr/>
+      </p:nvGrpSpPr>
+      <p:grpSpPr>
+        <a:xfrm>
+          <a:off x="0" y="0"/>
+          <a:ext cx="0" cy="0"/>
+          <a:chOff x="0" y="0"/>
+          <a:chExt cx="0" cy="0"/>
+        </a:xfrm>
+      </p:grpSpPr>
+      <p:sp>
+        <p:nvSpPr>
+          <p:cNvPr id="2" name="Title 1"/>
+          <p:cNvSpPr>
+            <a:spLocks noGrp="1"/>
+          </p:cNvSpPr>
+          <p:nvPr>
+            <p:ph type="title"/>
+          </p:nvPr>
+        </p:nvSpPr>
+        <p:spPr/>
+        <p:txBody>
+          <a:bodyPr/>
+          <a:lstStyle/>
+          <a:p>
+            <a:r>
+              <a:rPr lang="en-GB" dirty="0" smtClean="0"/>
+              <a:t>8 Software Risks</a:t>
+            </a:r>
+            <a:endParaRPr lang="en-GB" dirty="0"/>
+          </a:p>
+        </p:txBody>
+      </p:sp>
+      <p:sp>
+        <p:nvSpPr>
+          <p:cNvPr id="3" name="Content Placeholder 2"/>
+          <p:cNvSpPr>
+            <a:spLocks noGrp="1"/>
+          </p:cNvSpPr>
+          <p:nvPr>
+            <p:ph idx="1"/>
+          </p:nvPr>
+        </p:nvSpPr>
+        <p:spPr>
+          <a:xfrm>
+            <a:off x="304800" y="1981200"/>
+            <a:ext cx="8534400" cy="4648200"/>
+          </a:xfrm>
+        </p:spPr>
+        <p:txBody>
+          <a:bodyPr>
+            <a:normAutofit fontScale="85000" lnSpcReduction="20000"/>
+          </a:bodyPr>
+          <a:lstStyle/>
+          <a:p>
+            <a:pPr marL="0" indent="0">
+              <a:buNone/>
+            </a:pPr>
+            <a:r>
+              <a:rPr lang="en-GB" sz="3500" dirty="0"/>
+              <a:t>1. Personnel shortfalls</a:t>
+            </a:r>
+            <a:br>
+              <a:rPr lang="en-GB" sz="3500" dirty="0"/>
+            </a:br>
+            <a:r>
+              <a:rPr lang="en-GB" sz="3500" dirty="0"/>
+              <a:t>2. Unrealistic schedules, budgets, or processes</a:t>
+            </a:r>
+            <a:br>
+              <a:rPr lang="en-GB" sz="3500" dirty="0"/>
+            </a:br>
+            <a:r>
+              <a:rPr lang="en-GB" sz="3500" dirty="0"/>
+              <a:t>3. Shortfalls in commercial off-the-shelf products, external components, </a:t>
+            </a:r>
+            <a:r>
+              <a:rPr lang="en-GB" sz="3500" dirty="0" smtClean="0"/>
+              <a:t>or legacy </a:t>
+            </a:r>
+            <a:r>
+              <a:rPr lang="en-GB" sz="3500" dirty="0"/>
+              <a:t>software</a:t>
+            </a:r>
+            <a:br>
+              <a:rPr lang="en-GB" sz="3500" dirty="0"/>
+            </a:br>
+            <a:r>
+              <a:rPr lang="en-GB" sz="3500" dirty="0"/>
+              <a:t>4. Mismatches in requirements or user interface</a:t>
+            </a:r>
+            <a:br>
+              <a:rPr lang="en-GB" sz="3500" dirty="0"/>
+            </a:br>
+            <a:r>
+              <a:rPr lang="en-GB" sz="3500" dirty="0"/>
+              <a:t>5. Shortfalls in architecture, performance, </a:t>
+            </a:r>
+            <a:r>
+              <a:rPr lang="en-GB" sz="3500" dirty="0" smtClean="0"/>
+              <a:t>or quality</a:t>
+            </a:r>
+            <a:r>
+              <a:rPr lang="en-GB" sz="3500" dirty="0"/>
+              <a:t/>
+            </a:r>
+            <a:br>
+              <a:rPr lang="en-GB" sz="3500" dirty="0"/>
+            </a:br>
+            <a:r>
+              <a:rPr lang="en-GB" sz="3500" dirty="0"/>
+              <a:t>6. Continuing stream of requirements changes</a:t>
+            </a:r>
+            <a:br>
+              <a:rPr lang="en-GB" sz="3500" dirty="0"/>
+            </a:br>
+            <a:r>
+              <a:rPr lang="en-GB" sz="3500" dirty="0"/>
+              <a:t>7. Shortfalls in externally performed tasks</a:t>
+            </a:r>
+            <a:br>
+              <a:rPr lang="en-GB" sz="3500" dirty="0"/>
+            </a:br>
+            <a:r>
+              <a:rPr lang="en-GB" sz="3500" dirty="0"/>
+              <a:t>8. Straining computer science</a:t>
+            </a:r>
+            <a:br>
+              <a:rPr lang="en-GB" sz="3500" dirty="0"/>
+            </a:br>
+            <a:r>
+              <a:rPr lang="en-GB" dirty="0"/>
+              <a:t/>
+            </a:r>
+            <a:br>
+              <a:rPr lang="en-GB" dirty="0"/>
+            </a:br>
+            <a:endParaRPr lang="en-GB" dirty="0"/>
+          </a:p>
+        </p:txBody>
+      </p:sp>
+    </p:spTree>
+    <p:extLst>
+      <p:ext uri="{BB962C8B-B14F-4D97-AF65-F5344CB8AC3E}">
+        <p14:creationId xmlns:p14="http://schemas.microsoft.com/office/powerpoint/2010/main" val="671992687"/>
+      </p:ext>
+    </p:extLst>
+  </p:cSld>
+  <p:clrMapOvr>
+    <a:masterClrMapping/>
+  </p:clrMapOvr>
+</p:sld>
+</file>
+
+<file path=ppt/slides/slide48.xml><?xml version="1.0" encoding="utf-8"?>
+<p:sld xmlns:a="http://schemas.openxmlformats.org/drawingml/2006/main" xmlns:r="http://schemas.openxmlformats.org/officeDocument/2006/relationships" xmlns:p="http://schemas.openxmlformats.org/presentationml/2006/main">
+  <p:cSld>
+    <p:spTree>
+      <p:nvGrpSpPr>
+        <p:cNvPr id="1" name=""/>
+        <p:cNvGrpSpPr/>
+        <p:nvPr/>
+      </p:nvGrpSpPr>
+      <p:grpSpPr>
+        <a:xfrm>
+          <a:off x="0" y="0"/>
+          <a:ext cx="0" cy="0"/>
+          <a:chOff x="0" y="0"/>
+          <a:chExt cx="0" cy="0"/>
+        </a:xfrm>
+      </p:grpSpPr>
+      <p:sp>
+        <p:nvSpPr>
+          <p:cNvPr id="11266" name="Title 1"/>
+          <p:cNvSpPr>
+            <a:spLocks noGrp="1"/>
+          </p:cNvSpPr>
+          <p:nvPr>
+            <p:ph type="title"/>
+          </p:nvPr>
+        </p:nvSpPr>
+        <p:spPr/>
+        <p:txBody>
+          <a:bodyPr/>
+          <a:lstStyle/>
+          <a:p>
+            <a:r>
+              <a:rPr lang="en-GB" altLang="en-US" smtClean="0"/>
+              <a:t>Summary</a:t>
+            </a:r>
+          </a:p>
+        </p:txBody>
+      </p:sp>
+      <p:sp>
+        <p:nvSpPr>
+          <p:cNvPr id="11267" name="Content Placeholder 2"/>
+          <p:cNvSpPr>
+            <a:spLocks noGrp="1"/>
+          </p:cNvSpPr>
+          <p:nvPr>
+            <p:ph idx="1"/>
+          </p:nvPr>
+        </p:nvSpPr>
+        <p:spPr/>
+        <p:txBody>
+          <a:bodyPr/>
+          <a:lstStyle/>
+          <a:p>
+            <a:r>
+              <a:rPr lang="en-GB" altLang="en-US" dirty="0" smtClean="0"/>
+              <a:t>Clear idea of Pragmatics in Object Orientated Analysis and Design</a:t>
+            </a:r>
+          </a:p>
+          <a:p>
+            <a:r>
+              <a:rPr lang="en-GB" altLang="en-US" dirty="0" smtClean="0"/>
+              <a:t>See bigger picture </a:t>
+            </a:r>
+            <a:r>
+              <a:rPr lang="en-GB" altLang="en-US" dirty="0"/>
+              <a:t>(i.e., much more than just generating </a:t>
+            </a:r>
+            <a:r>
+              <a:rPr lang="en-GB" altLang="en-US" dirty="0" smtClean="0"/>
+              <a:t>code)</a:t>
+            </a:r>
+          </a:p>
+          <a:p>
+            <a:r>
+              <a:rPr lang="en-GB" altLang="en-US" dirty="0"/>
+              <a:t>Reuse must be institutionalized to be successful</a:t>
+            </a:r>
+            <a:endParaRPr lang="en-GB" altLang="en-US" dirty="0" smtClean="0"/>
+          </a:p>
+        </p:txBody>
+      </p:sp>
+    </p:spTree>
+  </p:cSld>
+  <p:clrMapOvr>
+    <a:masterClrMapping/>
+  </p:clrMapOvr>
+  <p:timing>
+    <p:tnLst>
+      <p:par>
+        <p:cTn id="1" dur="indefinite" restart="never" nodeType="tmRoot"/>
+      </p:par>
+    </p:tnLst>
+  </p:timing>
+</p:sld>
+</file>
+
+<file path=ppt/slides/slide49.xml><?xml version="1.0" encoding="utf-8"?>
+<p:sld xmlns:a="http://schemas.openxmlformats.org/drawingml/2006/main" xmlns:r="http://schemas.openxmlformats.org/officeDocument/2006/relationships" xmlns:p="http://schemas.openxmlformats.org/presentationml/2006/main">
+  <p:cSld>
+    <p:spTree>
+      <p:nvGrpSpPr>
+        <p:cNvPr id="1" name=""/>
+        <p:cNvGrpSpPr/>
+        <p:nvPr/>
+      </p:nvGrpSpPr>
+      <p:grpSpPr>
+        <a:xfrm>
+          <a:off x="0" y="0"/>
+          <a:ext cx="0" cy="0"/>
+          <a:chOff x="0" y="0"/>
+          <a:chExt cx="0" cy="0"/>
+        </a:xfrm>
+      </p:grpSpPr>
+      <p:sp>
+        <p:nvSpPr>
           <p:cNvPr id="12290" name="Title 1"/>
           <p:cNvSpPr>
             <a:spLocks noGrp="1"/>
@@ -4088,13 +9426,8 @@
           <a:p>
             <a:r>
               <a:rPr lang="en-GB" altLang="en-US" smtClean="0"/>
-              <a:t>Read Chapter </a:t>
-            </a:r>
-            <a:r>
-              <a:rPr lang="en-GB" altLang="en-US" smtClean="0"/>
-              <a:t>8</a:t>
-            </a:r>
-            <a:endParaRPr lang="en-GB" altLang="en-US" smtClean="0"/>
+              <a:t>Read Chapter 8</a:t>
+            </a:r>
           </a:p>
         </p:txBody>
       </p:sp>
@@ -4132,6 +9465,116 @@
       </p:grpSpPr>
       <p:sp>
         <p:nvSpPr>
+          <p:cNvPr id="2" name="Title 1"/>
+          <p:cNvSpPr>
+            <a:spLocks noGrp="1"/>
+          </p:cNvSpPr>
+          <p:nvPr>
+            <p:ph type="title"/>
+          </p:nvPr>
+        </p:nvSpPr>
+        <p:spPr>
+          <a:xfrm>
+            <a:off x="685800" y="0"/>
+            <a:ext cx="7772400" cy="1143000"/>
+          </a:xfrm>
+        </p:spPr>
+        <p:txBody>
+          <a:bodyPr/>
+          <a:lstStyle/>
+          <a:p>
+            <a:r>
+              <a:rPr lang="en-US" b="1" i="1" dirty="0" smtClean="0"/>
+              <a:t>Question</a:t>
+            </a:r>
+            <a:endParaRPr lang="en-US" dirty="0"/>
+          </a:p>
+        </p:txBody>
+      </p:sp>
+      <p:sp>
+        <p:nvSpPr>
+          <p:cNvPr id="3" name="Content Placeholder 2"/>
+          <p:cNvSpPr>
+            <a:spLocks noGrp="1"/>
+          </p:cNvSpPr>
+          <p:nvPr>
+            <p:ph idx="1"/>
+          </p:nvPr>
+        </p:nvSpPr>
+        <p:spPr>
+          <a:xfrm>
+            <a:off x="685800" y="1066800"/>
+            <a:ext cx="7772400" cy="4114800"/>
+          </a:xfrm>
+        </p:spPr>
+        <p:txBody>
+          <a:bodyPr/>
+          <a:lstStyle/>
+          <a:p>
+            <a:r>
+              <a:rPr lang="en-US" dirty="0" smtClean="0"/>
+              <a:t>Which is incremental and iterative?</a:t>
+            </a:r>
+            <a:endParaRPr lang="en-US" dirty="0"/>
+          </a:p>
+        </p:txBody>
+      </p:sp>
+      <p:pic>
+        <p:nvPicPr>
+          <p:cNvPr id="4" name="Picture 3"/>
+          <p:cNvPicPr>
+            <a:picLocks noChangeAspect="1"/>
+          </p:cNvPicPr>
+          <p:nvPr/>
+        </p:nvPicPr>
+        <p:blipFill>
+          <a:blip r:embed="rId2"/>
+          <a:stretch>
+            <a:fillRect/>
+          </a:stretch>
+        </p:blipFill>
+        <p:spPr>
+          <a:xfrm>
+            <a:off x="1295400" y="1524000"/>
+            <a:ext cx="6248400" cy="5133975"/>
+          </a:xfrm>
+          <a:prstGeom prst="rect">
+            <a:avLst/>
+          </a:prstGeom>
+        </p:spPr>
+      </p:pic>
+    </p:spTree>
+    <p:extLst>
+      <p:ext uri="{BB962C8B-B14F-4D97-AF65-F5344CB8AC3E}">
+        <p14:creationId xmlns:p14="http://schemas.microsoft.com/office/powerpoint/2010/main" val="3029983702"/>
+      </p:ext>
+    </p:extLst>
+  </p:cSld>
+  <p:clrMapOvr>
+    <a:masterClrMapping/>
+  </p:clrMapOvr>
+</p:sld>
+</file>
+
+<file path=ppt/slides/slide50.xml><?xml version="1.0" encoding="utf-8"?>
+<p:sld xmlns:a="http://schemas.openxmlformats.org/drawingml/2006/main" xmlns:r="http://schemas.openxmlformats.org/officeDocument/2006/relationships" xmlns:p="http://schemas.openxmlformats.org/presentationml/2006/main">
+  <p:cSld>
+    <p:spTree>
+      <p:nvGrpSpPr>
+        <p:cNvPr id="1" name=""/>
+        <p:cNvGrpSpPr/>
+        <p:nvPr/>
+      </p:nvGrpSpPr>
+      <p:grpSpPr>
+        <a:xfrm>
+          <a:off x="0" y="0"/>
+          <a:ext cx="0" cy="0"/>
+          <a:chOff x="0" y="0"/>
+          <a:chExt cx="0" cy="0"/>
+        </a:xfrm>
+      </p:grpSpPr>
+      <p:sp>
+        <p:nvSpPr>
           <p:cNvPr id="13314" name="Title 1"/>
           <p:cNvSpPr>
             <a:spLocks noGrp="1"/>
@@ -4185,6 +9628,1187 @@
       </p:par>
     </p:tnLst>
   </p:timing>
+</p:sld>
+</file>
+
+<file path=ppt/slides/slide51.xml><?xml version="1.0" encoding="utf-8"?>
+<p:sld xmlns:a="http://schemas.openxmlformats.org/drawingml/2006/main" xmlns:r="http://schemas.openxmlformats.org/officeDocument/2006/relationships" xmlns:p="http://schemas.openxmlformats.org/presentationml/2006/main">
+  <p:cSld>
+    <p:spTree>
+      <p:nvGrpSpPr>
+        <p:cNvPr id="1" name=""/>
+        <p:cNvGrpSpPr/>
+        <p:nvPr/>
+      </p:nvGrpSpPr>
+      <p:grpSpPr>
+        <a:xfrm>
+          <a:off x="0" y="0"/>
+          <a:ext cx="0" cy="0"/>
+          <a:chOff x="0" y="0"/>
+          <a:chExt cx="0" cy="0"/>
+        </a:xfrm>
+      </p:grpSpPr>
+      <p:pic>
+        <p:nvPicPr>
+          <p:cNvPr id="4" name="Picture 3"/>
+          <p:cNvPicPr>
+            <a:picLocks noChangeAspect="1"/>
+          </p:cNvPicPr>
+          <p:nvPr/>
+        </p:nvPicPr>
+        <p:blipFill>
+          <a:blip r:embed="rId2"/>
+          <a:stretch>
+            <a:fillRect/>
+          </a:stretch>
+        </p:blipFill>
+        <p:spPr>
+          <a:xfrm>
+            <a:off x="914400" y="0"/>
+            <a:ext cx="7022786" cy="5257800"/>
+          </a:xfrm>
+          <a:prstGeom prst="rect">
+            <a:avLst/>
+          </a:prstGeom>
+        </p:spPr>
+      </p:pic>
+      <p:sp>
+        <p:nvSpPr>
+          <p:cNvPr id="5" name="TextBox 4"/>
+          <p:cNvSpPr txBox="1"/>
+          <p:nvPr/>
+        </p:nvSpPr>
+        <p:spPr>
+          <a:xfrm>
+            <a:off x="1676400" y="5257800"/>
+            <a:ext cx="5622629" cy="1077218"/>
+          </a:xfrm>
+          <a:prstGeom prst="rect">
+            <a:avLst/>
+          </a:prstGeom>
+          <a:noFill/>
+        </p:spPr>
+        <p:txBody>
+          <a:bodyPr wrap="none" rtlCol="0">
+            <a:spAutoFit/>
+          </a:bodyPr>
+          <a:lstStyle/>
+          <a:p>
+            <a:pPr algn="ctr"/>
+            <a:r>
+              <a:rPr lang="en-GB" sz="3200" b="1" dirty="0" smtClean="0">
+                <a:solidFill>
+                  <a:schemeClr val="bg2"/>
+                </a:solidFill>
+              </a:rPr>
+              <a:t>“Would you like the technical</a:t>
+            </a:r>
+          </a:p>
+          <a:p>
+            <a:pPr algn="ctr"/>
+            <a:r>
+              <a:rPr lang="en-GB" sz="3200" b="1" dirty="0" smtClean="0">
+                <a:solidFill>
+                  <a:schemeClr val="bg2"/>
+                </a:solidFill>
+              </a:rPr>
+              <a:t>or non-technical explanation?”</a:t>
+            </a:r>
+            <a:endParaRPr lang="en-GB" sz="3200" b="1" dirty="0">
+              <a:solidFill>
+                <a:schemeClr val="bg2"/>
+              </a:solidFill>
+            </a:endParaRPr>
+          </a:p>
+        </p:txBody>
+      </p:sp>
+    </p:spTree>
+    <p:extLst>
+      <p:ext uri="{BB962C8B-B14F-4D97-AF65-F5344CB8AC3E}">
+        <p14:creationId xmlns:p14="http://schemas.microsoft.com/office/powerpoint/2010/main" val="1785507044"/>
+      </p:ext>
+    </p:extLst>
+  </p:cSld>
+  <p:clrMapOvr>
+    <a:masterClrMapping/>
+  </p:clrMapOvr>
+</p:sld>
+</file>
+
+<file path=ppt/slides/slide52.xml><?xml version="1.0" encoding="utf-8"?>
+<p:sld xmlns:a="http://schemas.openxmlformats.org/drawingml/2006/main" xmlns:r="http://schemas.openxmlformats.org/officeDocument/2006/relationships" xmlns:p="http://schemas.openxmlformats.org/presentationml/2006/main">
+  <p:cSld>
+    <p:spTree>
+      <p:nvGrpSpPr>
+        <p:cNvPr id="1" name=""/>
+        <p:cNvGrpSpPr/>
+        <p:nvPr/>
+      </p:nvGrpSpPr>
+      <p:grpSpPr>
+        <a:xfrm>
+          <a:off x="0" y="0"/>
+          <a:ext cx="0" cy="0"/>
+          <a:chOff x="0" y="0"/>
+          <a:chExt cx="0" cy="0"/>
+        </a:xfrm>
+      </p:grpSpPr>
+      <p:sp>
+        <p:nvSpPr>
+          <p:cNvPr id="2" name="Title 1"/>
+          <p:cNvSpPr>
+            <a:spLocks noGrp="1"/>
+          </p:cNvSpPr>
+          <p:nvPr>
+            <p:ph type="title"/>
+          </p:nvPr>
+        </p:nvSpPr>
+        <p:spPr/>
+        <p:txBody>
+          <a:bodyPr/>
+          <a:lstStyle/>
+          <a:p>
+            <a:r>
+              <a:rPr lang="en-GB" dirty="0" smtClean="0"/>
+              <a:t>Question</a:t>
+            </a:r>
+            <a:endParaRPr lang="en-GB" dirty="0"/>
+          </a:p>
+        </p:txBody>
+      </p:sp>
+      <p:sp>
+        <p:nvSpPr>
+          <p:cNvPr id="3" name="Content Placeholder 2"/>
+          <p:cNvSpPr>
+            <a:spLocks noGrp="1"/>
+          </p:cNvSpPr>
+          <p:nvPr>
+            <p:ph idx="1"/>
+          </p:nvPr>
+        </p:nvSpPr>
+        <p:spPr/>
+        <p:txBody>
+          <a:bodyPr/>
+          <a:lstStyle/>
+          <a:p>
+            <a:r>
+              <a:rPr lang="en-GB" dirty="0"/>
+              <a:t>There are many benefits to object-oriented technology </a:t>
+            </a:r>
+            <a:r>
+              <a:rPr lang="en-GB" dirty="0" smtClean="0"/>
+              <a:t>and no risks</a:t>
+            </a:r>
+          </a:p>
+          <a:p>
+            <a:endParaRPr lang="en-GB" dirty="0"/>
+          </a:p>
+          <a:p>
+            <a:pPr marL="514350" indent="-514350">
+              <a:buAutoNum type="alphaLcParenR"/>
+            </a:pPr>
+            <a:r>
+              <a:rPr lang="en-GB" dirty="0" smtClean="0"/>
+              <a:t>True</a:t>
+            </a:r>
+          </a:p>
+          <a:p>
+            <a:pPr marL="514350" indent="-514350">
+              <a:buAutoNum type="alphaLcParenR"/>
+            </a:pPr>
+            <a:r>
+              <a:rPr lang="en-GB" dirty="0" smtClean="0"/>
+              <a:t>False</a:t>
+            </a:r>
+            <a:endParaRPr lang="en-GB" dirty="0"/>
+          </a:p>
+        </p:txBody>
+      </p:sp>
+    </p:spTree>
+    <p:extLst>
+      <p:ext uri="{BB962C8B-B14F-4D97-AF65-F5344CB8AC3E}">
+        <p14:creationId xmlns:p14="http://schemas.microsoft.com/office/powerpoint/2010/main" val="1883125445"/>
+      </p:ext>
+    </p:extLst>
+  </p:cSld>
+  <p:clrMapOvr>
+    <a:masterClrMapping/>
+  </p:clrMapOvr>
+</p:sld>
+</file>
+
+<file path=ppt/slides/slide53.xml><?xml version="1.0" encoding="utf-8"?>
+<p:sld xmlns:a="http://schemas.openxmlformats.org/drawingml/2006/main" xmlns:r="http://schemas.openxmlformats.org/officeDocument/2006/relationships" xmlns:p="http://schemas.openxmlformats.org/presentationml/2006/main">
+  <p:cSld>
+    <p:spTree>
+      <p:nvGrpSpPr>
+        <p:cNvPr id="1" name=""/>
+        <p:cNvGrpSpPr/>
+        <p:nvPr/>
+      </p:nvGrpSpPr>
+      <p:grpSpPr>
+        <a:xfrm>
+          <a:off x="0" y="0"/>
+          <a:ext cx="0" cy="0"/>
+          <a:chOff x="0" y="0"/>
+          <a:chExt cx="0" cy="0"/>
+        </a:xfrm>
+      </p:grpSpPr>
+      <p:sp>
+        <p:nvSpPr>
+          <p:cNvPr id="2" name="Title 1"/>
+          <p:cNvSpPr>
+            <a:spLocks noGrp="1"/>
+          </p:cNvSpPr>
+          <p:nvPr>
+            <p:ph type="title"/>
+          </p:nvPr>
+        </p:nvSpPr>
+        <p:spPr/>
+        <p:txBody>
+          <a:bodyPr/>
+          <a:lstStyle/>
+          <a:p>
+            <a:r>
+              <a:rPr lang="en-GB" dirty="0" smtClean="0"/>
+              <a:t>Answer</a:t>
+            </a:r>
+            <a:endParaRPr lang="en-GB" dirty="0"/>
+          </a:p>
+        </p:txBody>
+      </p:sp>
+      <p:sp>
+        <p:nvSpPr>
+          <p:cNvPr id="3" name="Content Placeholder 2"/>
+          <p:cNvSpPr>
+            <a:spLocks noGrp="1"/>
+          </p:cNvSpPr>
+          <p:nvPr>
+            <p:ph idx="1"/>
+          </p:nvPr>
+        </p:nvSpPr>
+        <p:spPr/>
+        <p:txBody>
+          <a:bodyPr/>
+          <a:lstStyle/>
+          <a:p>
+            <a:r>
+              <a:rPr lang="en-GB" dirty="0" smtClean="0"/>
+              <a:t>b) False</a:t>
+            </a:r>
+            <a:endParaRPr lang="en-GB" dirty="0"/>
+          </a:p>
+        </p:txBody>
+      </p:sp>
+    </p:spTree>
+    <p:extLst>
+      <p:ext uri="{BB962C8B-B14F-4D97-AF65-F5344CB8AC3E}">
+        <p14:creationId xmlns:p14="http://schemas.microsoft.com/office/powerpoint/2010/main" val="2955333060"/>
+      </p:ext>
+    </p:extLst>
+  </p:cSld>
+  <p:clrMapOvr>
+    <a:masterClrMapping/>
+  </p:clrMapOvr>
+</p:sld>
+</file>
+
+<file path=ppt/slides/slide6.xml><?xml version="1.0" encoding="utf-8"?>
+<p:sld xmlns:a="http://schemas.openxmlformats.org/drawingml/2006/main" xmlns:r="http://schemas.openxmlformats.org/officeDocument/2006/relationships" xmlns:p="http://schemas.openxmlformats.org/presentationml/2006/main">
+  <p:cSld>
+    <p:spTree>
+      <p:nvGrpSpPr>
+        <p:cNvPr id="1" name=""/>
+        <p:cNvGrpSpPr/>
+        <p:nvPr/>
+      </p:nvGrpSpPr>
+      <p:grpSpPr>
+        <a:xfrm>
+          <a:off x="0" y="0"/>
+          <a:ext cx="0" cy="0"/>
+          <a:chOff x="0" y="0"/>
+          <a:chExt cx="0" cy="0"/>
+        </a:xfrm>
+      </p:grpSpPr>
+      <p:sp>
+        <p:nvSpPr>
+          <p:cNvPr id="2" name="Title 1"/>
+          <p:cNvSpPr>
+            <a:spLocks noGrp="1"/>
+          </p:cNvSpPr>
+          <p:nvPr>
+            <p:ph type="title"/>
+          </p:nvPr>
+        </p:nvSpPr>
+        <p:spPr>
+          <a:xfrm>
+            <a:off x="685800" y="304800"/>
+            <a:ext cx="7772400" cy="1143000"/>
+          </a:xfrm>
+        </p:spPr>
+        <p:txBody>
+          <a:bodyPr/>
+          <a:lstStyle/>
+          <a:p>
+            <a:r>
+              <a:rPr lang="en-GB" dirty="0" smtClean="0"/>
+              <a:t>Answer</a:t>
+            </a:r>
+            <a:endParaRPr lang="en-GB" dirty="0"/>
+          </a:p>
+        </p:txBody>
+      </p:sp>
+      <p:sp>
+        <p:nvSpPr>
+          <p:cNvPr id="3" name="Content Placeholder 2"/>
+          <p:cNvSpPr>
+            <a:spLocks noGrp="1"/>
+          </p:cNvSpPr>
+          <p:nvPr>
+            <p:ph idx="1"/>
+          </p:nvPr>
+        </p:nvSpPr>
+        <p:spPr/>
+        <p:txBody>
+          <a:bodyPr/>
+          <a:lstStyle/>
+          <a:p>
+            <a:endParaRPr lang="en-GB"/>
+          </a:p>
+        </p:txBody>
+      </p:sp>
+      <p:pic>
+        <p:nvPicPr>
+          <p:cNvPr id="4" name="Picture 3"/>
+          <p:cNvPicPr>
+            <a:picLocks noChangeAspect="1" noChangeArrowheads="1"/>
+          </p:cNvPicPr>
+          <p:nvPr/>
+        </p:nvPicPr>
+        <p:blipFill>
+          <a:blip r:embed="rId2"/>
+          <a:srcRect/>
+          <a:stretch>
+            <a:fillRect/>
+          </a:stretch>
+        </p:blipFill>
+        <p:spPr bwMode="auto">
+          <a:xfrm>
+            <a:off x="1371600" y="1191003"/>
+            <a:ext cx="6248400" cy="5133597"/>
+          </a:xfrm>
+          <a:prstGeom prst="rect">
+            <a:avLst/>
+          </a:prstGeom>
+          <a:noFill/>
+          <a:ln w="9525">
+            <a:noFill/>
+            <a:miter lim="800000"/>
+            <a:headEnd/>
+            <a:tailEnd/>
+          </a:ln>
+          <a:effectLst/>
+        </p:spPr>
+      </p:pic>
+    </p:spTree>
+    <p:extLst>
+      <p:ext uri="{BB962C8B-B14F-4D97-AF65-F5344CB8AC3E}">
+        <p14:creationId xmlns:p14="http://schemas.microsoft.com/office/powerpoint/2010/main" val="1159629100"/>
+      </p:ext>
+    </p:extLst>
+  </p:cSld>
+  <p:clrMapOvr>
+    <a:masterClrMapping/>
+  </p:clrMapOvr>
+</p:sld>
+</file>
+
+<file path=ppt/slides/slide7.xml><?xml version="1.0" encoding="utf-8"?>
+<p:sld xmlns:a="http://schemas.openxmlformats.org/drawingml/2006/main" xmlns:r="http://schemas.openxmlformats.org/officeDocument/2006/relationships" xmlns:p="http://schemas.openxmlformats.org/presentationml/2006/main">
+  <p:cSld>
+    <p:spTree>
+      <p:nvGrpSpPr>
+        <p:cNvPr id="1" name=""/>
+        <p:cNvGrpSpPr/>
+        <p:nvPr/>
+      </p:nvGrpSpPr>
+      <p:grpSpPr>
+        <a:xfrm>
+          <a:off x="0" y="0"/>
+          <a:ext cx="0" cy="0"/>
+          <a:chOff x="0" y="0"/>
+          <a:chExt cx="0" cy="0"/>
+        </a:xfrm>
+      </p:grpSpPr>
+      <p:sp>
+        <p:nvSpPr>
+          <p:cNvPr id="2" name="Title 1"/>
+          <p:cNvSpPr>
+            <a:spLocks noGrp="1"/>
+          </p:cNvSpPr>
+          <p:nvPr>
+            <p:ph type="title"/>
+          </p:nvPr>
+        </p:nvSpPr>
+        <p:spPr/>
+        <p:txBody>
+          <a:bodyPr/>
+          <a:lstStyle/>
+          <a:p>
+            <a:r>
+              <a:rPr lang="en-GB" dirty="0" smtClean="0"/>
+              <a:t>Question</a:t>
+            </a:r>
+            <a:endParaRPr lang="en-GB" dirty="0"/>
+          </a:p>
+        </p:txBody>
+      </p:sp>
+      <p:sp>
+        <p:nvSpPr>
+          <p:cNvPr id="3" name="Content Placeholder 2"/>
+          <p:cNvSpPr>
+            <a:spLocks noGrp="1"/>
+          </p:cNvSpPr>
+          <p:nvPr>
+            <p:ph idx="1"/>
+          </p:nvPr>
+        </p:nvSpPr>
+        <p:spPr/>
+        <p:txBody>
+          <a:bodyPr/>
+          <a:lstStyle/>
+          <a:p>
+            <a:r>
+              <a:rPr lang="en-GB" dirty="0" smtClean="0"/>
+              <a:t>The difference </a:t>
+            </a:r>
+            <a:r>
+              <a:rPr lang="en-GB" dirty="0"/>
+              <a:t>between V-shaped model and waterfall model is the early test planning in the V-shaped </a:t>
+            </a:r>
+            <a:r>
+              <a:rPr lang="en-GB" dirty="0" smtClean="0"/>
+              <a:t>model</a:t>
+            </a:r>
+          </a:p>
+          <a:p>
+            <a:endParaRPr lang="en-GB" dirty="0"/>
+          </a:p>
+          <a:p>
+            <a:pPr marL="514350" indent="-514350">
+              <a:buAutoNum type="alphaLcParenR"/>
+            </a:pPr>
+            <a:r>
+              <a:rPr lang="en-GB" dirty="0" smtClean="0"/>
+              <a:t>True</a:t>
+            </a:r>
+          </a:p>
+          <a:p>
+            <a:pPr marL="514350" indent="-514350">
+              <a:buAutoNum type="alphaLcParenR"/>
+            </a:pPr>
+            <a:r>
+              <a:rPr lang="en-GB" dirty="0" smtClean="0"/>
+              <a:t>False</a:t>
+            </a:r>
+            <a:endParaRPr lang="en-GB" dirty="0"/>
+          </a:p>
+          <a:p>
+            <a:endParaRPr lang="en-GB" dirty="0"/>
+          </a:p>
+        </p:txBody>
+      </p:sp>
+    </p:spTree>
+    <p:extLst>
+      <p:ext uri="{BB962C8B-B14F-4D97-AF65-F5344CB8AC3E}">
+        <p14:creationId xmlns:p14="http://schemas.microsoft.com/office/powerpoint/2010/main" val="2875424083"/>
+      </p:ext>
+    </p:extLst>
+  </p:cSld>
+  <p:clrMapOvr>
+    <a:masterClrMapping/>
+  </p:clrMapOvr>
+</p:sld>
+</file>
+
+<file path=ppt/slides/slide8.xml><?xml version="1.0" encoding="utf-8"?>
+<p:sld xmlns:a="http://schemas.openxmlformats.org/drawingml/2006/main" xmlns:r="http://schemas.openxmlformats.org/officeDocument/2006/relationships" xmlns:p="http://schemas.openxmlformats.org/presentationml/2006/main">
+  <p:cSld>
+    <p:spTree>
+      <p:nvGrpSpPr>
+        <p:cNvPr id="1" name=""/>
+        <p:cNvGrpSpPr/>
+        <p:nvPr/>
+      </p:nvGrpSpPr>
+      <p:grpSpPr>
+        <a:xfrm>
+          <a:off x="0" y="0"/>
+          <a:ext cx="0" cy="0"/>
+          <a:chOff x="0" y="0"/>
+          <a:chExt cx="0" cy="0"/>
+        </a:xfrm>
+      </p:grpSpPr>
+      <p:sp>
+        <p:nvSpPr>
+          <p:cNvPr id="2" name="Title 1"/>
+          <p:cNvSpPr>
+            <a:spLocks noGrp="1"/>
+          </p:cNvSpPr>
+          <p:nvPr>
+            <p:ph type="title"/>
+          </p:nvPr>
+        </p:nvSpPr>
+        <p:spPr/>
+        <p:txBody>
+          <a:bodyPr/>
+          <a:lstStyle/>
+          <a:p>
+            <a:r>
+              <a:rPr lang="en-GB" dirty="0" smtClean="0"/>
+              <a:t>Answer</a:t>
+            </a:r>
+            <a:endParaRPr lang="en-GB" dirty="0"/>
+          </a:p>
+        </p:txBody>
+      </p:sp>
+      <p:sp>
+        <p:nvSpPr>
+          <p:cNvPr id="3" name="Content Placeholder 2"/>
+          <p:cNvSpPr>
+            <a:spLocks noGrp="1"/>
+          </p:cNvSpPr>
+          <p:nvPr>
+            <p:ph idx="1"/>
+          </p:nvPr>
+        </p:nvSpPr>
+        <p:spPr/>
+        <p:txBody>
+          <a:bodyPr/>
+          <a:lstStyle/>
+          <a:p>
+            <a:r>
+              <a:rPr lang="en-GB" dirty="0" smtClean="0"/>
+              <a:t>a) True</a:t>
+            </a:r>
+            <a:endParaRPr lang="en-GB" dirty="0"/>
+          </a:p>
+        </p:txBody>
+      </p:sp>
+      <p:grpSp>
+        <p:nvGrpSpPr>
+          <p:cNvPr id="7" name="Group 6"/>
+          <p:cNvGrpSpPr/>
+          <p:nvPr/>
+        </p:nvGrpSpPr>
+        <p:grpSpPr>
+          <a:xfrm>
+            <a:off x="609600" y="2819400"/>
+            <a:ext cx="8153400" cy="3810000"/>
+            <a:chOff x="609600" y="1143000"/>
+            <a:chExt cx="8458200" cy="5486400"/>
+          </a:xfrm>
+        </p:grpSpPr>
+        <p:sp>
+          <p:nvSpPr>
+            <p:cNvPr id="4" name="Title 1"/>
+            <p:cNvSpPr txBox="1">
+              <a:spLocks/>
+            </p:cNvSpPr>
+            <p:nvPr/>
+          </p:nvSpPr>
+          <p:spPr bwMode="auto">
+            <a:xfrm>
+              <a:off x="609600" y="1143000"/>
+              <a:ext cx="7772400" cy="1143000"/>
+            </a:xfrm>
+            <a:prstGeom prst="rect">
+              <a:avLst/>
+            </a:prstGeom>
+            <a:noFill/>
+            <a:ln>
+              <a:noFill/>
+            </a:ln>
+            <a:effectLst/>
+            <a:extLst>
+              <a:ext uri="{909E8E84-426E-40DD-AFC4-6F175D3DCCD1}">
+                <a14:hiddenFill xmlns:a14="http://schemas.microsoft.com/office/drawing/2010/main">
+                  <a:solidFill>
+                    <a:schemeClr val="accent1"/>
+                  </a:solidFill>
+                </a14:hiddenFill>
+              </a:ext>
+              <a:ext uri="{91240B29-F687-4F45-9708-019B960494DF}">
+                <a14:hiddenLine xmlns:a14="http://schemas.microsoft.com/office/drawing/2010/main" w="9525">
+                  <a:solidFill>
+                    <a:schemeClr val="tx1"/>
+                  </a:solidFill>
+                  <a:miter lim="800000"/>
+                  <a:headEnd/>
+                  <a:tailEnd/>
+                </a14:hiddenLine>
+              </a:ext>
+              <a:ext uri="{AF507438-7753-43E0-B8FC-AC1667EBCBE1}">
+                <a14:hiddenEffects xmlns:a14="http://schemas.microsoft.com/office/drawing/2010/main">
+                  <a:effectLst>
+                    <a:outerShdw dist="35921" dir="2700000" algn="ctr" rotWithShape="0">
+                      <a:schemeClr val="bg2"/>
+                    </a:outerShdw>
+                  </a:effectLst>
+                </a14:hiddenEffects>
+              </a:ext>
+            </a:extLst>
+          </p:spPr>
+          <p:txBody>
+            <a:bodyPr vert="horz" wrap="square" lIns="91440" tIns="45720" rIns="91440" bIns="45720" numCol="1" anchor="ctr" anchorCtr="0" compatLnSpc="1">
+              <a:prstTxWarp prst="textNoShape">
+                <a:avLst/>
+              </a:prstTxWarp>
+            </a:bodyPr>
+            <a:lstStyle>
+              <a:lvl1pPr algn="ctr" rtl="0" eaLnBrk="0" fontAlgn="base" hangingPunct="0">
+                <a:spcBef>
+                  <a:spcPct val="0"/>
+                </a:spcBef>
+                <a:spcAft>
+                  <a:spcPct val="0"/>
+                </a:spcAft>
+                <a:defRPr sz="4400" kern="1200">
+                  <a:solidFill>
+                    <a:srgbClr val="000000"/>
+                  </a:solidFill>
+                  <a:latin typeface="+mj-lt"/>
+                  <a:ea typeface="+mj-ea"/>
+                  <a:cs typeface="+mj-cs"/>
+                </a:defRPr>
+              </a:lvl1pPr>
+              <a:lvl2pPr algn="ctr" rtl="0" eaLnBrk="0" fontAlgn="base" hangingPunct="0">
+                <a:spcBef>
+                  <a:spcPct val="0"/>
+                </a:spcBef>
+                <a:spcAft>
+                  <a:spcPct val="0"/>
+                </a:spcAft>
+                <a:defRPr sz="4400">
+                  <a:solidFill>
+                    <a:srgbClr val="000000"/>
+                  </a:solidFill>
+                  <a:latin typeface="Arial" panose="020B0604020202020204" pitchFamily="34" charset="0"/>
+                </a:defRPr>
+              </a:lvl2pPr>
+              <a:lvl3pPr algn="ctr" rtl="0" eaLnBrk="0" fontAlgn="base" hangingPunct="0">
+                <a:spcBef>
+                  <a:spcPct val="0"/>
+                </a:spcBef>
+                <a:spcAft>
+                  <a:spcPct val="0"/>
+                </a:spcAft>
+                <a:defRPr sz="4400">
+                  <a:solidFill>
+                    <a:srgbClr val="000000"/>
+                  </a:solidFill>
+                  <a:latin typeface="Arial" panose="020B0604020202020204" pitchFamily="34" charset="0"/>
+                </a:defRPr>
+              </a:lvl3pPr>
+              <a:lvl4pPr algn="ctr" rtl="0" eaLnBrk="0" fontAlgn="base" hangingPunct="0">
+                <a:spcBef>
+                  <a:spcPct val="0"/>
+                </a:spcBef>
+                <a:spcAft>
+                  <a:spcPct val="0"/>
+                </a:spcAft>
+                <a:defRPr sz="4400">
+                  <a:solidFill>
+                    <a:srgbClr val="000000"/>
+                  </a:solidFill>
+                  <a:latin typeface="Arial" panose="020B0604020202020204" pitchFamily="34" charset="0"/>
+                </a:defRPr>
+              </a:lvl4pPr>
+              <a:lvl5pPr algn="ctr" rtl="0" eaLnBrk="0" fontAlgn="base" hangingPunct="0">
+                <a:spcBef>
+                  <a:spcPct val="0"/>
+                </a:spcBef>
+                <a:spcAft>
+                  <a:spcPct val="0"/>
+                </a:spcAft>
+                <a:defRPr sz="4400">
+                  <a:solidFill>
+                    <a:srgbClr val="000000"/>
+                  </a:solidFill>
+                  <a:latin typeface="Arial" panose="020B0604020202020204" pitchFamily="34" charset="0"/>
+                </a:defRPr>
+              </a:lvl5pPr>
+              <a:lvl6pPr marL="457200" algn="ctr" rtl="0" fontAlgn="base">
+                <a:spcBef>
+                  <a:spcPct val="0"/>
+                </a:spcBef>
+                <a:spcAft>
+                  <a:spcPct val="0"/>
+                </a:spcAft>
+                <a:defRPr sz="4400">
+                  <a:solidFill>
+                    <a:srgbClr val="B8BBBF"/>
+                  </a:solidFill>
+                  <a:latin typeface="Arial" panose="020B0604020202020204" pitchFamily="34" charset="0"/>
+                </a:defRPr>
+              </a:lvl6pPr>
+              <a:lvl7pPr marL="914400" algn="ctr" rtl="0" fontAlgn="base">
+                <a:spcBef>
+                  <a:spcPct val="0"/>
+                </a:spcBef>
+                <a:spcAft>
+                  <a:spcPct val="0"/>
+                </a:spcAft>
+                <a:defRPr sz="4400">
+                  <a:solidFill>
+                    <a:srgbClr val="B8BBBF"/>
+                  </a:solidFill>
+                  <a:latin typeface="Arial" panose="020B0604020202020204" pitchFamily="34" charset="0"/>
+                </a:defRPr>
+              </a:lvl7pPr>
+              <a:lvl8pPr marL="1371600" algn="ctr" rtl="0" fontAlgn="base">
+                <a:spcBef>
+                  <a:spcPct val="0"/>
+                </a:spcBef>
+                <a:spcAft>
+                  <a:spcPct val="0"/>
+                </a:spcAft>
+                <a:defRPr sz="4400">
+                  <a:solidFill>
+                    <a:srgbClr val="B8BBBF"/>
+                  </a:solidFill>
+                  <a:latin typeface="Arial" panose="020B0604020202020204" pitchFamily="34" charset="0"/>
+                </a:defRPr>
+              </a:lvl8pPr>
+              <a:lvl9pPr marL="1828800" algn="ctr" rtl="0" fontAlgn="base">
+                <a:spcBef>
+                  <a:spcPct val="0"/>
+                </a:spcBef>
+                <a:spcAft>
+                  <a:spcPct val="0"/>
+                </a:spcAft>
+                <a:defRPr sz="4400">
+                  <a:solidFill>
+                    <a:srgbClr val="B8BBBF"/>
+                  </a:solidFill>
+                  <a:latin typeface="Arial" panose="020B0604020202020204" pitchFamily="34" charset="0"/>
+                </a:defRPr>
+              </a:lvl9pPr>
+            </a:lstStyle>
+            <a:p>
+              <a:r>
+                <a:rPr lang="en-US" smtClean="0"/>
+                <a:t>V-Shaped Model</a:t>
+              </a:r>
+              <a:endParaRPr lang="en-US" dirty="0"/>
+            </a:p>
+          </p:txBody>
+        </p:sp>
+        <p:sp>
+          <p:nvSpPr>
+            <p:cNvPr id="5" name="Content Placeholder 2"/>
+            <p:cNvSpPr txBox="1">
+              <a:spLocks/>
+            </p:cNvSpPr>
+            <p:nvPr/>
+          </p:nvSpPr>
+          <p:spPr bwMode="auto">
+            <a:xfrm>
+              <a:off x="609600" y="2514600"/>
+              <a:ext cx="3581400" cy="4114800"/>
+            </a:xfrm>
+            <a:prstGeom prst="rect">
+              <a:avLst/>
+            </a:prstGeom>
+            <a:noFill/>
+            <a:ln>
+              <a:noFill/>
+            </a:ln>
+            <a:effectLst/>
+            <a:extLst>
+              <a:ext uri="{909E8E84-426E-40DD-AFC4-6F175D3DCCD1}">
+                <a14:hiddenFill xmlns:a14="http://schemas.microsoft.com/office/drawing/2010/main">
+                  <a:solidFill>
+                    <a:schemeClr val="accent1"/>
+                  </a:solidFill>
+                </a14:hiddenFill>
+              </a:ext>
+              <a:ext uri="{91240B29-F687-4F45-9708-019B960494DF}">
+                <a14:hiddenLine xmlns:a14="http://schemas.microsoft.com/office/drawing/2010/main" w="9525">
+                  <a:solidFill>
+                    <a:schemeClr val="tx1"/>
+                  </a:solidFill>
+                  <a:miter lim="800000"/>
+                  <a:headEnd/>
+                  <a:tailEnd/>
+                </a14:hiddenLine>
+              </a:ext>
+              <a:ext uri="{AF507438-7753-43E0-B8FC-AC1667EBCBE1}">
+                <a14:hiddenEffects xmlns:a14="http://schemas.microsoft.com/office/drawing/2010/main">
+                  <a:effectLst>
+                    <a:outerShdw dist="35921" dir="2700000" algn="ctr" rotWithShape="0">
+                      <a:schemeClr val="bg2"/>
+                    </a:outerShdw>
+                  </a:effectLst>
+                </a14:hiddenEffects>
+              </a:ext>
+            </a:extLst>
+          </p:spPr>
+          <p:txBody>
+            <a:bodyPr vert="horz" wrap="square" lIns="91440" tIns="45720" rIns="91440" bIns="45720" numCol="1" anchor="t" anchorCtr="0" compatLnSpc="1">
+              <a:prstTxWarp prst="textNoShape">
+                <a:avLst/>
+              </a:prstTxWarp>
+            </a:bodyPr>
+            <a:lstStyle>
+              <a:lvl1pPr marL="342900" indent="-342900" algn="l" rtl="0" eaLnBrk="0" fontAlgn="base" hangingPunct="0">
+                <a:spcBef>
+                  <a:spcPct val="20000"/>
+                </a:spcBef>
+                <a:spcAft>
+                  <a:spcPct val="0"/>
+                </a:spcAft>
+                <a:buBlip>
+                  <a:blip r:embed="rId2"/>
+                </a:buBlip>
+                <a:defRPr sz="3200" kern="1200">
+                  <a:solidFill>
+                    <a:srgbClr val="000000"/>
+                  </a:solidFill>
+                  <a:latin typeface="+mn-lt"/>
+                  <a:ea typeface="+mn-ea"/>
+                  <a:cs typeface="+mn-cs"/>
+                </a:defRPr>
+              </a:lvl1pPr>
+              <a:lvl2pPr marL="742950" indent="-285750" algn="l" rtl="0" eaLnBrk="0" fontAlgn="base" hangingPunct="0">
+                <a:spcBef>
+                  <a:spcPct val="20000"/>
+                </a:spcBef>
+                <a:spcAft>
+                  <a:spcPct val="0"/>
+                </a:spcAft>
+                <a:buFont typeface="Wingdings 3" panose="05040102010807070707" pitchFamily="18" charset="2"/>
+                <a:buChar char="w"/>
+                <a:defRPr sz="2800" kern="1200">
+                  <a:solidFill>
+                    <a:srgbClr val="000000"/>
+                  </a:solidFill>
+                  <a:latin typeface="+mn-lt"/>
+                  <a:ea typeface="+mn-ea"/>
+                  <a:cs typeface="+mn-cs"/>
+                </a:defRPr>
+              </a:lvl2pPr>
+              <a:lvl3pPr marL="1143000" indent="-228600" algn="l" rtl="0" eaLnBrk="0" fontAlgn="base" hangingPunct="0">
+                <a:spcBef>
+                  <a:spcPct val="20000"/>
+                </a:spcBef>
+                <a:spcAft>
+                  <a:spcPct val="0"/>
+                </a:spcAft>
+                <a:buChar char="•"/>
+                <a:defRPr sz="2400" kern="1200">
+                  <a:solidFill>
+                    <a:srgbClr val="000000"/>
+                  </a:solidFill>
+                  <a:latin typeface="+mn-lt"/>
+                  <a:ea typeface="+mn-ea"/>
+                  <a:cs typeface="+mn-cs"/>
+                </a:defRPr>
+              </a:lvl3pPr>
+              <a:lvl4pPr marL="1600200" indent="-228600" algn="l" rtl="0" eaLnBrk="0" fontAlgn="base" hangingPunct="0">
+                <a:spcBef>
+                  <a:spcPct val="20000"/>
+                </a:spcBef>
+                <a:spcAft>
+                  <a:spcPct val="0"/>
+                </a:spcAft>
+                <a:buChar char="–"/>
+                <a:defRPr sz="2000" kern="1200">
+                  <a:solidFill>
+                    <a:srgbClr val="000000"/>
+                  </a:solidFill>
+                  <a:latin typeface="+mn-lt"/>
+                  <a:ea typeface="+mn-ea"/>
+                  <a:cs typeface="+mn-cs"/>
+                </a:defRPr>
+              </a:lvl4pPr>
+              <a:lvl5pPr marL="2057400" indent="-228600" algn="l" rtl="0" eaLnBrk="0" fontAlgn="base" hangingPunct="0">
+                <a:spcBef>
+                  <a:spcPct val="20000"/>
+                </a:spcBef>
+                <a:spcAft>
+                  <a:spcPct val="0"/>
+                </a:spcAft>
+                <a:buChar char="»"/>
+                <a:defRPr sz="2000" kern="1200">
+                  <a:solidFill>
+                    <a:srgbClr val="000000"/>
+                  </a:solidFill>
+                  <a:latin typeface="+mn-lt"/>
+                  <a:ea typeface="+mn-ea"/>
+                  <a:cs typeface="+mn-cs"/>
+                </a:defRPr>
+              </a:lvl5pPr>
+              <a:lvl6pPr marL="2514600" indent="-228600" algn="l" defTabSz="914400" rtl="0" eaLnBrk="1" latinLnBrk="0" hangingPunct="1">
+                <a:lnSpc>
+                  <a:spcPct val="90000"/>
+                </a:lnSpc>
+                <a:spcBef>
+                  <a:spcPts val="500"/>
+                </a:spcBef>
+                <a:buFont typeface="Arial" panose="020B0604020202020204" pitchFamily="34" charset="0"/>
+                <a:buChar char="•"/>
+                <a:defRPr sz="1800" kern="1200">
+                  <a:solidFill>
+                    <a:schemeClr val="tx1"/>
+                  </a:solidFill>
+                  <a:latin typeface="+mn-lt"/>
+                  <a:ea typeface="+mn-ea"/>
+                  <a:cs typeface="+mn-cs"/>
+                </a:defRPr>
+              </a:lvl6pPr>
+              <a:lvl7pPr marL="2971800" indent="-228600" algn="l" defTabSz="914400" rtl="0" eaLnBrk="1" latinLnBrk="0" hangingPunct="1">
+                <a:lnSpc>
+                  <a:spcPct val="90000"/>
+                </a:lnSpc>
+                <a:spcBef>
+                  <a:spcPts val="500"/>
+                </a:spcBef>
+                <a:buFont typeface="Arial" panose="020B0604020202020204" pitchFamily="34" charset="0"/>
+                <a:buChar char="•"/>
+                <a:defRPr sz="1800" kern="1200">
+                  <a:solidFill>
+                    <a:schemeClr val="tx1"/>
+                  </a:solidFill>
+                  <a:latin typeface="+mn-lt"/>
+                  <a:ea typeface="+mn-ea"/>
+                  <a:cs typeface="+mn-cs"/>
+                </a:defRPr>
+              </a:lvl7pPr>
+              <a:lvl8pPr marL="3429000" indent="-228600" algn="l" defTabSz="914400" rtl="0" eaLnBrk="1" latinLnBrk="0" hangingPunct="1">
+                <a:lnSpc>
+                  <a:spcPct val="90000"/>
+                </a:lnSpc>
+                <a:spcBef>
+                  <a:spcPts val="500"/>
+                </a:spcBef>
+                <a:buFont typeface="Arial" panose="020B0604020202020204" pitchFamily="34" charset="0"/>
+                <a:buChar char="•"/>
+                <a:defRPr sz="1800" kern="1200">
+                  <a:solidFill>
+                    <a:schemeClr val="tx1"/>
+                  </a:solidFill>
+                  <a:latin typeface="+mn-lt"/>
+                  <a:ea typeface="+mn-ea"/>
+                  <a:cs typeface="+mn-cs"/>
+                </a:defRPr>
+              </a:lvl8pPr>
+              <a:lvl9pPr marL="3886200" indent="-228600" algn="l" defTabSz="914400" rtl="0" eaLnBrk="1" latinLnBrk="0" hangingPunct="1">
+                <a:lnSpc>
+                  <a:spcPct val="90000"/>
+                </a:lnSpc>
+                <a:spcBef>
+                  <a:spcPts val="500"/>
+                </a:spcBef>
+                <a:buFont typeface="Arial" panose="020B0604020202020204" pitchFamily="34" charset="0"/>
+                <a:buChar char="•"/>
+                <a:defRPr sz="1800" kern="1200">
+                  <a:solidFill>
+                    <a:schemeClr val="tx1"/>
+                  </a:solidFill>
+                  <a:latin typeface="+mn-lt"/>
+                  <a:ea typeface="+mn-ea"/>
+                  <a:cs typeface="+mn-cs"/>
+                </a:defRPr>
+              </a:lvl9pPr>
+            </a:lstStyle>
+            <a:p>
+              <a:r>
+                <a:rPr lang="en-US" sz="2400" dirty="0" smtClean="0"/>
+                <a:t>Difference between V-shaped model and waterfall model is the early test planning in the V-shaped model</a:t>
+              </a:r>
+              <a:endParaRPr lang="en-US" sz="2400" dirty="0"/>
+            </a:p>
+          </p:txBody>
+        </p:sp>
+        <p:pic>
+          <p:nvPicPr>
+            <p:cNvPr id="6" name="Picture 3"/>
+            <p:cNvPicPr>
+              <a:picLocks noChangeAspect="1" noChangeArrowheads="1"/>
+            </p:cNvPicPr>
+            <p:nvPr/>
+          </p:nvPicPr>
+          <p:blipFill>
+            <a:blip r:embed="rId3"/>
+            <a:srcRect/>
+            <a:stretch>
+              <a:fillRect/>
+            </a:stretch>
+          </p:blipFill>
+          <p:spPr bwMode="auto">
+            <a:xfrm>
+              <a:off x="4114800" y="2514600"/>
+              <a:ext cx="4953000" cy="3161929"/>
+            </a:xfrm>
+            <a:prstGeom prst="rect">
+              <a:avLst/>
+            </a:prstGeom>
+            <a:noFill/>
+            <a:ln w="9525">
+              <a:noFill/>
+              <a:miter lim="800000"/>
+              <a:headEnd/>
+              <a:tailEnd/>
+            </a:ln>
+            <a:effectLst/>
+          </p:spPr>
+        </p:pic>
+      </p:grpSp>
+    </p:spTree>
+    <p:extLst>
+      <p:ext uri="{BB962C8B-B14F-4D97-AF65-F5344CB8AC3E}">
+        <p14:creationId xmlns:p14="http://schemas.microsoft.com/office/powerpoint/2010/main" val="2994663293"/>
+      </p:ext>
+    </p:extLst>
+  </p:cSld>
+  <p:clrMapOvr>
+    <a:masterClrMapping/>
+  </p:clrMapOvr>
+</p:sld>
+</file>
+
+<file path=ppt/slides/slide9.xml><?xml version="1.0" encoding="utf-8"?>
+<p:sld xmlns:a="http://schemas.openxmlformats.org/drawingml/2006/main" xmlns:r="http://schemas.openxmlformats.org/officeDocument/2006/relationships" xmlns:p="http://schemas.openxmlformats.org/presentationml/2006/main">
+  <p:cSld>
+    <p:spTree>
+      <p:nvGrpSpPr>
+        <p:cNvPr id="1" name=""/>
+        <p:cNvGrpSpPr/>
+        <p:nvPr/>
+      </p:nvGrpSpPr>
+      <p:grpSpPr>
+        <a:xfrm>
+          <a:off x="0" y="0"/>
+          <a:ext cx="0" cy="0"/>
+          <a:chOff x="0" y="0"/>
+          <a:chExt cx="0" cy="0"/>
+        </a:xfrm>
+      </p:grpSpPr>
+      <p:sp>
+        <p:nvSpPr>
+          <p:cNvPr id="2" name="Title 1"/>
+          <p:cNvSpPr>
+            <a:spLocks noGrp="1"/>
+          </p:cNvSpPr>
+          <p:nvPr>
+            <p:ph type="title"/>
+          </p:nvPr>
+        </p:nvSpPr>
+        <p:spPr/>
+        <p:txBody>
+          <a:bodyPr/>
+          <a:lstStyle/>
+          <a:p>
+            <a:r>
+              <a:rPr lang="en-US" dirty="0" smtClean="0"/>
+              <a:t>Question</a:t>
+            </a:r>
+            <a:endParaRPr lang="en-US" dirty="0"/>
+          </a:p>
+        </p:txBody>
+      </p:sp>
+      <p:sp>
+        <p:nvSpPr>
+          <p:cNvPr id="3" name="Content Placeholder 2"/>
+          <p:cNvSpPr>
+            <a:spLocks noGrp="1"/>
+          </p:cNvSpPr>
+          <p:nvPr>
+            <p:ph idx="1"/>
+          </p:nvPr>
+        </p:nvSpPr>
+        <p:spPr/>
+        <p:txBody>
+          <a:bodyPr/>
+          <a:lstStyle/>
+          <a:p>
+            <a:r>
+              <a:rPr lang="en-US" dirty="0" smtClean="0"/>
+              <a:t>Which development approach is the waterfall model?</a:t>
+            </a:r>
+          </a:p>
+          <a:p>
+            <a:endParaRPr lang="en-US" dirty="0" smtClean="0"/>
+          </a:p>
+          <a:p>
+            <a:pPr>
+              <a:buNone/>
+            </a:pPr>
+            <a:r>
+              <a:rPr lang="en-US" dirty="0"/>
+              <a:t>a</a:t>
+            </a:r>
+            <a:r>
+              <a:rPr lang="en-US" dirty="0" smtClean="0"/>
+              <a:t>) iterative development approach</a:t>
+            </a:r>
+          </a:p>
+          <a:p>
+            <a:pPr>
+              <a:buNone/>
+            </a:pPr>
+            <a:r>
+              <a:rPr lang="en-US" dirty="0"/>
+              <a:t>b</a:t>
+            </a:r>
+            <a:r>
+              <a:rPr lang="en-US" dirty="0" smtClean="0"/>
+              <a:t>) static development approach</a:t>
+            </a:r>
+          </a:p>
+          <a:p>
+            <a:pPr>
+              <a:buNone/>
+            </a:pPr>
+            <a:r>
+              <a:rPr lang="en-US" dirty="0"/>
+              <a:t>c</a:t>
+            </a:r>
+            <a:r>
+              <a:rPr lang="en-US" dirty="0" smtClean="0"/>
+              <a:t>) behavioral development approach</a:t>
+            </a:r>
+          </a:p>
+          <a:p>
+            <a:pPr>
+              <a:buNone/>
+            </a:pPr>
+            <a:r>
+              <a:rPr lang="en-US" dirty="0" smtClean="0"/>
+              <a:t>d) </a:t>
+            </a:r>
+            <a:r>
+              <a:rPr lang="en-US" dirty="0"/>
+              <a:t>incremental development approach</a:t>
+            </a:r>
+          </a:p>
+          <a:p>
+            <a:pPr>
+              <a:buNone/>
+            </a:pPr>
+            <a:endParaRPr lang="en-US" dirty="0"/>
+          </a:p>
+        </p:txBody>
+      </p:sp>
+    </p:spTree>
+    <p:extLst>
+      <p:ext uri="{BB962C8B-B14F-4D97-AF65-F5344CB8AC3E}">
+        <p14:creationId xmlns:p14="http://schemas.microsoft.com/office/powerpoint/2010/main" val="2166848228"/>
+      </p:ext>
+    </p:extLst>
+  </p:cSld>
+  <p:clrMapOvr>
+    <a:masterClrMapping/>
+  </p:clrMapOvr>
 </p:sld>
 </file>
 
@@ -4671,7 +11295,7 @@
   </a:extraClrSchemeLst>
   <a:extLst>
     <a:ext uri="{05A4C25C-085E-4340-85A3-A5531E510DB2}">
-      <thm15:themeFamily xmlns:thm15="http://schemas.microsoft.com/office/thememl/2012/main" xmlns="" name="Office Theme" id="{62F939B6-93AF-4DB8-9C6B-D6C7DFDC589F}" vid="{4A3C46E8-61CC-4603-A589-7422A47A8E4A}"/>
+      <thm15:themeFamily xmlns:thm15="http://schemas.microsoft.com/office/thememl/2012/main" name="Office Theme" id="{62F939B6-93AF-4DB8-9C6B-D6C7DFDC589F}" vid="{4A3C46E8-61CC-4603-A589-7422A47A8E4A}"/>
     </a:ext>
   </a:extLst>
 </a:theme>
@@ -4932,7 +11556,7 @@
   <a:extraClrSchemeLst/>
   <a:extLst>
     <a:ext uri="{05A4C25C-085E-4340-85A3-A5531E510DB2}">
-      <thm15:themeFamily xmlns:thm15="http://schemas.microsoft.com/office/thememl/2012/main" xmlns="" name="Office Theme" id="{62F939B6-93AF-4DB8-9C6B-D6C7DFDC589F}" vid="{4A3C46E8-61CC-4603-A589-7422A47A8E4A}"/>
+      <thm15:themeFamily xmlns:thm15="http://schemas.microsoft.com/office/thememl/2012/main" name="Office Theme" id="{62F939B6-93AF-4DB8-9C6B-D6C7DFDC589F}" vid="{4A3C46E8-61CC-4603-A589-7422A47A8E4A}"/>
     </a:ext>
   </a:extLst>
 </a:theme>

--- a/OOAD/lectures/090--Pragmatics.pptx
+++ b/OOAD/lectures/090--Pragmatics.pptx
@@ -5,7 +5,7 @@
     <p:sldMasterId id="2147483648" r:id="rId1"/>
   </p:sldMasterIdLst>
   <p:notesMasterIdLst>
-    <p:notesMasterId r:id="rId55"/>
+    <p:notesMasterId r:id="rId61"/>
   </p:notesMasterIdLst>
   <p:sldIdLst>
     <p:sldId id="267" r:id="rId2"/>
@@ -27,40 +27,46 @@
     <p:sldId id="296" r:id="rId18"/>
     <p:sldId id="297" r:id="rId19"/>
     <p:sldId id="298" r:id="rId20"/>
-    <p:sldId id="299" r:id="rId21"/>
-    <p:sldId id="300" r:id="rId22"/>
-    <p:sldId id="302" r:id="rId23"/>
-    <p:sldId id="303" r:id="rId24"/>
-    <p:sldId id="304" r:id="rId25"/>
-    <p:sldId id="305" r:id="rId26"/>
-    <p:sldId id="306" r:id="rId27"/>
-    <p:sldId id="307" r:id="rId28"/>
-    <p:sldId id="308" r:id="rId29"/>
-    <p:sldId id="309" r:id="rId30"/>
-    <p:sldId id="295" r:id="rId31"/>
-    <p:sldId id="310" r:id="rId32"/>
-    <p:sldId id="311" r:id="rId33"/>
-    <p:sldId id="326" r:id="rId34"/>
-    <p:sldId id="327" r:id="rId35"/>
-    <p:sldId id="313" r:id="rId36"/>
-    <p:sldId id="314" r:id="rId37"/>
-    <p:sldId id="316" r:id="rId38"/>
-    <p:sldId id="315" r:id="rId39"/>
-    <p:sldId id="317" r:id="rId40"/>
-    <p:sldId id="318" r:id="rId41"/>
-    <p:sldId id="319" r:id="rId42"/>
-    <p:sldId id="320" r:id="rId43"/>
-    <p:sldId id="321" r:id="rId44"/>
-    <p:sldId id="322" r:id="rId45"/>
-    <p:sldId id="323" r:id="rId46"/>
-    <p:sldId id="324" r:id="rId47"/>
-    <p:sldId id="325" r:id="rId48"/>
-    <p:sldId id="272" r:id="rId49"/>
-    <p:sldId id="291" r:id="rId50"/>
-    <p:sldId id="268" r:id="rId51"/>
-    <p:sldId id="293" r:id="rId52"/>
-    <p:sldId id="328" r:id="rId53"/>
-    <p:sldId id="329" r:id="rId54"/>
+    <p:sldId id="347" r:id="rId21"/>
+    <p:sldId id="348" r:id="rId22"/>
+    <p:sldId id="299" r:id="rId23"/>
+    <p:sldId id="300" r:id="rId24"/>
+    <p:sldId id="302" r:id="rId25"/>
+    <p:sldId id="345" r:id="rId26"/>
+    <p:sldId id="346" r:id="rId27"/>
+    <p:sldId id="303" r:id="rId28"/>
+    <p:sldId id="304" r:id="rId29"/>
+    <p:sldId id="305" r:id="rId30"/>
+    <p:sldId id="306" r:id="rId31"/>
+    <p:sldId id="307" r:id="rId32"/>
+    <p:sldId id="308" r:id="rId33"/>
+    <p:sldId id="309" r:id="rId34"/>
+    <p:sldId id="295" r:id="rId35"/>
+    <p:sldId id="343" r:id="rId36"/>
+    <p:sldId id="344" r:id="rId37"/>
+    <p:sldId id="310" r:id="rId38"/>
+    <p:sldId id="311" r:id="rId39"/>
+    <p:sldId id="326" r:id="rId40"/>
+    <p:sldId id="327" r:id="rId41"/>
+    <p:sldId id="313" r:id="rId42"/>
+    <p:sldId id="314" r:id="rId43"/>
+    <p:sldId id="316" r:id="rId44"/>
+    <p:sldId id="315" r:id="rId45"/>
+    <p:sldId id="317" r:id="rId46"/>
+    <p:sldId id="318" r:id="rId47"/>
+    <p:sldId id="319" r:id="rId48"/>
+    <p:sldId id="320" r:id="rId49"/>
+    <p:sldId id="321" r:id="rId50"/>
+    <p:sldId id="322" r:id="rId51"/>
+    <p:sldId id="323" r:id="rId52"/>
+    <p:sldId id="324" r:id="rId53"/>
+    <p:sldId id="325" r:id="rId54"/>
+    <p:sldId id="272" r:id="rId55"/>
+    <p:sldId id="291" r:id="rId56"/>
+    <p:sldId id="268" r:id="rId57"/>
+    <p:sldId id="293" r:id="rId58"/>
+    <p:sldId id="328" r:id="rId59"/>
+    <p:sldId id="329" r:id="rId60"/>
   </p:sldIdLst>
   <p:sldSz cx="9144000" cy="6858000" type="screen4x3"/>
   <p:notesSz cx="6858000" cy="9144000"/>
@@ -191,7 +197,7 @@
   </p:defaultTextStyle>
   <p:extLst>
     <p:ext uri="{EFAFB233-063F-42B5-8137-9DF3F51BA10A}">
-      <p15:sldGuideLst xmlns:p15="http://schemas.microsoft.com/office/powerpoint/2012/main">
+      <p15:sldGuideLst xmlns:p15="http://schemas.microsoft.com/office/powerpoint/2012/main" xmlns="">
         <p15:guide id="1" orient="horz" pos="2160">
           <p15:clr>
             <a:srgbClr val="A4A3A4"/>
@@ -258,14 +264,14 @@
           <a:effectLst/>
           <a:extLst>
             <a:ext uri="{909E8E84-426E-40DD-AFC4-6F175D3DCCD1}">
-              <a14:hiddenFill xmlns:a14="http://schemas.microsoft.com/office/drawing/2010/main">
+              <a14:hiddenFill xmlns:a14="http://schemas.microsoft.com/office/drawing/2010/main" xmlns="">
                 <a:solidFill>
                   <a:schemeClr val="accent1"/>
                 </a:solidFill>
               </a14:hiddenFill>
             </a:ext>
             <a:ext uri="{91240B29-F687-4F45-9708-019B960494DF}">
-              <a14:hiddenLine xmlns:a14="http://schemas.microsoft.com/office/drawing/2010/main" w="9525">
+              <a14:hiddenLine xmlns:a14="http://schemas.microsoft.com/office/drawing/2010/main" xmlns="" w="9525">
                 <a:solidFill>
                   <a:schemeClr val="tx1"/>
                 </a:solidFill>
@@ -275,7 +281,7 @@
               </a14:hiddenLine>
             </a:ext>
             <a:ext uri="{AF507438-7753-43E0-B8FC-AC1667EBCBE1}">
-              <a14:hiddenEffects xmlns:a14="http://schemas.microsoft.com/office/drawing/2010/main">
+              <a14:hiddenEffects xmlns:a14="http://schemas.microsoft.com/office/drawing/2010/main" xmlns="">
                 <a:effectLst>
                   <a:outerShdw dist="35921" dir="2700000" algn="ctr" rotWithShape="0">
                     <a:schemeClr val="bg2"/>
@@ -329,14 +335,14 @@
           <a:effectLst/>
           <a:extLst>
             <a:ext uri="{909E8E84-426E-40DD-AFC4-6F175D3DCCD1}">
-              <a14:hiddenFill xmlns:a14="http://schemas.microsoft.com/office/drawing/2010/main">
+              <a14:hiddenFill xmlns:a14="http://schemas.microsoft.com/office/drawing/2010/main" xmlns="">
                 <a:solidFill>
                   <a:schemeClr val="accent1"/>
                 </a:solidFill>
               </a14:hiddenFill>
             </a:ext>
             <a:ext uri="{91240B29-F687-4F45-9708-019B960494DF}">
-              <a14:hiddenLine xmlns:a14="http://schemas.microsoft.com/office/drawing/2010/main" w="9525">
+              <a14:hiddenLine xmlns:a14="http://schemas.microsoft.com/office/drawing/2010/main" xmlns="" w="9525">
                 <a:solidFill>
                   <a:schemeClr val="tx1"/>
                 </a:solidFill>
@@ -346,7 +352,7 @@
               </a14:hiddenLine>
             </a:ext>
             <a:ext uri="{AF507438-7753-43E0-B8FC-AC1667EBCBE1}">
-              <a14:hiddenEffects xmlns:a14="http://schemas.microsoft.com/office/drawing/2010/main">
+              <a14:hiddenEffects xmlns:a14="http://schemas.microsoft.com/office/drawing/2010/main" xmlns="">
                 <a:effectLst>
                   <a:outerShdw dist="35921" dir="2700000" algn="ctr" rotWithShape="0">
                     <a:schemeClr val="bg2"/>
@@ -405,14 +411,14 @@
           <a:effectLst/>
           <a:extLst>
             <a:ext uri="{909E8E84-426E-40DD-AFC4-6F175D3DCCD1}">
-              <a14:hiddenFill xmlns:a14="http://schemas.microsoft.com/office/drawing/2010/main">
+              <a14:hiddenFill xmlns:a14="http://schemas.microsoft.com/office/drawing/2010/main" xmlns="">
                 <a:solidFill>
                   <a:srgbClr val="FFFFFF"/>
                 </a:solidFill>
               </a14:hiddenFill>
             </a:ext>
             <a:ext uri="{AF507438-7753-43E0-B8FC-AC1667EBCBE1}">
-              <a14:hiddenEffects xmlns:a14="http://schemas.microsoft.com/office/drawing/2010/main">
+              <a14:hiddenEffects xmlns:a14="http://schemas.microsoft.com/office/drawing/2010/main" xmlns="">
                 <a:effectLst>
                   <a:outerShdw dist="35921" dir="2700000" algn="ctr" rotWithShape="0">
                     <a:srgbClr val="808080"/>
@@ -421,7 +427,7 @@
               </a14:hiddenEffects>
             </a:ext>
             <a:ext uri="{53640926-AAD7-44D8-BBD7-CCE9431645EC}">
-              <a14:shadowObscured xmlns:a14="http://schemas.microsoft.com/office/drawing/2010/main" val="1"/>
+              <a14:shadowObscured xmlns:a14="http://schemas.microsoft.com/office/drawing/2010/main" xmlns="" val="1"/>
             </a:ext>
           </a:extLst>
         </p:spPr>
@@ -451,14 +457,14 @@
           <a:effectLst/>
           <a:extLst>
             <a:ext uri="{909E8E84-426E-40DD-AFC4-6F175D3DCCD1}">
-              <a14:hiddenFill xmlns:a14="http://schemas.microsoft.com/office/drawing/2010/main">
+              <a14:hiddenFill xmlns:a14="http://schemas.microsoft.com/office/drawing/2010/main" xmlns="">
                 <a:solidFill>
                   <a:schemeClr val="accent1"/>
                 </a:solidFill>
               </a14:hiddenFill>
             </a:ext>
             <a:ext uri="{91240B29-F687-4F45-9708-019B960494DF}">
-              <a14:hiddenLine xmlns:a14="http://schemas.microsoft.com/office/drawing/2010/main" w="9525">
+              <a14:hiddenLine xmlns:a14="http://schemas.microsoft.com/office/drawing/2010/main" xmlns="" w="9525">
                 <a:solidFill>
                   <a:schemeClr val="tx1"/>
                 </a:solidFill>
@@ -468,7 +474,7 @@
               </a14:hiddenLine>
             </a:ext>
             <a:ext uri="{AF507438-7753-43E0-B8FC-AC1667EBCBE1}">
-              <a14:hiddenEffects xmlns:a14="http://schemas.microsoft.com/office/drawing/2010/main">
+              <a14:hiddenEffects xmlns:a14="http://schemas.microsoft.com/office/drawing/2010/main" xmlns="">
                 <a:effectLst>
                   <a:outerShdw dist="35921" dir="2700000" algn="ctr" rotWithShape="0">
                     <a:schemeClr val="bg2"/>
@@ -547,14 +553,14 @@
           <a:effectLst/>
           <a:extLst>
             <a:ext uri="{909E8E84-426E-40DD-AFC4-6F175D3DCCD1}">
-              <a14:hiddenFill xmlns:a14="http://schemas.microsoft.com/office/drawing/2010/main">
+              <a14:hiddenFill xmlns:a14="http://schemas.microsoft.com/office/drawing/2010/main" xmlns="">
                 <a:solidFill>
                   <a:schemeClr val="accent1"/>
                 </a:solidFill>
               </a14:hiddenFill>
             </a:ext>
             <a:ext uri="{91240B29-F687-4F45-9708-019B960494DF}">
-              <a14:hiddenLine xmlns:a14="http://schemas.microsoft.com/office/drawing/2010/main" w="9525">
+              <a14:hiddenLine xmlns:a14="http://schemas.microsoft.com/office/drawing/2010/main" xmlns="" w="9525">
                 <a:solidFill>
                   <a:schemeClr val="tx1"/>
                 </a:solidFill>
@@ -564,7 +570,7 @@
               </a14:hiddenLine>
             </a:ext>
             <a:ext uri="{AF507438-7753-43E0-B8FC-AC1667EBCBE1}">
-              <a14:hiddenEffects xmlns:a14="http://schemas.microsoft.com/office/drawing/2010/main">
+              <a14:hiddenEffects xmlns:a14="http://schemas.microsoft.com/office/drawing/2010/main" xmlns="">
                 <a:effectLst>
                   <a:outerShdw dist="35921" dir="2700000" algn="ctr" rotWithShape="0">
                     <a:schemeClr val="bg2"/>
@@ -618,14 +624,14 @@
           <a:effectLst/>
           <a:extLst>
             <a:ext uri="{909E8E84-426E-40DD-AFC4-6F175D3DCCD1}">
-              <a14:hiddenFill xmlns:a14="http://schemas.microsoft.com/office/drawing/2010/main">
+              <a14:hiddenFill xmlns:a14="http://schemas.microsoft.com/office/drawing/2010/main" xmlns="">
                 <a:solidFill>
                   <a:schemeClr val="accent1"/>
                 </a:solidFill>
               </a14:hiddenFill>
             </a:ext>
             <a:ext uri="{91240B29-F687-4F45-9708-019B960494DF}">
-              <a14:hiddenLine xmlns:a14="http://schemas.microsoft.com/office/drawing/2010/main" w="9525">
+              <a14:hiddenLine xmlns:a14="http://schemas.microsoft.com/office/drawing/2010/main" xmlns="" w="9525">
                 <a:solidFill>
                   <a:schemeClr val="tx1"/>
                 </a:solidFill>
@@ -635,7 +641,7 @@
               </a14:hiddenLine>
             </a:ext>
             <a:ext uri="{AF507438-7753-43E0-B8FC-AC1667EBCBE1}">
-              <a14:hiddenEffects xmlns:a14="http://schemas.microsoft.com/office/drawing/2010/main">
+              <a14:hiddenEffects xmlns:a14="http://schemas.microsoft.com/office/drawing/2010/main" xmlns="">
                 <a:effectLst>
                   <a:outerShdw dist="35921" dir="2700000" algn="ctr" rotWithShape="0">
                     <a:schemeClr val="bg2"/>
@@ -674,7 +680,7 @@
     </p:spTree>
     <p:extLst>
       <p:ext uri="{BB962C8B-B14F-4D97-AF65-F5344CB8AC3E}">
-        <p14:creationId xmlns:p14="http://schemas.microsoft.com/office/powerpoint/2010/main" val="1016880840"/>
+        <p14:creationId xmlns:p14="http://schemas.microsoft.com/office/powerpoint/2010/main" xmlns="" val="1016880840"/>
       </p:ext>
     </p:extLst>
   </p:cSld>
@@ -921,7 +927,7 @@
     </p:spTree>
     <p:extLst>
       <p:ext uri="{BB962C8B-B14F-4D97-AF65-F5344CB8AC3E}">
-        <p14:creationId xmlns:p14="http://schemas.microsoft.com/office/powerpoint/2010/main" val="3266833690"/>
+        <p14:creationId xmlns:p14="http://schemas.microsoft.com/office/powerpoint/2010/main" xmlns="" val="3266833690"/>
       </p:ext>
     </p:extLst>
   </p:cSld>
@@ -1058,7 +1064,7 @@
               <a:pPr>
                 <a:defRPr/>
               </a:pPr>
-              <a:t>11/19/2017</a:t>
+              <a:t>11/21/2017</a:t>
             </a:fld>
             <a:endParaRPr lang="en-US" altLang="en-US"/>
           </a:p>
@@ -1145,7 +1151,7 @@
     </p:spTree>
     <p:extLst>
       <p:ext uri="{BB962C8B-B14F-4D97-AF65-F5344CB8AC3E}">
-        <p14:creationId xmlns:p14="http://schemas.microsoft.com/office/powerpoint/2010/main" val="1730415393"/>
+        <p14:creationId xmlns:p14="http://schemas.microsoft.com/office/powerpoint/2010/main" xmlns="" val="1730415393"/>
       </p:ext>
     </p:extLst>
   </p:cSld>
@@ -1292,7 +1298,7 @@
               <a:pPr>
                 <a:defRPr/>
               </a:pPr>
-              <a:t>11/19/2017</a:t>
+              <a:t>11/21/2017</a:t>
             </a:fld>
             <a:endParaRPr lang="en-US" altLang="en-US"/>
           </a:p>
@@ -1379,7 +1385,7 @@
     </p:spTree>
     <p:extLst>
       <p:ext uri="{BB962C8B-B14F-4D97-AF65-F5344CB8AC3E}">
-        <p14:creationId xmlns:p14="http://schemas.microsoft.com/office/powerpoint/2010/main" val="3400579074"/>
+        <p14:creationId xmlns:p14="http://schemas.microsoft.com/office/powerpoint/2010/main" xmlns="" val="3400579074"/>
       </p:ext>
     </p:extLst>
   </p:cSld>
@@ -1484,7 +1490,7 @@
     </p:spTree>
     <p:extLst>
       <p:ext uri="{BB962C8B-B14F-4D97-AF65-F5344CB8AC3E}">
-        <p14:creationId xmlns:p14="http://schemas.microsoft.com/office/powerpoint/2010/main" val="3909272198"/>
+        <p14:creationId xmlns:p14="http://schemas.microsoft.com/office/powerpoint/2010/main" xmlns="" val="3909272198"/>
       </p:ext>
     </p:extLst>
   </p:cSld>
@@ -1611,7 +1617,7 @@
     </p:spTree>
     <p:extLst>
       <p:ext uri="{BB962C8B-B14F-4D97-AF65-F5344CB8AC3E}">
-        <p14:creationId xmlns:p14="http://schemas.microsoft.com/office/powerpoint/2010/main" val="1834414426"/>
+        <p14:creationId xmlns:p14="http://schemas.microsoft.com/office/powerpoint/2010/main" xmlns="" val="1834414426"/>
       </p:ext>
     </p:extLst>
   </p:cSld>
@@ -1778,7 +1784,7 @@
     </p:spTree>
     <p:extLst>
       <p:ext uri="{BB962C8B-B14F-4D97-AF65-F5344CB8AC3E}">
-        <p14:creationId xmlns:p14="http://schemas.microsoft.com/office/powerpoint/2010/main" val="744733422"/>
+        <p14:creationId xmlns:p14="http://schemas.microsoft.com/office/powerpoint/2010/main" xmlns="" val="744733422"/>
       </p:ext>
     </p:extLst>
   </p:cSld>
@@ -2080,7 +2086,7 @@
     </p:spTree>
     <p:extLst>
       <p:ext uri="{BB962C8B-B14F-4D97-AF65-F5344CB8AC3E}">
-        <p14:creationId xmlns:p14="http://schemas.microsoft.com/office/powerpoint/2010/main" val="3457555674"/>
+        <p14:creationId xmlns:p14="http://schemas.microsoft.com/office/powerpoint/2010/main" xmlns="" val="3457555674"/>
       </p:ext>
     </p:extLst>
   </p:cSld>
@@ -2165,7 +2171,7 @@
               <a:pPr>
                 <a:defRPr/>
               </a:pPr>
-              <a:t>11/19/2017</a:t>
+              <a:t>11/21/2017</a:t>
             </a:fld>
             <a:endParaRPr lang="en-US" altLang="en-US"/>
           </a:p>
@@ -2252,7 +2258,7 @@
     </p:spTree>
     <p:extLst>
       <p:ext uri="{BB962C8B-B14F-4D97-AF65-F5344CB8AC3E}">
-        <p14:creationId xmlns:p14="http://schemas.microsoft.com/office/powerpoint/2010/main" val="3861976490"/>
+        <p14:creationId xmlns:p14="http://schemas.microsoft.com/office/powerpoint/2010/main" xmlns="" val="3861976490"/>
       </p:ext>
     </p:extLst>
   </p:cSld>
@@ -2314,7 +2320,7 @@
               <a:pPr>
                 <a:defRPr/>
               </a:pPr>
-              <a:t>11/19/2017</a:t>
+              <a:t>11/21/2017</a:t>
             </a:fld>
             <a:endParaRPr lang="en-US" altLang="en-US"/>
           </a:p>
@@ -2401,7 +2407,7 @@
     </p:spTree>
     <p:extLst>
       <p:ext uri="{BB962C8B-B14F-4D97-AF65-F5344CB8AC3E}">
-        <p14:creationId xmlns:p14="http://schemas.microsoft.com/office/powerpoint/2010/main" val="664392681"/>
+        <p14:creationId xmlns:p14="http://schemas.microsoft.com/office/powerpoint/2010/main" xmlns="" val="664392681"/>
       </p:ext>
     </p:extLst>
   </p:cSld>
@@ -2645,7 +2651,7 @@
               <a:pPr>
                 <a:defRPr/>
               </a:pPr>
-              <a:t>11/19/2017</a:t>
+              <a:t>11/21/2017</a:t>
             </a:fld>
             <a:endParaRPr lang="en-US" altLang="en-US"/>
           </a:p>
@@ -2732,7 +2738,7 @@
     </p:spTree>
     <p:extLst>
       <p:ext uri="{BB962C8B-B14F-4D97-AF65-F5344CB8AC3E}">
-        <p14:creationId xmlns:p14="http://schemas.microsoft.com/office/powerpoint/2010/main" val="2862084545"/>
+        <p14:creationId xmlns:p14="http://schemas.microsoft.com/office/powerpoint/2010/main" xmlns="" val="2862084545"/>
       </p:ext>
     </p:extLst>
   </p:cSld>
@@ -2953,7 +2959,7 @@
               <a:pPr>
                 <a:defRPr/>
               </a:pPr>
-              <a:t>11/19/2017</a:t>
+              <a:t>11/21/2017</a:t>
             </a:fld>
             <a:endParaRPr lang="en-US" altLang="en-US"/>
           </a:p>
@@ -3040,7 +3046,7 @@
     </p:spTree>
     <p:extLst>
       <p:ext uri="{BB962C8B-B14F-4D97-AF65-F5344CB8AC3E}">
-        <p14:creationId xmlns:p14="http://schemas.microsoft.com/office/powerpoint/2010/main" val="3487852279"/>
+        <p14:creationId xmlns:p14="http://schemas.microsoft.com/office/powerpoint/2010/main" xmlns="" val="3487852279"/>
       </p:ext>
     </p:extLst>
   </p:cSld>
@@ -3100,14 +3106,14 @@
           <a:effectLst/>
           <a:extLst>
             <a:ext uri="{909E8E84-426E-40DD-AFC4-6F175D3DCCD1}">
-              <a14:hiddenFill xmlns:a14="http://schemas.microsoft.com/office/drawing/2010/main">
+              <a14:hiddenFill xmlns:a14="http://schemas.microsoft.com/office/drawing/2010/main" xmlns="">
                 <a:solidFill>
                   <a:schemeClr val="accent1"/>
                 </a:solidFill>
               </a14:hiddenFill>
             </a:ext>
             <a:ext uri="{91240B29-F687-4F45-9708-019B960494DF}">
-              <a14:hiddenLine xmlns:a14="http://schemas.microsoft.com/office/drawing/2010/main" w="9525">
+              <a14:hiddenLine xmlns:a14="http://schemas.microsoft.com/office/drawing/2010/main" xmlns="" w="9525">
                 <a:solidFill>
                   <a:schemeClr val="tx1"/>
                 </a:solidFill>
@@ -3117,7 +3123,7 @@
               </a14:hiddenLine>
             </a:ext>
             <a:ext uri="{AF507438-7753-43E0-B8FC-AC1667EBCBE1}">
-              <a14:hiddenEffects xmlns:a14="http://schemas.microsoft.com/office/drawing/2010/main">
+              <a14:hiddenEffects xmlns:a14="http://schemas.microsoft.com/office/drawing/2010/main" xmlns="">
                 <a:effectLst>
                   <a:outerShdw dist="35921" dir="2700000" algn="ctr" rotWithShape="0">
                     <a:schemeClr val="bg2"/>
@@ -3168,14 +3174,14 @@
           <a:effectLst/>
           <a:extLst>
             <a:ext uri="{909E8E84-426E-40DD-AFC4-6F175D3DCCD1}">
-              <a14:hiddenFill xmlns:a14="http://schemas.microsoft.com/office/drawing/2010/main">
+              <a14:hiddenFill xmlns:a14="http://schemas.microsoft.com/office/drawing/2010/main" xmlns="">
                 <a:solidFill>
                   <a:schemeClr val="accent1"/>
                 </a:solidFill>
               </a14:hiddenFill>
             </a:ext>
             <a:ext uri="{91240B29-F687-4F45-9708-019B960494DF}">
-              <a14:hiddenLine xmlns:a14="http://schemas.microsoft.com/office/drawing/2010/main" w="9525">
+              <a14:hiddenLine xmlns:a14="http://schemas.microsoft.com/office/drawing/2010/main" xmlns="" w="9525">
                 <a:solidFill>
                   <a:schemeClr val="tx1"/>
                 </a:solidFill>
@@ -3185,7 +3191,7 @@
               </a14:hiddenLine>
             </a:ext>
             <a:ext uri="{AF507438-7753-43E0-B8FC-AC1667EBCBE1}">
-              <a14:hiddenEffects xmlns:a14="http://schemas.microsoft.com/office/drawing/2010/main">
+              <a14:hiddenEffects xmlns:a14="http://schemas.microsoft.com/office/drawing/2010/main" xmlns="">
                 <a:effectLst>
                   <a:outerShdw dist="35921" dir="2700000" algn="ctr" rotWithShape="0">
                     <a:schemeClr val="bg2"/>
@@ -3733,14 +3739,14 @@
           </a:ln>
           <a:extLst>
             <a:ext uri="{909E8E84-426E-40DD-AFC4-6F175D3DCCD1}">
-              <a14:hiddenFill xmlns:a14="http://schemas.microsoft.com/office/drawing/2010/main">
+              <a14:hiddenFill xmlns:a14="http://schemas.microsoft.com/office/drawing/2010/main" xmlns="">
                 <a:solidFill>
                   <a:srgbClr val="FFFFFF"/>
                 </a:solidFill>
               </a14:hiddenFill>
             </a:ext>
             <a:ext uri="{91240B29-F687-4F45-9708-019B960494DF}">
-              <a14:hiddenLine xmlns:a14="http://schemas.microsoft.com/office/drawing/2010/main" w="9525">
+              <a14:hiddenLine xmlns:a14="http://schemas.microsoft.com/office/drawing/2010/main" xmlns="" w="9525">
                 <a:solidFill>
                   <a:srgbClr val="000000"/>
                 </a:solidFill>
@@ -3987,7 +3993,7 @@
     </p:spTree>
     <p:extLst>
       <p:ext uri="{BB962C8B-B14F-4D97-AF65-F5344CB8AC3E}">
-        <p14:creationId xmlns:p14="http://schemas.microsoft.com/office/powerpoint/2010/main" val="963848789"/>
+        <p14:creationId xmlns:p14="http://schemas.microsoft.com/office/powerpoint/2010/main" xmlns="" val="963848789"/>
       </p:ext>
     </p:extLst>
   </p:cSld>
@@ -4069,10 +4075,10 @@
           <p:nvPr/>
         </p:nvPicPr>
         <p:blipFill>
-          <a:blip r:embed="rId2">
+          <a:blip r:embed="rId2" cstate="print">
             <a:extLst>
               <a:ext uri="{28A0092B-C50C-407E-A947-70E740481C1C}">
-                <a14:useLocalDpi xmlns:a14="http://schemas.microsoft.com/office/drawing/2010/main" val="0"/>
+                <a14:useLocalDpi xmlns:a14="http://schemas.microsoft.com/office/drawing/2010/main" xmlns="" val="0"/>
               </a:ext>
             </a:extLst>
           </a:blip>
@@ -4095,14 +4101,14 @@
           </a:ln>
           <a:extLst>
             <a:ext uri="{909E8E84-426E-40DD-AFC4-6F175D3DCCD1}">
-              <a14:hiddenFill xmlns:a14="http://schemas.microsoft.com/office/drawing/2010/main">
+              <a14:hiddenFill xmlns:a14="http://schemas.microsoft.com/office/drawing/2010/main" xmlns="">
                 <a:solidFill>
                   <a:srgbClr val="FFFFFF"/>
                 </a:solidFill>
               </a14:hiddenFill>
             </a:ext>
             <a:ext uri="{91240B29-F687-4F45-9708-019B960494DF}">
-              <a14:hiddenLine xmlns:a14="http://schemas.microsoft.com/office/drawing/2010/main" w="9525">
+              <a14:hiddenLine xmlns:a14="http://schemas.microsoft.com/office/drawing/2010/main" xmlns="" w="9525">
                 <a:solidFill>
                   <a:srgbClr val="000000"/>
                 </a:solidFill>
@@ -4117,7 +4123,7 @@
     </p:spTree>
     <p:extLst>
       <p:ext uri="{BB962C8B-B14F-4D97-AF65-F5344CB8AC3E}">
-        <p14:creationId xmlns:p14="http://schemas.microsoft.com/office/powerpoint/2010/main" val="3291156147"/>
+        <p14:creationId xmlns:p14="http://schemas.microsoft.com/office/powerpoint/2010/main" xmlns="" val="3291156147"/>
       </p:ext>
     </p:extLst>
   </p:cSld>
@@ -4270,7 +4276,7 @@
     </p:spTree>
     <p:extLst>
       <p:ext uri="{BB962C8B-B14F-4D97-AF65-F5344CB8AC3E}">
-        <p14:creationId xmlns:p14="http://schemas.microsoft.com/office/powerpoint/2010/main" val="746122061"/>
+        <p14:creationId xmlns:p14="http://schemas.microsoft.com/office/powerpoint/2010/main" xmlns="" val="746122061"/>
       </p:ext>
     </p:extLst>
   </p:cSld>
@@ -4336,8 +4342,25 @@
           <a:lstStyle/>
           <a:p>
             <a:r>
-              <a:rPr lang="en-GB" dirty="0" smtClean="0"/>
-              <a:t>Write down the differences between Agile and Plan-Driven development</a:t>
+              <a:rPr lang="en-GB" u="sng" dirty="0" smtClean="0"/>
+              <a:t>Write down </a:t>
+            </a:r>
+            <a:r>
+              <a:rPr lang="en-GB" dirty="0" smtClean="0"/>
+              <a:t>the differences between Agile and Plan-Driven </a:t>
+            </a:r>
+            <a:r>
+              <a:rPr lang="en-GB" dirty="0" smtClean="0"/>
+              <a:t>development</a:t>
+            </a:r>
+          </a:p>
+          <a:p>
+            <a:pPr>
+              <a:buNone/>
+            </a:pPr>
+            <a:r>
+              <a:rPr lang="en-GB" dirty="0" smtClean="0"/>
+              <a:t>   (5 Minutes)</a:t>
             </a:r>
             <a:endParaRPr lang="en-GB" dirty="0"/>
           </a:p>
@@ -4352,10 +4375,10 @@
           <p:nvPr/>
         </p:nvPicPr>
         <p:blipFill>
-          <a:blip r:embed="rId2">
+          <a:blip r:embed="rId2" cstate="print">
             <a:extLst>
               <a:ext uri="{28A0092B-C50C-407E-A947-70E740481C1C}">
-                <a14:useLocalDpi xmlns:a14="http://schemas.microsoft.com/office/drawing/2010/main" val="0"/>
+                <a14:useLocalDpi xmlns:a14="http://schemas.microsoft.com/office/drawing/2010/main" xmlns="" val="0"/>
               </a:ext>
             </a:extLst>
           </a:blip>
@@ -4378,14 +4401,14 @@
           </a:ln>
           <a:extLst>
             <a:ext uri="{909E8E84-426E-40DD-AFC4-6F175D3DCCD1}">
-              <a14:hiddenFill xmlns:a14="http://schemas.microsoft.com/office/drawing/2010/main">
+              <a14:hiddenFill xmlns:a14="http://schemas.microsoft.com/office/drawing/2010/main" xmlns="">
                 <a:solidFill>
                   <a:srgbClr val="FFFFFF"/>
                 </a:solidFill>
               </a14:hiddenFill>
             </a:ext>
             <a:ext uri="{91240B29-F687-4F45-9708-019B960494DF}">
-              <a14:hiddenLine xmlns:a14="http://schemas.microsoft.com/office/drawing/2010/main" w="9525">
+              <a14:hiddenLine xmlns:a14="http://schemas.microsoft.com/office/drawing/2010/main" xmlns="" w="9525">
                 <a:solidFill>
                   <a:srgbClr val="000000"/>
                 </a:solidFill>
@@ -4400,7 +4423,7 @@
     </p:spTree>
     <p:extLst>
       <p:ext uri="{BB962C8B-B14F-4D97-AF65-F5344CB8AC3E}">
-        <p14:creationId xmlns:p14="http://schemas.microsoft.com/office/powerpoint/2010/main" val="3440749323"/>
+        <p14:creationId xmlns:p14="http://schemas.microsoft.com/office/powerpoint/2010/main" xmlns="" val="3440749323"/>
       </p:ext>
     </p:extLst>
   </p:cSld>
@@ -4665,8 +4688,8 @@
         </p:nvSpPr>
         <p:spPr>
           <a:xfrm>
-            <a:off x="3581400" y="76200"/>
-            <a:ext cx="1143262" cy="461665"/>
+            <a:off x="3429000" y="0"/>
+            <a:ext cx="1361270" cy="523220"/>
           </a:xfrm>
           <a:prstGeom prst="rect">
             <a:avLst/>
@@ -4680,14 +4703,14 @@
           <a:lstStyle/>
           <a:p>
             <a:r>
-              <a:rPr lang="en-GB" dirty="0" smtClean="0">
+              <a:rPr lang="en-GB" sz="2800" b="1" dirty="0" smtClean="0">
                 <a:solidFill>
                   <a:srgbClr val="FF0000"/>
                 </a:solidFill>
               </a:rPr>
               <a:t>Answer</a:t>
             </a:r>
-            <a:endParaRPr lang="en-GB" dirty="0">
+            <a:endParaRPr lang="en-GB" b="1" dirty="0">
               <a:solidFill>
                 <a:srgbClr val="FF0000"/>
               </a:solidFill>
@@ -4698,7 +4721,7 @@
     </p:spTree>
     <p:extLst>
       <p:ext uri="{BB962C8B-B14F-4D97-AF65-F5344CB8AC3E}">
-        <p14:creationId xmlns:p14="http://schemas.microsoft.com/office/powerpoint/2010/main" val="1315319606"/>
+        <p14:creationId xmlns:p14="http://schemas.microsoft.com/office/powerpoint/2010/main" xmlns="" val="1315319606"/>
       </p:ext>
     </p:extLst>
   </p:cSld>
@@ -4945,7 +4968,7 @@
     </p:spTree>
     <p:extLst>
       <p:ext uri="{BB962C8B-B14F-4D97-AF65-F5344CB8AC3E}">
-        <p14:creationId xmlns:p14="http://schemas.microsoft.com/office/powerpoint/2010/main" val="713610903"/>
+        <p14:creationId xmlns:p14="http://schemas.microsoft.com/office/powerpoint/2010/main" xmlns="" val="713610903"/>
       </p:ext>
     </p:extLst>
   </p:cSld>
@@ -5078,7 +5101,7 @@
     </p:spTree>
     <p:extLst>
       <p:ext uri="{BB962C8B-B14F-4D97-AF65-F5344CB8AC3E}">
-        <p14:creationId xmlns:p14="http://schemas.microsoft.com/office/powerpoint/2010/main" val="2813030426"/>
+        <p14:creationId xmlns:p14="http://schemas.microsoft.com/office/powerpoint/2010/main" xmlns="" val="2813030426"/>
       </p:ext>
     </p:extLst>
   </p:cSld>
@@ -5280,7 +5303,7 @@
     </p:spTree>
     <p:extLst>
       <p:ext uri="{BB962C8B-B14F-4D97-AF65-F5344CB8AC3E}">
-        <p14:creationId xmlns:p14="http://schemas.microsoft.com/office/powerpoint/2010/main" val="2726353881"/>
+        <p14:creationId xmlns:p14="http://schemas.microsoft.com/office/powerpoint/2010/main" xmlns="" val="2726353881"/>
       </p:ext>
     </p:extLst>
   </p:cSld>
@@ -5403,7 +5426,7 @@
     </p:spTree>
     <p:extLst>
       <p:ext uri="{BB962C8B-B14F-4D97-AF65-F5344CB8AC3E}">
-        <p14:creationId xmlns:p14="http://schemas.microsoft.com/office/powerpoint/2010/main" val="2337650456"/>
+        <p14:creationId xmlns:p14="http://schemas.microsoft.com/office/powerpoint/2010/main" xmlns="" val="2337650456"/>
       </p:ext>
     </p:extLst>
   </p:cSld>
@@ -5485,7 +5508,7 @@
     </p:spTree>
     <p:extLst>
       <p:ext uri="{BB962C8B-B14F-4D97-AF65-F5344CB8AC3E}">
-        <p14:creationId xmlns:p14="http://schemas.microsoft.com/office/powerpoint/2010/main" val="2708133152"/>
+        <p14:creationId xmlns:p14="http://schemas.microsoft.com/office/powerpoint/2010/main" xmlns="" val="2708133152"/>
       </p:ext>
     </p:extLst>
   </p:cSld>
@@ -5528,9 +5551,10 @@
           <a:lstStyle/>
           <a:p>
             <a:r>
-              <a:rPr lang="en-GB" dirty="0"/>
-              <a:t>Staffing</a:t>
-            </a:r>
+              <a:rPr lang="en-US" dirty="0" smtClean="0"/>
+              <a:t>Question</a:t>
+            </a:r>
+            <a:endParaRPr lang="en-US" dirty="0"/>
           </a:p>
         </p:txBody>
       </p:sp>
@@ -5550,54 +5574,81 @@
           <a:lstStyle/>
           <a:p>
             <a:r>
-              <a:rPr lang="en-GB" dirty="0" smtClean="0"/>
-              <a:t>Timing </a:t>
-            </a:r>
-            <a:r>
-              <a:rPr lang="en-GB" dirty="0"/>
-              <a:t>of </a:t>
-            </a:r>
-            <a:r>
-              <a:rPr lang="en-GB" dirty="0" smtClean="0"/>
-              <a:t>resources </a:t>
-            </a:r>
-            <a:r>
-              <a:rPr lang="en-GB" dirty="0"/>
-              <a:t>within the development </a:t>
-            </a:r>
-            <a:r>
-              <a:rPr lang="en-GB" dirty="0" smtClean="0"/>
-              <a:t>cycle</a:t>
-            </a:r>
-            <a:endParaRPr lang="en-GB" dirty="0"/>
-          </a:p>
-          <a:p>
-            <a:r>
-              <a:rPr lang="en-GB" dirty="0" smtClean="0"/>
-              <a:t>Different skillsets/abilities at different times during the project</a:t>
-            </a:r>
-          </a:p>
-          <a:p>
-            <a:r>
-              <a:rPr lang="en-GB" dirty="0" smtClean="0"/>
-              <a:t>Account for ‘change’</a:t>
-            </a:r>
-          </a:p>
-          <a:p>
-            <a:pPr lvl="1"/>
-            <a:r>
-              <a:rPr lang="en-GB" dirty="0" smtClean="0"/>
-              <a:t>Staff leaving/changing/training</a:t>
-            </a:r>
-          </a:p>
-        </p:txBody>
-      </p:sp>
+              <a:rPr lang="en-US" dirty="0" smtClean="0"/>
+              <a:t>What happens when schedules/plans are overly </a:t>
+            </a:r>
+            <a:r>
+              <a:rPr lang="en-GB" dirty="0" smtClean="0"/>
+              <a:t>optimised? (Explain)</a:t>
+            </a:r>
+          </a:p>
+          <a:p>
+            <a:pPr>
+              <a:buNone/>
+            </a:pPr>
+            <a:r>
+              <a:rPr lang="en-GB" dirty="0" smtClean="0"/>
+              <a:t>   (5 Minutes)</a:t>
+            </a:r>
+            <a:endParaRPr lang="en-US" dirty="0"/>
+          </a:p>
+        </p:txBody>
+      </p:sp>
+      <p:pic>
+        <p:nvPicPr>
+          <p:cNvPr id="4" name="Picture 1"/>
+          <p:cNvPicPr>
+            <a:picLocks noChangeAspect="1"/>
+          </p:cNvPicPr>
+          <p:nvPr/>
+        </p:nvPicPr>
+        <p:blipFill>
+          <a:blip r:embed="rId2" cstate="print">
+            <a:extLst>
+              <a:ext uri="{28A0092B-C50C-407E-A947-70E740481C1C}">
+                <a14:useLocalDpi xmlns:a14="http://schemas.microsoft.com/office/drawing/2010/main" xmlns="" val="0"/>
+              </a:ext>
+            </a:extLst>
+          </a:blip>
+          <a:srcRect/>
+          <a:stretch>
+            <a:fillRect/>
+          </a:stretch>
+        </p:blipFill>
+        <p:spPr bwMode="auto">
+          <a:xfrm>
+            <a:off x="6468140" y="4800600"/>
+            <a:ext cx="2294860" cy="1879600"/>
+          </a:xfrm>
+          <a:prstGeom prst="rect">
+            <a:avLst/>
+          </a:prstGeom>
+          <a:noFill/>
+          <a:ln>
+            <a:noFill/>
+          </a:ln>
+          <a:extLst>
+            <a:ext uri="{909E8E84-426E-40DD-AFC4-6F175D3DCCD1}">
+              <a14:hiddenFill xmlns:a14="http://schemas.microsoft.com/office/drawing/2010/main" xmlns="">
+                <a:solidFill>
+                  <a:srgbClr val="FFFFFF"/>
+                </a:solidFill>
+              </a14:hiddenFill>
+            </a:ext>
+            <a:ext uri="{91240B29-F687-4F45-9708-019B960494DF}">
+              <a14:hiddenLine xmlns:a14="http://schemas.microsoft.com/office/drawing/2010/main" xmlns="" w="9525">
+                <a:solidFill>
+                  <a:srgbClr val="000000"/>
+                </a:solidFill>
+                <a:miter lim="800000"/>
+                <a:headEnd/>
+                <a:tailEnd/>
+              </a14:hiddenLine>
+            </a:ext>
+          </a:extLst>
+        </p:spPr>
+      </p:pic>
     </p:spTree>
-    <p:extLst>
-      <p:ext uri="{BB962C8B-B14F-4D97-AF65-F5344CB8AC3E}">
-        <p14:creationId xmlns:p14="http://schemas.microsoft.com/office/powerpoint/2010/main" val="3572303311"/>
-      </p:ext>
-    </p:extLst>
   </p:cSld>
   <p:clrMapOvr>
     <a:masterClrMapping/>
@@ -5622,30 +5673,6 @@
           <a:chExt cx="0" cy="0"/>
         </a:xfrm>
       </p:grpSpPr>
-      <p:pic>
-        <p:nvPicPr>
-          <p:cNvPr id="4" name="Picture 3"/>
-          <p:cNvPicPr>
-            <a:picLocks noChangeAspect="1"/>
-          </p:cNvPicPr>
-          <p:nvPr/>
-        </p:nvPicPr>
-        <p:blipFill>
-          <a:blip r:embed="rId2"/>
-          <a:stretch>
-            <a:fillRect/>
-          </a:stretch>
-        </p:blipFill>
-        <p:spPr>
-          <a:xfrm>
-            <a:off x="914400" y="2362200"/>
-            <a:ext cx="7058025" cy="4286250"/>
-          </a:xfrm>
-          <a:prstGeom prst="rect">
-            <a:avLst/>
-          </a:prstGeom>
-        </p:spPr>
-      </p:pic>
       <p:sp>
         <p:nvSpPr>
           <p:cNvPr id="2" name="Title 1"/>
@@ -5656,24 +5683,16 @@
             <p:ph type="title"/>
           </p:nvPr>
         </p:nvSpPr>
-        <p:spPr>
-          <a:xfrm>
-            <a:off x="685800" y="228600"/>
-            <a:ext cx="7772400" cy="1143000"/>
-          </a:xfrm>
-        </p:spPr>
-        <p:txBody>
-          <a:bodyPr/>
-          <a:lstStyle/>
-          <a:p>
-            <a:r>
-              <a:rPr lang="en-GB" dirty="0" smtClean="0"/>
-              <a:t>Staff Resource </a:t>
-            </a:r>
-            <a:r>
-              <a:rPr lang="en-GB" dirty="0"/>
-              <a:t>Allocation</a:t>
-            </a:r>
+        <p:spPr/>
+        <p:txBody>
+          <a:bodyPr/>
+          <a:lstStyle/>
+          <a:p>
+            <a:r>
+              <a:rPr lang="en-US" dirty="0" smtClean="0"/>
+              <a:t>Answer</a:t>
+            </a:r>
+            <a:endParaRPr lang="en-US" dirty="0"/>
           </a:p>
         </p:txBody>
       </p:sp>
@@ -5687,36 +5706,50 @@
             <p:ph idx="1"/>
           </p:nvPr>
         </p:nvSpPr>
-        <p:spPr>
-          <a:xfrm>
-            <a:off x="685800" y="1295400"/>
-            <a:ext cx="7772400" cy="4114800"/>
-          </a:xfrm>
-        </p:spPr>
-        <p:txBody>
-          <a:bodyPr/>
-          <a:lstStyle/>
-          <a:p>
-            <a:r>
-              <a:rPr lang="en-GB" dirty="0" smtClean="0"/>
-              <a:t>Design, Development, Testing, …</a:t>
-            </a:r>
-          </a:p>
-          <a:p>
-            <a:r>
-              <a:rPr lang="en-GB" dirty="0" smtClean="0"/>
-              <a:t>Lifecycle Costs</a:t>
-            </a:r>
-            <a:endParaRPr lang="en-GB" dirty="0"/>
+        <p:spPr/>
+        <p:txBody>
+          <a:bodyPr/>
+          <a:lstStyle/>
+          <a:p>
+            <a:r>
+              <a:rPr lang="en-US" dirty="0" smtClean="0"/>
+              <a:t>Change</a:t>
+            </a:r>
+          </a:p>
+          <a:p>
+            <a:r>
+              <a:rPr lang="en-US" dirty="0" smtClean="0"/>
+              <a:t>Unknowns (approximations)</a:t>
+            </a:r>
+          </a:p>
+          <a:p>
+            <a:r>
+              <a:rPr lang="en-US" dirty="0" smtClean="0"/>
+              <a:t>‘Human’ factor</a:t>
+            </a:r>
+          </a:p>
+          <a:p>
+            <a:r>
+              <a:rPr lang="en-US" dirty="0" smtClean="0"/>
+              <a:t>Flexibility</a:t>
+            </a:r>
+          </a:p>
+          <a:p>
+            <a:r>
+              <a:rPr lang="en-US" dirty="0" smtClean="0"/>
+              <a:t>Risk</a:t>
+            </a:r>
+          </a:p>
+          <a:p>
+            <a:r>
+              <a:rPr lang="en-US" dirty="0" smtClean="0"/>
+              <a:t>...</a:t>
+            </a:r>
+            <a:endParaRPr lang="en-US" dirty="0"/>
           </a:p>
         </p:txBody>
       </p:sp>
     </p:spTree>
-    <p:extLst>
-      <p:ext uri="{BB962C8B-B14F-4D97-AF65-F5344CB8AC3E}">
-        <p14:creationId xmlns:p14="http://schemas.microsoft.com/office/powerpoint/2010/main" val="1016890434"/>
-      </p:ext>
-    </p:extLst>
   </p:cSld>
   <p:clrMapOvr>
     <a:masterClrMapping/>
@@ -5758,7 +5791,7 @@
           <a:p>
             <a:r>
               <a:rPr lang="en-GB" dirty="0"/>
-              <a:t>Development Team Roles</a:t>
+              <a:t>Staffing</a:t>
             </a:r>
           </a:p>
         </p:txBody>
@@ -5780,43 +5813,43 @@
           <a:p>
             <a:r>
               <a:rPr lang="en-GB" dirty="0" smtClean="0"/>
-              <a:t>Software </a:t>
-            </a:r>
-            <a:r>
-              <a:rPr lang="en-GB" dirty="0"/>
-              <a:t>development is ultimately a </a:t>
-            </a:r>
-            <a:r>
-              <a:rPr lang="en-GB" dirty="0" smtClean="0"/>
-              <a:t>human endeavour</a:t>
-            </a:r>
-          </a:p>
-          <a:p>
-            <a:r>
-              <a:rPr lang="en-GB" dirty="0"/>
-              <a:t>Developers are not interchangeable </a:t>
-            </a:r>
-            <a:r>
-              <a:rPr lang="en-GB" dirty="0" smtClean="0"/>
-              <a:t>parts</a:t>
-            </a:r>
-          </a:p>
-          <a:p>
-            <a:r>
-              <a:rPr lang="en-GB" dirty="0" smtClean="0"/>
-              <a:t>Complex </a:t>
-            </a:r>
-            <a:r>
-              <a:rPr lang="en-GB" dirty="0"/>
-              <a:t>system requires the unique and varied skills of a </a:t>
-            </a:r>
-            <a:r>
-              <a:rPr lang="en-GB" dirty="0" smtClean="0"/>
-              <a:t>focused team </a:t>
-            </a:r>
-            <a:r>
-              <a:rPr lang="en-GB" dirty="0"/>
-              <a:t>of people</a:t>
+              <a:t>Timing </a:t>
+            </a:r>
+            <a:r>
+              <a:rPr lang="en-GB" dirty="0"/>
+              <a:t>of </a:t>
+            </a:r>
+            <a:r>
+              <a:rPr lang="en-GB" dirty="0" smtClean="0"/>
+              <a:t>resources </a:t>
+            </a:r>
+            <a:r>
+              <a:rPr lang="en-GB" dirty="0"/>
+              <a:t>within the development </a:t>
+            </a:r>
+            <a:r>
+              <a:rPr lang="en-GB" dirty="0" smtClean="0"/>
+              <a:t>cycle</a:t>
+            </a:r>
+            <a:endParaRPr lang="en-GB" dirty="0"/>
+          </a:p>
+          <a:p>
+            <a:r>
+              <a:rPr lang="en-GB" dirty="0" smtClean="0"/>
+              <a:t>Different skillsets/abilities at different times during the project</a:t>
+            </a:r>
+          </a:p>
+          <a:p>
+            <a:r>
+              <a:rPr lang="en-GB" dirty="0" smtClean="0"/>
+              <a:t>Account for ‘change’</a:t>
+            </a:r>
+          </a:p>
+          <a:p>
+            <a:pPr lvl="1"/>
+            <a:r>
+              <a:rPr lang="en-GB" dirty="0" smtClean="0"/>
+              <a:t>Staff leaving/changing/training</a:t>
             </a:r>
           </a:p>
         </p:txBody>
@@ -5824,7 +5857,7 @@
     </p:spTree>
     <p:extLst>
       <p:ext uri="{BB962C8B-B14F-4D97-AF65-F5344CB8AC3E}">
-        <p14:creationId xmlns:p14="http://schemas.microsoft.com/office/powerpoint/2010/main" val="338097095"/>
+        <p14:creationId xmlns:p14="http://schemas.microsoft.com/office/powerpoint/2010/main" xmlns="" val="3572303311"/>
       </p:ext>
     </p:extLst>
   </p:cSld>
@@ -5851,6 +5884,30 @@
           <a:chExt cx="0" cy="0"/>
         </a:xfrm>
       </p:grpSpPr>
+      <p:pic>
+        <p:nvPicPr>
+          <p:cNvPr id="4" name="Picture 3"/>
+          <p:cNvPicPr>
+            <a:picLocks noChangeAspect="1"/>
+          </p:cNvPicPr>
+          <p:nvPr/>
+        </p:nvPicPr>
+        <p:blipFill>
+          <a:blip r:embed="rId2" cstate="print"/>
+          <a:stretch>
+            <a:fillRect/>
+          </a:stretch>
+        </p:blipFill>
+        <p:spPr>
+          <a:xfrm>
+            <a:off x="914400" y="2362200"/>
+            <a:ext cx="7058025" cy="4286250"/>
+          </a:xfrm>
+          <a:prstGeom prst="rect">
+            <a:avLst/>
+          </a:prstGeom>
+        </p:spPr>
+      </p:pic>
       <p:sp>
         <p:nvSpPr>
           <p:cNvPr id="2" name="Title 1"/>
@@ -5861,16 +5918,24 @@
             <p:ph type="title"/>
           </p:nvPr>
         </p:nvSpPr>
-        <p:spPr/>
-        <p:txBody>
-          <a:bodyPr/>
-          <a:lstStyle/>
-          <a:p>
-            <a:r>
-              <a:rPr lang="en-GB" smtClean="0"/>
-              <a:t>Central</a:t>
-            </a:r>
-            <a:endParaRPr lang="en-GB" dirty="0"/>
+        <p:spPr>
+          <a:xfrm>
+            <a:off x="685800" y="228600"/>
+            <a:ext cx="7772400" cy="1143000"/>
+          </a:xfrm>
+        </p:spPr>
+        <p:txBody>
+          <a:bodyPr/>
+          <a:lstStyle/>
+          <a:p>
+            <a:r>
+              <a:rPr lang="en-GB" dirty="0" smtClean="0"/>
+              <a:t>Staff Resource </a:t>
+            </a:r>
+            <a:r>
+              <a:rPr lang="en-GB" dirty="0"/>
+              <a:t>Allocation</a:t>
+            </a:r>
           </a:p>
         </p:txBody>
       </p:sp>
@@ -5884,64 +5949,26 @@
             <p:ph idx="1"/>
           </p:nvPr>
         </p:nvSpPr>
-        <p:spPr/>
-        <p:txBody>
-          <a:bodyPr/>
-          <a:lstStyle/>
-          <a:p>
-            <a:r>
-              <a:rPr lang="en-GB" dirty="0" smtClean="0"/>
-              <a:t>Three </a:t>
-            </a:r>
-            <a:r>
-              <a:rPr lang="en-GB" dirty="0"/>
-              <a:t>roles to be central to the technical development team </a:t>
-            </a:r>
-            <a:r>
-              <a:rPr lang="en-GB" dirty="0" smtClean="0"/>
-              <a:t>for an </a:t>
-            </a:r>
-            <a:r>
-              <a:rPr lang="en-GB" dirty="0"/>
-              <a:t>object-oriented </a:t>
-            </a:r>
-            <a:r>
-              <a:rPr lang="en-GB" dirty="0" smtClean="0"/>
-              <a:t>project</a:t>
-            </a:r>
-          </a:p>
-          <a:p>
-            <a:pPr marL="457200" lvl="1" indent="0">
-              <a:buNone/>
-            </a:pPr>
-            <a:r>
-              <a:rPr lang="en-GB" dirty="0"/>
-              <a:t>1. Project architect</a:t>
-            </a:r>
-            <a:br>
-              <a:rPr lang="en-GB" dirty="0"/>
-            </a:br>
-            <a:r>
-              <a:rPr lang="en-GB" dirty="0"/>
-              <a:t>2. Component lead</a:t>
-            </a:r>
-            <a:br>
-              <a:rPr lang="en-GB" dirty="0"/>
-            </a:br>
-            <a:r>
-              <a:rPr lang="en-GB" dirty="0"/>
-              <a:t>3. Application engineer</a:t>
-            </a:r>
-            <a:br>
-              <a:rPr lang="en-GB" dirty="0"/>
-            </a:br>
-            <a:r>
-              <a:rPr lang="en-GB" dirty="0"/>
-              <a:t/>
-            </a:r>
-            <a:br>
-              <a:rPr lang="en-GB" dirty="0"/>
-            </a:br>
+        <p:spPr>
+          <a:xfrm>
+            <a:off x="685800" y="1295400"/>
+            <a:ext cx="7772400" cy="4114800"/>
+          </a:xfrm>
+        </p:spPr>
+        <p:txBody>
+          <a:bodyPr/>
+          <a:lstStyle/>
+          <a:p>
+            <a:r>
+              <a:rPr lang="en-GB" dirty="0" smtClean="0"/>
+              <a:t>Design, Development, Testing, …</a:t>
+            </a:r>
+          </a:p>
+          <a:p>
+            <a:r>
+              <a:rPr lang="en-GB" dirty="0" smtClean="0"/>
+              <a:t>Lifecycle Costs</a:t>
+            </a:r>
             <a:endParaRPr lang="en-GB" dirty="0"/>
           </a:p>
         </p:txBody>
@@ -5949,7 +5976,7 @@
     </p:spTree>
     <p:extLst>
       <p:ext uri="{BB962C8B-B14F-4D97-AF65-F5344CB8AC3E}">
-        <p14:creationId xmlns:p14="http://schemas.microsoft.com/office/powerpoint/2010/main" val="1985037990"/>
+        <p14:creationId xmlns:p14="http://schemas.microsoft.com/office/powerpoint/2010/main" xmlns="" val="1016890434"/>
       </p:ext>
     </p:extLst>
   </p:cSld>
@@ -5992,10 +6019,9 @@
           <a:lstStyle/>
           <a:p>
             <a:r>
-              <a:rPr lang="en-GB" dirty="0" smtClean="0"/>
-              <a:t>Challenges</a:t>
-            </a:r>
-            <a:endParaRPr lang="en-GB" dirty="0"/>
+              <a:rPr lang="en-GB" dirty="0"/>
+              <a:t>Development Team Roles</a:t>
+            </a:r>
           </a:p>
         </p:txBody>
       </p:sp>
@@ -6016,74 +6042,51 @@
           <a:p>
             <a:r>
               <a:rPr lang="en-GB" dirty="0" smtClean="0"/>
-              <a:t>Breakdown </a:t>
-            </a:r>
-            <a:r>
-              <a:rPr lang="en-GB" dirty="0"/>
-              <a:t>of skills addresses </a:t>
-            </a:r>
-            <a:r>
-              <a:rPr lang="en-GB" dirty="0" smtClean="0"/>
-              <a:t>the staffing </a:t>
-            </a:r>
-            <a:r>
-              <a:rPr lang="en-GB" dirty="0"/>
-              <a:t>problem faced by most </a:t>
-            </a:r>
-            <a:r>
-              <a:rPr lang="en-GB" dirty="0" smtClean="0"/>
-              <a:t>software development organizations </a:t>
-            </a:r>
-          </a:p>
-          <a:p>
-            <a:r>
-              <a:rPr lang="en-GB" dirty="0" smtClean="0"/>
-              <a:t>Handful </a:t>
-            </a:r>
-            <a:r>
-              <a:rPr lang="en-GB" dirty="0"/>
-              <a:t>of really </a:t>
-            </a:r>
-            <a:r>
-              <a:rPr lang="en-GB" dirty="0" smtClean="0"/>
-              <a:t>skilled experienced individuals and </a:t>
-            </a:r>
-            <a:r>
-              <a:rPr lang="en-GB" dirty="0"/>
-              <a:t>many more less-experienced </a:t>
-            </a:r>
-            <a:r>
-              <a:rPr lang="en-GB" dirty="0" smtClean="0"/>
-              <a:t>ones</a:t>
-            </a:r>
-          </a:p>
-          <a:p>
-            <a:r>
-              <a:rPr lang="en-GB" dirty="0" smtClean="0"/>
-              <a:t>Opportunity to learn/gain experience</a:t>
-            </a:r>
-            <a:r>
-              <a:rPr lang="en-GB" dirty="0"/>
-              <a:t/>
-            </a:r>
-            <a:br>
-              <a:rPr lang="en-GB" dirty="0"/>
-            </a:br>
-            <a:r>
-              <a:rPr lang="en-GB" dirty="0"/>
-              <a:t/>
-            </a:r>
-            <a:br>
-              <a:rPr lang="en-GB" dirty="0"/>
-            </a:br>
-            <a:endParaRPr lang="en-GB" dirty="0"/>
+              <a:t>Software </a:t>
+            </a:r>
+            <a:r>
+              <a:rPr lang="en-GB" dirty="0"/>
+              <a:t>development is ultimately a </a:t>
+            </a:r>
+            <a:r>
+              <a:rPr lang="en-GB" dirty="0" smtClean="0"/>
+              <a:t>human endeavour</a:t>
+            </a:r>
+          </a:p>
+          <a:p>
+            <a:r>
+              <a:rPr lang="en-GB" dirty="0"/>
+              <a:t>Developers are not interchangeable </a:t>
+            </a:r>
+            <a:r>
+              <a:rPr lang="en-GB" dirty="0" smtClean="0"/>
+              <a:t>parts</a:t>
+            </a:r>
+          </a:p>
+          <a:p>
+            <a:r>
+              <a:rPr lang="en-GB" dirty="0" smtClean="0"/>
+              <a:t>Complex </a:t>
+            </a:r>
+            <a:r>
+              <a:rPr lang="en-GB" dirty="0"/>
+              <a:t>system requires the unique and varied skills of a </a:t>
+            </a:r>
+            <a:r>
+              <a:rPr lang="en-GB" dirty="0" smtClean="0"/>
+              <a:t>focused team </a:t>
+            </a:r>
+            <a:r>
+              <a:rPr lang="en-GB" dirty="0"/>
+              <a:t>of people</a:t>
+            </a:r>
           </a:p>
         </p:txBody>
       </p:sp>
     </p:spTree>
     <p:extLst>
       <p:ext uri="{BB962C8B-B14F-4D97-AF65-F5344CB8AC3E}">
-        <p14:creationId xmlns:p14="http://schemas.microsoft.com/office/powerpoint/2010/main" val="2784503646"/>
+        <p14:creationId xmlns:p14="http://schemas.microsoft.com/office/powerpoint/2010/main" xmlns="" val="338097095"/>
       </p:ext>
     </p:extLst>
   </p:cSld>
@@ -6126,9 +6129,10 @@
           <a:lstStyle/>
           <a:p>
             <a:r>
-              <a:rPr lang="en-GB" dirty="0"/>
-              <a:t>Configuration Management and Version Control</a:t>
-            </a:r>
+              <a:rPr lang="en-US" dirty="0" smtClean="0"/>
+              <a:t>Question</a:t>
+            </a:r>
+            <a:endParaRPr lang="en-US" dirty="0"/>
           </a:p>
         </p:txBody>
       </p:sp>
@@ -6149,84 +6153,34 @@
           <a:p>
             <a:r>
               <a:rPr lang="en-GB" dirty="0" smtClean="0"/>
-              <a:t>Interfacing components</a:t>
-            </a:r>
-          </a:p>
-          <a:p>
-            <a:r>
-              <a:rPr lang="en-GB" dirty="0" smtClean="0"/>
-              <a:t>Keeping track of different versions</a:t>
-            </a:r>
-          </a:p>
-          <a:p>
-            <a:pPr lvl="1"/>
-            <a:r>
-              <a:rPr lang="en-GB" dirty="0" smtClean="0"/>
-              <a:t>stable, debug, testing, …</a:t>
-            </a:r>
-          </a:p>
-          <a:p>
-            <a:pPr lvl="1"/>
-            <a:r>
-              <a:rPr lang="en-GB" dirty="0" smtClean="0"/>
-              <a:t>features, …</a:t>
-            </a:r>
-          </a:p>
-          <a:p>
-            <a:pPr lvl="1"/>
-            <a:r>
-              <a:rPr lang="en-GB" dirty="0"/>
-              <a:t>compatible </a:t>
-            </a:r>
-            <a:r>
-              <a:rPr lang="en-GB" dirty="0" smtClean="0"/>
-              <a:t>components</a:t>
-            </a:r>
-          </a:p>
-          <a:p>
-            <a:pPr lvl="1"/>
-            <a:r>
-              <a:rPr lang="en-GB" dirty="0" smtClean="0"/>
-              <a:t>build 03929, 03930, ..</a:t>
-            </a:r>
-          </a:p>
-          <a:p>
-            <a:r>
-              <a:rPr lang="en-GB" dirty="0" smtClean="0"/>
-              <a:t>Avoid ‘halting’ work while newer versions </a:t>
-            </a:r>
-            <a:r>
-              <a:rPr lang="en-GB" dirty="0"/>
-              <a:t>of </a:t>
-            </a:r>
-            <a:r>
-              <a:rPr lang="en-GB" dirty="0" smtClean="0"/>
-              <a:t>components are developed</a:t>
-            </a:r>
-            <a:r>
-              <a:rPr lang="en-GB" dirty="0"/>
-              <a:t/>
-            </a:r>
-            <a:br>
-              <a:rPr lang="en-GB" dirty="0"/>
-            </a:br>
-            <a:r>
-              <a:rPr lang="en-GB" dirty="0"/>
-              <a:t/>
-            </a:r>
-            <a:br>
-              <a:rPr lang="en-GB" dirty="0"/>
-            </a:br>
-            <a:endParaRPr lang="en-GB" dirty="0"/>
+              <a:t>Software development is ultimately a human endeavour</a:t>
+            </a:r>
+          </a:p>
+          <a:p>
+            <a:endParaRPr lang="en-US" dirty="0" smtClean="0"/>
+          </a:p>
+          <a:p>
+            <a:pPr>
+              <a:buNone/>
+            </a:pPr>
+            <a:r>
+              <a:rPr lang="en-US" dirty="0" smtClean="0"/>
+              <a:t>a) True</a:t>
+            </a:r>
+          </a:p>
+          <a:p>
+            <a:pPr>
+              <a:buNone/>
+            </a:pPr>
+            <a:r>
+              <a:rPr lang="en-US" dirty="0" smtClean="0"/>
+              <a:t>b) False</a:t>
+            </a:r>
+            <a:endParaRPr lang="en-US" dirty="0"/>
           </a:p>
         </p:txBody>
       </p:sp>
     </p:spTree>
-    <p:extLst>
-      <p:ext uri="{BB962C8B-B14F-4D97-AF65-F5344CB8AC3E}">
-        <p14:creationId xmlns:p14="http://schemas.microsoft.com/office/powerpoint/2010/main" val="4020148598"/>
-      </p:ext>
-    </p:extLst>
   </p:cSld>
   <p:clrMapOvr>
     <a:masterClrMapping/>
@@ -6267,10 +6221,10 @@
           <a:lstStyle/>
           <a:p>
             <a:r>
-              <a:rPr lang="en-GB" b="1" dirty="0" smtClean="0"/>
-              <a:t>Integration</a:t>
-            </a:r>
-            <a:endParaRPr lang="en-GB" dirty="0"/>
+              <a:rPr lang="en-US" dirty="0" smtClean="0"/>
+              <a:t>Answer</a:t>
+            </a:r>
+            <a:endParaRPr lang="en-US" dirty="0"/>
           </a:p>
         </p:txBody>
       </p:sp>
@@ -6290,54 +6244,31 @@
           <a:lstStyle/>
           <a:p>
             <a:r>
-              <a:rPr lang="en-GB" dirty="0" smtClean="0"/>
-              <a:t>Integration events</a:t>
-            </a:r>
-          </a:p>
-          <a:p>
-            <a:r>
-              <a:rPr lang="en-GB" dirty="0" smtClean="0"/>
-              <a:t>Each marking </a:t>
-            </a:r>
-            <a:r>
-              <a:rPr lang="en-GB" dirty="0"/>
-              <a:t>the creation of another prototype or architectural </a:t>
-            </a:r>
-            <a:r>
-              <a:rPr lang="en-GB" dirty="0" smtClean="0"/>
-              <a:t>release</a:t>
-            </a:r>
-          </a:p>
-          <a:p>
-            <a:r>
-              <a:rPr lang="en-GB" dirty="0" smtClean="0"/>
-              <a:t>Generally </a:t>
-            </a:r>
-            <a:r>
-              <a:rPr lang="en-GB" dirty="0"/>
-              <a:t>incremental in </a:t>
-            </a:r>
-            <a:r>
-              <a:rPr lang="en-GB" dirty="0" smtClean="0"/>
-              <a:t>nature</a:t>
-            </a:r>
-          </a:p>
-          <a:p>
-            <a:pPr lvl="1"/>
-            <a:r>
-              <a:rPr lang="en-GB" dirty="0" smtClean="0"/>
-              <a:t>(i.e., not big-bang)</a:t>
-            </a:r>
-            <a:endParaRPr lang="en-GB" dirty="0"/>
+              <a:rPr lang="en-US" dirty="0" smtClean="0"/>
+              <a:t>a) True</a:t>
+            </a:r>
+          </a:p>
+          <a:p>
+            <a:endParaRPr lang="en-US" dirty="0" smtClean="0"/>
+          </a:p>
+          <a:p>
+            <a:pPr>
+              <a:buNone/>
+            </a:pPr>
+            <a:r>
+              <a:rPr lang="en-GB" dirty="0" smtClean="0"/>
+              <a:t>Software development is ultimately a human endeavour</a:t>
+            </a:r>
+          </a:p>
+          <a:p>
+            <a:pPr>
+              <a:buNone/>
+            </a:pPr>
+            <a:endParaRPr lang="en-US" dirty="0"/>
           </a:p>
         </p:txBody>
       </p:sp>
     </p:spTree>
-    <p:extLst>
-      <p:ext uri="{BB962C8B-B14F-4D97-AF65-F5344CB8AC3E}">
-        <p14:creationId xmlns:p14="http://schemas.microsoft.com/office/powerpoint/2010/main" val="2540850130"/>
-      </p:ext>
-    </p:extLst>
   </p:cSld>
   <p:clrMapOvr>
     <a:masterClrMapping/>
@@ -6378,9 +6309,10 @@
           <a:lstStyle/>
           <a:p>
             <a:r>
-              <a:rPr lang="en-GB" dirty="0"/>
-              <a:t>Testing</a:t>
-            </a:r>
+              <a:rPr lang="en-GB" smtClean="0"/>
+              <a:t>Central</a:t>
+            </a:r>
+            <a:endParaRPr lang="en-GB" dirty="0"/>
           </a:p>
         </p:txBody>
       </p:sp>
@@ -6401,15 +6333,23 @@
           <a:p>
             <a:r>
               <a:rPr lang="en-GB" dirty="0" smtClean="0"/>
-              <a:t>Testing should </a:t>
-            </a:r>
-            <a:r>
-              <a:rPr lang="en-GB" dirty="0"/>
-              <a:t>encompass at least three </a:t>
-            </a:r>
-            <a:r>
-              <a:rPr lang="en-GB" dirty="0" smtClean="0"/>
-              <a:t>dimensions:</a:t>
+              <a:t>Three </a:t>
+            </a:r>
+            <a:r>
+              <a:rPr lang="en-GB" dirty="0"/>
+              <a:t>roles to be central to the technical development team </a:t>
+            </a:r>
+            <a:r>
+              <a:rPr lang="en-GB" dirty="0" smtClean="0"/>
+              <a:t>for an </a:t>
+            </a:r>
+            <a:r>
+              <a:rPr lang="en-GB" dirty="0"/>
+              <a:t>object-oriented </a:t>
+            </a:r>
+            <a:r>
+              <a:rPr lang="en-GB" dirty="0" smtClean="0"/>
+              <a:t>project</a:t>
             </a:r>
           </a:p>
           <a:p>
@@ -6417,44 +6357,22 @@
               <a:buNone/>
             </a:pPr>
             <a:r>
-              <a:rPr lang="en-GB" dirty="0" smtClean="0"/>
-              <a:t>1.</a:t>
-            </a:r>
-            <a:r>
-              <a:rPr lang="en-GB" i="1" dirty="0" smtClean="0"/>
-              <a:t> Unit </a:t>
-            </a:r>
-            <a:r>
-              <a:rPr lang="en-GB" i="1" dirty="0"/>
-              <a:t>testing</a:t>
-            </a:r>
-            <a:r>
-              <a:rPr lang="en-GB" dirty="0"/>
-              <a:t/>
+              <a:rPr lang="en-GB" dirty="0"/>
+              <a:t>1. Project architect</a:t>
             </a:r>
             <a:br>
               <a:rPr lang="en-GB" dirty="0"/>
             </a:br>
             <a:r>
-              <a:rPr lang="en-GB" dirty="0" smtClean="0"/>
-              <a:t>2. Component testing</a:t>
-            </a:r>
-          </a:p>
-          <a:p>
-            <a:pPr marL="457200" lvl="1" indent="0">
-              <a:buNone/>
-            </a:pPr>
-            <a:r>
-              <a:rPr lang="en-GB" i="1" dirty="0" smtClean="0"/>
-              <a:t>3. System </a:t>
-            </a:r>
-            <a:r>
-              <a:rPr lang="en-GB" i="1" dirty="0"/>
-              <a:t>testing</a:t>
-            </a:r>
-            <a:r>
-              <a:rPr lang="en-GB" dirty="0"/>
-              <a:t/>
+              <a:rPr lang="en-GB" dirty="0"/>
+              <a:t>2. Component lead</a:t>
+            </a:r>
+            <a:br>
+              <a:rPr lang="en-GB" dirty="0"/>
+            </a:br>
+            <a:r>
+              <a:rPr lang="en-GB" dirty="0"/>
+              <a:t>3. Application engineer</a:t>
             </a:r>
             <a:br>
               <a:rPr lang="en-GB" dirty="0"/>
@@ -6473,7 +6391,7 @@
     </p:spTree>
     <p:extLst>
       <p:ext uri="{BB962C8B-B14F-4D97-AF65-F5344CB8AC3E}">
-        <p14:creationId xmlns:p14="http://schemas.microsoft.com/office/powerpoint/2010/main" val="830208248"/>
+        <p14:creationId xmlns:p14="http://schemas.microsoft.com/office/powerpoint/2010/main" xmlns="" val="1985037990"/>
       </p:ext>
     </p:extLst>
   </p:cSld>
@@ -6517,7 +6435,7 @@
           <a:p>
             <a:r>
               <a:rPr lang="en-GB" dirty="0" smtClean="0"/>
-              <a:t>Unit Testing</a:t>
+              <a:t>Challenges</a:t>
             </a:r>
             <a:endParaRPr lang="en-GB" dirty="0"/>
           </a:p>
@@ -6540,32 +6458,66 @@
           <a:p>
             <a:r>
               <a:rPr lang="en-GB" dirty="0" smtClean="0"/>
-              <a:t>Involves </a:t>
-            </a:r>
-            <a:r>
-              <a:rPr lang="en-GB" dirty="0"/>
-              <a:t>testing individual classes and </a:t>
-            </a:r>
-            <a:r>
-              <a:rPr lang="en-GB" dirty="0" smtClean="0"/>
-              <a:t>mechanisms and is the responsibility </a:t>
-            </a:r>
-            <a:r>
-              <a:rPr lang="en-GB" dirty="0"/>
-              <a:t>of the application engineer </a:t>
-            </a:r>
-            <a:r>
-              <a:rPr lang="en-GB" dirty="0" smtClean="0"/>
-              <a:t>who implemented </a:t>
-            </a:r>
-            <a:r>
-              <a:rPr lang="en-GB" dirty="0"/>
-              <a:t>the </a:t>
-            </a:r>
-            <a:r>
-              <a:rPr lang="en-GB" dirty="0" smtClean="0"/>
-              <a:t>structure</a:t>
-            </a:r>
+              <a:t>Breakdown </a:t>
+            </a:r>
+            <a:r>
+              <a:rPr lang="en-GB" dirty="0"/>
+              <a:t>of skills addresses </a:t>
+            </a:r>
+            <a:r>
+              <a:rPr lang="en-GB" dirty="0" smtClean="0"/>
+              <a:t>the staffing </a:t>
+            </a:r>
+            <a:r>
+              <a:rPr lang="en-GB" dirty="0"/>
+              <a:t>problem faced by most </a:t>
+            </a:r>
+            <a:r>
+              <a:rPr lang="en-GB" dirty="0" smtClean="0"/>
+              <a:t>software development organizations </a:t>
+            </a:r>
+          </a:p>
+          <a:p>
+            <a:r>
+              <a:rPr lang="en-GB" dirty="0" smtClean="0"/>
+              <a:t>Handful </a:t>
+            </a:r>
+            <a:r>
+              <a:rPr lang="en-GB" dirty="0"/>
+              <a:t>of really </a:t>
+            </a:r>
+            <a:r>
+              <a:rPr lang="en-GB" dirty="0" smtClean="0"/>
+              <a:t>skilled experienced individuals and </a:t>
+            </a:r>
+            <a:r>
+              <a:rPr lang="en-GB" dirty="0"/>
+              <a:t>many more less-experienced </a:t>
+            </a:r>
+            <a:r>
+              <a:rPr lang="en-GB" dirty="0" smtClean="0"/>
+              <a:t>ones</a:t>
+            </a:r>
+          </a:p>
+          <a:p>
+            <a:r>
+              <a:rPr lang="en-GB" dirty="0" smtClean="0"/>
+              <a:t>Opportunity to learn/gain experience</a:t>
+            </a:r>
+            <a:r>
+              <a:rPr lang="en-GB" dirty="0"/>
+              <a:t/>
+            </a:r>
+            <a:br>
+              <a:rPr lang="en-GB" dirty="0"/>
+            </a:br>
+            <a:r>
+              <a:rPr lang="en-GB" dirty="0"/>
+              <a:t/>
+            </a:r>
+            <a:br>
+              <a:rPr lang="en-GB" dirty="0"/>
+            </a:br>
             <a:endParaRPr lang="en-GB" dirty="0"/>
           </a:p>
         </p:txBody>
@@ -6573,7 +6525,7 @@
     </p:spTree>
     <p:extLst>
       <p:ext uri="{BB962C8B-B14F-4D97-AF65-F5344CB8AC3E}">
-        <p14:creationId xmlns:p14="http://schemas.microsoft.com/office/powerpoint/2010/main" val="3200125596"/>
+        <p14:creationId xmlns:p14="http://schemas.microsoft.com/office/powerpoint/2010/main" xmlns="" val="2784503646"/>
       </p:ext>
     </p:extLst>
   </p:cSld>
@@ -6610,123 +6562,111 @@
             <p:ph type="title"/>
           </p:nvPr>
         </p:nvSpPr>
-        <p:spPr>
-          <a:xfrm>
-            <a:off x="685800" y="76200"/>
-            <a:ext cx="7772400" cy="1143000"/>
-          </a:xfrm>
-        </p:spPr>
-        <p:txBody>
-          <a:bodyPr/>
-          <a:lstStyle/>
-          <a:p>
-            <a:r>
-              <a:rPr lang="en-GB" dirty="0" smtClean="0"/>
-              <a:t>Component Testing</a:t>
-            </a:r>
+        <p:spPr/>
+        <p:txBody>
+          <a:bodyPr/>
+          <a:lstStyle/>
+          <a:p>
+            <a:r>
+              <a:rPr lang="en-GB" dirty="0"/>
+              <a:t>Configuration Management and Version Control</a:t>
+            </a:r>
+          </a:p>
+        </p:txBody>
+      </p:sp>
+      <p:sp>
+        <p:nvSpPr>
+          <p:cNvPr id="3" name="Content Placeholder 2"/>
+          <p:cNvSpPr>
+            <a:spLocks noGrp="1"/>
+          </p:cNvSpPr>
+          <p:nvPr>
+            <p:ph idx="1"/>
+          </p:nvPr>
+        </p:nvSpPr>
+        <p:spPr/>
+        <p:txBody>
+          <a:bodyPr/>
+          <a:lstStyle/>
+          <a:p>
+            <a:r>
+              <a:rPr lang="en-GB" dirty="0" smtClean="0"/>
+              <a:t>Interfacing components</a:t>
+            </a:r>
+          </a:p>
+          <a:p>
+            <a:r>
+              <a:rPr lang="en-GB" dirty="0" smtClean="0"/>
+              <a:t>Keeping track of different versions</a:t>
+            </a:r>
+          </a:p>
+          <a:p>
+            <a:pPr lvl="1"/>
+            <a:r>
+              <a:rPr lang="en-GB" dirty="0" smtClean="0"/>
+              <a:t>stable, debug, testing, …</a:t>
+            </a:r>
+          </a:p>
+          <a:p>
+            <a:pPr lvl="1"/>
+            <a:r>
+              <a:rPr lang="en-GB" dirty="0" smtClean="0"/>
+              <a:t>features, …</a:t>
+            </a:r>
+          </a:p>
+          <a:p>
+            <a:pPr lvl="1"/>
+            <a:r>
+              <a:rPr lang="en-GB" dirty="0"/>
+              <a:t>compatible </a:t>
+            </a:r>
+            <a:r>
+              <a:rPr lang="en-GB" dirty="0" smtClean="0"/>
+              <a:t>components</a:t>
+            </a:r>
+          </a:p>
+          <a:p>
+            <a:pPr lvl="1"/>
+            <a:r>
+              <a:rPr lang="en-GB" dirty="0" smtClean="0"/>
+              <a:t>build 03929, 03930, ..</a:t>
+            </a:r>
+          </a:p>
+          <a:p>
+            <a:r>
+              <a:rPr lang="en-GB" dirty="0" smtClean="0"/>
+              <a:t>Avoid ‘halting’ work while newer versions </a:t>
+            </a:r>
+            <a:r>
+              <a:rPr lang="en-GB" dirty="0"/>
+              <a:t>of </a:t>
+            </a:r>
+            <a:r>
+              <a:rPr lang="en-GB" dirty="0" smtClean="0"/>
+              <a:t>components are developed</a:t>
+            </a:r>
+            <a:r>
+              <a:rPr lang="en-GB" dirty="0"/>
+              <a:t/>
+            </a:r>
+            <a:br>
+              <a:rPr lang="en-GB" dirty="0"/>
+            </a:br>
+            <a:r>
+              <a:rPr lang="en-GB" dirty="0"/>
+              <a:t/>
+            </a:r>
+            <a:br>
+              <a:rPr lang="en-GB" dirty="0"/>
+            </a:br>
             <a:endParaRPr lang="en-GB" dirty="0"/>
-          </a:p>
-        </p:txBody>
-      </p:sp>
-      <p:sp>
-        <p:nvSpPr>
-          <p:cNvPr id="3" name="Content Placeholder 2"/>
-          <p:cNvSpPr>
-            <a:spLocks noGrp="1"/>
-          </p:cNvSpPr>
-          <p:nvPr>
-            <p:ph idx="1"/>
-          </p:nvPr>
-        </p:nvSpPr>
-        <p:spPr>
-          <a:xfrm>
-            <a:off x="685800" y="1447800"/>
-            <a:ext cx="7772400" cy="5029200"/>
-          </a:xfrm>
-        </p:spPr>
-        <p:txBody>
-          <a:bodyPr>
-            <a:normAutofit fontScale="92500" lnSpcReduction="10000"/>
-          </a:bodyPr>
-          <a:lstStyle/>
-          <a:p>
-            <a:r>
-              <a:rPr lang="en-GB" dirty="0" smtClean="0"/>
-              <a:t>Involves </a:t>
-            </a:r>
-            <a:r>
-              <a:rPr lang="en-GB" dirty="0"/>
-              <a:t>integration testing a complete </a:t>
-            </a:r>
-            <a:r>
-              <a:rPr lang="en-GB" dirty="0" smtClean="0"/>
-              <a:t>component and is </a:t>
-            </a:r>
-            <a:r>
-              <a:rPr lang="en-GB" dirty="0"/>
-              <a:t>the responsibility of the component lead. </a:t>
-            </a:r>
-            <a:endParaRPr lang="en-GB" dirty="0" smtClean="0"/>
-          </a:p>
-          <a:p>
-            <a:r>
-              <a:rPr lang="en-GB" dirty="0" smtClean="0"/>
-              <a:t>Component </a:t>
-            </a:r>
-            <a:r>
-              <a:rPr lang="en-GB" dirty="0"/>
-              <a:t>tests can </a:t>
-            </a:r>
-            <a:r>
-              <a:rPr lang="en-GB" dirty="0" smtClean="0"/>
-              <a:t>be used </a:t>
-            </a:r>
-            <a:r>
-              <a:rPr lang="en-GB" dirty="0"/>
-              <a:t>as regression tests for each newly released version of the </a:t>
-            </a:r>
-            <a:r>
-              <a:rPr lang="en-GB" dirty="0" smtClean="0"/>
-              <a:t>component</a:t>
-            </a:r>
-            <a:endParaRPr lang="en-GB" dirty="0"/>
-          </a:p>
-          <a:p>
-            <a:r>
-              <a:rPr lang="en-GB" dirty="0"/>
-              <a:t>Note that the term component is generic and can mean a single </a:t>
-            </a:r>
-            <a:r>
-              <a:rPr lang="en-GB" dirty="0" smtClean="0"/>
-              <a:t>component in </a:t>
-            </a:r>
-            <a:r>
-              <a:rPr lang="en-GB" dirty="0"/>
-              <a:t>a small project or a collection </a:t>
-            </a:r>
-            <a:r>
-              <a:rPr lang="en-GB" dirty="0" smtClean="0"/>
-              <a:t>of components</a:t>
-            </a:r>
-            <a:r>
-              <a:rPr lang="en-GB" dirty="0"/>
-              <a:t>, sometimes referred to as </a:t>
-            </a:r>
-            <a:r>
-              <a:rPr lang="en-GB" dirty="0" smtClean="0"/>
-              <a:t>a subsystem</a:t>
-            </a:r>
-            <a:r>
-              <a:rPr lang="en-GB" dirty="0"/>
-              <a:t>, in a larger project</a:t>
-            </a:r>
           </a:p>
         </p:txBody>
       </p:sp>
     </p:spTree>
     <p:extLst>
       <p:ext uri="{BB962C8B-B14F-4D97-AF65-F5344CB8AC3E}">
-        <p14:creationId xmlns:p14="http://schemas.microsoft.com/office/powerpoint/2010/main" val="152427149"/>
+        <p14:creationId xmlns:p14="http://schemas.microsoft.com/office/powerpoint/2010/main" xmlns="" val="4020148598"/>
       </p:ext>
     </p:extLst>
   </p:cSld>
@@ -6762,7 +6702,7 @@
           <p:nvPr/>
         </p:nvPicPr>
         <p:blipFill>
-          <a:blip r:embed="rId2"/>
+          <a:blip r:embed="rId2" cstate="print"/>
           <a:stretch>
             <a:fillRect/>
           </a:stretch>
@@ -6836,7 +6776,7 @@
     </p:spTree>
     <p:extLst>
       <p:ext uri="{BB962C8B-B14F-4D97-AF65-F5344CB8AC3E}">
-        <p14:creationId xmlns:p14="http://schemas.microsoft.com/office/powerpoint/2010/main" val="3771947640"/>
+        <p14:creationId xmlns:p14="http://schemas.microsoft.com/office/powerpoint/2010/main" xmlns="" val="3771947640"/>
       </p:ext>
     </p:extLst>
   </p:cSld>
@@ -6879,8 +6819,8 @@
           <a:lstStyle/>
           <a:p>
             <a:r>
-              <a:rPr lang="en-GB" dirty="0" smtClean="0"/>
-              <a:t>System Testing</a:t>
+              <a:rPr lang="en-GB" b="1" dirty="0" smtClean="0"/>
+              <a:t>Integration</a:t>
             </a:r>
             <a:endParaRPr lang="en-GB" dirty="0"/>
           </a:p>
@@ -6903,45 +6843,42 @@
           <a:p>
             <a:r>
               <a:rPr lang="en-GB" dirty="0" smtClean="0"/>
-              <a:t>Involves </a:t>
-            </a:r>
-            <a:r>
-              <a:rPr lang="en-GB" dirty="0"/>
-              <a:t>integration testing the system as a whole and is </a:t>
-            </a:r>
-            <a:r>
-              <a:rPr lang="en-GB" dirty="0" smtClean="0"/>
-              <a:t>the responsibility </a:t>
-            </a:r>
-            <a:r>
-              <a:rPr lang="en-GB" dirty="0"/>
-              <a:t>of the quality assurance </a:t>
-            </a:r>
-            <a:r>
-              <a:rPr lang="en-GB" dirty="0" smtClean="0"/>
-              <a:t>team</a:t>
-            </a:r>
-          </a:p>
-          <a:p>
-            <a:r>
-              <a:rPr lang="en-GB" dirty="0" smtClean="0"/>
-              <a:t>System </a:t>
-            </a:r>
-            <a:r>
-              <a:rPr lang="en-GB" dirty="0"/>
-              <a:t>tests are also </a:t>
-            </a:r>
-            <a:r>
-              <a:rPr lang="en-GB" dirty="0" smtClean="0"/>
-              <a:t>typically used </a:t>
-            </a:r>
-            <a:r>
-              <a:rPr lang="en-GB" dirty="0"/>
-              <a:t>as regression tests by the integration team when assembling </a:t>
-            </a:r>
-            <a:r>
-              <a:rPr lang="en-GB" dirty="0" smtClean="0"/>
-              <a:t>new releases</a:t>
+              <a:t>Integration events</a:t>
+            </a:r>
+          </a:p>
+          <a:p>
+            <a:r>
+              <a:rPr lang="en-GB" dirty="0" smtClean="0"/>
+              <a:t>Each marking </a:t>
+            </a:r>
+            <a:r>
+              <a:rPr lang="en-GB" dirty="0"/>
+              <a:t>the creation of another prototype or architectural </a:t>
+            </a:r>
+            <a:r>
+              <a:rPr lang="en-GB" dirty="0" smtClean="0"/>
+              <a:t>release</a:t>
+            </a:r>
+          </a:p>
+          <a:p>
+            <a:r>
+              <a:rPr lang="en-GB" dirty="0" smtClean="0"/>
+              <a:t>Generally </a:t>
+            </a:r>
+            <a:r>
+              <a:rPr lang="en-GB" dirty="0"/>
+              <a:t>incremental in </a:t>
+            </a:r>
+            <a:r>
+              <a:rPr lang="en-GB" dirty="0" smtClean="0"/>
+              <a:t>nature</a:t>
+            </a:r>
+          </a:p>
+          <a:p>
+            <a:pPr lvl="1"/>
+            <a:r>
+              <a:rPr lang="en-GB" dirty="0" smtClean="0"/>
+              <a:t>(i.e., not big-bang)</a:t>
             </a:r>
             <a:endParaRPr lang="en-GB" dirty="0"/>
           </a:p>
@@ -6950,7 +6887,7 @@
     </p:spTree>
     <p:extLst>
       <p:ext uri="{BB962C8B-B14F-4D97-AF65-F5344CB8AC3E}">
-        <p14:creationId xmlns:p14="http://schemas.microsoft.com/office/powerpoint/2010/main" val="1523786038"/>
+        <p14:creationId xmlns:p14="http://schemas.microsoft.com/office/powerpoint/2010/main" xmlns="" val="2540850130"/>
       </p:ext>
     </p:extLst>
   </p:cSld>
@@ -6994,7 +6931,7 @@
           <a:p>
             <a:r>
               <a:rPr lang="en-GB" dirty="0"/>
-              <a:t>Reuse</a:t>
+              <a:t>Testing</a:t>
             </a:r>
           </a:p>
         </p:txBody>
@@ -7016,51 +6953,79 @@
           <a:p>
             <a:r>
               <a:rPr lang="en-GB" dirty="0" smtClean="0"/>
-              <a:t>Acclaimed </a:t>
-            </a:r>
-            <a:r>
-              <a:rPr lang="en-GB" dirty="0"/>
-              <a:t>benefits of object-oriented development is </a:t>
-            </a:r>
-            <a:r>
-              <a:rPr lang="en-GB" dirty="0" smtClean="0"/>
-              <a:t>reuse</a:t>
-            </a:r>
-          </a:p>
-          <a:p>
-            <a:r>
-              <a:rPr lang="en-GB" dirty="0" smtClean="0"/>
-              <a:t>Depends on management</a:t>
-            </a:r>
-          </a:p>
-          <a:p>
-            <a:r>
-              <a:rPr lang="en-GB" dirty="0" smtClean="0"/>
-              <a:t>Realize the </a:t>
-            </a:r>
-            <a:r>
-              <a:rPr lang="en-GB" dirty="0"/>
-              <a:t>benefits of reusing </a:t>
-            </a:r>
-            <a:r>
-              <a:rPr lang="en-GB" dirty="0" smtClean="0"/>
-              <a:t>the many </a:t>
-            </a:r>
-            <a:r>
-              <a:rPr lang="en-GB" dirty="0" err="1"/>
-              <a:t>artifacts</a:t>
-            </a:r>
-            <a:r>
-              <a:rPr lang="en-GB" dirty="0"/>
-              <a:t> of the development process</a:t>
-            </a:r>
+              <a:t>Testing should </a:t>
+            </a:r>
+            <a:r>
+              <a:rPr lang="en-GB" dirty="0"/>
+              <a:t>encompass at least three </a:t>
+            </a:r>
+            <a:r>
+              <a:rPr lang="en-GB" dirty="0" smtClean="0"/>
+              <a:t>dimensions:</a:t>
+            </a:r>
+          </a:p>
+          <a:p>
+            <a:pPr marL="457200" lvl="1" indent="0">
+              <a:buNone/>
+            </a:pPr>
+            <a:r>
+              <a:rPr lang="en-GB" dirty="0" smtClean="0"/>
+              <a:t>1.</a:t>
+            </a:r>
+            <a:r>
+              <a:rPr lang="en-GB" i="1" dirty="0" smtClean="0"/>
+              <a:t> Unit </a:t>
+            </a:r>
+            <a:r>
+              <a:rPr lang="en-GB" i="1" dirty="0"/>
+              <a:t>testing</a:t>
+            </a:r>
+            <a:r>
+              <a:rPr lang="en-GB" dirty="0"/>
+              <a:t/>
+            </a:r>
+            <a:br>
+              <a:rPr lang="en-GB" dirty="0"/>
+            </a:br>
+            <a:r>
+              <a:rPr lang="en-GB" dirty="0" smtClean="0"/>
+              <a:t>2. Component testing</a:t>
+            </a:r>
+          </a:p>
+          <a:p>
+            <a:pPr marL="457200" lvl="1" indent="0">
+              <a:buNone/>
+            </a:pPr>
+            <a:r>
+              <a:rPr lang="en-GB" i="1" dirty="0" smtClean="0"/>
+              <a:t>3. System </a:t>
+            </a:r>
+            <a:r>
+              <a:rPr lang="en-GB" i="1" dirty="0"/>
+              <a:t>testing</a:t>
+            </a:r>
+            <a:r>
+              <a:rPr lang="en-GB" dirty="0"/>
+              <a:t/>
+            </a:r>
+            <a:br>
+              <a:rPr lang="en-GB" dirty="0"/>
+            </a:br>
+            <a:r>
+              <a:rPr lang="en-GB" dirty="0"/>
+              <a:t/>
+            </a:r>
+            <a:br>
+              <a:rPr lang="en-GB" dirty="0"/>
+            </a:br>
+            <a:endParaRPr lang="en-GB" dirty="0"/>
           </a:p>
         </p:txBody>
       </p:sp>
     </p:spTree>
     <p:extLst>
       <p:ext uri="{BB962C8B-B14F-4D97-AF65-F5344CB8AC3E}">
-        <p14:creationId xmlns:p14="http://schemas.microsoft.com/office/powerpoint/2010/main" val="2034320265"/>
+        <p14:creationId xmlns:p14="http://schemas.microsoft.com/office/powerpoint/2010/main" xmlns="" val="830208248"/>
       </p:ext>
     </p:extLst>
   </p:cSld>
@@ -7103,9 +7068,10 @@
           <a:lstStyle/>
           <a:p>
             <a:r>
-              <a:rPr lang="en-GB" dirty="0"/>
-              <a:t>Elements of Reuse</a:t>
-            </a:r>
+              <a:rPr lang="en-GB" dirty="0" smtClean="0"/>
+              <a:t>Unit Testing</a:t>
+            </a:r>
+            <a:endParaRPr lang="en-GB" dirty="0"/>
           </a:p>
         </p:txBody>
       </p:sp>
@@ -7121,85 +7087,45 @@
         </p:nvSpPr>
         <p:spPr/>
         <p:txBody>
-          <a:bodyPr>
-            <a:normAutofit fontScale="92500" lnSpcReduction="10000"/>
-          </a:bodyPr>
-          <a:lstStyle/>
-          <a:p>
-            <a:r>
-              <a:rPr lang="en-GB" dirty="0">
-                <a:solidFill>
-                  <a:srgbClr val="FF0000"/>
-                </a:solidFill>
-              </a:rPr>
-              <a:t>Any</a:t>
-            </a:r>
-            <a:r>
-              <a:rPr lang="en-GB" dirty="0"/>
-              <a:t> </a:t>
-            </a:r>
-            <a:r>
-              <a:rPr lang="en-GB" dirty="0" err="1"/>
-              <a:t>artifact</a:t>
-            </a:r>
-            <a:r>
-              <a:rPr lang="en-GB" dirty="0"/>
-              <a:t> of software development can be </a:t>
-            </a:r>
-            <a:r>
-              <a:rPr lang="en-GB" dirty="0" smtClean="0"/>
-              <a:t>reused</a:t>
-            </a:r>
-          </a:p>
-          <a:p>
-            <a:r>
-              <a:rPr lang="en-GB" dirty="0" smtClean="0"/>
-              <a:t>Any stage, e.g., requirement, development and testing</a:t>
-            </a:r>
-          </a:p>
-          <a:p>
-            <a:r>
-              <a:rPr lang="en-GB" dirty="0" smtClean="0"/>
-              <a:t>For example, design</a:t>
-            </a:r>
-            <a:r>
-              <a:rPr lang="en-GB" dirty="0"/>
-              <a:t>, </a:t>
-            </a:r>
-            <a:r>
-              <a:rPr lang="en-GB" dirty="0" smtClean="0"/>
-              <a:t>code </a:t>
-            </a:r>
-            <a:r>
-              <a:rPr lang="en-GB" dirty="0"/>
-              <a:t>and </a:t>
-            </a:r>
-            <a:r>
-              <a:rPr lang="en-GB" dirty="0" smtClean="0"/>
-              <a:t>documentation</a:t>
-            </a:r>
-          </a:p>
-          <a:p>
-            <a:pPr lvl="1"/>
-            <a:r>
-              <a:rPr lang="en-GB" dirty="0"/>
-              <a:t>reuse patterns of classes, objects, and designs in the form of </a:t>
-            </a:r>
-            <a:r>
-              <a:rPr lang="en-GB" dirty="0" smtClean="0"/>
-              <a:t>idioms, mechanisms</a:t>
-            </a:r>
-            <a:r>
-              <a:rPr lang="en-GB" dirty="0"/>
-              <a:t>, and frameworks</a:t>
-            </a:r>
+          <a:bodyPr/>
+          <a:lstStyle/>
+          <a:p>
+            <a:r>
+              <a:rPr lang="en-GB" dirty="0" smtClean="0"/>
+              <a:t>Involves </a:t>
+            </a:r>
+            <a:r>
+              <a:rPr lang="en-GB" dirty="0"/>
+              <a:t>testing individual classes and </a:t>
+            </a:r>
+            <a:r>
+              <a:rPr lang="en-GB" dirty="0" smtClean="0"/>
+              <a:t>mechanisms and is the responsibility </a:t>
+            </a:r>
+            <a:r>
+              <a:rPr lang="en-GB" dirty="0"/>
+              <a:t>of the application engineer </a:t>
+            </a:r>
+            <a:r>
+              <a:rPr lang="en-GB" dirty="0" smtClean="0"/>
+              <a:t>who implemented </a:t>
+            </a:r>
+            <a:r>
+              <a:rPr lang="en-GB" dirty="0"/>
+              <a:t>the </a:t>
+            </a:r>
+            <a:r>
+              <a:rPr lang="en-GB" dirty="0" smtClean="0"/>
+              <a:t>structure</a:t>
+            </a:r>
+            <a:endParaRPr lang="en-GB" dirty="0"/>
           </a:p>
         </p:txBody>
       </p:sp>
     </p:spTree>
     <p:extLst>
       <p:ext uri="{BB962C8B-B14F-4D97-AF65-F5344CB8AC3E}">
-        <p14:creationId xmlns:p14="http://schemas.microsoft.com/office/powerpoint/2010/main" val="3872833892"/>
+        <p14:creationId xmlns:p14="http://schemas.microsoft.com/office/powerpoint/2010/main" xmlns="" val="3200125596"/>
       </p:ext>
     </p:extLst>
   </p:cSld>
@@ -7236,14 +7162,19 @@
             <p:ph type="title"/>
           </p:nvPr>
         </p:nvSpPr>
-        <p:spPr/>
-        <p:txBody>
-          <a:bodyPr/>
-          <a:lstStyle/>
-          <a:p>
-            <a:r>
-              <a:rPr lang="en-GB" dirty="0" smtClean="0"/>
-              <a:t>Question</a:t>
+        <p:spPr>
+          <a:xfrm>
+            <a:off x="685800" y="76200"/>
+            <a:ext cx="7772400" cy="1143000"/>
+          </a:xfrm>
+        </p:spPr>
+        <p:txBody>
+          <a:bodyPr/>
+          <a:lstStyle/>
+          <a:p>
+            <a:r>
+              <a:rPr lang="en-GB" dirty="0" smtClean="0"/>
+              <a:t>Component Testing</a:t>
             </a:r>
             <a:endParaRPr lang="en-GB" dirty="0"/>
           </a:p>
@@ -7259,56 +7190,95 @@
             <p:ph idx="1"/>
           </p:nvPr>
         </p:nvSpPr>
-        <p:spPr/>
-        <p:txBody>
-          <a:bodyPr/>
-          <a:lstStyle/>
-          <a:p>
-            <a:r>
-              <a:rPr lang="en-GB" dirty="0"/>
-              <a:t>Documentation should </a:t>
-            </a:r>
-            <a:r>
-              <a:rPr lang="en-GB" dirty="0" smtClean="0"/>
-              <a:t>drive </a:t>
-            </a:r>
-            <a:r>
-              <a:rPr lang="en-GB" dirty="0"/>
-              <a:t>the development </a:t>
-            </a:r>
-            <a:r>
-              <a:rPr lang="en-GB" dirty="0" smtClean="0"/>
-              <a:t>process</a:t>
-            </a:r>
-          </a:p>
-          <a:p>
+        <p:spPr>
+          <a:xfrm>
+            <a:off x="685800" y="1447800"/>
+            <a:ext cx="7772400" cy="5029200"/>
+          </a:xfrm>
+        </p:spPr>
+        <p:txBody>
+          <a:bodyPr>
+            <a:normAutofit fontScale="92500" lnSpcReduction="10000"/>
+          </a:bodyPr>
+          <a:lstStyle/>
+          <a:p>
+            <a:r>
+              <a:rPr lang="en-GB" dirty="0" smtClean="0"/>
+              <a:t>Involves </a:t>
+            </a:r>
+            <a:r>
+              <a:rPr lang="en-GB" dirty="0"/>
+              <a:t>integration testing a complete </a:t>
+            </a:r>
+            <a:r>
+              <a:rPr lang="en-GB" dirty="0" smtClean="0"/>
+              <a:t>component and is </a:t>
+            </a:r>
+            <a:r>
+              <a:rPr lang="en-GB" dirty="0"/>
+              <a:t>the responsibility of the component lead. </a:t>
+            </a:r>
+            <a:endParaRPr lang="en-GB" dirty="0" smtClean="0"/>
+          </a:p>
+          <a:p>
+            <a:r>
+              <a:rPr lang="en-GB" dirty="0" smtClean="0"/>
+              <a:t>Component </a:t>
+            </a:r>
+            <a:r>
+              <a:rPr lang="en-GB" dirty="0"/>
+              <a:t>tests can </a:t>
+            </a:r>
+            <a:r>
+              <a:rPr lang="en-GB" dirty="0" smtClean="0"/>
+              <a:t>be used </a:t>
+            </a:r>
+            <a:r>
+              <a:rPr lang="en-GB" dirty="0"/>
+              <a:t>as regression tests for each newly released version of the </a:t>
+            </a:r>
+            <a:r>
+              <a:rPr lang="en-GB" dirty="0" smtClean="0"/>
+              <a:t>component</a:t>
+            </a:r>
             <a:endParaRPr lang="en-GB" dirty="0"/>
           </a:p>
           <a:p>
-            <a:pPr marL="514350" indent="-514350">
-              <a:buAutoNum type="alphaLcParenR"/>
-            </a:pPr>
-            <a:r>
-              <a:rPr lang="en-GB" dirty="0" smtClean="0"/>
-              <a:t>True</a:t>
-            </a:r>
-          </a:p>
-          <a:p>
-            <a:pPr marL="514350" indent="-514350">
-              <a:buAutoNum type="alphaLcParenR"/>
-            </a:pPr>
-            <a:r>
-              <a:rPr lang="en-GB" dirty="0" smtClean="0"/>
-              <a:t>False</a:t>
-            </a:r>
-            <a:endParaRPr lang="en-GB" dirty="0"/>
+            <a:r>
+              <a:rPr lang="en-GB" dirty="0"/>
+              <a:t>Note that the term component is generic and can mean a single </a:t>
+            </a:r>
+            <a:r>
+              <a:rPr lang="en-GB" dirty="0" smtClean="0"/>
+              <a:t>component in </a:t>
+            </a:r>
+            <a:r>
+              <a:rPr lang="en-GB" dirty="0"/>
+              <a:t>a small project or a collection </a:t>
+            </a:r>
+            <a:r>
+              <a:rPr lang="en-GB" dirty="0" smtClean="0"/>
+              <a:t>of components</a:t>
+            </a:r>
+            <a:r>
+              <a:rPr lang="en-GB" dirty="0"/>
+              <a:t>, sometimes referred to as </a:t>
+            </a:r>
+            <a:r>
+              <a:rPr lang="en-GB" dirty="0" smtClean="0"/>
+              <a:t>a subsystem</a:t>
+            </a:r>
+            <a:r>
+              <a:rPr lang="en-GB" dirty="0"/>
+              <a:t>, in a larger project</a:t>
+            </a:r>
           </a:p>
         </p:txBody>
       </p:sp>
     </p:spTree>
     <p:extLst>
       <p:ext uri="{BB962C8B-B14F-4D97-AF65-F5344CB8AC3E}">
-        <p14:creationId xmlns:p14="http://schemas.microsoft.com/office/powerpoint/2010/main" val="3422991992"/>
+        <p14:creationId xmlns:p14="http://schemas.microsoft.com/office/powerpoint/2010/main" xmlns="" val="152427149"/>
       </p:ext>
     </p:extLst>
   </p:cSld>
@@ -7352,7 +7322,7 @@
           <a:p>
             <a:r>
               <a:rPr lang="en-GB" dirty="0" smtClean="0"/>
-              <a:t>Answer</a:t>
+              <a:t>System Testing</a:t>
             </a:r>
             <a:endParaRPr lang="en-GB" dirty="0"/>
           </a:p>
@@ -7375,42 +7345,46 @@
           <a:p>
             <a:r>
               <a:rPr lang="en-GB" dirty="0" smtClean="0"/>
-              <a:t>b) False</a:t>
-            </a:r>
-          </a:p>
-          <a:p>
-            <a:endParaRPr lang="en-GB" dirty="0"/>
-          </a:p>
-          <a:p>
-            <a:pPr marL="0" indent="0">
-              <a:buNone/>
-            </a:pPr>
-            <a:r>
-              <a:rPr lang="en-GB" dirty="0"/>
-              <a:t>Documentation should </a:t>
-            </a:r>
-            <a:r>
-              <a:rPr lang="en-GB" dirty="0">
-                <a:solidFill>
-                  <a:srgbClr val="FF0000"/>
-                </a:solidFill>
-              </a:rPr>
-              <a:t>never</a:t>
-            </a:r>
-            <a:r>
-              <a:rPr lang="en-GB" dirty="0"/>
-              <a:t> drive the development process</a:t>
-            </a:r>
-            <a:br>
-              <a:rPr lang="en-GB" dirty="0"/>
-            </a:br>
-            <a:r>
-              <a:rPr lang="en-GB" dirty="0"/>
-              <a:t/>
-            </a:r>
-            <a:br>
-              <a:rPr lang="en-GB" dirty="0"/>
-            </a:br>
+              <a:t>Involves </a:t>
+            </a:r>
+            <a:r>
+              <a:rPr lang="en-GB" dirty="0"/>
+              <a:t>integration testing the system as a whole and is </a:t>
+            </a:r>
+            <a:r>
+              <a:rPr lang="en-GB" dirty="0" smtClean="0"/>
+              <a:t>the responsibility </a:t>
+            </a:r>
+            <a:r>
+              <a:rPr lang="en-GB" dirty="0"/>
+              <a:t>of the quality assurance </a:t>
+            </a:r>
+            <a:r>
+              <a:rPr lang="en-GB" dirty="0" smtClean="0"/>
+              <a:t>team</a:t>
+            </a:r>
+          </a:p>
+          <a:p>
+            <a:r>
+              <a:rPr lang="en-GB" dirty="0" smtClean="0"/>
+              <a:t>System </a:t>
+            </a:r>
+            <a:r>
+              <a:rPr lang="en-GB" dirty="0"/>
+              <a:t>tests are also </a:t>
+            </a:r>
+            <a:r>
+              <a:rPr lang="en-GB" dirty="0" smtClean="0"/>
+              <a:t>typically used </a:t>
+            </a:r>
+            <a:r>
+              <a:rPr lang="en-GB" dirty="0"/>
+              <a:t>as regression tests by the integration team when assembling </a:t>
+            </a:r>
+            <a:r>
+              <a:rPr lang="en-GB" dirty="0" smtClean="0"/>
+              <a:t>new releases</a:t>
+            </a:r>
             <a:endParaRPr lang="en-GB" dirty="0"/>
           </a:p>
         </p:txBody>
@@ -7418,7 +7392,7 @@
     </p:spTree>
     <p:extLst>
       <p:ext uri="{BB962C8B-B14F-4D97-AF65-F5344CB8AC3E}">
-        <p14:creationId xmlns:p14="http://schemas.microsoft.com/office/powerpoint/2010/main" val="2947681496"/>
+        <p14:creationId xmlns:p14="http://schemas.microsoft.com/office/powerpoint/2010/main" xmlns="" val="1523786038"/>
       </p:ext>
     </p:extLst>
   </p:cSld>
@@ -7461,9 +7435,10 @@
           <a:lstStyle/>
           <a:p>
             <a:r>
-              <a:rPr lang="en-GB" dirty="0"/>
-              <a:t>Institutionalizing Reuse</a:t>
-            </a:r>
+              <a:rPr lang="en-US" dirty="0" smtClean="0"/>
+              <a:t>Question</a:t>
+            </a:r>
+            <a:endParaRPr lang="en-US" dirty="0"/>
           </a:p>
         </p:txBody>
       </p:sp>
@@ -7477,99 +7452,98 @@
             <p:ph idx="1"/>
           </p:nvPr>
         </p:nvSpPr>
-        <p:spPr/>
-        <p:txBody>
-          <a:bodyPr/>
-          <a:lstStyle/>
-          <a:p>
-            <a:r>
-              <a:rPr lang="en-GB" dirty="0"/>
-              <a:t>Reuse within a project or even within an entire organization doesn’t just </a:t>
-            </a:r>
-            <a:r>
-              <a:rPr lang="en-GB" dirty="0" smtClean="0"/>
-              <a:t>happen</a:t>
-            </a:r>
-          </a:p>
-          <a:p>
-            <a:endParaRPr lang="en-GB" dirty="0"/>
-          </a:p>
-          <a:p>
-            <a:pPr marL="0" indent="0">
+        <p:spPr>
+          <a:xfrm>
+            <a:off x="381000" y="1981200"/>
+            <a:ext cx="8382000" cy="4114800"/>
+          </a:xfrm>
+        </p:spPr>
+        <p:txBody>
+          <a:bodyPr>
+            <a:normAutofit fontScale="92500" lnSpcReduction="20000"/>
+          </a:bodyPr>
+          <a:lstStyle/>
+          <a:p>
+            <a:r>
+              <a:rPr lang="en-GB" dirty="0" smtClean="0"/>
+              <a:t>Testing should encompass </a:t>
+            </a:r>
+            <a:r>
+              <a:rPr lang="en-GB" dirty="0" smtClean="0"/>
+              <a:t>which three dimensions?</a:t>
+            </a:r>
+          </a:p>
+          <a:p>
+            <a:pPr>
               <a:buNone/>
             </a:pPr>
-            <a:r>
-              <a:rPr lang="en-GB" dirty="0" smtClean="0"/>
-              <a:t>			 </a:t>
-            </a:r>
-            <a:r>
-              <a:rPr lang="en-GB" sz="6600" dirty="0" smtClean="0"/>
-              <a:t>WHY?</a:t>
-            </a:r>
-            <a:endParaRPr lang="en-GB" dirty="0"/>
-          </a:p>
-        </p:txBody>
-      </p:sp>
-      <p:pic>
-        <p:nvPicPr>
-          <p:cNvPr id="4" name="Picture 1"/>
-          <p:cNvPicPr>
-            <a:picLocks noChangeAspect="1"/>
-          </p:cNvPicPr>
-          <p:nvPr/>
-        </p:nvPicPr>
-        <p:blipFill>
-          <a:blip r:embed="rId2">
-            <a:extLst>
-              <a:ext uri="{28A0092B-C50C-407E-A947-70E740481C1C}">
-                <a14:useLocalDpi xmlns:a14="http://schemas.microsoft.com/office/drawing/2010/main" val="0"/>
-              </a:ext>
-            </a:extLst>
-          </a:blip>
-          <a:srcRect/>
-          <a:stretch>
-            <a:fillRect/>
-          </a:stretch>
-        </p:blipFill>
-        <p:spPr bwMode="auto">
-          <a:xfrm>
-            <a:off x="6468140" y="4800600"/>
-            <a:ext cx="2294860" cy="1879600"/>
-          </a:xfrm>
-          <a:prstGeom prst="rect">
-            <a:avLst/>
-          </a:prstGeom>
-          <a:noFill/>
-          <a:ln>
-            <a:noFill/>
-          </a:ln>
-          <a:extLst>
-            <a:ext uri="{909E8E84-426E-40DD-AFC4-6F175D3DCCD1}">
-              <a14:hiddenFill xmlns:a14="http://schemas.microsoft.com/office/drawing/2010/main">
-                <a:solidFill>
-                  <a:srgbClr val="FFFFFF"/>
-                </a:solidFill>
-              </a14:hiddenFill>
-            </a:ext>
-            <a:ext uri="{91240B29-F687-4F45-9708-019B960494DF}">
-              <a14:hiddenLine xmlns:a14="http://schemas.microsoft.com/office/drawing/2010/main" w="9525">
-                <a:solidFill>
-                  <a:srgbClr val="000000"/>
-                </a:solidFill>
-                <a:miter lim="800000"/>
-                <a:headEnd/>
-                <a:tailEnd/>
-              </a14:hiddenLine>
-            </a:ext>
-          </a:extLst>
-        </p:spPr>
-      </p:pic>
+            <a:endParaRPr lang="en-GB" i="1" dirty="0" smtClean="0"/>
+          </a:p>
+          <a:p>
+            <a:pPr>
+              <a:buNone/>
+            </a:pPr>
+            <a:r>
+              <a:rPr lang="en-GB" i="1" dirty="0" smtClean="0"/>
+              <a:t>a) </a:t>
+            </a:r>
+            <a:r>
+              <a:rPr lang="en-GB" dirty="0" smtClean="0"/>
+              <a:t>Component testing, </a:t>
+            </a:r>
+            <a:r>
+              <a:rPr lang="en-GB" i="1" dirty="0" smtClean="0"/>
+              <a:t>Unit testing</a:t>
+            </a:r>
+            <a:r>
+              <a:rPr lang="en-GB" dirty="0" smtClean="0"/>
+              <a:t>, </a:t>
+            </a:r>
+            <a:r>
+              <a:rPr lang="en-GB" i="1" dirty="0" smtClean="0"/>
+              <a:t>System </a:t>
+            </a:r>
+            <a:r>
+              <a:rPr lang="en-GB" i="1" dirty="0" smtClean="0"/>
+              <a:t>testing</a:t>
+            </a:r>
+          </a:p>
+          <a:p>
+            <a:pPr>
+              <a:buNone/>
+            </a:pPr>
+            <a:r>
+              <a:rPr lang="en-GB" i="1" dirty="0" smtClean="0"/>
+              <a:t>b) </a:t>
+            </a:r>
+            <a:r>
+              <a:rPr lang="en-GB" i="1" dirty="0" smtClean="0"/>
+              <a:t>Unit </a:t>
+            </a:r>
+            <a:r>
+              <a:rPr lang="en-GB" i="1" dirty="0" smtClean="0"/>
+              <a:t>testing, System Components, Quality testing</a:t>
+            </a:r>
+          </a:p>
+          <a:p>
+            <a:pPr>
+              <a:buNone/>
+            </a:pPr>
+            <a:r>
+              <a:rPr lang="en-GB" i="1" dirty="0" smtClean="0"/>
+              <a:t>c) Unit testing, System testing, Compound testing</a:t>
+            </a:r>
+            <a:endParaRPr lang="en-US" dirty="0" smtClean="0"/>
+          </a:p>
+          <a:p>
+            <a:pPr>
+              <a:buNone/>
+            </a:pPr>
+            <a:endParaRPr lang="en-US" dirty="0"/>
+          </a:p>
+        </p:txBody>
+      </p:sp>
     </p:spTree>
-    <p:extLst>
-      <p:ext uri="{BB962C8B-B14F-4D97-AF65-F5344CB8AC3E}">
-        <p14:creationId xmlns:p14="http://schemas.microsoft.com/office/powerpoint/2010/main" val="4021884752"/>
-      </p:ext>
-    </p:extLst>
   </p:cSld>
   <p:clrMapOvr>
     <a:masterClrMapping/>
@@ -7610,9 +7584,10 @@
           <a:lstStyle/>
           <a:p>
             <a:r>
-              <a:rPr lang="en-GB" dirty="0"/>
-              <a:t>Institutionalizing Reuse</a:t>
-            </a:r>
+              <a:rPr lang="en-US" dirty="0" smtClean="0"/>
+              <a:t>Answer</a:t>
+            </a:r>
+            <a:endParaRPr lang="en-US" dirty="0"/>
           </a:p>
         </p:txBody>
       </p:sp>
@@ -7632,84 +7607,30 @@
           <a:lstStyle/>
           <a:p>
             <a:r>
-              <a:rPr lang="en-GB" dirty="0" smtClean="0"/>
-              <a:t>Encouraged</a:t>
-            </a:r>
-          </a:p>
-          <a:p>
-            <a:r>
-              <a:rPr lang="en-GB" dirty="0" smtClean="0"/>
-              <a:t>Opportunities </a:t>
-            </a:r>
-            <a:r>
-              <a:rPr lang="en-GB" dirty="0"/>
-              <a:t>for reuse must </a:t>
-            </a:r>
-            <a:r>
-              <a:rPr lang="en-GB" dirty="0" smtClean="0"/>
-              <a:t>be actively </a:t>
-            </a:r>
-            <a:r>
-              <a:rPr lang="en-GB" dirty="0"/>
-              <a:t>sought out and </a:t>
-            </a:r>
-            <a:r>
-              <a:rPr lang="en-GB" dirty="0" smtClean="0"/>
-              <a:t>rewarded</a:t>
-            </a:r>
-          </a:p>
-          <a:p>
-            <a:r>
-              <a:rPr lang="en-GB" dirty="0" smtClean="0"/>
-              <a:t>Pattern </a:t>
-            </a:r>
-            <a:r>
-              <a:rPr lang="en-GB" dirty="0"/>
-              <a:t>scavenging as an </a:t>
-            </a:r>
-            <a:r>
-              <a:rPr lang="en-GB" dirty="0">
-                <a:solidFill>
-                  <a:srgbClr val="FF0000"/>
-                </a:solidFill>
-              </a:rPr>
-              <a:t>explicit</a:t>
-            </a:r>
-            <a:r>
-              <a:rPr lang="en-GB" dirty="0"/>
-              <a:t> activity in the </a:t>
-            </a:r>
-            <a:r>
-              <a:rPr lang="en-GB" dirty="0" smtClean="0"/>
-              <a:t>development process</a:t>
-            </a:r>
-          </a:p>
-          <a:p>
-            <a:r>
-              <a:rPr lang="en-GB" dirty="0" smtClean="0"/>
-              <a:t>Making </a:t>
-            </a:r>
-            <a:r>
-              <a:rPr lang="en-GB" dirty="0"/>
-              <a:t>specific </a:t>
-            </a:r>
-            <a:r>
-              <a:rPr lang="en-GB" dirty="0" smtClean="0"/>
-              <a:t>individuals responsible </a:t>
-            </a:r>
-            <a:r>
-              <a:rPr lang="en-GB" dirty="0"/>
-              <a:t>for leading the reuse activity</a:t>
-            </a:r>
+              <a:rPr lang="en-US" dirty="0" smtClean="0"/>
+              <a:t>a) </a:t>
+            </a:r>
+            <a:r>
+              <a:rPr lang="en-GB" dirty="0" smtClean="0"/>
+              <a:t>Component testing, </a:t>
+            </a:r>
+            <a:r>
+              <a:rPr lang="en-GB" i="1" dirty="0" smtClean="0"/>
+              <a:t>Unit testing</a:t>
+            </a:r>
+            <a:r>
+              <a:rPr lang="en-GB" dirty="0" smtClean="0"/>
+              <a:t>, </a:t>
+            </a:r>
+            <a:r>
+              <a:rPr lang="en-GB" i="1" dirty="0" smtClean="0"/>
+              <a:t>System testing</a:t>
+            </a:r>
+            <a:endParaRPr lang="en-US" dirty="0"/>
           </a:p>
         </p:txBody>
       </p:sp>
     </p:spTree>
-    <p:extLst>
-      <p:ext uri="{BB962C8B-B14F-4D97-AF65-F5344CB8AC3E}">
-        <p14:creationId xmlns:p14="http://schemas.microsoft.com/office/powerpoint/2010/main" val="3610348242"/>
-      </p:ext>
-    </p:extLst>
   </p:cSld>
   <p:clrMapOvr>
     <a:masterClrMapping/>
@@ -7750,10 +7671,9 @@
           <a:lstStyle/>
           <a:p>
             <a:r>
-              <a:rPr lang="en-GB" dirty="0" smtClean="0"/>
-              <a:t>Long Term</a:t>
-            </a:r>
-            <a:endParaRPr lang="en-GB" dirty="0"/>
+              <a:rPr lang="en-GB" dirty="0"/>
+              <a:t>Reuse</a:t>
+            </a:r>
           </a:p>
         </p:txBody>
       </p:sp>
@@ -7774,33 +7694,43 @@
           <a:p>
             <a:r>
               <a:rPr lang="en-GB" dirty="0" smtClean="0"/>
-              <a:t>Reuse </a:t>
-            </a:r>
-            <a:r>
-              <a:rPr lang="en-GB" dirty="0"/>
-              <a:t>costs resources in the short term but pays off in the long </a:t>
-            </a:r>
-            <a:r>
-              <a:rPr lang="en-GB" dirty="0" smtClean="0"/>
-              <a:t>term</a:t>
-            </a:r>
-          </a:p>
-          <a:p>
-            <a:r>
-              <a:rPr lang="en-GB" dirty="0" smtClean="0"/>
-              <a:t>Organization </a:t>
-            </a:r>
-            <a:r>
-              <a:rPr lang="en-GB" dirty="0"/>
-              <a:t>that takes a </a:t>
-            </a:r>
-            <a:r>
-              <a:rPr lang="en-GB" dirty="0" smtClean="0"/>
-              <a:t>long-term view </a:t>
-            </a:r>
-            <a:r>
-              <a:rPr lang="en-GB" dirty="0"/>
-              <a:t>of software development and optimizes resources</a:t>
+              <a:t>Acclaimed </a:t>
+            </a:r>
+            <a:r>
+              <a:rPr lang="en-GB" dirty="0"/>
+              <a:t>benefits of object-oriented development is </a:t>
+            </a:r>
+            <a:r>
+              <a:rPr lang="en-GB" dirty="0" smtClean="0"/>
+              <a:t>reuse</a:t>
+            </a:r>
+          </a:p>
+          <a:p>
+            <a:r>
+              <a:rPr lang="en-GB" dirty="0" smtClean="0"/>
+              <a:t>Depends on management</a:t>
+            </a:r>
+          </a:p>
+          <a:p>
+            <a:r>
+              <a:rPr lang="en-GB" dirty="0" smtClean="0"/>
+              <a:t>Realize the </a:t>
+            </a:r>
+            <a:r>
+              <a:rPr lang="en-GB" dirty="0"/>
+              <a:t>benefits of reusing </a:t>
+            </a:r>
+            <a:r>
+              <a:rPr lang="en-GB" dirty="0" smtClean="0"/>
+              <a:t>the many </a:t>
+            </a:r>
+            <a:r>
+              <a:rPr lang="en-GB" dirty="0" err="1"/>
+              <a:t>artifacts</a:t>
+            </a:r>
+            <a:r>
+              <a:rPr lang="en-GB" dirty="0"/>
+              <a:t> of the development process</a:t>
             </a:r>
           </a:p>
         </p:txBody>
@@ -7808,7 +7738,7 @@
     </p:spTree>
     <p:extLst>
       <p:ext uri="{BB962C8B-B14F-4D97-AF65-F5344CB8AC3E}">
-        <p14:creationId xmlns:p14="http://schemas.microsoft.com/office/powerpoint/2010/main" val="764621647"/>
+        <p14:creationId xmlns:p14="http://schemas.microsoft.com/office/powerpoint/2010/main" xmlns="" val="2034320265"/>
       </p:ext>
     </p:extLst>
   </p:cSld>
@@ -7852,7 +7782,7 @@
           <a:p>
             <a:r>
               <a:rPr lang="en-GB" dirty="0"/>
-              <a:t>Quality Assurance and Metrics</a:t>
+              <a:t>Elements of Reuse</a:t>
             </a:r>
           </a:p>
         </p:txBody>
@@ -7869,24 +7799,77 @@
         </p:nvSpPr>
         <p:spPr/>
         <p:txBody>
-          <a:bodyPr/>
-          <a:lstStyle/>
-          <a:p>
-            <a:r>
-              <a:rPr lang="en-GB" dirty="0" smtClean="0"/>
-              <a:t>Systematic </a:t>
-            </a:r>
-            <a:r>
-              <a:rPr lang="en-GB" dirty="0"/>
-              <a:t>activities providing </a:t>
-            </a:r>
-            <a:r>
-              <a:rPr lang="en-GB" dirty="0" smtClean="0"/>
-              <a:t>evidence of </a:t>
-            </a:r>
-            <a:r>
-              <a:rPr lang="en-GB" dirty="0"/>
-              <a:t>the fitness for use of the total software product</a:t>
+          <a:bodyPr>
+            <a:normAutofit fontScale="92500" lnSpcReduction="10000"/>
+          </a:bodyPr>
+          <a:lstStyle/>
+          <a:p>
+            <a:r>
+              <a:rPr lang="en-GB" dirty="0">
+                <a:solidFill>
+                  <a:srgbClr val="FF0000"/>
+                </a:solidFill>
+              </a:rPr>
+              <a:t>Any</a:t>
+            </a:r>
+            <a:r>
+              <a:rPr lang="en-GB" dirty="0"/>
+              <a:t> </a:t>
+            </a:r>
+            <a:r>
+              <a:rPr lang="en-GB" dirty="0" err="1"/>
+              <a:t>artifact</a:t>
+            </a:r>
+            <a:r>
+              <a:rPr lang="en-GB" dirty="0"/>
+              <a:t> of software development can be </a:t>
+            </a:r>
+            <a:r>
+              <a:rPr lang="en-GB" dirty="0" smtClean="0"/>
+              <a:t>reused</a:t>
+            </a:r>
+          </a:p>
+          <a:p>
+            <a:r>
+              <a:rPr lang="en-GB" dirty="0" smtClean="0"/>
+              <a:t>Any stage, e.g., requirement, development and testing</a:t>
+            </a:r>
+          </a:p>
+          <a:p>
+            <a:r>
+              <a:rPr lang="en-GB" dirty="0" smtClean="0"/>
+              <a:t>For example, design</a:t>
+            </a:r>
+            <a:r>
+              <a:rPr lang="en-GB" dirty="0"/>
+              <a:t>, </a:t>
+            </a:r>
+            <a:r>
+              <a:rPr lang="en-GB" dirty="0" smtClean="0"/>
+              <a:t>code </a:t>
+            </a:r>
+            <a:r>
+              <a:rPr lang="en-GB" dirty="0"/>
+              <a:t>and </a:t>
+            </a:r>
+            <a:r>
+              <a:rPr lang="en-GB" dirty="0" smtClean="0"/>
+              <a:t>documentation</a:t>
+            </a:r>
+          </a:p>
+          <a:p>
+            <a:pPr lvl="1"/>
+            <a:r>
+              <a:rPr lang="en-GB" dirty="0"/>
+              <a:t>reuse patterns of classes, objects, and designs in the form of </a:t>
+            </a:r>
+            <a:r>
+              <a:rPr lang="en-GB" dirty="0" smtClean="0"/>
+              <a:t>idioms, mechanisms</a:t>
+            </a:r>
+            <a:r>
+              <a:rPr lang="en-GB" dirty="0"/>
+              <a:t>, and frameworks</a:t>
             </a:r>
           </a:p>
         </p:txBody>
@@ -7894,7 +7877,7 @@
     </p:spTree>
     <p:extLst>
       <p:ext uri="{BB962C8B-B14F-4D97-AF65-F5344CB8AC3E}">
-        <p14:creationId xmlns:p14="http://schemas.microsoft.com/office/powerpoint/2010/main" val="4271149563"/>
+        <p14:creationId xmlns:p14="http://schemas.microsoft.com/office/powerpoint/2010/main" xmlns="" val="3872833892"/>
       </p:ext>
     </p:extLst>
   </p:cSld>
@@ -7937,9 +7920,10 @@
           <a:lstStyle/>
           <a:p>
             <a:r>
-              <a:rPr lang="en-GB" dirty="0"/>
-              <a:t>Software Quality</a:t>
-            </a:r>
+              <a:rPr lang="en-GB" dirty="0" smtClean="0"/>
+              <a:t>Question</a:t>
+            </a:r>
+            <a:endParaRPr lang="en-GB" dirty="0"/>
           </a:p>
         </p:txBody>
       </p:sp>
@@ -7959,66 +7943,50 @@
           <a:lstStyle/>
           <a:p>
             <a:r>
-              <a:rPr lang="en-GB" dirty="0" smtClean="0"/>
-              <a:t>Software </a:t>
-            </a:r>
-            <a:r>
-              <a:rPr lang="en-GB" dirty="0"/>
-              <a:t>quality as </a:t>
-            </a:r>
-            <a:r>
-              <a:rPr lang="en-GB" dirty="0" smtClean="0"/>
-              <a:t>the </a:t>
-            </a:r>
-            <a:r>
-              <a:rPr lang="en-GB" dirty="0"/>
-              <a:t>fitness for use of </a:t>
-            </a:r>
-            <a:r>
-              <a:rPr lang="en-GB" dirty="0" smtClean="0"/>
-              <a:t>the total </a:t>
-            </a:r>
-            <a:r>
-              <a:rPr lang="en-GB" dirty="0"/>
-              <a:t>software </a:t>
-            </a:r>
-            <a:r>
-              <a:rPr lang="en-GB" dirty="0" smtClean="0"/>
-              <a:t>product</a:t>
-            </a:r>
-          </a:p>
-          <a:p>
-            <a:r>
-              <a:rPr lang="en-GB" dirty="0"/>
-              <a:t>Software quality </a:t>
-            </a:r>
-            <a:r>
-              <a:rPr lang="en-GB" dirty="0">
-                <a:solidFill>
-                  <a:srgbClr val="FF0000"/>
-                </a:solidFill>
-              </a:rPr>
-              <a:t>doesn’t just happen</a:t>
-            </a:r>
-            <a:r>
-              <a:rPr lang="en-GB" dirty="0"/>
-              <a:t>: It must </a:t>
-            </a:r>
-            <a:r>
-              <a:rPr lang="en-GB" dirty="0" smtClean="0"/>
-              <a:t>be engineered </a:t>
-            </a:r>
-            <a:r>
-              <a:rPr lang="en-GB" dirty="0"/>
-              <a:t>into the system</a:t>
-            </a:r>
+              <a:rPr lang="en-GB" dirty="0"/>
+              <a:t>Documentation should </a:t>
+            </a:r>
+            <a:r>
+              <a:rPr lang="en-GB" dirty="0" smtClean="0"/>
+              <a:t>drive </a:t>
+            </a:r>
+            <a:r>
+              <a:rPr lang="en-GB" dirty="0"/>
+              <a:t>the development </a:t>
+            </a:r>
+            <a:r>
+              <a:rPr lang="en-GB" dirty="0" smtClean="0"/>
+              <a:t>process</a:t>
+            </a:r>
+          </a:p>
+          <a:p>
+            <a:endParaRPr lang="en-GB" dirty="0"/>
+          </a:p>
+          <a:p>
+            <a:pPr marL="514350" indent="-514350">
+              <a:buAutoNum type="alphaLcParenR"/>
+            </a:pPr>
+            <a:r>
+              <a:rPr lang="en-GB" dirty="0" smtClean="0"/>
+              <a:t>True</a:t>
+            </a:r>
+          </a:p>
+          <a:p>
+            <a:pPr marL="514350" indent="-514350">
+              <a:buAutoNum type="alphaLcParenR"/>
+            </a:pPr>
+            <a:r>
+              <a:rPr lang="en-GB" dirty="0" smtClean="0"/>
+              <a:t>False</a:t>
+            </a:r>
+            <a:endParaRPr lang="en-GB" dirty="0"/>
           </a:p>
         </p:txBody>
       </p:sp>
     </p:spTree>
     <p:extLst>
       <p:ext uri="{BB962C8B-B14F-4D97-AF65-F5344CB8AC3E}">
-        <p14:creationId xmlns:p14="http://schemas.microsoft.com/office/powerpoint/2010/main" val="1410255766"/>
+        <p14:creationId xmlns:p14="http://schemas.microsoft.com/office/powerpoint/2010/main" xmlns="" val="3422991992"/>
       </p:ext>
     </p:extLst>
   </p:cSld>
@@ -8096,7 +8064,7 @@
             <p:nvPr/>
           </p:nvPicPr>
           <p:blipFill>
-            <a:blip r:embed="rId2"/>
+            <a:blip r:embed="rId2" cstate="print"/>
             <a:srcRect/>
             <a:stretch>
               <a:fillRect/>
@@ -8129,7 +8097,7 @@
             <p:nvPr/>
           </p:nvPicPr>
           <p:blipFill>
-            <a:blip r:embed="rId3"/>
+            <a:blip r:embed="rId3" cstate="print"/>
             <a:srcRect/>
             <a:stretch>
               <a:fillRect/>
@@ -8162,7 +8130,7 @@
             <p:nvPr/>
           </p:nvPicPr>
           <p:blipFill>
-            <a:blip r:embed="rId4"/>
+            <a:blip r:embed="rId4" cstate="print"/>
             <a:srcRect/>
             <a:stretch>
               <a:fillRect/>
@@ -8190,7 +8158,7 @@
     </p:spTree>
     <p:extLst>
       <p:ext uri="{BB962C8B-B14F-4D97-AF65-F5344CB8AC3E}">
-        <p14:creationId xmlns:p14="http://schemas.microsoft.com/office/powerpoint/2010/main" val="812927162"/>
+        <p14:creationId xmlns:p14="http://schemas.microsoft.com/office/powerpoint/2010/main" xmlns="" val="812927162"/>
       </p:ext>
     </p:extLst>
   </p:cSld>
@@ -8240,9 +8208,10 @@
           <a:lstStyle/>
           <a:p>
             <a:r>
-              <a:rPr lang="en-GB" dirty="0"/>
-              <a:t>Object-Oriented Metrics</a:t>
-            </a:r>
+              <a:rPr lang="en-GB" dirty="0" smtClean="0"/>
+              <a:t>Answer</a:t>
+            </a:r>
+            <a:endParaRPr lang="en-GB" dirty="0"/>
           </a:p>
         </p:txBody>
       </p:sp>
@@ -8263,35 +8232,42 @@
           <a:p>
             <a:r>
               <a:rPr lang="en-GB" dirty="0" smtClean="0"/>
-              <a:t>Lord Kelvin:</a:t>
-            </a:r>
+              <a:t>b) False</a:t>
+            </a:r>
+          </a:p>
+          <a:p>
+            <a:endParaRPr lang="en-GB" dirty="0"/>
           </a:p>
           <a:p>
             <a:pPr marL="0" indent="0">
               <a:buNone/>
             </a:pPr>
             <a:r>
-              <a:rPr lang="en-GB" dirty="0" smtClean="0"/>
-              <a:t>“When </a:t>
-            </a:r>
-            <a:r>
-              <a:rPr lang="en-GB" dirty="0"/>
-              <a:t>you can measure what you</a:t>
-            </a:r>
-          </a:p>
-          <a:p>
-            <a:pPr marL="0" indent="0">
-              <a:buNone/>
-            </a:pPr>
-            <a:r>
-              <a:rPr lang="en-GB" dirty="0"/>
-              <a:t>are speaking about, and express it into numbers, you know something about it</a:t>
-            </a:r>
-          </a:p>
-          <a:p>
-            <a:pPr marL="0" indent="0">
-              <a:buNone/>
-            </a:pPr>
+              <a:rPr lang="en-GB" dirty="0"/>
+              <a:t>Documentation should </a:t>
+            </a:r>
+            <a:r>
+              <a:rPr lang="en-GB" dirty="0">
+                <a:solidFill>
+                  <a:srgbClr val="FF0000"/>
+                </a:solidFill>
+              </a:rPr>
+              <a:t>never</a:t>
+            </a:r>
+            <a:r>
+              <a:rPr lang="en-GB" dirty="0"/>
+              <a:t> drive the development process</a:t>
+            </a:r>
+            <a:br>
+              <a:rPr lang="en-GB" dirty="0"/>
+            </a:br>
+            <a:r>
+              <a:rPr lang="en-GB" dirty="0"/>
+              <a:t/>
+            </a:r>
+            <a:br>
+              <a:rPr lang="en-GB" dirty="0"/>
+            </a:br>
             <a:endParaRPr lang="en-GB" dirty="0"/>
           </a:p>
         </p:txBody>
@@ -8299,7 +8275,7 @@
     </p:spTree>
     <p:extLst>
       <p:ext uri="{BB962C8B-B14F-4D97-AF65-F5344CB8AC3E}">
-        <p14:creationId xmlns:p14="http://schemas.microsoft.com/office/powerpoint/2010/main" val="2130846482"/>
+        <p14:creationId xmlns:p14="http://schemas.microsoft.com/office/powerpoint/2010/main" xmlns="" val="2947681496"/>
       </p:ext>
     </p:extLst>
   </p:cSld>
@@ -8342,106 +8318,113 @@
           <a:lstStyle/>
           <a:p>
             <a:r>
-              <a:rPr lang="en-GB" dirty="0" smtClean="0"/>
-              <a:t>Process &amp; Product Metrics</a:t>
-            </a:r>
+              <a:rPr lang="en-GB" dirty="0"/>
+              <a:t>Institutionalizing Reuse</a:t>
+            </a:r>
+          </a:p>
+        </p:txBody>
+      </p:sp>
+      <p:sp>
+        <p:nvSpPr>
+          <p:cNvPr id="3" name="Content Placeholder 2"/>
+          <p:cNvSpPr>
+            <a:spLocks noGrp="1"/>
+          </p:cNvSpPr>
+          <p:nvPr>
+            <p:ph idx="1"/>
+          </p:nvPr>
+        </p:nvSpPr>
+        <p:spPr/>
+        <p:txBody>
+          <a:bodyPr/>
+          <a:lstStyle/>
+          <a:p>
+            <a:r>
+              <a:rPr lang="en-GB" dirty="0"/>
+              <a:t>Reuse within a project or even within an entire organization doesn’t just </a:t>
+            </a:r>
+            <a:r>
+              <a:rPr lang="en-GB" dirty="0" smtClean="0"/>
+              <a:t>happen</a:t>
+            </a:r>
+          </a:p>
+          <a:p>
             <a:endParaRPr lang="en-GB" dirty="0"/>
           </a:p>
-        </p:txBody>
-      </p:sp>
-      <p:sp>
-        <p:nvSpPr>
-          <p:cNvPr id="3" name="Content Placeholder 2"/>
-          <p:cNvSpPr>
-            <a:spLocks noGrp="1"/>
-          </p:cNvSpPr>
-          <p:nvPr>
-            <p:ph idx="1"/>
-          </p:nvPr>
-        </p:nvSpPr>
-        <p:spPr/>
-        <p:txBody>
-          <a:bodyPr>
-            <a:normAutofit fontScale="92500" lnSpcReduction="20000"/>
-          </a:bodyPr>
-          <a:lstStyle/>
-          <a:p>
-            <a:r>
-              <a:rPr lang="en-GB" dirty="0"/>
-              <a:t>Metrics to assist us in this </a:t>
-            </a:r>
-            <a:r>
-              <a:rPr lang="en-GB" dirty="0" err="1"/>
-              <a:t>endeavor</a:t>
-            </a:r>
-            <a:r>
-              <a:rPr lang="en-GB" dirty="0"/>
-              <a:t> fall into one of two categories, process metrics or product </a:t>
-            </a:r>
-            <a:r>
-              <a:rPr lang="en-GB" dirty="0" smtClean="0"/>
-              <a:t>metrics</a:t>
-            </a:r>
-          </a:p>
-          <a:p>
-            <a:r>
-              <a:rPr lang="en-GB" dirty="0">
+          <a:p>
+            <a:pPr marL="0" indent="0">
+              <a:buNone/>
+            </a:pPr>
+            <a:r>
+              <a:rPr lang="en-GB" dirty="0" smtClean="0"/>
+              <a:t>			 </a:t>
+            </a:r>
+            <a:r>
+              <a:rPr lang="en-GB" sz="6600" dirty="0" smtClean="0"/>
+              <a:t>WHY?</a:t>
+            </a:r>
+            <a:endParaRPr lang="en-GB" dirty="0"/>
+          </a:p>
+        </p:txBody>
+      </p:sp>
+      <p:pic>
+        <p:nvPicPr>
+          <p:cNvPr id="4" name="Picture 1"/>
+          <p:cNvPicPr>
+            <a:picLocks noChangeAspect="1"/>
+          </p:cNvPicPr>
+          <p:nvPr/>
+        </p:nvPicPr>
+        <p:blipFill>
+          <a:blip r:embed="rId2" cstate="print">
+            <a:extLst>
+              <a:ext uri="{28A0092B-C50C-407E-A947-70E740481C1C}">
+                <a14:useLocalDpi xmlns:a14="http://schemas.microsoft.com/office/drawing/2010/main" xmlns="" val="0"/>
+              </a:ext>
+            </a:extLst>
+          </a:blip>
+          <a:srcRect/>
+          <a:stretch>
+            <a:fillRect/>
+          </a:stretch>
+        </p:blipFill>
+        <p:spPr bwMode="auto">
+          <a:xfrm>
+            <a:off x="6468140" y="4800600"/>
+            <a:ext cx="2294860" cy="1879600"/>
+          </a:xfrm>
+          <a:prstGeom prst="rect">
+            <a:avLst/>
+          </a:prstGeom>
+          <a:noFill/>
+          <a:ln>
+            <a:noFill/>
+          </a:ln>
+          <a:extLst>
+            <a:ext uri="{909E8E84-426E-40DD-AFC4-6F175D3DCCD1}">
+              <a14:hiddenFill xmlns:a14="http://schemas.microsoft.com/office/drawing/2010/main" xmlns="">
                 <a:solidFill>
-                  <a:srgbClr val="FF0000"/>
+                  <a:srgbClr val="FFFFFF"/>
                 </a:solidFill>
-              </a:rPr>
-              <a:t>Process metrics</a:t>
-            </a:r>
-            <a:r>
-              <a:rPr lang="en-GB" dirty="0"/>
-              <a:t>, sometimes called </a:t>
-            </a:r>
-            <a:r>
-              <a:rPr lang="en-GB" u="sng" dirty="0">
+              </a14:hiddenFill>
+            </a:ext>
+            <a:ext uri="{91240B29-F687-4F45-9708-019B960494DF}">
+              <a14:hiddenLine xmlns:a14="http://schemas.microsoft.com/office/drawing/2010/main" xmlns="" w="9525">
                 <a:solidFill>
-                  <a:srgbClr val="FF0000"/>
+                  <a:srgbClr val="000000"/>
                 </a:solidFill>
-              </a:rPr>
-              <a:t>project metrics</a:t>
-            </a:r>
-            <a:r>
-              <a:rPr lang="en-GB" dirty="0"/>
-              <a:t>, </a:t>
-            </a:r>
-            <a:r>
-              <a:rPr lang="en-GB" dirty="0" smtClean="0"/>
-              <a:t>assist the </a:t>
-            </a:r>
-            <a:r>
-              <a:rPr lang="en-GB" dirty="0"/>
-              <a:t>management team in assessing progress with respect to the </a:t>
-            </a:r>
-            <a:r>
-              <a:rPr lang="en-GB" dirty="0" smtClean="0"/>
-              <a:t>object-oriented development </a:t>
-            </a:r>
-            <a:r>
-              <a:rPr lang="en-GB" dirty="0"/>
-              <a:t>process being used</a:t>
-            </a:r>
-            <a:br>
-              <a:rPr lang="en-GB" dirty="0"/>
-            </a:br>
-            <a:r>
-              <a:rPr lang="en-GB" dirty="0"/>
-              <a:t/>
-            </a:r>
-            <a:br>
-              <a:rPr lang="en-GB" dirty="0"/>
-            </a:br>
-            <a:endParaRPr lang="en-GB" dirty="0"/>
-          </a:p>
-        </p:txBody>
-      </p:sp>
+                <a:miter lim="800000"/>
+                <a:headEnd/>
+                <a:tailEnd/>
+              </a14:hiddenLine>
+            </a:ext>
+          </a:extLst>
+        </p:spPr>
+      </p:pic>
     </p:spTree>
     <p:extLst>
       <p:ext uri="{BB962C8B-B14F-4D97-AF65-F5344CB8AC3E}">
-        <p14:creationId xmlns:p14="http://schemas.microsoft.com/office/powerpoint/2010/main" val="904534021"/>
+        <p14:creationId xmlns:p14="http://schemas.microsoft.com/office/powerpoint/2010/main" xmlns="" val="4021884752"/>
       </p:ext>
     </p:extLst>
   </p:cSld>
@@ -8484,10 +8467,9 @@
           <a:lstStyle/>
           <a:p>
             <a:r>
-              <a:rPr lang="en-GB" dirty="0" smtClean="0"/>
-              <a:t>Process Metrics</a:t>
-            </a:r>
-            <a:endParaRPr lang="en-GB" dirty="0"/>
+              <a:rPr lang="en-GB" dirty="0"/>
+              <a:t>Institutionalizing Reuse</a:t>
+            </a:r>
           </a:p>
         </p:txBody>
       </p:sp>
@@ -8506,38 +8488,83 @@
           <a:bodyPr/>
           <a:lstStyle/>
           <a:p>
-            <a:endParaRPr lang="en-GB"/>
-          </a:p>
-        </p:txBody>
-      </p:sp>
-      <p:pic>
-        <p:nvPicPr>
-          <p:cNvPr id="4" name="Picture 3"/>
-          <p:cNvPicPr>
-            <a:picLocks noChangeAspect="1"/>
-          </p:cNvPicPr>
-          <p:nvPr/>
-        </p:nvPicPr>
-        <p:blipFill>
-          <a:blip r:embed="rId2"/>
-          <a:stretch>
-            <a:fillRect/>
-          </a:stretch>
-        </p:blipFill>
-        <p:spPr>
-          <a:xfrm>
-            <a:off x="2286000" y="1915619"/>
-            <a:ext cx="5091113" cy="4163448"/>
-          </a:xfrm>
-          <a:prstGeom prst="rect">
-            <a:avLst/>
-          </a:prstGeom>
-        </p:spPr>
-      </p:pic>
+            <a:r>
+              <a:rPr lang="en-GB" dirty="0" smtClean="0"/>
+              <a:t>Encouraged</a:t>
+            </a:r>
+          </a:p>
+          <a:p>
+            <a:r>
+              <a:rPr lang="en-GB" dirty="0" smtClean="0"/>
+              <a:t>Opportunities </a:t>
+            </a:r>
+            <a:r>
+              <a:rPr lang="en-GB" dirty="0"/>
+              <a:t>for reuse must </a:t>
+            </a:r>
+            <a:r>
+              <a:rPr lang="en-GB" dirty="0" smtClean="0"/>
+              <a:t>be actively </a:t>
+            </a:r>
+            <a:r>
+              <a:rPr lang="en-GB" dirty="0"/>
+              <a:t>sought out and </a:t>
+            </a:r>
+            <a:r>
+              <a:rPr lang="en-GB" dirty="0" smtClean="0"/>
+              <a:t>rewarded</a:t>
+            </a:r>
+          </a:p>
+          <a:p>
+            <a:r>
+              <a:rPr lang="en-GB" dirty="0" smtClean="0"/>
+              <a:t>Pattern </a:t>
+            </a:r>
+            <a:r>
+              <a:rPr lang="en-GB" dirty="0"/>
+              <a:t>scavenging as an </a:t>
+            </a:r>
+            <a:r>
+              <a:rPr lang="en-GB" dirty="0">
+                <a:solidFill>
+                  <a:srgbClr val="FF0000"/>
+                </a:solidFill>
+              </a:rPr>
+              <a:t>explicit</a:t>
+            </a:r>
+            <a:r>
+              <a:rPr lang="en-GB" dirty="0"/>
+              <a:t> activity in the </a:t>
+            </a:r>
+            <a:r>
+              <a:rPr lang="en-GB" dirty="0" smtClean="0"/>
+              <a:t>development process</a:t>
+            </a:r>
+          </a:p>
+          <a:p>
+            <a:r>
+              <a:rPr lang="en-GB" dirty="0" smtClean="0"/>
+              <a:t>Making </a:t>
+            </a:r>
+            <a:r>
+              <a:rPr lang="en-GB" dirty="0"/>
+              <a:t>specific </a:t>
+            </a:r>
+            <a:r>
+              <a:rPr lang="en-GB" dirty="0" smtClean="0"/>
+              <a:t>individuals responsible </a:t>
+            </a:r>
+            <a:r>
+              <a:rPr lang="en-GB" dirty="0"/>
+              <a:t>for leading the reuse activity</a:t>
+            </a:r>
+          </a:p>
+        </p:txBody>
+      </p:sp>
     </p:spTree>
     <p:extLst>
       <p:ext uri="{BB962C8B-B14F-4D97-AF65-F5344CB8AC3E}">
-        <p14:creationId xmlns:p14="http://schemas.microsoft.com/office/powerpoint/2010/main" val="2249465940"/>
+        <p14:creationId xmlns:p14="http://schemas.microsoft.com/office/powerpoint/2010/main" xmlns="" val="3610348242"/>
       </p:ext>
     </p:extLst>
   </p:cSld>
@@ -8580,9 +8607,10 @@
           <a:lstStyle/>
           <a:p>
             <a:r>
-              <a:rPr lang="en-GB" dirty="0"/>
-              <a:t>Documentation</a:t>
-            </a:r>
+              <a:rPr lang="en-GB" dirty="0" smtClean="0"/>
+              <a:t>Long Term</a:t>
+            </a:r>
+            <a:endParaRPr lang="en-GB" dirty="0"/>
           </a:p>
         </p:txBody>
       </p:sp>
@@ -8603,42 +8631,41 @@
           <a:p>
             <a:r>
               <a:rPr lang="en-GB" dirty="0" smtClean="0"/>
-              <a:t>Development </a:t>
-            </a:r>
-            <a:r>
-              <a:rPr lang="en-GB" dirty="0" err="1"/>
-              <a:t>artifacts</a:t>
-            </a:r>
-            <a:r>
-              <a:rPr lang="en-GB" dirty="0"/>
-              <a:t> that are critical to the complete lifecycle of a software </a:t>
-            </a:r>
-            <a:r>
-              <a:rPr lang="en-GB" dirty="0" smtClean="0"/>
-              <a:t>system (other than code)</a:t>
-            </a:r>
-          </a:p>
-          <a:p>
-            <a:r>
-              <a:rPr lang="en-GB" dirty="0" smtClean="0"/>
-              <a:t>Example, requirements and design</a:t>
-            </a:r>
-            <a:r>
-              <a:rPr lang="en-GB" dirty="0"/>
-              <a:t>, must be documented to support the development process and the operation and maintenance of the </a:t>
-            </a:r>
-            <a:r>
-              <a:rPr lang="en-GB" dirty="0" smtClean="0"/>
-              <a:t>system</a:t>
-            </a:r>
-            <a:endParaRPr lang="en-GB" dirty="0"/>
+              <a:t>Reuse </a:t>
+            </a:r>
+            <a:r>
+              <a:rPr lang="en-GB" dirty="0"/>
+              <a:t>costs resources in the short term but pays off in the long </a:t>
+            </a:r>
+            <a:r>
+              <a:rPr lang="en-GB" dirty="0" smtClean="0"/>
+              <a:t>term</a:t>
+            </a:r>
+          </a:p>
+          <a:p>
+            <a:r>
+              <a:rPr lang="en-GB" dirty="0" smtClean="0"/>
+              <a:t>Organization </a:t>
+            </a:r>
+            <a:r>
+              <a:rPr lang="en-GB" dirty="0"/>
+              <a:t>that takes a </a:t>
+            </a:r>
+            <a:r>
+              <a:rPr lang="en-GB" dirty="0" smtClean="0"/>
+              <a:t>long-term view </a:t>
+            </a:r>
+            <a:r>
+              <a:rPr lang="en-GB" dirty="0"/>
+              <a:t>of software development and optimizes resources</a:t>
+            </a:r>
           </a:p>
         </p:txBody>
       </p:sp>
     </p:spTree>
     <p:extLst>
       <p:ext uri="{BB962C8B-B14F-4D97-AF65-F5344CB8AC3E}">
-        <p14:creationId xmlns:p14="http://schemas.microsoft.com/office/powerpoint/2010/main" val="2107893518"/>
+        <p14:creationId xmlns:p14="http://schemas.microsoft.com/office/powerpoint/2010/main" xmlns="" val="764621647"/>
       </p:ext>
     </p:extLst>
   </p:cSld>
@@ -8681,10 +8708,9 @@
           <a:lstStyle/>
           <a:p>
             <a:r>
-              <a:rPr lang="en-GB" dirty="0" smtClean="0"/>
-              <a:t>Tools</a:t>
-            </a:r>
-            <a:endParaRPr lang="en-GB" dirty="0"/>
+              <a:rPr lang="en-GB" dirty="0"/>
+              <a:t>Quality Assurance and Metrics</a:t>
+            </a:r>
           </a:p>
         </p:txBody>
       </p:sp>
@@ -8704,104 +8730,28 @@
           <a:lstStyle/>
           <a:p>
             <a:r>
-              <a:rPr lang="en-GB" dirty="0"/>
-              <a:t>Trying to build a large </a:t>
-            </a:r>
-            <a:r>
-              <a:rPr lang="en-GB" dirty="0" smtClean="0"/>
-              <a:t>software system </a:t>
-            </a:r>
-            <a:r>
-              <a:rPr lang="en-GB" dirty="0"/>
-              <a:t>with a minimal tool set is equivalent to building a </a:t>
-            </a:r>
-            <a:r>
-              <a:rPr lang="en-GB" dirty="0" smtClean="0"/>
-              <a:t>multi-story </a:t>
-            </a:r>
-            <a:r>
-              <a:rPr lang="en-GB" dirty="0"/>
-              <a:t>building </a:t>
-            </a:r>
-            <a:r>
-              <a:rPr lang="en-GB" dirty="0" smtClean="0"/>
-              <a:t>with stone </a:t>
-            </a:r>
-            <a:r>
-              <a:rPr lang="en-GB" dirty="0"/>
-              <a:t>hand </a:t>
-            </a:r>
-            <a:r>
-              <a:rPr lang="en-GB" dirty="0" smtClean="0"/>
-              <a:t>tools</a:t>
-            </a:r>
-          </a:p>
-          <a:p>
-            <a:r>
-              <a:rPr lang="en-GB" dirty="0" smtClean="0"/>
-              <a:t>Examples</a:t>
-            </a:r>
-          </a:p>
-          <a:p>
-            <a:pPr lvl="1"/>
-            <a:r>
-              <a:rPr lang="en-GB" dirty="0" smtClean="0"/>
-              <a:t>visual </a:t>
-            </a:r>
-            <a:r>
-              <a:rPr lang="en-GB" dirty="0" err="1"/>
-              <a:t>modeling</a:t>
-            </a:r>
-            <a:r>
-              <a:rPr lang="en-GB" dirty="0"/>
-              <a:t> tool </a:t>
-            </a:r>
-            <a:r>
-              <a:rPr lang="en-GB" dirty="0" smtClean="0"/>
-              <a:t>supporting </a:t>
-            </a:r>
-            <a:r>
-              <a:rPr lang="en-GB" dirty="0"/>
-              <a:t>the UML </a:t>
-            </a:r>
-            <a:r>
-              <a:rPr lang="en-GB" dirty="0" smtClean="0"/>
-              <a:t>notation</a:t>
-            </a:r>
-          </a:p>
-          <a:p>
-            <a:pPr lvl="1"/>
-            <a:r>
-              <a:rPr lang="en-GB" dirty="0" smtClean="0"/>
-              <a:t>version control </a:t>
-            </a:r>
-          </a:p>
-          <a:p>
-            <a:pPr marL="0" indent="0">
-              <a:buNone/>
-            </a:pPr>
-            <a:r>
-              <a:rPr lang="en-GB" dirty="0"/>
-              <a:t/>
-            </a:r>
-            <a:br>
-              <a:rPr lang="en-GB" dirty="0"/>
-            </a:br>
-            <a:r>
-              <a:rPr lang="en-GB" dirty="0"/>
-              <a:t/>
-            </a:r>
-            <a:br>
-              <a:rPr lang="en-GB" dirty="0"/>
-            </a:br>
-            <a:endParaRPr lang="en-GB" dirty="0"/>
+              <a:rPr lang="en-GB" dirty="0" smtClean="0"/>
+              <a:t>Systematic </a:t>
+            </a:r>
+            <a:r>
+              <a:rPr lang="en-GB" dirty="0"/>
+              <a:t>activities providing </a:t>
+            </a:r>
+            <a:r>
+              <a:rPr lang="en-GB" dirty="0" smtClean="0"/>
+              <a:t>evidence of </a:t>
+            </a:r>
+            <a:r>
+              <a:rPr lang="en-GB" dirty="0"/>
+              <a:t>the fitness for use of the total software product</a:t>
+            </a:r>
           </a:p>
         </p:txBody>
       </p:sp>
     </p:spTree>
     <p:extLst>
       <p:ext uri="{BB962C8B-B14F-4D97-AF65-F5344CB8AC3E}">
-        <p14:creationId xmlns:p14="http://schemas.microsoft.com/office/powerpoint/2010/main" val="2759452002"/>
+        <p14:creationId xmlns:p14="http://schemas.microsoft.com/office/powerpoint/2010/main" xmlns="" val="4271149563"/>
       </p:ext>
     </p:extLst>
   </p:cSld>
@@ -8845,14 +8795,7 @@
           <a:p>
             <a:r>
               <a:rPr lang="en-GB" dirty="0"/>
-              <a:t>Benefits of Object-Oriented</a:t>
-            </a:r>
-            <a:br>
-              <a:rPr lang="en-GB" dirty="0"/>
-            </a:br>
-            <a:r>
-              <a:rPr lang="en-GB" dirty="0"/>
-              <a:t>Development</a:t>
+              <a:t>Software Quality</a:t>
             </a:r>
           </a:p>
         </p:txBody>
@@ -8869,54 +8812,62 @@
         </p:nvSpPr>
         <p:spPr/>
         <p:txBody>
-          <a:bodyPr>
-            <a:normAutofit fontScale="92500"/>
-          </a:bodyPr>
-          <a:lstStyle/>
-          <a:p>
-            <a:r>
-              <a:rPr lang="en-GB" dirty="0"/>
-              <a:t>Appeals to the working of human cognition</a:t>
-            </a:r>
-          </a:p>
-          <a:p>
-            <a:r>
-              <a:rPr lang="en-GB" dirty="0" smtClean="0"/>
-              <a:t>Leads </a:t>
-            </a:r>
-            <a:r>
-              <a:rPr lang="en-GB" dirty="0"/>
-              <a:t>to systems that are more resilient to change</a:t>
-            </a:r>
-          </a:p>
-          <a:p>
-            <a:r>
-              <a:rPr lang="en-GB" dirty="0" smtClean="0"/>
-              <a:t>Encourages </a:t>
-            </a:r>
-            <a:r>
-              <a:rPr lang="en-GB" dirty="0"/>
-              <a:t>the reuse of software components</a:t>
-            </a:r>
-          </a:p>
-          <a:p>
-            <a:r>
-              <a:rPr lang="en-GB" dirty="0" smtClean="0"/>
-              <a:t>Reduces </a:t>
-            </a:r>
-            <a:r>
-              <a:rPr lang="en-GB" dirty="0"/>
-              <a:t>development risk</a:t>
-            </a:r>
-          </a:p>
-          <a:p>
-            <a:r>
-              <a:rPr lang="en-GB" dirty="0" smtClean="0"/>
-              <a:t>Exploits </a:t>
-            </a:r>
-            <a:r>
-              <a:rPr lang="en-GB" dirty="0"/>
-              <a:t>the expressive power of object-oriented programming languages</a:t>
+          <a:bodyPr/>
+          <a:lstStyle/>
+          <a:p>
+            <a:r>
+              <a:rPr lang="en-GB" dirty="0" smtClean="0"/>
+              <a:t>Software </a:t>
+            </a:r>
+            <a:r>
+              <a:rPr lang="en-GB" dirty="0"/>
+              <a:t>quality as </a:t>
+            </a:r>
+            <a:r>
+              <a:rPr lang="en-GB" dirty="0" smtClean="0"/>
+              <a:t>the </a:t>
+            </a:r>
+            <a:r>
+              <a:rPr lang="en-GB" dirty="0"/>
+              <a:t>fitness for use of </a:t>
+            </a:r>
+            <a:r>
+              <a:rPr lang="en-GB" dirty="0" smtClean="0"/>
+              <a:t>the total </a:t>
+            </a:r>
+            <a:r>
+              <a:rPr lang="en-GB" dirty="0"/>
+              <a:t>software </a:t>
+            </a:r>
+            <a:r>
+              <a:rPr lang="en-GB" dirty="0" smtClean="0"/>
+              <a:t>product</a:t>
+            </a:r>
+          </a:p>
+          <a:p>
+            <a:r>
+              <a:rPr lang="en-GB" dirty="0"/>
+              <a:t>Software quality </a:t>
+            </a:r>
+            <a:r>
+              <a:rPr lang="en-GB" dirty="0">
+                <a:solidFill>
+                  <a:srgbClr val="FF0000"/>
+                </a:solidFill>
+              </a:rPr>
+              <a:t>doesn’t just happen</a:t>
+            </a:r>
+            <a:r>
+              <a:rPr lang="en-GB" dirty="0"/>
+              <a:t>: It must </a:t>
+            </a:r>
+            <a:r>
+              <a:rPr lang="en-GB" dirty="0" smtClean="0"/>
+              <a:t>be engineered </a:t>
+            </a:r>
+            <a:r>
+              <a:rPr lang="en-GB" dirty="0"/>
+              <a:t>into the system</a:t>
             </a:r>
           </a:p>
         </p:txBody>
@@ -8924,7 +8875,7 @@
     </p:spTree>
     <p:extLst>
       <p:ext uri="{BB962C8B-B14F-4D97-AF65-F5344CB8AC3E}">
-        <p14:creationId xmlns:p14="http://schemas.microsoft.com/office/powerpoint/2010/main" val="1527939254"/>
+        <p14:creationId xmlns:p14="http://schemas.microsoft.com/office/powerpoint/2010/main" xmlns="" val="1410255766"/>
       </p:ext>
     </p:extLst>
   </p:cSld>
@@ -8961,19 +8912,14 @@
             <p:ph type="title"/>
           </p:nvPr>
         </p:nvSpPr>
-        <p:spPr>
-          <a:xfrm>
-            <a:off x="685800" y="228600"/>
-            <a:ext cx="7772400" cy="1143000"/>
-          </a:xfrm>
-        </p:spPr>
-        <p:txBody>
-          <a:bodyPr/>
-          <a:lstStyle/>
-          <a:p>
-            <a:r>
-              <a:rPr lang="en-GB" dirty="0"/>
-              <a:t>Risks of Object-Oriented Development</a:t>
+        <p:spPr/>
+        <p:txBody>
+          <a:bodyPr/>
+          <a:lstStyle/>
+          <a:p>
+            <a:r>
+              <a:rPr lang="en-GB" dirty="0"/>
+              <a:t>Object-Oriented Metrics</a:t>
             </a:r>
           </a:p>
         </p:txBody>
@@ -8988,115 +8934,55 @@
             <p:ph idx="1"/>
           </p:nvPr>
         </p:nvSpPr>
-        <p:spPr>
-          <a:xfrm>
-            <a:off x="685800" y="1600200"/>
-            <a:ext cx="8077200" cy="5029200"/>
-          </a:xfrm>
-        </p:spPr>
-        <p:txBody>
-          <a:bodyPr>
-            <a:normAutofit fontScale="77500" lnSpcReduction="20000"/>
-          </a:bodyPr>
-          <a:lstStyle/>
-          <a:p>
-            <a:r>
-              <a:rPr lang="en-GB" dirty="0"/>
-              <a:t>A unique way to define architecture and data structure instances</a:t>
-            </a:r>
-          </a:p>
-          <a:p>
-            <a:r>
-              <a:rPr lang="en-GB" dirty="0" smtClean="0"/>
-              <a:t>Information </a:t>
-            </a:r>
-            <a:r>
-              <a:rPr lang="en-GB" dirty="0"/>
-              <a:t>hiding through abstraction and encapsulation</a:t>
-            </a:r>
-          </a:p>
-          <a:p>
-            <a:r>
-              <a:rPr lang="en-GB" dirty="0" smtClean="0"/>
-              <a:t>Inheritance </a:t>
-            </a:r>
-            <a:r>
-              <a:rPr lang="en-GB" dirty="0"/>
-              <a:t>to organize related elements</a:t>
-            </a:r>
-          </a:p>
-          <a:p>
-            <a:r>
-              <a:rPr lang="en-GB" dirty="0" smtClean="0"/>
-              <a:t>Polymorphism </a:t>
-            </a:r>
-            <a:r>
-              <a:rPr lang="en-GB" dirty="0"/>
-              <a:t>to perform operations that can automatically adapt to </a:t>
-            </a:r>
-            <a:r>
-              <a:rPr lang="en-GB" dirty="0" smtClean="0"/>
-              <a:t>the type </a:t>
-            </a:r>
-            <a:r>
-              <a:rPr lang="en-GB" dirty="0"/>
-              <a:t>of structure they operate on</a:t>
-            </a:r>
-          </a:p>
-          <a:p>
-            <a:r>
-              <a:rPr lang="en-GB" dirty="0" smtClean="0"/>
-              <a:t>Specialized </a:t>
-            </a:r>
-            <a:r>
-              <a:rPr lang="en-GB" dirty="0"/>
-              <a:t>analysis and design methods</a:t>
-            </a:r>
-          </a:p>
-          <a:p>
-            <a:r>
-              <a:rPr lang="en-GB" dirty="0" smtClean="0"/>
-              <a:t>Object-oriented </a:t>
-            </a:r>
-            <a:r>
-              <a:rPr lang="en-GB" dirty="0"/>
-              <a:t>languages</a:t>
-            </a:r>
-          </a:p>
-          <a:p>
-            <a:r>
-              <a:rPr lang="en-GB" dirty="0" smtClean="0"/>
-              <a:t>Environments </a:t>
-            </a:r>
-            <a:r>
-              <a:rPr lang="en-GB" dirty="0"/>
-              <a:t>that facilitate the creation of object-oriented systems</a:t>
-            </a:r>
-          </a:p>
-          <a:p>
-            <a:r>
-              <a:rPr lang="en-GB" dirty="0" smtClean="0"/>
-              <a:t>Design </a:t>
-            </a:r>
-            <a:r>
-              <a:rPr lang="en-GB" dirty="0"/>
-              <a:t>by contract, a powerful technique to circumvent module </a:t>
-            </a:r>
-            <a:r>
-              <a:rPr lang="en-GB" dirty="0" smtClean="0"/>
-              <a:t>boundary and </a:t>
-            </a:r>
-            <a:r>
-              <a:rPr lang="en-GB" dirty="0"/>
-              <a:t>interface problems</a:t>
-            </a:r>
+        <p:spPr/>
+        <p:txBody>
+          <a:bodyPr/>
+          <a:lstStyle/>
+          <a:p>
+            <a:r>
+              <a:rPr lang="en-GB" dirty="0" smtClean="0"/>
+              <a:t>Lord Kelvin:</a:t>
+            </a:r>
+          </a:p>
+          <a:p>
+            <a:pPr marL="0" indent="0">
+              <a:buNone/>
+            </a:pPr>
+            <a:r>
+              <a:rPr lang="en-GB" dirty="0" smtClean="0"/>
+              <a:t>“When </a:t>
+            </a:r>
+            <a:r>
+              <a:rPr lang="en-GB" dirty="0"/>
+              <a:t>you can measure what you</a:t>
+            </a:r>
+          </a:p>
+          <a:p>
+            <a:pPr marL="0" indent="0">
+              <a:buNone/>
+            </a:pPr>
+            <a:r>
+              <a:rPr lang="en-GB" dirty="0"/>
+              <a:t>are speaking about, and express it into numbers, you know something about </a:t>
+            </a:r>
+            <a:r>
+              <a:rPr lang="en-GB" dirty="0" smtClean="0"/>
+              <a:t>it...</a:t>
+            </a:r>
+            <a:endParaRPr lang="en-GB" dirty="0"/>
+          </a:p>
+          <a:p>
+            <a:pPr marL="0" indent="0">
+              <a:buNone/>
+            </a:pPr>
+            <a:endParaRPr lang="en-GB" dirty="0"/>
           </a:p>
         </p:txBody>
       </p:sp>
     </p:spTree>
     <p:extLst>
       <p:ext uri="{BB962C8B-B14F-4D97-AF65-F5344CB8AC3E}">
-        <p14:creationId xmlns:p14="http://schemas.microsoft.com/office/powerpoint/2010/main" val="724208070"/>
+        <p14:creationId xmlns:p14="http://schemas.microsoft.com/office/powerpoint/2010/main" xmlns="" val="2130846482"/>
       </p:ext>
     </p:extLst>
   </p:cSld>
@@ -9140,7 +9026,7 @@
           <a:p>
             <a:r>
               <a:rPr lang="en-GB" dirty="0" smtClean="0"/>
-              <a:t>8 Software Risks</a:t>
+              <a:t>Process &amp; Product Metrics</a:t>
             </a:r>
             <a:endParaRPr lang="en-GB" dirty="0"/>
           </a:p>
@@ -9156,92 +9042,73 @@
             <p:ph idx="1"/>
           </p:nvPr>
         </p:nvSpPr>
-        <p:spPr>
-          <a:xfrm>
-            <a:off x="304800" y="1981200"/>
-            <a:ext cx="8534400" cy="4648200"/>
-          </a:xfrm>
-        </p:spPr>
+        <p:spPr/>
         <p:txBody>
           <a:bodyPr>
-            <a:normAutofit fontScale="85000" lnSpcReduction="20000"/>
+            <a:normAutofit fontScale="92500" lnSpcReduction="20000"/>
           </a:bodyPr>
           <a:lstStyle/>
           <a:p>
-            <a:pPr marL="0" indent="0">
-              <a:buNone/>
-            </a:pPr>
-            <a:r>
-              <a:rPr lang="en-GB" sz="3500" dirty="0"/>
-              <a:t>1. Personnel shortfalls</a:t>
+            <a:r>
+              <a:rPr lang="en-GB" dirty="0"/>
+              <a:t>Metrics to assist us in this </a:t>
+            </a:r>
+            <a:r>
+              <a:rPr lang="en-GB" dirty="0" err="1"/>
+              <a:t>endeavor</a:t>
+            </a:r>
+            <a:r>
+              <a:rPr lang="en-GB" dirty="0"/>
+              <a:t> fall into one of two categories, process metrics or product </a:t>
+            </a:r>
+            <a:r>
+              <a:rPr lang="en-GB" dirty="0" smtClean="0"/>
+              <a:t>metrics</a:t>
+            </a:r>
+          </a:p>
+          <a:p>
+            <a:r>
+              <a:rPr lang="en-GB" dirty="0">
+                <a:solidFill>
+                  <a:srgbClr val="FF0000"/>
+                </a:solidFill>
+              </a:rPr>
+              <a:t>Process metrics</a:t>
+            </a:r>
+            <a:r>
+              <a:rPr lang="en-GB" dirty="0"/>
+              <a:t>, sometimes called </a:t>
+            </a:r>
+            <a:r>
+              <a:rPr lang="en-GB" u="sng" dirty="0">
+                <a:solidFill>
+                  <a:srgbClr val="FF0000"/>
+                </a:solidFill>
+              </a:rPr>
+              <a:t>project metrics</a:t>
+            </a:r>
+            <a:r>
+              <a:rPr lang="en-GB" dirty="0"/>
+              <a:t>, </a:t>
+            </a:r>
+            <a:r>
+              <a:rPr lang="en-GB" dirty="0" smtClean="0"/>
+              <a:t>assist the </a:t>
+            </a:r>
+            <a:r>
+              <a:rPr lang="en-GB" dirty="0"/>
+              <a:t>management team in assessing progress with respect to the </a:t>
+            </a:r>
+            <a:r>
+              <a:rPr lang="en-GB" dirty="0" smtClean="0"/>
+              <a:t>object-oriented development </a:t>
+            </a:r>
+            <a:r>
+              <a:rPr lang="en-GB" dirty="0"/>
+              <a:t>process being used</a:t>
             </a:r>
             <a:br>
-              <a:rPr lang="en-GB" sz="3500" dirty="0"/>
-            </a:br>
-            <a:r>
-              <a:rPr lang="en-GB" sz="3500" dirty="0"/>
-              <a:t>2. Unrealistic schedules, budgets, or processes</a:t>
-            </a:r>
-            <a:br>
-              <a:rPr lang="en-GB" sz="3500" dirty="0"/>
-            </a:br>
-            <a:r>
-              <a:rPr lang="en-GB" sz="3500" dirty="0"/>
-              <a:t>3. Shortfalls in commercial off-the-shelf products, external components, </a:t>
-            </a:r>
-            <a:r>
-              <a:rPr lang="en-GB" sz="3500" dirty="0" smtClean="0"/>
-              <a:t>or legacy </a:t>
-            </a:r>
-            <a:r>
-              <a:rPr lang="en-GB" sz="3500" dirty="0"/>
-              <a:t>software</a:t>
-            </a:r>
-            <a:br>
-              <a:rPr lang="en-GB" sz="3500" dirty="0"/>
-            </a:br>
-            <a:r>
-              <a:rPr lang="en-GB" sz="3500" dirty="0"/>
-              <a:t>4. Mismatches in requirements or user interface</a:t>
-            </a:r>
-            <a:br>
-              <a:rPr lang="en-GB" sz="3500" dirty="0"/>
-            </a:br>
-            <a:r>
-              <a:rPr lang="en-GB" sz="3500" dirty="0"/>
-              <a:t>5. Shortfalls in architecture, performance, </a:t>
-            </a:r>
-            <a:r>
-              <a:rPr lang="en-GB" sz="3500" dirty="0" smtClean="0"/>
-              <a:t>or quality</a:t>
-            </a:r>
-            <a:r>
-              <a:rPr lang="en-GB" sz="3500" dirty="0"/>
-              <a:t/>
-            </a:r>
-            <a:br>
-              <a:rPr lang="en-GB" sz="3500" dirty="0"/>
-            </a:br>
-            <a:r>
-              <a:rPr lang="en-GB" sz="3500" dirty="0"/>
-              <a:t>6. Continuing stream of requirements changes</a:t>
-            </a:r>
-            <a:br>
-              <a:rPr lang="en-GB" sz="3500" dirty="0"/>
-            </a:br>
-            <a:r>
-              <a:rPr lang="en-GB" sz="3500" dirty="0"/>
-              <a:t>7. Shortfalls in externally performed tasks</a:t>
-            </a:r>
-            <a:br>
-              <a:rPr lang="en-GB" sz="3500" dirty="0"/>
-            </a:br>
-            <a:r>
-              <a:rPr lang="en-GB" sz="3500" dirty="0"/>
-              <a:t>8. Straining computer science</a:t>
-            </a:r>
-            <a:br>
-              <a:rPr lang="en-GB" sz="3500" dirty="0"/>
+              <a:rPr lang="en-GB" dirty="0"/>
             </a:br>
             <a:r>
               <a:rPr lang="en-GB" dirty="0"/>
@@ -9257,7 +9124,7 @@
     </p:spTree>
     <p:extLst>
       <p:ext uri="{BB962C8B-B14F-4D97-AF65-F5344CB8AC3E}">
-        <p14:creationId xmlns:p14="http://schemas.microsoft.com/office/powerpoint/2010/main" val="671992687"/>
+        <p14:creationId xmlns:p14="http://schemas.microsoft.com/office/powerpoint/2010/main" xmlns="" val="904534021"/>
       </p:ext>
     </p:extLst>
   </p:cSld>
@@ -9286,7 +9153,7 @@
       </p:grpSpPr>
       <p:sp>
         <p:nvSpPr>
-          <p:cNvPr id="11266" name="Title 1"/>
+          <p:cNvPr id="2" name="Title 1"/>
           <p:cNvSpPr>
             <a:spLocks noGrp="1"/>
           </p:cNvSpPr>
@@ -9300,15 +9167,16 @@
           <a:lstStyle/>
           <a:p>
             <a:r>
-              <a:rPr lang="en-GB" altLang="en-US" smtClean="0"/>
-              <a:t>Summary</a:t>
-            </a:r>
-          </a:p>
-        </p:txBody>
-      </p:sp>
-      <p:sp>
-        <p:nvSpPr>
-          <p:cNvPr id="11267" name="Content Placeholder 2"/>
+              <a:rPr lang="en-GB" dirty="0" smtClean="0"/>
+              <a:t>Process Metrics</a:t>
+            </a:r>
+            <a:endParaRPr lang="en-GB" dirty="0"/>
+          </a:p>
+        </p:txBody>
+      </p:sp>
+      <p:sp>
+        <p:nvSpPr>
+          <p:cNvPr id="3" name="Content Placeholder 2"/>
           <p:cNvSpPr>
             <a:spLocks noGrp="1"/>
           </p:cNvSpPr>
@@ -9321,46 +9189,44 @@
           <a:bodyPr/>
           <a:lstStyle/>
           <a:p>
-            <a:r>
-              <a:rPr lang="en-GB" altLang="en-US" dirty="0" smtClean="0"/>
-              <a:t>Clear idea of Pragmatics in Object Orientated Analysis and Design</a:t>
-            </a:r>
-          </a:p>
-          <a:p>
-            <a:r>
-              <a:rPr lang="en-GB" altLang="en-US" dirty="0" smtClean="0"/>
-              <a:t>See bigger picture </a:t>
-            </a:r>
-            <a:r>
-              <a:rPr lang="en-GB" altLang="en-US" dirty="0"/>
-              <a:t>(i.e., much more than just generating </a:t>
-            </a:r>
-            <a:r>
-              <a:rPr lang="en-GB" altLang="en-US" dirty="0" smtClean="0"/>
-              <a:t>code)</a:t>
-            </a:r>
-          </a:p>
-          <a:p>
-            <a:r>
-              <a:rPr lang="en-GB" altLang="en-US" dirty="0"/>
-              <a:t>Reuse must be institutionalized to be successful</a:t>
-            </a:r>
-            <a:endParaRPr lang="en-GB" altLang="en-US" dirty="0" smtClean="0"/>
-          </a:p>
-        </p:txBody>
-      </p:sp>
+            <a:endParaRPr lang="en-GB"/>
+          </a:p>
+        </p:txBody>
+      </p:sp>
+      <p:pic>
+        <p:nvPicPr>
+          <p:cNvPr id="4" name="Picture 3"/>
+          <p:cNvPicPr>
+            <a:picLocks noChangeAspect="1"/>
+          </p:cNvPicPr>
+          <p:nvPr/>
+        </p:nvPicPr>
+        <p:blipFill>
+          <a:blip r:embed="rId2" cstate="print"/>
+          <a:stretch>
+            <a:fillRect/>
+          </a:stretch>
+        </p:blipFill>
+        <p:spPr>
+          <a:xfrm>
+            <a:off x="2286000" y="1915619"/>
+            <a:ext cx="5091113" cy="4163448"/>
+          </a:xfrm>
+          <a:prstGeom prst="rect">
+            <a:avLst/>
+          </a:prstGeom>
+        </p:spPr>
+      </p:pic>
     </p:spTree>
+    <p:extLst>
+      <p:ext uri="{BB962C8B-B14F-4D97-AF65-F5344CB8AC3E}">
+        <p14:creationId xmlns:p14="http://schemas.microsoft.com/office/powerpoint/2010/main" xmlns="" val="2249465940"/>
+      </p:ext>
+    </p:extLst>
   </p:cSld>
   <p:clrMapOvr>
     <a:masterClrMapping/>
   </p:clrMapOvr>
-  <p:timing>
-    <p:tnLst>
-      <p:par>
-        <p:cTn id="1" dur="indefinite" restart="never" nodeType="tmRoot"/>
-      </p:par>
-    </p:tnLst>
-  </p:timing>
 </p:sld>
 </file>
 
@@ -9383,7 +9249,7 @@
       </p:grpSpPr>
       <p:sp>
         <p:nvSpPr>
-          <p:cNvPr id="12290" name="Title 1"/>
+          <p:cNvPr id="2" name="Title 1"/>
           <p:cNvSpPr>
             <a:spLocks noGrp="1"/>
           </p:cNvSpPr>
@@ -9397,15 +9263,15 @@
           <a:lstStyle/>
           <a:p>
             <a:r>
-              <a:rPr lang="en-GB" altLang="en-US" smtClean="0"/>
-              <a:t>This Week</a:t>
-            </a:r>
-          </a:p>
-        </p:txBody>
-      </p:sp>
-      <p:sp>
-        <p:nvSpPr>
-          <p:cNvPr id="12291" name="Content Placeholder 2"/>
+              <a:rPr lang="en-GB" dirty="0"/>
+              <a:t>Documentation</a:t>
+            </a:r>
+          </a:p>
+        </p:txBody>
+      </p:sp>
+      <p:sp>
+        <p:nvSpPr>
+          <p:cNvPr id="3" name="Content Placeholder 2"/>
           <p:cNvSpPr>
             <a:spLocks noGrp="1"/>
           </p:cNvSpPr>
@@ -9419,30 +9285,49 @@
           <a:lstStyle/>
           <a:p>
             <a:r>
-              <a:rPr lang="en-GB" altLang="en-US" dirty="0" smtClean="0"/>
-              <a:t>Review Slides</a:t>
-            </a:r>
-          </a:p>
-          <a:p>
-            <a:r>
-              <a:rPr lang="en-GB" altLang="en-US" smtClean="0"/>
-              <a:t>Read Chapter 8</a:t>
-            </a:r>
+              <a:rPr lang="en-GB" dirty="0" smtClean="0"/>
+              <a:t>Development </a:t>
+            </a:r>
+            <a:r>
+              <a:rPr lang="en-GB" dirty="0" err="1"/>
+              <a:t>artifacts</a:t>
+            </a:r>
+            <a:r>
+              <a:rPr lang="en-GB" dirty="0"/>
+              <a:t> that are critical to the complete lifecycle of a software </a:t>
+            </a:r>
+            <a:r>
+              <a:rPr lang="en-GB" dirty="0" smtClean="0"/>
+              <a:t>system (other than code)</a:t>
+            </a:r>
+          </a:p>
+          <a:p>
+            <a:r>
+              <a:rPr lang="en-GB" dirty="0" smtClean="0"/>
+              <a:t>Example, requirements and design</a:t>
+            </a:r>
+            <a:r>
+              <a:rPr lang="en-GB" dirty="0"/>
+              <a:t>, must be documented to support the development process and the operation and maintenance of the </a:t>
+            </a:r>
+            <a:r>
+              <a:rPr lang="en-GB" dirty="0" smtClean="0"/>
+              <a:t>system</a:t>
+            </a:r>
+            <a:endParaRPr lang="en-GB" dirty="0"/>
           </a:p>
         </p:txBody>
       </p:sp>
     </p:spTree>
+    <p:extLst>
+      <p:ext uri="{BB962C8B-B14F-4D97-AF65-F5344CB8AC3E}">
+        <p14:creationId xmlns:p14="http://schemas.microsoft.com/office/powerpoint/2010/main" xmlns="" val="2107893518"/>
+      </p:ext>
+    </p:extLst>
   </p:cSld>
   <p:clrMapOvr>
     <a:masterClrMapping/>
   </p:clrMapOvr>
-  <p:timing>
-    <p:tnLst>
-      <p:par>
-        <p:cTn id="1" dur="indefinite" restart="never" nodeType="tmRoot"/>
-      </p:par>
-    </p:tnLst>
-  </p:timing>
 </p:sld>
 </file>
 
@@ -9528,7 +9413,7 @@
           <p:nvPr/>
         </p:nvPicPr>
         <p:blipFill>
-          <a:blip r:embed="rId2"/>
+          <a:blip r:embed="rId2" cstate="print"/>
           <a:stretch>
             <a:fillRect/>
           </a:stretch>
@@ -9546,7 +9431,7 @@
     </p:spTree>
     <p:extLst>
       <p:ext uri="{BB962C8B-B14F-4D97-AF65-F5344CB8AC3E}">
-        <p14:creationId xmlns:p14="http://schemas.microsoft.com/office/powerpoint/2010/main" val="3029983702"/>
+        <p14:creationId xmlns:p14="http://schemas.microsoft.com/office/powerpoint/2010/main" xmlns="" val="3029983702"/>
       </p:ext>
     </p:extLst>
   </p:cSld>
@@ -9575,7 +9460,7 @@
       </p:grpSpPr>
       <p:sp>
         <p:nvSpPr>
-          <p:cNvPr id="13314" name="Title 1"/>
+          <p:cNvPr id="2" name="Title 1"/>
           <p:cNvSpPr>
             <a:spLocks noGrp="1"/>
           </p:cNvSpPr>
@@ -9588,17 +9473,17 @@
           <a:bodyPr/>
           <a:lstStyle/>
           <a:p>
-            <a:pPr eaLnBrk="1" hangingPunct="1"/>
-            <a:r>
-              <a:rPr lang="en-GB" altLang="en-US" smtClean="0"/>
-              <a:t>Questions/Discussion</a:t>
-            </a:r>
-          </a:p>
-        </p:txBody>
-      </p:sp>
-      <p:sp>
-        <p:nvSpPr>
-          <p:cNvPr id="13315" name="Content Placeholder 2"/>
+            <a:r>
+              <a:rPr lang="en-GB" dirty="0" smtClean="0"/>
+              <a:t>Tools</a:t>
+            </a:r>
+            <a:endParaRPr lang="en-GB" dirty="0"/>
+          </a:p>
+        </p:txBody>
+      </p:sp>
+      <p:sp>
+        <p:nvSpPr>
+          <p:cNvPr id="3" name="Content Placeholder 2"/>
           <p:cNvSpPr>
             <a:spLocks noGrp="1"/>
           </p:cNvSpPr>
@@ -9611,23 +9496,111 @@
           <a:bodyPr/>
           <a:lstStyle/>
           <a:p>
-            <a:pPr eaLnBrk="1" hangingPunct="1"/>
-            <a:endParaRPr lang="en-GB" altLang="en-US" smtClean="0"/>
+            <a:r>
+              <a:rPr lang="en-GB" dirty="0"/>
+              <a:t>Trying to build a large </a:t>
+            </a:r>
+            <a:r>
+              <a:rPr lang="en-GB" dirty="0" smtClean="0"/>
+              <a:t>software system </a:t>
+            </a:r>
+            <a:r>
+              <a:rPr lang="en-GB" dirty="0"/>
+              <a:t>with a minimal tool set is equivalent to building a </a:t>
+            </a:r>
+            <a:r>
+              <a:rPr lang="en-GB" dirty="0" smtClean="0"/>
+              <a:t>multi-story </a:t>
+            </a:r>
+            <a:r>
+              <a:rPr lang="en-GB" dirty="0"/>
+              <a:t>building </a:t>
+            </a:r>
+            <a:r>
+              <a:rPr lang="en-GB" dirty="0" smtClean="0"/>
+              <a:t>with stone </a:t>
+            </a:r>
+            <a:r>
+              <a:rPr lang="en-GB" dirty="0"/>
+              <a:t>hand </a:t>
+            </a:r>
+            <a:r>
+              <a:rPr lang="en-GB" dirty="0" smtClean="0"/>
+              <a:t>tools</a:t>
+            </a:r>
+          </a:p>
+          <a:p>
+            <a:r>
+              <a:rPr lang="en-GB" dirty="0" smtClean="0"/>
+              <a:t>Examples</a:t>
+            </a:r>
+          </a:p>
+          <a:p>
+            <a:pPr lvl="1"/>
+            <a:r>
+              <a:rPr lang="en-GB" dirty="0" smtClean="0"/>
+              <a:t>visual </a:t>
+            </a:r>
+            <a:r>
+              <a:rPr lang="en-GB" dirty="0" err="1"/>
+              <a:t>modeling</a:t>
+            </a:r>
+            <a:r>
+              <a:rPr lang="en-GB" dirty="0"/>
+              <a:t> tool </a:t>
+            </a:r>
+            <a:r>
+              <a:rPr lang="en-GB" dirty="0" smtClean="0"/>
+              <a:t>supporting </a:t>
+            </a:r>
+            <a:r>
+              <a:rPr lang="en-GB" dirty="0"/>
+              <a:t>the UML </a:t>
+            </a:r>
+            <a:r>
+              <a:rPr lang="en-GB" dirty="0" smtClean="0"/>
+              <a:t>notation</a:t>
+            </a:r>
+          </a:p>
+          <a:p>
+            <a:pPr lvl="1"/>
+            <a:r>
+              <a:rPr lang="en-GB" dirty="0" smtClean="0"/>
+              <a:t>version control </a:t>
+            </a:r>
+          </a:p>
+          <a:p>
+            <a:pPr marL="0" indent="0">
+              <a:buNone/>
+            </a:pPr>
+            <a:r>
+              <a:rPr lang="en-GB" dirty="0"/>
+              <a:t/>
+            </a:r>
+            <a:br>
+              <a:rPr lang="en-GB" dirty="0"/>
+            </a:br>
+            <a:r>
+              <a:rPr lang="en-GB" dirty="0"/>
+              <a:t/>
+            </a:r>
+            <a:br>
+              <a:rPr lang="en-GB" dirty="0"/>
+            </a:br>
+            <a:endParaRPr lang="en-GB" dirty="0"/>
           </a:p>
         </p:txBody>
       </p:sp>
     </p:spTree>
+    <p:extLst>
+      <p:ext uri="{BB962C8B-B14F-4D97-AF65-F5344CB8AC3E}">
+        <p14:creationId xmlns:p14="http://schemas.microsoft.com/office/powerpoint/2010/main" xmlns="" val="2759452002"/>
+      </p:ext>
+    </p:extLst>
   </p:cSld>
   <p:clrMapOvr>
     <a:masterClrMapping/>
   </p:clrMapOvr>
-  <p:timing>
-    <p:tnLst>
-      <p:par>
-        <p:cTn id="1" dur="indefinite" restart="never" nodeType="tmRoot"/>
-      </p:par>
-    </p:tnLst>
-  </p:timing>
 </p:sld>
 </file>
 
@@ -9648,84 +9621,103 @@
           <a:chExt cx="0" cy="0"/>
         </a:xfrm>
       </p:grpSpPr>
-      <p:pic>
-        <p:nvPicPr>
-          <p:cNvPr id="4" name="Picture 3"/>
-          <p:cNvPicPr>
-            <a:picLocks noChangeAspect="1"/>
-          </p:cNvPicPr>
-          <p:nvPr/>
-        </p:nvPicPr>
-        <p:blipFill>
-          <a:blip r:embed="rId2"/>
-          <a:stretch>
-            <a:fillRect/>
-          </a:stretch>
-        </p:blipFill>
-        <p:spPr>
-          <a:xfrm>
-            <a:off x="914400" y="0"/>
-            <a:ext cx="7022786" cy="5257800"/>
-          </a:xfrm>
-          <a:prstGeom prst="rect">
-            <a:avLst/>
-          </a:prstGeom>
-        </p:spPr>
-      </p:pic>
-      <p:sp>
-        <p:nvSpPr>
-          <p:cNvPr id="5" name="TextBox 4"/>
-          <p:cNvSpPr txBox="1"/>
-          <p:nvPr/>
-        </p:nvSpPr>
-        <p:spPr>
-          <a:xfrm>
-            <a:off x="1676400" y="5257800"/>
-            <a:ext cx="5622629" cy="1077218"/>
-          </a:xfrm>
-          <a:prstGeom prst="rect">
-            <a:avLst/>
-          </a:prstGeom>
-          <a:noFill/>
-        </p:spPr>
-        <p:txBody>
-          <a:bodyPr wrap="none" rtlCol="0">
-            <a:spAutoFit/>
+      <p:sp>
+        <p:nvSpPr>
+          <p:cNvPr id="2" name="Title 1"/>
+          <p:cNvSpPr>
+            <a:spLocks noGrp="1"/>
+          </p:cNvSpPr>
+          <p:nvPr>
+            <p:ph type="title"/>
+          </p:nvPr>
+        </p:nvSpPr>
+        <p:spPr/>
+        <p:txBody>
+          <a:bodyPr/>
+          <a:lstStyle/>
+          <a:p>
+            <a:r>
+              <a:rPr lang="en-GB" dirty="0"/>
+              <a:t>Benefits of Object-Oriented</a:t>
+            </a:r>
+            <a:br>
+              <a:rPr lang="en-GB" dirty="0"/>
+            </a:br>
+            <a:r>
+              <a:rPr lang="en-GB" dirty="0"/>
+              <a:t>Development</a:t>
+            </a:r>
+          </a:p>
+        </p:txBody>
+      </p:sp>
+      <p:sp>
+        <p:nvSpPr>
+          <p:cNvPr id="3" name="Content Placeholder 2"/>
+          <p:cNvSpPr>
+            <a:spLocks noGrp="1"/>
+          </p:cNvSpPr>
+          <p:nvPr>
+            <p:ph idx="1"/>
+          </p:nvPr>
+        </p:nvSpPr>
+        <p:spPr/>
+        <p:txBody>
+          <a:bodyPr>
+            <a:normAutofit fontScale="92500"/>
           </a:bodyPr>
           <a:lstStyle/>
           <a:p>
-            <a:pPr algn="ctr"/>
-            <a:r>
-              <a:rPr lang="en-GB" sz="3200" b="1" dirty="0" smtClean="0">
-                <a:solidFill>
-                  <a:schemeClr val="bg2"/>
-                </a:solidFill>
-              </a:rPr>
-              <a:t>“Would you like the technical</a:t>
-            </a:r>
-          </a:p>
-          <a:p>
-            <a:pPr algn="ctr"/>
-            <a:r>
-              <a:rPr lang="en-GB" sz="3200" b="1" dirty="0" smtClean="0">
-                <a:solidFill>
-                  <a:schemeClr val="bg2"/>
-                </a:solidFill>
-              </a:rPr>
-              <a:t>or non-technical explanation?”</a:t>
-            </a:r>
-            <a:endParaRPr lang="en-GB" sz="3200" b="1" dirty="0">
-              <a:solidFill>
-                <a:schemeClr val="bg2"/>
-              </a:solidFill>
-            </a:endParaRPr>
+            <a:r>
+              <a:rPr lang="en-GB" dirty="0"/>
+              <a:t>Appeals to the working of human cognition</a:t>
+            </a:r>
+          </a:p>
+          <a:p>
+            <a:r>
+              <a:rPr lang="en-GB" dirty="0" smtClean="0"/>
+              <a:t>Leads </a:t>
+            </a:r>
+            <a:r>
+              <a:rPr lang="en-GB" dirty="0"/>
+              <a:t>to systems that are more resilient to change</a:t>
+            </a:r>
+          </a:p>
+          <a:p>
+            <a:r>
+              <a:rPr lang="en-GB" dirty="0" smtClean="0"/>
+              <a:t>Encourages </a:t>
+            </a:r>
+            <a:r>
+              <a:rPr lang="en-GB" dirty="0"/>
+              <a:t>the reuse of software components</a:t>
+            </a:r>
+          </a:p>
+          <a:p>
+            <a:r>
+              <a:rPr lang="en-GB" dirty="0" smtClean="0"/>
+              <a:t>Reduces </a:t>
+            </a:r>
+            <a:r>
+              <a:rPr lang="en-GB" dirty="0"/>
+              <a:t>development risk</a:t>
+            </a:r>
+          </a:p>
+          <a:p>
+            <a:r>
+              <a:rPr lang="en-GB" dirty="0" smtClean="0"/>
+              <a:t>Exploits </a:t>
+            </a:r>
+            <a:r>
+              <a:rPr lang="en-GB" dirty="0"/>
+              <a:t>the expressive power of object-oriented programming languages</a:t>
+            </a:r>
           </a:p>
         </p:txBody>
       </p:sp>
     </p:spTree>
     <p:extLst>
       <p:ext uri="{BB962C8B-B14F-4D97-AF65-F5344CB8AC3E}">
-        <p14:creationId xmlns:p14="http://schemas.microsoft.com/office/powerpoint/2010/main" val="1785507044"/>
+        <p14:creationId xmlns:p14="http://schemas.microsoft.com/office/powerpoint/2010/main" xmlns="" val="1527939254"/>
       </p:ext>
     </p:extLst>
   </p:cSld>
@@ -9762,16 +9754,20 @@
             <p:ph type="title"/>
           </p:nvPr>
         </p:nvSpPr>
-        <p:spPr/>
-        <p:txBody>
-          <a:bodyPr/>
-          <a:lstStyle/>
-          <a:p>
-            <a:r>
-              <a:rPr lang="en-GB" dirty="0" smtClean="0"/>
-              <a:t>Question</a:t>
-            </a:r>
-            <a:endParaRPr lang="en-GB" dirty="0"/>
+        <p:spPr>
+          <a:xfrm>
+            <a:off x="685800" y="228600"/>
+            <a:ext cx="7772400" cy="1143000"/>
+          </a:xfrm>
+        </p:spPr>
+        <p:txBody>
+          <a:bodyPr/>
+          <a:lstStyle/>
+          <a:p>
+            <a:r>
+              <a:rPr lang="en-GB" dirty="0"/>
+              <a:t>Risks of Object-Oriented Development</a:t>
+            </a:r>
           </a:p>
         </p:txBody>
       </p:sp>
@@ -9785,48 +9781,115 @@
             <p:ph idx="1"/>
           </p:nvPr>
         </p:nvSpPr>
-        <p:spPr/>
-        <p:txBody>
-          <a:bodyPr/>
-          <a:lstStyle/>
-          <a:p>
-            <a:r>
-              <a:rPr lang="en-GB" dirty="0"/>
-              <a:t>There are many benefits to object-oriented technology </a:t>
-            </a:r>
-            <a:r>
-              <a:rPr lang="en-GB" dirty="0" smtClean="0"/>
-              <a:t>and no risks</a:t>
-            </a:r>
-          </a:p>
-          <a:p>
-            <a:endParaRPr lang="en-GB" dirty="0"/>
-          </a:p>
-          <a:p>
-            <a:pPr marL="514350" indent="-514350">
-              <a:buAutoNum type="alphaLcParenR"/>
-            </a:pPr>
-            <a:r>
-              <a:rPr lang="en-GB" dirty="0" smtClean="0"/>
-              <a:t>True</a:t>
-            </a:r>
-          </a:p>
-          <a:p>
-            <a:pPr marL="514350" indent="-514350">
-              <a:buAutoNum type="alphaLcParenR"/>
-            </a:pPr>
-            <a:r>
-              <a:rPr lang="en-GB" dirty="0" smtClean="0"/>
-              <a:t>False</a:t>
-            </a:r>
-            <a:endParaRPr lang="en-GB" dirty="0"/>
+        <p:spPr>
+          <a:xfrm>
+            <a:off x="685800" y="1600200"/>
+            <a:ext cx="8077200" cy="5029200"/>
+          </a:xfrm>
+        </p:spPr>
+        <p:txBody>
+          <a:bodyPr>
+            <a:normAutofit fontScale="77500" lnSpcReduction="20000"/>
+          </a:bodyPr>
+          <a:lstStyle/>
+          <a:p>
+            <a:r>
+              <a:rPr lang="en-GB" dirty="0"/>
+              <a:t>A unique way to define architecture and data structure instances</a:t>
+            </a:r>
+          </a:p>
+          <a:p>
+            <a:r>
+              <a:rPr lang="en-GB" dirty="0" smtClean="0"/>
+              <a:t>Information </a:t>
+            </a:r>
+            <a:r>
+              <a:rPr lang="en-GB" dirty="0"/>
+              <a:t>hiding through abstraction and encapsulation</a:t>
+            </a:r>
+          </a:p>
+          <a:p>
+            <a:r>
+              <a:rPr lang="en-GB" dirty="0" smtClean="0"/>
+              <a:t>Inheritance </a:t>
+            </a:r>
+            <a:r>
+              <a:rPr lang="en-GB" dirty="0"/>
+              <a:t>to organize related elements</a:t>
+            </a:r>
+          </a:p>
+          <a:p>
+            <a:r>
+              <a:rPr lang="en-GB" dirty="0" smtClean="0"/>
+              <a:t>Polymorphism </a:t>
+            </a:r>
+            <a:r>
+              <a:rPr lang="en-GB" dirty="0"/>
+              <a:t>to perform operations that can automatically adapt to </a:t>
+            </a:r>
+            <a:r>
+              <a:rPr lang="en-GB" dirty="0" smtClean="0"/>
+              <a:t>the type </a:t>
+            </a:r>
+            <a:r>
+              <a:rPr lang="en-GB" dirty="0"/>
+              <a:t>of structure they operate on</a:t>
+            </a:r>
+          </a:p>
+          <a:p>
+            <a:r>
+              <a:rPr lang="en-GB" dirty="0" smtClean="0"/>
+              <a:t>Specialized </a:t>
+            </a:r>
+            <a:r>
+              <a:rPr lang="en-GB" dirty="0"/>
+              <a:t>analysis and design methods</a:t>
+            </a:r>
+          </a:p>
+          <a:p>
+            <a:r>
+              <a:rPr lang="en-GB" dirty="0" smtClean="0"/>
+              <a:t>Object-oriented </a:t>
+            </a:r>
+            <a:r>
+              <a:rPr lang="en-GB" dirty="0"/>
+              <a:t>languages</a:t>
+            </a:r>
+          </a:p>
+          <a:p>
+            <a:r>
+              <a:rPr lang="en-GB" dirty="0" smtClean="0"/>
+              <a:t>Environments </a:t>
+            </a:r>
+            <a:r>
+              <a:rPr lang="en-GB" dirty="0"/>
+              <a:t>that facilitate the creation of object-oriented systems</a:t>
+            </a:r>
+          </a:p>
+          <a:p>
+            <a:r>
+              <a:rPr lang="en-GB" dirty="0" smtClean="0"/>
+              <a:t>Design </a:t>
+            </a:r>
+            <a:r>
+              <a:rPr lang="en-GB" dirty="0"/>
+              <a:t>by contract, a powerful technique to circumvent module </a:t>
+            </a:r>
+            <a:r>
+              <a:rPr lang="en-GB" dirty="0" smtClean="0"/>
+              <a:t>boundary and </a:t>
+            </a:r>
+            <a:r>
+              <a:rPr lang="en-GB" dirty="0"/>
+              <a:t>interface problems</a:t>
+            </a:r>
           </a:p>
         </p:txBody>
       </p:sp>
     </p:spTree>
     <p:extLst>
       <p:ext uri="{BB962C8B-B14F-4D97-AF65-F5344CB8AC3E}">
-        <p14:creationId xmlns:p14="http://schemas.microsoft.com/office/powerpoint/2010/main" val="1883125445"/>
+        <p14:creationId xmlns:p14="http://schemas.microsoft.com/office/powerpoint/2010/main" xmlns="" val="724208070"/>
       </p:ext>
     </p:extLst>
   </p:cSld>
@@ -9863,14 +9926,19 @@
             <p:ph type="title"/>
           </p:nvPr>
         </p:nvSpPr>
-        <p:spPr/>
-        <p:txBody>
-          <a:bodyPr/>
-          <a:lstStyle/>
-          <a:p>
-            <a:r>
-              <a:rPr lang="en-GB" dirty="0" smtClean="0"/>
-              <a:t>Answer</a:t>
+        <p:spPr>
+          <a:xfrm>
+            <a:off x="685800" y="0"/>
+            <a:ext cx="7772400" cy="1143000"/>
+          </a:xfrm>
+        </p:spPr>
+        <p:txBody>
+          <a:bodyPr/>
+          <a:lstStyle/>
+          <a:p>
+            <a:r>
+              <a:rPr lang="en-GB" dirty="0" smtClean="0"/>
+              <a:t>8 Software Risks</a:t>
             </a:r>
             <a:endParaRPr lang="en-GB" dirty="0"/>
           </a:p>
@@ -9886,23 +9954,818 @@
             <p:ph idx="1"/>
           </p:nvPr>
         </p:nvSpPr>
-        <p:spPr/>
-        <p:txBody>
-          <a:bodyPr/>
-          <a:lstStyle/>
-          <a:p>
-            <a:r>
-              <a:rPr lang="en-GB" dirty="0" smtClean="0"/>
-              <a:t>b) False</a:t>
-            </a:r>
-            <a:endParaRPr lang="en-GB" dirty="0"/>
+        <p:spPr>
+          <a:xfrm>
+            <a:off x="609600" y="1219200"/>
+            <a:ext cx="8229600" cy="5486400"/>
+          </a:xfrm>
+        </p:spPr>
+        <p:txBody>
+          <a:bodyPr>
+            <a:noAutofit/>
+          </a:bodyPr>
+          <a:lstStyle/>
+          <a:p>
+            <a:pPr marL="0" indent="0">
+              <a:buNone/>
+            </a:pPr>
+            <a:r>
+              <a:rPr lang="en-GB" sz="2000" dirty="0" smtClean="0"/>
+              <a:t>1. Personnel shortfalls</a:t>
+            </a:r>
+          </a:p>
+          <a:p>
+            <a:pPr marL="0" indent="0">
+              <a:buNone/>
+            </a:pPr>
+            <a:r>
+              <a:rPr lang="en-GB" sz="2000" dirty="0"/>
+              <a:t/>
+            </a:r>
+            <a:br>
+              <a:rPr lang="en-GB" sz="2000" dirty="0"/>
+            </a:br>
+            <a:r>
+              <a:rPr lang="en-GB" sz="2000" dirty="0"/>
+              <a:t>2. </a:t>
+            </a:r>
+            <a:r>
+              <a:rPr lang="en-GB" sz="2000" dirty="0">
+                <a:solidFill>
+                  <a:srgbClr val="FF0000"/>
+                </a:solidFill>
+              </a:rPr>
+              <a:t>Unrealistic</a:t>
+            </a:r>
+            <a:r>
+              <a:rPr lang="en-GB" sz="2000" dirty="0"/>
+              <a:t> schedules, budgets, or </a:t>
+            </a:r>
+            <a:r>
+              <a:rPr lang="en-GB" sz="2000" dirty="0" smtClean="0"/>
+              <a:t>processes</a:t>
+            </a:r>
+          </a:p>
+          <a:p>
+            <a:pPr marL="0" indent="0">
+              <a:buNone/>
+            </a:pPr>
+            <a:r>
+              <a:rPr lang="en-GB" sz="2000" dirty="0"/>
+              <a:t/>
+            </a:r>
+            <a:br>
+              <a:rPr lang="en-GB" sz="2000" dirty="0"/>
+            </a:br>
+            <a:r>
+              <a:rPr lang="en-GB" sz="2000" dirty="0"/>
+              <a:t>3. Shortfalls in commercial </a:t>
+            </a:r>
+            <a:r>
+              <a:rPr lang="en-GB" sz="2000" dirty="0">
+                <a:solidFill>
+                  <a:srgbClr val="FF0000"/>
+                </a:solidFill>
+              </a:rPr>
+              <a:t>off-the-shelf products</a:t>
+            </a:r>
+            <a:r>
+              <a:rPr lang="en-GB" sz="2000" dirty="0"/>
+              <a:t>, external components, </a:t>
+            </a:r>
+            <a:r>
+              <a:rPr lang="en-GB" sz="2000" dirty="0" smtClean="0"/>
+              <a:t>or legacy </a:t>
+            </a:r>
+            <a:r>
+              <a:rPr lang="en-GB" sz="2000" dirty="0"/>
+              <a:t>software</a:t>
+            </a:r>
+            <a:br>
+              <a:rPr lang="en-GB" sz="2000" dirty="0"/>
+            </a:br>
+            <a:endParaRPr lang="en-GB" sz="2000" dirty="0" smtClean="0"/>
+          </a:p>
+          <a:p>
+            <a:pPr marL="0" indent="0">
+              <a:buNone/>
+            </a:pPr>
+            <a:r>
+              <a:rPr lang="en-GB" sz="2000" dirty="0" smtClean="0"/>
+              <a:t>4</a:t>
+            </a:r>
+            <a:r>
+              <a:rPr lang="en-GB" sz="2000" dirty="0"/>
+              <a:t>. Mismatches in </a:t>
+            </a:r>
+            <a:r>
+              <a:rPr lang="en-GB" sz="2000" dirty="0">
+                <a:solidFill>
+                  <a:srgbClr val="FF0000"/>
+                </a:solidFill>
+              </a:rPr>
+              <a:t>requirements</a:t>
+            </a:r>
+            <a:r>
+              <a:rPr lang="en-GB" sz="2000" dirty="0"/>
+              <a:t> or user interface</a:t>
+            </a:r>
+            <a:br>
+              <a:rPr lang="en-GB" sz="2000" dirty="0"/>
+            </a:br>
+            <a:endParaRPr lang="en-GB" sz="2000" dirty="0" smtClean="0"/>
+          </a:p>
+          <a:p>
+            <a:pPr marL="0" indent="0">
+              <a:buNone/>
+            </a:pPr>
+            <a:r>
+              <a:rPr lang="en-GB" sz="2000" dirty="0" smtClean="0"/>
+              <a:t>5</a:t>
+            </a:r>
+            <a:r>
+              <a:rPr lang="en-GB" sz="2000" dirty="0"/>
+              <a:t>. Shortfalls in </a:t>
+            </a:r>
+            <a:r>
+              <a:rPr lang="en-GB" sz="2000" dirty="0">
+                <a:solidFill>
+                  <a:srgbClr val="FF0000"/>
+                </a:solidFill>
+              </a:rPr>
+              <a:t>architecture</a:t>
+            </a:r>
+            <a:r>
+              <a:rPr lang="en-GB" sz="2000" dirty="0"/>
+              <a:t>, </a:t>
+            </a:r>
+            <a:r>
+              <a:rPr lang="en-GB" sz="2000" dirty="0">
+                <a:solidFill>
+                  <a:srgbClr val="FF0000"/>
+                </a:solidFill>
+              </a:rPr>
+              <a:t>performance</a:t>
+            </a:r>
+            <a:r>
+              <a:rPr lang="en-GB" sz="2000" dirty="0"/>
+              <a:t>, </a:t>
+            </a:r>
+            <a:r>
+              <a:rPr lang="en-GB" sz="2000" dirty="0" smtClean="0"/>
+              <a:t>or </a:t>
+            </a:r>
+            <a:r>
+              <a:rPr lang="en-GB" sz="2000" dirty="0" smtClean="0">
+                <a:solidFill>
+                  <a:srgbClr val="FF0000"/>
+                </a:solidFill>
+              </a:rPr>
+              <a:t>quality</a:t>
+            </a:r>
+            <a:r>
+              <a:rPr lang="en-GB" sz="2000" dirty="0"/>
+              <a:t/>
+            </a:r>
+            <a:br>
+              <a:rPr lang="en-GB" sz="2000" dirty="0"/>
+            </a:br>
+            <a:endParaRPr lang="en-GB" sz="2000" dirty="0" smtClean="0"/>
+          </a:p>
+          <a:p>
+            <a:pPr marL="0" indent="0">
+              <a:buNone/>
+            </a:pPr>
+            <a:r>
+              <a:rPr lang="en-GB" sz="2000" dirty="0" smtClean="0"/>
+              <a:t>6</a:t>
+            </a:r>
+            <a:r>
+              <a:rPr lang="en-GB" sz="2000" dirty="0"/>
+              <a:t>. Continuing stream of </a:t>
+            </a:r>
+            <a:r>
+              <a:rPr lang="en-GB" sz="2000" dirty="0">
+                <a:solidFill>
+                  <a:srgbClr val="FF0000"/>
+                </a:solidFill>
+              </a:rPr>
+              <a:t>requirements changes</a:t>
+            </a:r>
+            <a:r>
+              <a:rPr lang="en-GB" sz="2000" dirty="0"/>
+              <a:t/>
+            </a:r>
+            <a:br>
+              <a:rPr lang="en-GB" sz="2000" dirty="0"/>
+            </a:br>
+            <a:endParaRPr lang="en-GB" sz="2000" dirty="0" smtClean="0"/>
+          </a:p>
+          <a:p>
+            <a:pPr marL="0" indent="0">
+              <a:buNone/>
+            </a:pPr>
+            <a:r>
+              <a:rPr lang="en-GB" sz="2000" dirty="0" smtClean="0"/>
+              <a:t>7</a:t>
+            </a:r>
+            <a:r>
+              <a:rPr lang="en-GB" sz="2000" dirty="0"/>
+              <a:t>. Shortfalls in externally </a:t>
+            </a:r>
+            <a:r>
+              <a:rPr lang="en-GB" sz="2000" dirty="0">
+                <a:solidFill>
+                  <a:srgbClr val="FF0000"/>
+                </a:solidFill>
+              </a:rPr>
+              <a:t>performed</a:t>
+            </a:r>
+            <a:r>
+              <a:rPr lang="en-GB" sz="2000" dirty="0"/>
+              <a:t> tasks</a:t>
+            </a:r>
+            <a:br>
+              <a:rPr lang="en-GB" sz="2000" dirty="0"/>
+            </a:br>
+            <a:endParaRPr lang="en-GB" sz="2000" dirty="0" smtClean="0"/>
+          </a:p>
+          <a:p>
+            <a:pPr marL="0" indent="0">
+              <a:buNone/>
+            </a:pPr>
+            <a:r>
+              <a:rPr lang="en-GB" sz="2000" dirty="0" smtClean="0"/>
+              <a:t>8</a:t>
+            </a:r>
+            <a:r>
+              <a:rPr lang="en-GB" sz="2000" dirty="0"/>
+              <a:t>. Straining computer </a:t>
+            </a:r>
+            <a:r>
+              <a:rPr lang="en-GB" sz="2000" dirty="0" smtClean="0"/>
+              <a:t>science</a:t>
+            </a:r>
+            <a:endParaRPr lang="en-GB" sz="1600" dirty="0"/>
           </a:p>
         </p:txBody>
       </p:sp>
     </p:spTree>
     <p:extLst>
       <p:ext uri="{BB962C8B-B14F-4D97-AF65-F5344CB8AC3E}">
-        <p14:creationId xmlns:p14="http://schemas.microsoft.com/office/powerpoint/2010/main" val="2955333060"/>
+        <p14:creationId xmlns:p14="http://schemas.microsoft.com/office/powerpoint/2010/main" xmlns="" val="671992687"/>
+      </p:ext>
+    </p:extLst>
+  </p:cSld>
+  <p:clrMapOvr>
+    <a:masterClrMapping/>
+  </p:clrMapOvr>
+</p:sld>
+</file>
+
+<file path=ppt/slides/slide54.xml><?xml version="1.0" encoding="utf-8"?>
+<p:sld xmlns:a="http://schemas.openxmlformats.org/drawingml/2006/main" xmlns:r="http://schemas.openxmlformats.org/officeDocument/2006/relationships" xmlns:p="http://schemas.openxmlformats.org/presentationml/2006/main">
+  <p:cSld>
+    <p:spTree>
+      <p:nvGrpSpPr>
+        <p:cNvPr id="1" name=""/>
+        <p:cNvGrpSpPr/>
+        <p:nvPr/>
+      </p:nvGrpSpPr>
+      <p:grpSpPr>
+        <a:xfrm>
+          <a:off x="0" y="0"/>
+          <a:ext cx="0" cy="0"/>
+          <a:chOff x="0" y="0"/>
+          <a:chExt cx="0" cy="0"/>
+        </a:xfrm>
+      </p:grpSpPr>
+      <p:sp>
+        <p:nvSpPr>
+          <p:cNvPr id="11266" name="Title 1"/>
+          <p:cNvSpPr>
+            <a:spLocks noGrp="1"/>
+          </p:cNvSpPr>
+          <p:nvPr>
+            <p:ph type="title"/>
+          </p:nvPr>
+        </p:nvSpPr>
+        <p:spPr/>
+        <p:txBody>
+          <a:bodyPr/>
+          <a:lstStyle/>
+          <a:p>
+            <a:r>
+              <a:rPr lang="en-GB" altLang="en-US" smtClean="0"/>
+              <a:t>Summary</a:t>
+            </a:r>
+          </a:p>
+        </p:txBody>
+      </p:sp>
+      <p:sp>
+        <p:nvSpPr>
+          <p:cNvPr id="11267" name="Content Placeholder 2"/>
+          <p:cNvSpPr>
+            <a:spLocks noGrp="1"/>
+          </p:cNvSpPr>
+          <p:nvPr>
+            <p:ph idx="1"/>
+          </p:nvPr>
+        </p:nvSpPr>
+        <p:spPr/>
+        <p:txBody>
+          <a:bodyPr/>
+          <a:lstStyle/>
+          <a:p>
+            <a:r>
+              <a:rPr lang="en-GB" altLang="en-US" dirty="0" smtClean="0"/>
+              <a:t>Clear idea of Pragmatics in Object Orientated Analysis and Design</a:t>
+            </a:r>
+          </a:p>
+          <a:p>
+            <a:r>
+              <a:rPr lang="en-GB" altLang="en-US" dirty="0" smtClean="0"/>
+              <a:t>See bigger picture </a:t>
+            </a:r>
+            <a:r>
+              <a:rPr lang="en-GB" altLang="en-US" dirty="0"/>
+              <a:t>(i.e., much more than just generating </a:t>
+            </a:r>
+            <a:r>
+              <a:rPr lang="en-GB" altLang="en-US" dirty="0" smtClean="0"/>
+              <a:t>code)</a:t>
+            </a:r>
+          </a:p>
+          <a:p>
+            <a:r>
+              <a:rPr lang="en-GB" altLang="en-US" dirty="0"/>
+              <a:t>Reuse must be institutionalized to be successful</a:t>
+            </a:r>
+            <a:endParaRPr lang="en-GB" altLang="en-US" dirty="0" smtClean="0"/>
+          </a:p>
+        </p:txBody>
+      </p:sp>
+    </p:spTree>
+  </p:cSld>
+  <p:clrMapOvr>
+    <a:masterClrMapping/>
+  </p:clrMapOvr>
+  <p:timing>
+    <p:tnLst>
+      <p:par>
+        <p:cTn id="1" dur="indefinite" restart="never" nodeType="tmRoot"/>
+      </p:par>
+    </p:tnLst>
+  </p:timing>
+</p:sld>
+</file>
+
+<file path=ppt/slides/slide55.xml><?xml version="1.0" encoding="utf-8"?>
+<p:sld xmlns:a="http://schemas.openxmlformats.org/drawingml/2006/main" xmlns:r="http://schemas.openxmlformats.org/officeDocument/2006/relationships" xmlns:p="http://schemas.openxmlformats.org/presentationml/2006/main">
+  <p:cSld>
+    <p:spTree>
+      <p:nvGrpSpPr>
+        <p:cNvPr id="1" name=""/>
+        <p:cNvGrpSpPr/>
+        <p:nvPr/>
+      </p:nvGrpSpPr>
+      <p:grpSpPr>
+        <a:xfrm>
+          <a:off x="0" y="0"/>
+          <a:ext cx="0" cy="0"/>
+          <a:chOff x="0" y="0"/>
+          <a:chExt cx="0" cy="0"/>
+        </a:xfrm>
+      </p:grpSpPr>
+      <p:sp>
+        <p:nvSpPr>
+          <p:cNvPr id="12290" name="Title 1"/>
+          <p:cNvSpPr>
+            <a:spLocks noGrp="1"/>
+          </p:cNvSpPr>
+          <p:nvPr>
+            <p:ph type="title"/>
+          </p:nvPr>
+        </p:nvSpPr>
+        <p:spPr/>
+        <p:txBody>
+          <a:bodyPr/>
+          <a:lstStyle/>
+          <a:p>
+            <a:r>
+              <a:rPr lang="en-GB" altLang="en-US" smtClean="0"/>
+              <a:t>This Week</a:t>
+            </a:r>
+          </a:p>
+        </p:txBody>
+      </p:sp>
+      <p:sp>
+        <p:nvSpPr>
+          <p:cNvPr id="12291" name="Content Placeholder 2"/>
+          <p:cNvSpPr>
+            <a:spLocks noGrp="1"/>
+          </p:cNvSpPr>
+          <p:nvPr>
+            <p:ph idx="1"/>
+          </p:nvPr>
+        </p:nvSpPr>
+        <p:spPr/>
+        <p:txBody>
+          <a:bodyPr/>
+          <a:lstStyle/>
+          <a:p>
+            <a:r>
+              <a:rPr lang="en-GB" altLang="en-US" dirty="0" smtClean="0"/>
+              <a:t>Review Slides</a:t>
+            </a:r>
+          </a:p>
+          <a:p>
+            <a:r>
+              <a:rPr lang="en-GB" altLang="en-US" dirty="0" smtClean="0"/>
+              <a:t>Read Chapter </a:t>
+            </a:r>
+            <a:r>
+              <a:rPr lang="en-GB" altLang="en-US" dirty="0" smtClean="0"/>
+              <a:t>8</a:t>
+            </a:r>
+          </a:p>
+          <a:p>
+            <a:r>
+              <a:rPr lang="en-GB" altLang="en-US" dirty="0" smtClean="0"/>
+              <a:t>No Lecture Next Week</a:t>
+            </a:r>
+          </a:p>
+          <a:p>
+            <a:pPr lvl="1"/>
+            <a:r>
+              <a:rPr lang="en-GB" altLang="en-US" dirty="0" smtClean="0"/>
+              <a:t>(Revision Week)</a:t>
+            </a:r>
+          </a:p>
+        </p:txBody>
+      </p:sp>
+    </p:spTree>
+  </p:cSld>
+  <p:clrMapOvr>
+    <a:masterClrMapping/>
+  </p:clrMapOvr>
+  <p:timing>
+    <p:tnLst>
+      <p:par>
+        <p:cTn id="1" dur="indefinite" restart="never" nodeType="tmRoot"/>
+      </p:par>
+    </p:tnLst>
+  </p:timing>
+</p:sld>
+</file>
+
+<file path=ppt/slides/slide56.xml><?xml version="1.0" encoding="utf-8"?>
+<p:sld xmlns:a="http://schemas.openxmlformats.org/drawingml/2006/main" xmlns:r="http://schemas.openxmlformats.org/officeDocument/2006/relationships" xmlns:p="http://schemas.openxmlformats.org/presentationml/2006/main">
+  <p:cSld>
+    <p:spTree>
+      <p:nvGrpSpPr>
+        <p:cNvPr id="1" name=""/>
+        <p:cNvGrpSpPr/>
+        <p:nvPr/>
+      </p:nvGrpSpPr>
+      <p:grpSpPr>
+        <a:xfrm>
+          <a:off x="0" y="0"/>
+          <a:ext cx="0" cy="0"/>
+          <a:chOff x="0" y="0"/>
+          <a:chExt cx="0" cy="0"/>
+        </a:xfrm>
+      </p:grpSpPr>
+      <p:sp>
+        <p:nvSpPr>
+          <p:cNvPr id="13314" name="Title 1"/>
+          <p:cNvSpPr>
+            <a:spLocks noGrp="1"/>
+          </p:cNvSpPr>
+          <p:nvPr>
+            <p:ph type="title"/>
+          </p:nvPr>
+        </p:nvSpPr>
+        <p:spPr/>
+        <p:txBody>
+          <a:bodyPr/>
+          <a:lstStyle/>
+          <a:p>
+            <a:pPr eaLnBrk="1" hangingPunct="1"/>
+            <a:r>
+              <a:rPr lang="en-GB" altLang="en-US" smtClean="0"/>
+              <a:t>Questions/Discussion</a:t>
+            </a:r>
+          </a:p>
+        </p:txBody>
+      </p:sp>
+      <p:sp>
+        <p:nvSpPr>
+          <p:cNvPr id="13315" name="Content Placeholder 2"/>
+          <p:cNvSpPr>
+            <a:spLocks noGrp="1"/>
+          </p:cNvSpPr>
+          <p:nvPr>
+            <p:ph idx="1"/>
+          </p:nvPr>
+        </p:nvSpPr>
+        <p:spPr/>
+        <p:txBody>
+          <a:bodyPr/>
+          <a:lstStyle/>
+          <a:p>
+            <a:pPr eaLnBrk="1" hangingPunct="1"/>
+            <a:endParaRPr lang="en-GB" altLang="en-US" smtClean="0"/>
+          </a:p>
+        </p:txBody>
+      </p:sp>
+    </p:spTree>
+  </p:cSld>
+  <p:clrMapOvr>
+    <a:masterClrMapping/>
+  </p:clrMapOvr>
+  <p:timing>
+    <p:tnLst>
+      <p:par>
+        <p:cTn id="1" dur="indefinite" restart="never" nodeType="tmRoot"/>
+      </p:par>
+    </p:tnLst>
+  </p:timing>
+</p:sld>
+</file>
+
+<file path=ppt/slides/slide57.xml><?xml version="1.0" encoding="utf-8"?>
+<p:sld xmlns:a="http://schemas.openxmlformats.org/drawingml/2006/main" xmlns:r="http://schemas.openxmlformats.org/officeDocument/2006/relationships" xmlns:p="http://schemas.openxmlformats.org/presentationml/2006/main">
+  <p:cSld>
+    <p:spTree>
+      <p:nvGrpSpPr>
+        <p:cNvPr id="1" name=""/>
+        <p:cNvGrpSpPr/>
+        <p:nvPr/>
+      </p:nvGrpSpPr>
+      <p:grpSpPr>
+        <a:xfrm>
+          <a:off x="0" y="0"/>
+          <a:ext cx="0" cy="0"/>
+          <a:chOff x="0" y="0"/>
+          <a:chExt cx="0" cy="0"/>
+        </a:xfrm>
+      </p:grpSpPr>
+      <p:pic>
+        <p:nvPicPr>
+          <p:cNvPr id="4" name="Picture 3"/>
+          <p:cNvPicPr>
+            <a:picLocks noChangeAspect="1"/>
+          </p:cNvPicPr>
+          <p:nvPr/>
+        </p:nvPicPr>
+        <p:blipFill>
+          <a:blip r:embed="rId2" cstate="print"/>
+          <a:stretch>
+            <a:fillRect/>
+          </a:stretch>
+        </p:blipFill>
+        <p:spPr>
+          <a:xfrm>
+            <a:off x="914400" y="0"/>
+            <a:ext cx="7022786" cy="5257800"/>
+          </a:xfrm>
+          <a:prstGeom prst="rect">
+            <a:avLst/>
+          </a:prstGeom>
+        </p:spPr>
+      </p:pic>
+      <p:sp>
+        <p:nvSpPr>
+          <p:cNvPr id="5" name="TextBox 4"/>
+          <p:cNvSpPr txBox="1"/>
+          <p:nvPr/>
+        </p:nvSpPr>
+        <p:spPr>
+          <a:xfrm>
+            <a:off x="1676400" y="5257800"/>
+            <a:ext cx="5622629" cy="1077218"/>
+          </a:xfrm>
+          <a:prstGeom prst="rect">
+            <a:avLst/>
+          </a:prstGeom>
+          <a:noFill/>
+        </p:spPr>
+        <p:txBody>
+          <a:bodyPr wrap="none" rtlCol="0">
+            <a:spAutoFit/>
+          </a:bodyPr>
+          <a:lstStyle/>
+          <a:p>
+            <a:pPr algn="ctr"/>
+            <a:r>
+              <a:rPr lang="en-GB" sz="3200" b="1" dirty="0" smtClean="0">
+                <a:solidFill>
+                  <a:schemeClr val="bg2"/>
+                </a:solidFill>
+              </a:rPr>
+              <a:t>“Would you like the technical</a:t>
+            </a:r>
+          </a:p>
+          <a:p>
+            <a:pPr algn="ctr"/>
+            <a:r>
+              <a:rPr lang="en-GB" sz="3200" b="1" dirty="0" smtClean="0">
+                <a:solidFill>
+                  <a:schemeClr val="bg2"/>
+                </a:solidFill>
+              </a:rPr>
+              <a:t>or non-technical explanation?”</a:t>
+            </a:r>
+            <a:endParaRPr lang="en-GB" sz="3200" b="1" dirty="0">
+              <a:solidFill>
+                <a:schemeClr val="bg2"/>
+              </a:solidFill>
+            </a:endParaRPr>
+          </a:p>
+        </p:txBody>
+      </p:sp>
+    </p:spTree>
+    <p:extLst>
+      <p:ext uri="{BB962C8B-B14F-4D97-AF65-F5344CB8AC3E}">
+        <p14:creationId xmlns:p14="http://schemas.microsoft.com/office/powerpoint/2010/main" xmlns="" val="1785507044"/>
+      </p:ext>
+    </p:extLst>
+  </p:cSld>
+  <p:clrMapOvr>
+    <a:masterClrMapping/>
+  </p:clrMapOvr>
+</p:sld>
+</file>
+
+<file path=ppt/slides/slide58.xml><?xml version="1.0" encoding="utf-8"?>
+<p:sld xmlns:a="http://schemas.openxmlformats.org/drawingml/2006/main" xmlns:r="http://schemas.openxmlformats.org/officeDocument/2006/relationships" xmlns:p="http://schemas.openxmlformats.org/presentationml/2006/main">
+  <p:cSld>
+    <p:spTree>
+      <p:nvGrpSpPr>
+        <p:cNvPr id="1" name=""/>
+        <p:cNvGrpSpPr/>
+        <p:nvPr/>
+      </p:nvGrpSpPr>
+      <p:grpSpPr>
+        <a:xfrm>
+          <a:off x="0" y="0"/>
+          <a:ext cx="0" cy="0"/>
+          <a:chOff x="0" y="0"/>
+          <a:chExt cx="0" cy="0"/>
+        </a:xfrm>
+      </p:grpSpPr>
+      <p:sp>
+        <p:nvSpPr>
+          <p:cNvPr id="2" name="Title 1"/>
+          <p:cNvSpPr>
+            <a:spLocks noGrp="1"/>
+          </p:cNvSpPr>
+          <p:nvPr>
+            <p:ph type="title"/>
+          </p:nvPr>
+        </p:nvSpPr>
+        <p:spPr/>
+        <p:txBody>
+          <a:bodyPr/>
+          <a:lstStyle/>
+          <a:p>
+            <a:r>
+              <a:rPr lang="en-GB" dirty="0" smtClean="0"/>
+              <a:t>Question</a:t>
+            </a:r>
+            <a:endParaRPr lang="en-GB" dirty="0"/>
+          </a:p>
+        </p:txBody>
+      </p:sp>
+      <p:sp>
+        <p:nvSpPr>
+          <p:cNvPr id="3" name="Content Placeholder 2"/>
+          <p:cNvSpPr>
+            <a:spLocks noGrp="1"/>
+          </p:cNvSpPr>
+          <p:nvPr>
+            <p:ph idx="1"/>
+          </p:nvPr>
+        </p:nvSpPr>
+        <p:spPr/>
+        <p:txBody>
+          <a:bodyPr/>
+          <a:lstStyle/>
+          <a:p>
+            <a:r>
+              <a:rPr lang="en-GB" dirty="0"/>
+              <a:t>There are many benefits to object-oriented technology </a:t>
+            </a:r>
+            <a:r>
+              <a:rPr lang="en-GB" dirty="0" smtClean="0"/>
+              <a:t>and no risks</a:t>
+            </a:r>
+          </a:p>
+          <a:p>
+            <a:endParaRPr lang="en-GB" dirty="0"/>
+          </a:p>
+          <a:p>
+            <a:pPr marL="514350" indent="-514350">
+              <a:buAutoNum type="alphaLcParenR"/>
+            </a:pPr>
+            <a:r>
+              <a:rPr lang="en-GB" dirty="0" smtClean="0"/>
+              <a:t>True</a:t>
+            </a:r>
+          </a:p>
+          <a:p>
+            <a:pPr marL="514350" indent="-514350">
+              <a:buAutoNum type="alphaLcParenR"/>
+            </a:pPr>
+            <a:r>
+              <a:rPr lang="en-GB" dirty="0" smtClean="0"/>
+              <a:t>False</a:t>
+            </a:r>
+            <a:endParaRPr lang="en-GB" dirty="0"/>
+          </a:p>
+        </p:txBody>
+      </p:sp>
+    </p:spTree>
+    <p:extLst>
+      <p:ext uri="{BB962C8B-B14F-4D97-AF65-F5344CB8AC3E}">
+        <p14:creationId xmlns:p14="http://schemas.microsoft.com/office/powerpoint/2010/main" xmlns="" val="1883125445"/>
+      </p:ext>
+    </p:extLst>
+  </p:cSld>
+  <p:clrMapOvr>
+    <a:masterClrMapping/>
+  </p:clrMapOvr>
+</p:sld>
+</file>
+
+<file path=ppt/slides/slide59.xml><?xml version="1.0" encoding="utf-8"?>
+<p:sld xmlns:a="http://schemas.openxmlformats.org/drawingml/2006/main" xmlns:r="http://schemas.openxmlformats.org/officeDocument/2006/relationships" xmlns:p="http://schemas.openxmlformats.org/presentationml/2006/main">
+  <p:cSld>
+    <p:spTree>
+      <p:nvGrpSpPr>
+        <p:cNvPr id="1" name=""/>
+        <p:cNvGrpSpPr/>
+        <p:nvPr/>
+      </p:nvGrpSpPr>
+      <p:grpSpPr>
+        <a:xfrm>
+          <a:off x="0" y="0"/>
+          <a:ext cx="0" cy="0"/>
+          <a:chOff x="0" y="0"/>
+          <a:chExt cx="0" cy="0"/>
+        </a:xfrm>
+      </p:grpSpPr>
+      <p:sp>
+        <p:nvSpPr>
+          <p:cNvPr id="2" name="Title 1"/>
+          <p:cNvSpPr>
+            <a:spLocks noGrp="1"/>
+          </p:cNvSpPr>
+          <p:nvPr>
+            <p:ph type="title"/>
+          </p:nvPr>
+        </p:nvSpPr>
+        <p:spPr/>
+        <p:txBody>
+          <a:bodyPr/>
+          <a:lstStyle/>
+          <a:p>
+            <a:r>
+              <a:rPr lang="en-GB" dirty="0" smtClean="0"/>
+              <a:t>Answer</a:t>
+            </a:r>
+            <a:endParaRPr lang="en-GB" dirty="0"/>
+          </a:p>
+        </p:txBody>
+      </p:sp>
+      <p:sp>
+        <p:nvSpPr>
+          <p:cNvPr id="3" name="Content Placeholder 2"/>
+          <p:cNvSpPr>
+            <a:spLocks noGrp="1"/>
+          </p:cNvSpPr>
+          <p:nvPr>
+            <p:ph idx="1"/>
+          </p:nvPr>
+        </p:nvSpPr>
+        <p:spPr/>
+        <p:txBody>
+          <a:bodyPr/>
+          <a:lstStyle/>
+          <a:p>
+            <a:r>
+              <a:rPr lang="en-GB" dirty="0" smtClean="0"/>
+              <a:t>b) False</a:t>
+            </a:r>
+            <a:endParaRPr lang="en-GB" dirty="0"/>
+          </a:p>
+        </p:txBody>
+      </p:sp>
+    </p:spTree>
+    <p:extLst>
+      <p:ext uri="{BB962C8B-B14F-4D97-AF65-F5344CB8AC3E}">
+        <p14:creationId xmlns:p14="http://schemas.microsoft.com/office/powerpoint/2010/main" xmlns="" val="2955333060"/>
       </p:ext>
     </p:extLst>
   </p:cSld>
@@ -9985,7 +10848,7 @@
           <p:nvPr/>
         </p:nvPicPr>
         <p:blipFill>
-          <a:blip r:embed="rId2"/>
+          <a:blip r:embed="rId2" cstate="print"/>
           <a:srcRect/>
           <a:stretch>
             <a:fillRect/>
@@ -10012,7 +10875,7 @@
     </p:spTree>
     <p:extLst>
       <p:ext uri="{BB962C8B-B14F-4D97-AF65-F5344CB8AC3E}">
-        <p14:creationId xmlns:p14="http://schemas.microsoft.com/office/powerpoint/2010/main" val="1159629100"/>
+        <p14:creationId xmlns:p14="http://schemas.microsoft.com/office/powerpoint/2010/main" xmlns="" val="1159629100"/>
       </p:ext>
     </p:extLst>
   </p:cSld>
@@ -10120,7 +10983,7 @@
     </p:spTree>
     <p:extLst>
       <p:ext uri="{BB962C8B-B14F-4D97-AF65-F5344CB8AC3E}">
-        <p14:creationId xmlns:p14="http://schemas.microsoft.com/office/powerpoint/2010/main" val="2875424083"/>
+        <p14:creationId xmlns:p14="http://schemas.microsoft.com/office/powerpoint/2010/main" xmlns="" val="2875424083"/>
       </p:ext>
     </p:extLst>
   </p:cSld>
@@ -10230,14 +11093,14 @@
             <a:effectLst/>
             <a:extLst>
               <a:ext uri="{909E8E84-426E-40DD-AFC4-6F175D3DCCD1}">
-                <a14:hiddenFill xmlns:a14="http://schemas.microsoft.com/office/drawing/2010/main">
+                <a14:hiddenFill xmlns:a14="http://schemas.microsoft.com/office/drawing/2010/main" xmlns="">
                   <a:solidFill>
                     <a:schemeClr val="accent1"/>
                   </a:solidFill>
                 </a14:hiddenFill>
               </a:ext>
               <a:ext uri="{91240B29-F687-4F45-9708-019B960494DF}">
-                <a14:hiddenLine xmlns:a14="http://schemas.microsoft.com/office/drawing/2010/main" w="9525">
+                <a14:hiddenLine xmlns:a14="http://schemas.microsoft.com/office/drawing/2010/main" xmlns="" w="9525">
                   <a:solidFill>
                     <a:schemeClr val="tx1"/>
                   </a:solidFill>
@@ -10247,7 +11110,7 @@
                 </a14:hiddenLine>
               </a:ext>
               <a:ext uri="{AF507438-7753-43E0-B8FC-AC1667EBCBE1}">
-                <a14:hiddenEffects xmlns:a14="http://schemas.microsoft.com/office/drawing/2010/main">
+                <a14:hiddenEffects xmlns:a14="http://schemas.microsoft.com/office/drawing/2010/main" xmlns="">
                   <a:effectLst>
                     <a:outerShdw dist="35921" dir="2700000" algn="ctr" rotWithShape="0">
                       <a:schemeClr val="bg2"/>
@@ -10425,14 +11288,14 @@
             <a:effectLst/>
             <a:extLst>
               <a:ext uri="{909E8E84-426E-40DD-AFC4-6F175D3DCCD1}">
-                <a14:hiddenFill xmlns:a14="http://schemas.microsoft.com/office/drawing/2010/main">
+                <a14:hiddenFill xmlns:a14="http://schemas.microsoft.com/office/drawing/2010/main" xmlns="">
                   <a:solidFill>
                     <a:schemeClr val="accent1"/>
                   </a:solidFill>
                 </a14:hiddenFill>
               </a:ext>
               <a:ext uri="{91240B29-F687-4F45-9708-019B960494DF}">
-                <a14:hiddenLine xmlns:a14="http://schemas.microsoft.com/office/drawing/2010/main" w="9525">
+                <a14:hiddenLine xmlns:a14="http://schemas.microsoft.com/office/drawing/2010/main" xmlns="" w="9525">
                   <a:solidFill>
                     <a:schemeClr val="tx1"/>
                   </a:solidFill>
@@ -10442,7 +11305,7 @@
                 </a14:hiddenLine>
               </a:ext>
               <a:ext uri="{AF507438-7753-43E0-B8FC-AC1667EBCBE1}">
-                <a14:hiddenEffects xmlns:a14="http://schemas.microsoft.com/office/drawing/2010/main">
+                <a14:hiddenEffects xmlns:a14="http://schemas.microsoft.com/office/drawing/2010/main" xmlns="">
                   <a:effectLst>
                     <a:outerShdw dist="35921" dir="2700000" algn="ctr" rotWithShape="0">
                       <a:schemeClr val="bg2"/>
@@ -10638,7 +11501,7 @@
             <p:nvPr/>
           </p:nvPicPr>
           <p:blipFill>
-            <a:blip r:embed="rId3"/>
+            <a:blip r:embed="rId3" cstate="print"/>
             <a:srcRect/>
             <a:stretch>
               <a:fillRect/>
@@ -10666,7 +11529,7 @@
     </p:spTree>
     <p:extLst>
       <p:ext uri="{BB962C8B-B14F-4D97-AF65-F5344CB8AC3E}">
-        <p14:creationId xmlns:p14="http://schemas.microsoft.com/office/powerpoint/2010/main" val="2994663293"/>
+        <p14:creationId xmlns:p14="http://schemas.microsoft.com/office/powerpoint/2010/main" xmlns="" val="2994663293"/>
       </p:ext>
     </p:extLst>
   </p:cSld>
@@ -10802,7 +11665,7 @@
     </p:spTree>
     <p:extLst>
       <p:ext uri="{BB962C8B-B14F-4D97-AF65-F5344CB8AC3E}">
-        <p14:creationId xmlns:p14="http://schemas.microsoft.com/office/powerpoint/2010/main" val="2166848228"/>
+        <p14:creationId xmlns:p14="http://schemas.microsoft.com/office/powerpoint/2010/main" xmlns="" val="2166848228"/>
       </p:ext>
     </p:extLst>
   </p:cSld>
@@ -11295,7 +12158,7 @@
   </a:extraClrSchemeLst>
   <a:extLst>
     <a:ext uri="{05A4C25C-085E-4340-85A3-A5531E510DB2}">
-      <thm15:themeFamily xmlns:thm15="http://schemas.microsoft.com/office/thememl/2012/main" name="Office Theme" id="{62F939B6-93AF-4DB8-9C6B-D6C7DFDC589F}" vid="{4A3C46E8-61CC-4603-A589-7422A47A8E4A}"/>
+      <thm15:themeFamily xmlns:thm15="http://schemas.microsoft.com/office/thememl/2012/main" xmlns="" name="Office Theme" id="{62F939B6-93AF-4DB8-9C6B-D6C7DFDC589F}" vid="{4A3C46E8-61CC-4603-A589-7422A47A8E4A}"/>
     </a:ext>
   </a:extLst>
 </a:theme>
@@ -11556,7 +12419,7 @@
   <a:extraClrSchemeLst/>
   <a:extLst>
     <a:ext uri="{05A4C25C-085E-4340-85A3-A5531E510DB2}">
-      <thm15:themeFamily xmlns:thm15="http://schemas.microsoft.com/office/thememl/2012/main" name="Office Theme" id="{62F939B6-93AF-4DB8-9C6B-D6C7DFDC589F}" vid="{4A3C46E8-61CC-4603-A589-7422A47A8E4A}"/>
+      <thm15:themeFamily xmlns:thm15="http://schemas.microsoft.com/office/thememl/2012/main" xmlns="" name="Office Theme" id="{62F939B6-93AF-4DB8-9C6B-D6C7DFDC589F}" vid="{4A3C46E8-61CC-4603-A589-7422A47A8E4A}"/>
     </a:ext>
   </a:extLst>
 </a:theme>

--- a/OOAD/lectures/090--Pragmatics.pptx
+++ b/OOAD/lectures/090--Pragmatics.pptx
@@ -10,19 +10,19 @@
   <p:sldIdLst>
     <p:sldId id="267" r:id="rId2"/>
     <p:sldId id="342" r:id="rId3"/>
-    <p:sldId id="292" r:id="rId4"/>
-    <p:sldId id="331" r:id="rId5"/>
-    <p:sldId id="333" r:id="rId6"/>
-    <p:sldId id="332" r:id="rId7"/>
-    <p:sldId id="338" r:id="rId8"/>
-    <p:sldId id="339" r:id="rId9"/>
-    <p:sldId id="340" r:id="rId10"/>
-    <p:sldId id="341" r:id="rId11"/>
-    <p:sldId id="336" r:id="rId12"/>
-    <p:sldId id="337" r:id="rId13"/>
-    <p:sldId id="334" r:id="rId14"/>
-    <p:sldId id="335" r:id="rId15"/>
-    <p:sldId id="274" r:id="rId16"/>
+    <p:sldId id="274" r:id="rId4"/>
+    <p:sldId id="292" r:id="rId5"/>
+    <p:sldId id="331" r:id="rId6"/>
+    <p:sldId id="333" r:id="rId7"/>
+    <p:sldId id="332" r:id="rId8"/>
+    <p:sldId id="338" r:id="rId9"/>
+    <p:sldId id="339" r:id="rId10"/>
+    <p:sldId id="340" r:id="rId11"/>
+    <p:sldId id="341" r:id="rId12"/>
+    <p:sldId id="336" r:id="rId13"/>
+    <p:sldId id="337" r:id="rId14"/>
+    <p:sldId id="334" r:id="rId15"/>
+    <p:sldId id="335" r:id="rId16"/>
     <p:sldId id="294" r:id="rId17"/>
     <p:sldId id="296" r:id="rId18"/>
     <p:sldId id="297" r:id="rId19"/>
@@ -197,7 +197,7 @@
   </p:defaultTextStyle>
   <p:extLst>
     <p:ext uri="{EFAFB233-063F-42B5-8137-9DF3F51BA10A}">
-      <p15:sldGuideLst xmlns:p15="http://schemas.microsoft.com/office/powerpoint/2012/main" xmlns="">
+      <p15:sldGuideLst xmlns:p15="http://schemas.microsoft.com/office/powerpoint/2012/main">
         <p15:guide id="1" orient="horz" pos="2160">
           <p15:clr>
             <a:srgbClr val="A4A3A4"/>
@@ -264,14 +264,14 @@
           <a:effectLst/>
           <a:extLst>
             <a:ext uri="{909E8E84-426E-40DD-AFC4-6F175D3DCCD1}">
-              <a14:hiddenFill xmlns:a14="http://schemas.microsoft.com/office/drawing/2010/main" xmlns="">
+              <a14:hiddenFill xmlns:a14="http://schemas.microsoft.com/office/drawing/2010/main">
                 <a:solidFill>
                   <a:schemeClr val="accent1"/>
                 </a:solidFill>
               </a14:hiddenFill>
             </a:ext>
             <a:ext uri="{91240B29-F687-4F45-9708-019B960494DF}">
-              <a14:hiddenLine xmlns:a14="http://schemas.microsoft.com/office/drawing/2010/main" xmlns="" w="9525">
+              <a14:hiddenLine xmlns:a14="http://schemas.microsoft.com/office/drawing/2010/main" w="9525">
                 <a:solidFill>
                   <a:schemeClr val="tx1"/>
                 </a:solidFill>
@@ -281,7 +281,7 @@
               </a14:hiddenLine>
             </a:ext>
             <a:ext uri="{AF507438-7753-43E0-B8FC-AC1667EBCBE1}">
-              <a14:hiddenEffects xmlns:a14="http://schemas.microsoft.com/office/drawing/2010/main" xmlns="">
+              <a14:hiddenEffects xmlns:a14="http://schemas.microsoft.com/office/drawing/2010/main">
                 <a:effectLst>
                   <a:outerShdw dist="35921" dir="2700000" algn="ctr" rotWithShape="0">
                     <a:schemeClr val="bg2"/>
@@ -335,14 +335,14 @@
           <a:effectLst/>
           <a:extLst>
             <a:ext uri="{909E8E84-426E-40DD-AFC4-6F175D3DCCD1}">
-              <a14:hiddenFill xmlns:a14="http://schemas.microsoft.com/office/drawing/2010/main" xmlns="">
+              <a14:hiddenFill xmlns:a14="http://schemas.microsoft.com/office/drawing/2010/main">
                 <a:solidFill>
                   <a:schemeClr val="accent1"/>
                 </a:solidFill>
               </a14:hiddenFill>
             </a:ext>
             <a:ext uri="{91240B29-F687-4F45-9708-019B960494DF}">
-              <a14:hiddenLine xmlns:a14="http://schemas.microsoft.com/office/drawing/2010/main" xmlns="" w="9525">
+              <a14:hiddenLine xmlns:a14="http://schemas.microsoft.com/office/drawing/2010/main" w="9525">
                 <a:solidFill>
                   <a:schemeClr val="tx1"/>
                 </a:solidFill>
@@ -352,7 +352,7 @@
               </a14:hiddenLine>
             </a:ext>
             <a:ext uri="{AF507438-7753-43E0-B8FC-AC1667EBCBE1}">
-              <a14:hiddenEffects xmlns:a14="http://schemas.microsoft.com/office/drawing/2010/main" xmlns="">
+              <a14:hiddenEffects xmlns:a14="http://schemas.microsoft.com/office/drawing/2010/main">
                 <a:effectLst>
                   <a:outerShdw dist="35921" dir="2700000" algn="ctr" rotWithShape="0">
                     <a:schemeClr val="bg2"/>
@@ -411,14 +411,14 @@
           <a:effectLst/>
           <a:extLst>
             <a:ext uri="{909E8E84-426E-40DD-AFC4-6F175D3DCCD1}">
-              <a14:hiddenFill xmlns:a14="http://schemas.microsoft.com/office/drawing/2010/main" xmlns="">
+              <a14:hiddenFill xmlns:a14="http://schemas.microsoft.com/office/drawing/2010/main">
                 <a:solidFill>
                   <a:srgbClr val="FFFFFF"/>
                 </a:solidFill>
               </a14:hiddenFill>
             </a:ext>
             <a:ext uri="{AF507438-7753-43E0-B8FC-AC1667EBCBE1}">
-              <a14:hiddenEffects xmlns:a14="http://schemas.microsoft.com/office/drawing/2010/main" xmlns="">
+              <a14:hiddenEffects xmlns:a14="http://schemas.microsoft.com/office/drawing/2010/main">
                 <a:effectLst>
                   <a:outerShdw dist="35921" dir="2700000" algn="ctr" rotWithShape="0">
                     <a:srgbClr val="808080"/>
@@ -427,7 +427,7 @@
               </a14:hiddenEffects>
             </a:ext>
             <a:ext uri="{53640926-AAD7-44D8-BBD7-CCE9431645EC}">
-              <a14:shadowObscured xmlns:a14="http://schemas.microsoft.com/office/drawing/2010/main" xmlns="" val="1"/>
+              <a14:shadowObscured xmlns:a14="http://schemas.microsoft.com/office/drawing/2010/main" val="1"/>
             </a:ext>
           </a:extLst>
         </p:spPr>
@@ -457,14 +457,14 @@
           <a:effectLst/>
           <a:extLst>
             <a:ext uri="{909E8E84-426E-40DD-AFC4-6F175D3DCCD1}">
-              <a14:hiddenFill xmlns:a14="http://schemas.microsoft.com/office/drawing/2010/main" xmlns="">
+              <a14:hiddenFill xmlns:a14="http://schemas.microsoft.com/office/drawing/2010/main">
                 <a:solidFill>
                   <a:schemeClr val="accent1"/>
                 </a:solidFill>
               </a14:hiddenFill>
             </a:ext>
             <a:ext uri="{91240B29-F687-4F45-9708-019B960494DF}">
-              <a14:hiddenLine xmlns:a14="http://schemas.microsoft.com/office/drawing/2010/main" xmlns="" w="9525">
+              <a14:hiddenLine xmlns:a14="http://schemas.microsoft.com/office/drawing/2010/main" w="9525">
                 <a:solidFill>
                   <a:schemeClr val="tx1"/>
                 </a:solidFill>
@@ -474,7 +474,7 @@
               </a14:hiddenLine>
             </a:ext>
             <a:ext uri="{AF507438-7753-43E0-B8FC-AC1667EBCBE1}">
-              <a14:hiddenEffects xmlns:a14="http://schemas.microsoft.com/office/drawing/2010/main" xmlns="">
+              <a14:hiddenEffects xmlns:a14="http://schemas.microsoft.com/office/drawing/2010/main">
                 <a:effectLst>
                   <a:outerShdw dist="35921" dir="2700000" algn="ctr" rotWithShape="0">
                     <a:schemeClr val="bg2"/>
@@ -553,14 +553,14 @@
           <a:effectLst/>
           <a:extLst>
             <a:ext uri="{909E8E84-426E-40DD-AFC4-6F175D3DCCD1}">
-              <a14:hiddenFill xmlns:a14="http://schemas.microsoft.com/office/drawing/2010/main" xmlns="">
+              <a14:hiddenFill xmlns:a14="http://schemas.microsoft.com/office/drawing/2010/main">
                 <a:solidFill>
                   <a:schemeClr val="accent1"/>
                 </a:solidFill>
               </a14:hiddenFill>
             </a:ext>
             <a:ext uri="{91240B29-F687-4F45-9708-019B960494DF}">
-              <a14:hiddenLine xmlns:a14="http://schemas.microsoft.com/office/drawing/2010/main" xmlns="" w="9525">
+              <a14:hiddenLine xmlns:a14="http://schemas.microsoft.com/office/drawing/2010/main" w="9525">
                 <a:solidFill>
                   <a:schemeClr val="tx1"/>
                 </a:solidFill>
@@ -570,7 +570,7 @@
               </a14:hiddenLine>
             </a:ext>
             <a:ext uri="{AF507438-7753-43E0-B8FC-AC1667EBCBE1}">
-              <a14:hiddenEffects xmlns:a14="http://schemas.microsoft.com/office/drawing/2010/main" xmlns="">
+              <a14:hiddenEffects xmlns:a14="http://schemas.microsoft.com/office/drawing/2010/main">
                 <a:effectLst>
                   <a:outerShdw dist="35921" dir="2700000" algn="ctr" rotWithShape="0">
                     <a:schemeClr val="bg2"/>
@@ -624,14 +624,14 @@
           <a:effectLst/>
           <a:extLst>
             <a:ext uri="{909E8E84-426E-40DD-AFC4-6F175D3DCCD1}">
-              <a14:hiddenFill xmlns:a14="http://schemas.microsoft.com/office/drawing/2010/main" xmlns="">
+              <a14:hiddenFill xmlns:a14="http://schemas.microsoft.com/office/drawing/2010/main">
                 <a:solidFill>
                   <a:schemeClr val="accent1"/>
                 </a:solidFill>
               </a14:hiddenFill>
             </a:ext>
             <a:ext uri="{91240B29-F687-4F45-9708-019B960494DF}">
-              <a14:hiddenLine xmlns:a14="http://schemas.microsoft.com/office/drawing/2010/main" xmlns="" w="9525">
+              <a14:hiddenLine xmlns:a14="http://schemas.microsoft.com/office/drawing/2010/main" w="9525">
                 <a:solidFill>
                   <a:schemeClr val="tx1"/>
                 </a:solidFill>
@@ -641,7 +641,7 @@
               </a14:hiddenLine>
             </a:ext>
             <a:ext uri="{AF507438-7753-43E0-B8FC-AC1667EBCBE1}">
-              <a14:hiddenEffects xmlns:a14="http://schemas.microsoft.com/office/drawing/2010/main" xmlns="">
+              <a14:hiddenEffects xmlns:a14="http://schemas.microsoft.com/office/drawing/2010/main">
                 <a:effectLst>
                   <a:outerShdw dist="35921" dir="2700000" algn="ctr" rotWithShape="0">
                     <a:schemeClr val="bg2"/>
@@ -680,7 +680,7 @@
     </p:spTree>
     <p:extLst>
       <p:ext uri="{BB962C8B-B14F-4D97-AF65-F5344CB8AC3E}">
-        <p14:creationId xmlns:p14="http://schemas.microsoft.com/office/powerpoint/2010/main" xmlns="" val="1016880840"/>
+        <p14:creationId xmlns:p14="http://schemas.microsoft.com/office/powerpoint/2010/main" val="1016880840"/>
       </p:ext>
     </p:extLst>
   </p:cSld>
@@ -927,7 +927,7 @@
     </p:spTree>
     <p:extLst>
       <p:ext uri="{BB962C8B-B14F-4D97-AF65-F5344CB8AC3E}">
-        <p14:creationId xmlns:p14="http://schemas.microsoft.com/office/powerpoint/2010/main" xmlns="" val="3266833690"/>
+        <p14:creationId xmlns:p14="http://schemas.microsoft.com/office/powerpoint/2010/main" val="3266833690"/>
       </p:ext>
     </p:extLst>
   </p:cSld>
@@ -1151,7 +1151,7 @@
     </p:spTree>
     <p:extLst>
       <p:ext uri="{BB962C8B-B14F-4D97-AF65-F5344CB8AC3E}">
-        <p14:creationId xmlns:p14="http://schemas.microsoft.com/office/powerpoint/2010/main" xmlns="" val="1730415393"/>
+        <p14:creationId xmlns:p14="http://schemas.microsoft.com/office/powerpoint/2010/main" val="1730415393"/>
       </p:ext>
     </p:extLst>
   </p:cSld>
@@ -1385,7 +1385,7 @@
     </p:spTree>
     <p:extLst>
       <p:ext uri="{BB962C8B-B14F-4D97-AF65-F5344CB8AC3E}">
-        <p14:creationId xmlns:p14="http://schemas.microsoft.com/office/powerpoint/2010/main" xmlns="" val="3400579074"/>
+        <p14:creationId xmlns:p14="http://schemas.microsoft.com/office/powerpoint/2010/main" val="3400579074"/>
       </p:ext>
     </p:extLst>
   </p:cSld>
@@ -1490,7 +1490,7 @@
     </p:spTree>
     <p:extLst>
       <p:ext uri="{BB962C8B-B14F-4D97-AF65-F5344CB8AC3E}">
-        <p14:creationId xmlns:p14="http://schemas.microsoft.com/office/powerpoint/2010/main" xmlns="" val="3909272198"/>
+        <p14:creationId xmlns:p14="http://schemas.microsoft.com/office/powerpoint/2010/main" val="3909272198"/>
       </p:ext>
     </p:extLst>
   </p:cSld>
@@ -1617,7 +1617,7 @@
     </p:spTree>
     <p:extLst>
       <p:ext uri="{BB962C8B-B14F-4D97-AF65-F5344CB8AC3E}">
-        <p14:creationId xmlns:p14="http://schemas.microsoft.com/office/powerpoint/2010/main" xmlns="" val="1834414426"/>
+        <p14:creationId xmlns:p14="http://schemas.microsoft.com/office/powerpoint/2010/main" val="1834414426"/>
       </p:ext>
     </p:extLst>
   </p:cSld>
@@ -1784,7 +1784,7 @@
     </p:spTree>
     <p:extLst>
       <p:ext uri="{BB962C8B-B14F-4D97-AF65-F5344CB8AC3E}">
-        <p14:creationId xmlns:p14="http://schemas.microsoft.com/office/powerpoint/2010/main" xmlns="" val="744733422"/>
+        <p14:creationId xmlns:p14="http://schemas.microsoft.com/office/powerpoint/2010/main" val="744733422"/>
       </p:ext>
     </p:extLst>
   </p:cSld>
@@ -2086,7 +2086,7 @@
     </p:spTree>
     <p:extLst>
       <p:ext uri="{BB962C8B-B14F-4D97-AF65-F5344CB8AC3E}">
-        <p14:creationId xmlns:p14="http://schemas.microsoft.com/office/powerpoint/2010/main" xmlns="" val="3457555674"/>
+        <p14:creationId xmlns:p14="http://schemas.microsoft.com/office/powerpoint/2010/main" val="3457555674"/>
       </p:ext>
     </p:extLst>
   </p:cSld>
@@ -2258,7 +2258,7 @@
     </p:spTree>
     <p:extLst>
       <p:ext uri="{BB962C8B-B14F-4D97-AF65-F5344CB8AC3E}">
-        <p14:creationId xmlns:p14="http://schemas.microsoft.com/office/powerpoint/2010/main" xmlns="" val="3861976490"/>
+        <p14:creationId xmlns:p14="http://schemas.microsoft.com/office/powerpoint/2010/main" val="3861976490"/>
       </p:ext>
     </p:extLst>
   </p:cSld>
@@ -2407,7 +2407,7 @@
     </p:spTree>
     <p:extLst>
       <p:ext uri="{BB962C8B-B14F-4D97-AF65-F5344CB8AC3E}">
-        <p14:creationId xmlns:p14="http://schemas.microsoft.com/office/powerpoint/2010/main" xmlns="" val="664392681"/>
+        <p14:creationId xmlns:p14="http://schemas.microsoft.com/office/powerpoint/2010/main" val="664392681"/>
       </p:ext>
     </p:extLst>
   </p:cSld>
@@ -2738,7 +2738,7 @@
     </p:spTree>
     <p:extLst>
       <p:ext uri="{BB962C8B-B14F-4D97-AF65-F5344CB8AC3E}">
-        <p14:creationId xmlns:p14="http://schemas.microsoft.com/office/powerpoint/2010/main" xmlns="" val="2862084545"/>
+        <p14:creationId xmlns:p14="http://schemas.microsoft.com/office/powerpoint/2010/main" val="2862084545"/>
       </p:ext>
     </p:extLst>
   </p:cSld>
@@ -3046,7 +3046,7 @@
     </p:spTree>
     <p:extLst>
       <p:ext uri="{BB962C8B-B14F-4D97-AF65-F5344CB8AC3E}">
-        <p14:creationId xmlns:p14="http://schemas.microsoft.com/office/powerpoint/2010/main" xmlns="" val="3487852279"/>
+        <p14:creationId xmlns:p14="http://schemas.microsoft.com/office/powerpoint/2010/main" val="3487852279"/>
       </p:ext>
     </p:extLst>
   </p:cSld>
@@ -3106,14 +3106,14 @@
           <a:effectLst/>
           <a:extLst>
             <a:ext uri="{909E8E84-426E-40DD-AFC4-6F175D3DCCD1}">
-              <a14:hiddenFill xmlns:a14="http://schemas.microsoft.com/office/drawing/2010/main" xmlns="">
+              <a14:hiddenFill xmlns:a14="http://schemas.microsoft.com/office/drawing/2010/main">
                 <a:solidFill>
                   <a:schemeClr val="accent1"/>
                 </a:solidFill>
               </a14:hiddenFill>
             </a:ext>
             <a:ext uri="{91240B29-F687-4F45-9708-019B960494DF}">
-              <a14:hiddenLine xmlns:a14="http://schemas.microsoft.com/office/drawing/2010/main" xmlns="" w="9525">
+              <a14:hiddenLine xmlns:a14="http://schemas.microsoft.com/office/drawing/2010/main" w="9525">
                 <a:solidFill>
                   <a:schemeClr val="tx1"/>
                 </a:solidFill>
@@ -3123,7 +3123,7 @@
               </a14:hiddenLine>
             </a:ext>
             <a:ext uri="{AF507438-7753-43E0-B8FC-AC1667EBCBE1}">
-              <a14:hiddenEffects xmlns:a14="http://schemas.microsoft.com/office/drawing/2010/main" xmlns="">
+              <a14:hiddenEffects xmlns:a14="http://schemas.microsoft.com/office/drawing/2010/main">
                 <a:effectLst>
                   <a:outerShdw dist="35921" dir="2700000" algn="ctr" rotWithShape="0">
                     <a:schemeClr val="bg2"/>
@@ -3174,14 +3174,14 @@
           <a:effectLst/>
           <a:extLst>
             <a:ext uri="{909E8E84-426E-40DD-AFC4-6F175D3DCCD1}">
-              <a14:hiddenFill xmlns:a14="http://schemas.microsoft.com/office/drawing/2010/main" xmlns="">
+              <a14:hiddenFill xmlns:a14="http://schemas.microsoft.com/office/drawing/2010/main">
                 <a:solidFill>
                   <a:schemeClr val="accent1"/>
                 </a:solidFill>
               </a14:hiddenFill>
             </a:ext>
             <a:ext uri="{91240B29-F687-4F45-9708-019B960494DF}">
-              <a14:hiddenLine xmlns:a14="http://schemas.microsoft.com/office/drawing/2010/main" xmlns="" w="9525">
+              <a14:hiddenLine xmlns:a14="http://schemas.microsoft.com/office/drawing/2010/main" w="9525">
                 <a:solidFill>
                   <a:schemeClr val="tx1"/>
                 </a:solidFill>
@@ -3191,7 +3191,7 @@
               </a14:hiddenLine>
             </a:ext>
             <a:ext uri="{AF507438-7753-43E0-B8FC-AC1667EBCBE1}">
-              <a14:hiddenEffects xmlns:a14="http://schemas.microsoft.com/office/drawing/2010/main" xmlns="">
+              <a14:hiddenEffects xmlns:a14="http://schemas.microsoft.com/office/drawing/2010/main">
                 <a:effectLst>
                   <a:outerShdw dist="35921" dir="2700000" algn="ctr" rotWithShape="0">
                     <a:schemeClr val="bg2"/>
@@ -3739,14 +3739,14 @@
           </a:ln>
           <a:extLst>
             <a:ext uri="{909E8E84-426E-40DD-AFC4-6F175D3DCCD1}">
-              <a14:hiddenFill xmlns:a14="http://schemas.microsoft.com/office/drawing/2010/main" xmlns="">
+              <a14:hiddenFill xmlns:a14="http://schemas.microsoft.com/office/drawing/2010/main">
                 <a:solidFill>
                   <a:srgbClr val="FFFFFF"/>
                 </a:solidFill>
               </a14:hiddenFill>
             </a:ext>
             <a:ext uri="{91240B29-F687-4F45-9708-019B960494DF}">
-              <a14:hiddenLine xmlns:a14="http://schemas.microsoft.com/office/drawing/2010/main" xmlns="" w="9525">
+              <a14:hiddenLine xmlns:a14="http://schemas.microsoft.com/office/drawing/2010/main" w="9525">
                 <a:solidFill>
                   <a:srgbClr val="000000"/>
                 </a:solidFill>
@@ -3955,7 +3955,7 @@
           <a:p>
             <a:r>
               <a:rPr lang="en-US" dirty="0" smtClean="0"/>
-              <a:t>Answer</a:t>
+              <a:t>Question</a:t>
             </a:r>
             <a:endParaRPr lang="en-US" dirty="0"/>
           </a:p>
@@ -3977,15 +3977,69 @@
           <a:lstStyle/>
           <a:p>
             <a:r>
+              <a:rPr lang="en-US" dirty="0" smtClean="0"/>
+              <a:t>Which development approach is the waterfall model?</a:t>
+            </a:r>
+          </a:p>
+          <a:p>
+            <a:endParaRPr lang="en-US" dirty="0" smtClean="0"/>
+          </a:p>
+          <a:p>
+            <a:pPr>
+              <a:buNone/>
+            </a:pPr>
+            <a:r>
               <a:rPr lang="en-US" dirty="0"/>
-              <a:t>d</a:t>
+              <a:t>a</a:t>
             </a:r>
             <a:r>
               <a:rPr lang="en-US" dirty="0" smtClean="0"/>
-              <a:t>) incremental development approach</a:t>
-            </a:r>
-          </a:p>
-          <a:p>
+              <a:t>) iterative development approach</a:t>
+            </a:r>
+          </a:p>
+          <a:p>
+            <a:pPr>
+              <a:buNone/>
+            </a:pPr>
+            <a:r>
+              <a:rPr lang="en-US" dirty="0"/>
+              <a:t>b</a:t>
+            </a:r>
+            <a:r>
+              <a:rPr lang="en-US" dirty="0" smtClean="0"/>
+              <a:t>) static development approach</a:t>
+            </a:r>
+          </a:p>
+          <a:p>
+            <a:pPr>
+              <a:buNone/>
+            </a:pPr>
+            <a:r>
+              <a:rPr lang="en-US" dirty="0"/>
+              <a:t>c</a:t>
+            </a:r>
+            <a:r>
+              <a:rPr lang="en-US" dirty="0" smtClean="0"/>
+              <a:t>) behavioral development approach</a:t>
+            </a:r>
+          </a:p>
+          <a:p>
+            <a:pPr>
+              <a:buNone/>
+            </a:pPr>
+            <a:r>
+              <a:rPr lang="en-US" dirty="0" smtClean="0"/>
+              <a:t>d) </a:t>
+            </a:r>
+            <a:r>
+              <a:rPr lang="en-US" dirty="0"/>
+              <a:t>incremental development approach</a:t>
+            </a:r>
+          </a:p>
+          <a:p>
+            <a:pPr>
+              <a:buNone/>
+            </a:pPr>
             <a:endParaRPr lang="en-US" dirty="0"/>
           </a:p>
         </p:txBody>
@@ -3993,7 +4047,7 @@
     </p:spTree>
     <p:extLst>
       <p:ext uri="{BB962C8B-B14F-4D97-AF65-F5344CB8AC3E}">
-        <p14:creationId xmlns:p14="http://schemas.microsoft.com/office/powerpoint/2010/main" xmlns="" val="963848789"/>
+        <p14:creationId xmlns:p14="http://schemas.microsoft.com/office/powerpoint/2010/main" val="2166848228"/>
       </p:ext>
     </p:extLst>
   </p:cSld>
@@ -4036,10 +4090,10 @@
           <a:lstStyle/>
           <a:p>
             <a:r>
-              <a:rPr lang="en-GB" dirty="0" smtClean="0"/>
-              <a:t>Question</a:t>
-            </a:r>
-            <a:endParaRPr lang="en-GB" dirty="0"/>
+              <a:rPr lang="en-US" dirty="0" smtClean="0"/>
+              <a:t>Answer</a:t>
+            </a:r>
+            <a:endParaRPr lang="en-US" dirty="0"/>
           </a:p>
         </p:txBody>
       </p:sp>
@@ -4059,71 +4113,23 @@
           <a:lstStyle/>
           <a:p>
             <a:r>
-              <a:rPr lang="en-GB" dirty="0" smtClean="0"/>
-              <a:t>What are the four lifecycle phases for SCRUM?</a:t>
-            </a:r>
-            <a:endParaRPr lang="en-GB" dirty="0"/>
-          </a:p>
-        </p:txBody>
-      </p:sp>
-      <p:pic>
-        <p:nvPicPr>
-          <p:cNvPr id="4" name="Picture 1"/>
-          <p:cNvPicPr>
-            <a:picLocks noChangeAspect="1"/>
-          </p:cNvPicPr>
-          <p:nvPr/>
-        </p:nvPicPr>
-        <p:blipFill>
-          <a:blip r:embed="rId2" cstate="print">
-            <a:extLst>
-              <a:ext uri="{28A0092B-C50C-407E-A947-70E740481C1C}">
-                <a14:useLocalDpi xmlns:a14="http://schemas.microsoft.com/office/drawing/2010/main" xmlns="" val="0"/>
-              </a:ext>
-            </a:extLst>
-          </a:blip>
-          <a:srcRect/>
-          <a:stretch>
-            <a:fillRect/>
-          </a:stretch>
-        </p:blipFill>
-        <p:spPr bwMode="auto">
-          <a:xfrm>
-            <a:off x="6468140" y="4800600"/>
-            <a:ext cx="2294860" cy="1879600"/>
-          </a:xfrm>
-          <a:prstGeom prst="rect">
-            <a:avLst/>
-          </a:prstGeom>
-          <a:noFill/>
-          <a:ln>
-            <a:noFill/>
-          </a:ln>
-          <a:extLst>
-            <a:ext uri="{909E8E84-426E-40DD-AFC4-6F175D3DCCD1}">
-              <a14:hiddenFill xmlns:a14="http://schemas.microsoft.com/office/drawing/2010/main" xmlns="">
-                <a:solidFill>
-                  <a:srgbClr val="FFFFFF"/>
-                </a:solidFill>
-              </a14:hiddenFill>
-            </a:ext>
-            <a:ext uri="{91240B29-F687-4F45-9708-019B960494DF}">
-              <a14:hiddenLine xmlns:a14="http://schemas.microsoft.com/office/drawing/2010/main" xmlns="" w="9525">
-                <a:solidFill>
-                  <a:srgbClr val="000000"/>
-                </a:solidFill>
-                <a:miter lim="800000"/>
-                <a:headEnd/>
-                <a:tailEnd/>
-              </a14:hiddenLine>
-            </a:ext>
-          </a:extLst>
-        </p:spPr>
-      </p:pic>
+              <a:rPr lang="en-US" dirty="0"/>
+              <a:t>d</a:t>
+            </a:r>
+            <a:r>
+              <a:rPr lang="en-US" dirty="0" smtClean="0"/>
+              <a:t>) incremental development approach</a:t>
+            </a:r>
+          </a:p>
+          <a:p>
+            <a:endParaRPr lang="en-US" dirty="0"/>
+          </a:p>
+        </p:txBody>
+      </p:sp>
     </p:spTree>
     <p:extLst>
       <p:ext uri="{BB962C8B-B14F-4D97-AF65-F5344CB8AC3E}">
-        <p14:creationId xmlns:p14="http://schemas.microsoft.com/office/powerpoint/2010/main" xmlns="" val="3291156147"/>
+        <p14:creationId xmlns:p14="http://schemas.microsoft.com/office/powerpoint/2010/main" val="963848789"/>
       </p:ext>
     </p:extLst>
   </p:cSld>
@@ -4167,7 +4173,7 @@
           <a:p>
             <a:r>
               <a:rPr lang="en-GB" dirty="0" smtClean="0"/>
-              <a:t>Answer</a:t>
+              <a:t>Question</a:t>
             </a:r>
             <a:endParaRPr lang="en-GB" dirty="0"/>
           </a:p>
@@ -4189,94 +4195,71 @@
           <a:lstStyle/>
           <a:p>
             <a:r>
-              <a:rPr lang="en-US" dirty="0">
+              <a:rPr lang="en-GB" dirty="0" smtClean="0"/>
+              <a:t>What are the four lifecycle phases for SCRUM?</a:t>
+            </a:r>
+            <a:endParaRPr lang="en-GB" dirty="0"/>
+          </a:p>
+        </p:txBody>
+      </p:sp>
+      <p:pic>
+        <p:nvPicPr>
+          <p:cNvPr id="4" name="Picture 1"/>
+          <p:cNvPicPr>
+            <a:picLocks noChangeAspect="1"/>
+          </p:cNvPicPr>
+          <p:nvPr/>
+        </p:nvPicPr>
+        <p:blipFill>
+          <a:blip r:embed="rId2" cstate="print">
+            <a:extLst>
+              <a:ext uri="{28A0092B-C50C-407E-A947-70E740481C1C}">
+                <a14:useLocalDpi xmlns:a14="http://schemas.microsoft.com/office/drawing/2010/main" val="0"/>
+              </a:ext>
+            </a:extLst>
+          </a:blip>
+          <a:srcRect/>
+          <a:stretch>
+            <a:fillRect/>
+          </a:stretch>
+        </p:blipFill>
+        <p:spPr bwMode="auto">
+          <a:xfrm>
+            <a:off x="6468140" y="4800600"/>
+            <a:ext cx="2294860" cy="1879600"/>
+          </a:xfrm>
+          <a:prstGeom prst="rect">
+            <a:avLst/>
+          </a:prstGeom>
+          <a:noFill/>
+          <a:ln>
+            <a:noFill/>
+          </a:ln>
+          <a:extLst>
+            <a:ext uri="{909E8E84-426E-40DD-AFC4-6F175D3DCCD1}">
+              <a14:hiddenFill xmlns:a14="http://schemas.microsoft.com/office/drawing/2010/main">
                 <a:solidFill>
-                  <a:srgbClr val="FF0000"/>
+                  <a:srgbClr val="FFFFFF"/>
                 </a:solidFill>
-              </a:rPr>
-              <a:t>SCRUM</a:t>
-            </a:r>
-            <a:r>
-              <a:rPr lang="en-US" dirty="0"/>
-              <a:t> lifecycle includes </a:t>
-            </a:r>
-            <a:r>
-              <a:rPr lang="en-US" dirty="0">
+              </a14:hiddenFill>
+            </a:ext>
+            <a:ext uri="{91240B29-F687-4F45-9708-019B960494DF}">
+              <a14:hiddenLine xmlns:a14="http://schemas.microsoft.com/office/drawing/2010/main" w="9525">
                 <a:solidFill>
-                  <a:srgbClr val="FF0000"/>
+                  <a:srgbClr val="000000"/>
                 </a:solidFill>
-              </a:rPr>
-              <a:t>four</a:t>
-            </a:r>
-            <a:r>
-              <a:rPr lang="en-US" dirty="0"/>
-              <a:t> </a:t>
-            </a:r>
-            <a:r>
-              <a:rPr lang="en-US" dirty="0" smtClean="0"/>
-              <a:t>phases:</a:t>
-            </a:r>
-            <a:endParaRPr lang="en-US" dirty="0"/>
-          </a:p>
-          <a:p>
-            <a:pPr marL="514350" indent="-514350">
-              <a:buAutoNum type="arabicPeriod"/>
-            </a:pPr>
-            <a:r>
-              <a:rPr lang="en-US" i="1" dirty="0" smtClean="0">
-                <a:solidFill>
-                  <a:schemeClr val="bg1"/>
-                </a:solidFill>
-              </a:rPr>
-              <a:t>Planning</a:t>
-            </a:r>
-          </a:p>
-          <a:p>
-            <a:pPr marL="514350" indent="-514350">
-              <a:buAutoNum type="arabicPeriod"/>
-            </a:pPr>
-            <a:r>
-              <a:rPr lang="en-US" i="1" dirty="0" smtClean="0">
-                <a:solidFill>
-                  <a:schemeClr val="bg1"/>
-                </a:solidFill>
-              </a:rPr>
-              <a:t>Staging</a:t>
-            </a:r>
-          </a:p>
-          <a:p>
-            <a:pPr marL="514350" indent="-514350">
-              <a:buAutoNum type="arabicPeriod"/>
-            </a:pPr>
-            <a:r>
-              <a:rPr lang="en-US" i="1" dirty="0" smtClean="0">
-                <a:solidFill>
-                  <a:schemeClr val="bg1"/>
-                </a:solidFill>
-              </a:rPr>
-              <a:t>Development</a:t>
-            </a:r>
-          </a:p>
-          <a:p>
-            <a:pPr marL="514350" indent="-514350">
-              <a:buAutoNum type="arabicPeriod"/>
-            </a:pPr>
-            <a:r>
-              <a:rPr lang="en-US" i="1" dirty="0" smtClean="0">
-                <a:solidFill>
-                  <a:schemeClr val="bg1"/>
-                </a:solidFill>
-              </a:rPr>
-              <a:t>Release</a:t>
-            </a:r>
-            <a:endParaRPr lang="en-GB" dirty="0"/>
-          </a:p>
-        </p:txBody>
-      </p:sp>
+                <a:miter lim="800000"/>
+                <a:headEnd/>
+                <a:tailEnd/>
+              </a14:hiddenLine>
+            </a:ext>
+          </a:extLst>
+        </p:spPr>
+      </p:pic>
     </p:spTree>
     <p:extLst>
       <p:ext uri="{BB962C8B-B14F-4D97-AF65-F5344CB8AC3E}">
-        <p14:creationId xmlns:p14="http://schemas.microsoft.com/office/powerpoint/2010/main" xmlns="" val="746122061"/>
+        <p14:creationId xmlns:p14="http://schemas.microsoft.com/office/powerpoint/2010/main" val="3291156147"/>
       </p:ext>
     </p:extLst>
   </p:cSld>
@@ -4320,7 +4303,7 @@
           <a:p>
             <a:r>
               <a:rPr lang="en-GB" dirty="0" smtClean="0"/>
-              <a:t>Question</a:t>
+              <a:t>Answer</a:t>
             </a:r>
             <a:endParaRPr lang="en-GB" dirty="0"/>
           </a:p>
@@ -4342,88 +4325,94 @@
           <a:lstStyle/>
           <a:p>
             <a:r>
-              <a:rPr lang="en-GB" u="sng" dirty="0" smtClean="0"/>
-              <a:t>Write down </a:t>
-            </a:r>
-            <a:r>
-              <a:rPr lang="en-GB" dirty="0" smtClean="0"/>
-              <a:t>the differences between Agile and Plan-Driven </a:t>
-            </a:r>
-            <a:r>
-              <a:rPr lang="en-GB" dirty="0" smtClean="0"/>
-              <a:t>development</a:t>
-            </a:r>
-          </a:p>
-          <a:p>
-            <a:pPr>
-              <a:buNone/>
+              <a:rPr lang="en-US" dirty="0">
+                <a:solidFill>
+                  <a:srgbClr val="FF0000"/>
+                </a:solidFill>
+              </a:rPr>
+              <a:t>SCRUM</a:t>
+            </a:r>
+            <a:r>
+              <a:rPr lang="en-US" dirty="0"/>
+              <a:t> lifecycle includes </a:t>
+            </a:r>
+            <a:r>
+              <a:rPr lang="en-US" dirty="0">
+                <a:solidFill>
+                  <a:srgbClr val="FF0000"/>
+                </a:solidFill>
+              </a:rPr>
+              <a:t>four</a:t>
+            </a:r>
+            <a:r>
+              <a:rPr lang="en-US" dirty="0"/>
+              <a:t> </a:t>
+            </a:r>
+            <a:r>
+              <a:rPr lang="en-US" dirty="0" smtClean="0"/>
+              <a:t>phases:</a:t>
+            </a:r>
+            <a:endParaRPr lang="en-US" dirty="0"/>
+          </a:p>
+          <a:p>
+            <a:pPr marL="514350" indent="-514350">
+              <a:buAutoNum type="arabicPeriod"/>
             </a:pPr>
             <a:r>
-              <a:rPr lang="en-GB" dirty="0" smtClean="0"/>
-              <a:t>   (5 Minutes)</a:t>
+              <a:rPr lang="en-US" i="1" dirty="0" smtClean="0">
+                <a:solidFill>
+                  <a:schemeClr val="bg1"/>
+                </a:solidFill>
+              </a:rPr>
+              <a:t>Planning</a:t>
+            </a:r>
+          </a:p>
+          <a:p>
+            <a:pPr marL="514350" indent="-514350">
+              <a:buAutoNum type="arabicPeriod"/>
+            </a:pPr>
+            <a:r>
+              <a:rPr lang="en-US" i="1" dirty="0" smtClean="0">
+                <a:solidFill>
+                  <a:schemeClr val="bg1"/>
+                </a:solidFill>
+              </a:rPr>
+              <a:t>Staging</a:t>
+            </a:r>
+          </a:p>
+          <a:p>
+            <a:pPr marL="514350" indent="-514350">
+              <a:buAutoNum type="arabicPeriod"/>
+            </a:pPr>
+            <a:r>
+              <a:rPr lang="en-US" i="1" dirty="0" smtClean="0">
+                <a:solidFill>
+                  <a:schemeClr val="bg1"/>
+                </a:solidFill>
+              </a:rPr>
+              <a:t>Development</a:t>
+            </a:r>
+          </a:p>
+          <a:p>
+            <a:pPr marL="514350" indent="-514350">
+              <a:buAutoNum type="arabicPeriod"/>
+            </a:pPr>
+            <a:r>
+              <a:rPr lang="en-US" i="1" dirty="0" smtClean="0">
+                <a:solidFill>
+                  <a:schemeClr val="bg1"/>
+                </a:solidFill>
+              </a:rPr>
+              <a:t>Release</a:t>
             </a:r>
             <a:endParaRPr lang="en-GB" dirty="0"/>
           </a:p>
         </p:txBody>
       </p:sp>
-      <p:pic>
-        <p:nvPicPr>
-          <p:cNvPr id="4" name="Picture 1"/>
-          <p:cNvPicPr>
-            <a:picLocks noChangeAspect="1"/>
-          </p:cNvPicPr>
-          <p:nvPr/>
-        </p:nvPicPr>
-        <p:blipFill>
-          <a:blip r:embed="rId2" cstate="print">
-            <a:extLst>
-              <a:ext uri="{28A0092B-C50C-407E-A947-70E740481C1C}">
-                <a14:useLocalDpi xmlns:a14="http://schemas.microsoft.com/office/drawing/2010/main" xmlns="" val="0"/>
-              </a:ext>
-            </a:extLst>
-          </a:blip>
-          <a:srcRect/>
-          <a:stretch>
-            <a:fillRect/>
-          </a:stretch>
-        </p:blipFill>
-        <p:spPr bwMode="auto">
-          <a:xfrm>
-            <a:off x="6468140" y="4800600"/>
-            <a:ext cx="2294860" cy="1879600"/>
-          </a:xfrm>
-          <a:prstGeom prst="rect">
-            <a:avLst/>
-          </a:prstGeom>
-          <a:noFill/>
-          <a:ln>
-            <a:noFill/>
-          </a:ln>
-          <a:extLst>
-            <a:ext uri="{909E8E84-426E-40DD-AFC4-6F175D3DCCD1}">
-              <a14:hiddenFill xmlns:a14="http://schemas.microsoft.com/office/drawing/2010/main" xmlns="">
-                <a:solidFill>
-                  <a:srgbClr val="FFFFFF"/>
-                </a:solidFill>
-              </a14:hiddenFill>
-            </a:ext>
-            <a:ext uri="{91240B29-F687-4F45-9708-019B960494DF}">
-              <a14:hiddenLine xmlns:a14="http://schemas.microsoft.com/office/drawing/2010/main" xmlns="" w="9525">
-                <a:solidFill>
-                  <a:srgbClr val="000000"/>
-                </a:solidFill>
-                <a:miter lim="800000"/>
-                <a:headEnd/>
-                <a:tailEnd/>
-              </a14:hiddenLine>
-            </a:ext>
-          </a:extLst>
-        </p:spPr>
-      </p:pic>
     </p:spTree>
     <p:extLst>
       <p:ext uri="{BB962C8B-B14F-4D97-AF65-F5344CB8AC3E}">
-        <p14:creationId xmlns:p14="http://schemas.microsoft.com/office/powerpoint/2010/main" xmlns="" val="3440749323"/>
+        <p14:creationId xmlns:p14="http://schemas.microsoft.com/office/powerpoint/2010/main" val="746122061"/>
       </p:ext>
     </p:extLst>
   </p:cSld>
@@ -4452,289 +4441,127 @@
       </p:grpSpPr>
       <p:sp>
         <p:nvSpPr>
-          <p:cNvPr id="4" name="Content Placeholder 3"/>
-          <p:cNvSpPr>
-            <a:spLocks noGrp="1"/>
-          </p:cNvSpPr>
-          <p:nvPr>
-            <p:ph sz="half" idx="2"/>
-          </p:nvPr>
-        </p:nvSpPr>
-        <p:spPr>
+          <p:cNvPr id="2" name="Title 1"/>
+          <p:cNvSpPr>
+            <a:spLocks noGrp="1"/>
+          </p:cNvSpPr>
+          <p:nvPr>
+            <p:ph type="title"/>
+          </p:nvPr>
+        </p:nvSpPr>
+        <p:spPr/>
+        <p:txBody>
+          <a:bodyPr/>
+          <a:lstStyle/>
+          <a:p>
+            <a:r>
+              <a:rPr lang="en-GB" dirty="0" smtClean="0"/>
+              <a:t>Question</a:t>
+            </a:r>
+            <a:endParaRPr lang="en-GB" dirty="0"/>
+          </a:p>
+        </p:txBody>
+      </p:sp>
+      <p:sp>
+        <p:nvSpPr>
+          <p:cNvPr id="3" name="Content Placeholder 2"/>
+          <p:cNvSpPr>
+            <a:spLocks noGrp="1"/>
+          </p:cNvSpPr>
+          <p:nvPr>
+            <p:ph idx="1"/>
+          </p:nvPr>
+        </p:nvSpPr>
+        <p:spPr/>
+        <p:txBody>
+          <a:bodyPr/>
+          <a:lstStyle/>
+          <a:p>
+            <a:r>
+              <a:rPr lang="en-GB" u="sng" dirty="0" smtClean="0"/>
+              <a:t>Write down </a:t>
+            </a:r>
+            <a:r>
+              <a:rPr lang="en-GB" dirty="0" smtClean="0"/>
+              <a:t>the differences between Agile and Plan-Driven development</a:t>
+            </a:r>
+          </a:p>
+          <a:p>
+            <a:pPr>
+              <a:buNone/>
+            </a:pPr>
+            <a:r>
+              <a:rPr lang="en-GB" dirty="0" smtClean="0"/>
+              <a:t>   (5 Minutes)</a:t>
+            </a:r>
+            <a:endParaRPr lang="en-GB" dirty="0"/>
+          </a:p>
+        </p:txBody>
+      </p:sp>
+      <p:pic>
+        <p:nvPicPr>
+          <p:cNvPr id="4" name="Picture 1"/>
+          <p:cNvPicPr>
+            <a:picLocks noChangeAspect="1"/>
+          </p:cNvPicPr>
+          <p:nvPr/>
+        </p:nvPicPr>
+        <p:blipFill>
+          <a:blip r:embed="rId2" cstate="print">
+            <a:extLst>
+              <a:ext uri="{28A0092B-C50C-407E-A947-70E740481C1C}">
+                <a14:useLocalDpi xmlns:a14="http://schemas.microsoft.com/office/drawing/2010/main" val="0"/>
+              </a:ext>
+            </a:extLst>
+          </a:blip>
+          <a:srcRect/>
+          <a:stretch>
+            <a:fillRect/>
+          </a:stretch>
+        </p:blipFill>
+        <p:spPr bwMode="auto">
           <a:xfrm>
-            <a:off x="630238" y="609600"/>
-            <a:ext cx="3868737" cy="6172200"/>
-          </a:xfrm>
-        </p:spPr>
-        <p:txBody>
-          <a:bodyPr>
-            <a:normAutofit/>
-          </a:bodyPr>
-          <a:lstStyle/>
-          <a:p>
-            <a:r>
-              <a:rPr lang="en-US" sz="1600" dirty="0" smtClean="0"/>
-              <a:t>Project is small</a:t>
-            </a:r>
-          </a:p>
-          <a:p>
-            <a:r>
-              <a:rPr lang="en-US" sz="1600" dirty="0" smtClean="0"/>
-              <a:t>Experienced teams with a wide range of abilities take part</a:t>
-            </a:r>
-          </a:p>
-          <a:p>
-            <a:r>
-              <a:rPr lang="en-US" sz="1600" dirty="0" smtClean="0"/>
-              <a:t>Teams are self-starters, independent leaders and others who are self-directing</a:t>
-            </a:r>
-          </a:p>
-          <a:p>
-            <a:r>
-              <a:rPr lang="en-US" sz="1600" dirty="0" smtClean="0"/>
-              <a:t>Project is an in-house project and the team co-located</a:t>
-            </a:r>
-          </a:p>
-          <a:p>
-            <a:r>
-              <a:rPr lang="en-US" sz="1600" dirty="0" smtClean="0"/>
-              <a:t>System is new with lots of unknowns</a:t>
-            </a:r>
-          </a:p>
-          <a:p>
-            <a:r>
-              <a:rPr lang="en-US" sz="1600" dirty="0" smtClean="0"/>
-              <a:t>Requirements must be discovered</a:t>
-            </a:r>
-          </a:p>
-          <a:p>
-            <a:r>
-              <a:rPr lang="en-US" sz="1600" dirty="0" smtClean="0"/>
-              <a:t>Requirements and environment are volatile with high change rates</a:t>
-            </a:r>
-          </a:p>
-          <a:p>
-            <a:r>
-              <a:rPr lang="en-US" sz="1600" dirty="0" smtClean="0"/>
-              <a:t>End-user environment is flexible</a:t>
-            </a:r>
-          </a:p>
-          <a:p>
-            <a:r>
-              <a:rPr lang="en-US" sz="1600" dirty="0" smtClean="0"/>
-              <a:t>Relationship with customer is close and collaborative</a:t>
-            </a:r>
-          </a:p>
-          <a:p>
-            <a:r>
-              <a:rPr lang="en-US" sz="1600" dirty="0" smtClean="0"/>
-              <a:t>Customer is readily available dedicated and co-located</a:t>
-            </a:r>
-          </a:p>
-          <a:p>
-            <a:r>
-              <a:rPr lang="en-US" sz="1600" dirty="0" smtClean="0"/>
-              <a:t>High trust environment exists within the development teams and customer</a:t>
-            </a:r>
-          </a:p>
-          <a:p>
-            <a:r>
-              <a:rPr lang="en-US" sz="1600" dirty="0" smtClean="0"/>
-              <a:t>Rapid value and high-responsiveness are required</a:t>
-            </a:r>
-            <a:endParaRPr lang="en-US" sz="1600" dirty="0"/>
-          </a:p>
-        </p:txBody>
-      </p:sp>
-      <p:sp>
-        <p:nvSpPr>
-          <p:cNvPr id="6" name="Content Placeholder 5"/>
-          <p:cNvSpPr>
-            <a:spLocks noGrp="1"/>
-          </p:cNvSpPr>
-          <p:nvPr>
-            <p:ph sz="quarter" idx="4"/>
-          </p:nvPr>
-        </p:nvSpPr>
-        <p:spPr>
-          <a:xfrm>
-            <a:off x="4629150" y="609600"/>
-            <a:ext cx="3887788" cy="6172200"/>
-          </a:xfrm>
-        </p:spPr>
-        <p:txBody>
-          <a:bodyPr>
-            <a:normAutofit/>
-          </a:bodyPr>
-          <a:lstStyle/>
-          <a:p>
-            <a:r>
-              <a:rPr lang="en-US" sz="1600" dirty="0" smtClean="0"/>
-              <a:t>Project is large</a:t>
-            </a:r>
-          </a:p>
-          <a:p>
-            <a:r>
-              <a:rPr lang="en-US" sz="1600" dirty="0" smtClean="0"/>
-              <a:t>Teams include varied capabilities and skill sets</a:t>
-            </a:r>
-          </a:p>
-          <a:p>
-            <a:r>
-              <a:rPr lang="en-US" sz="1600" dirty="0" smtClean="0"/>
-              <a:t>Teams are geographically distributed and/or outsourced</a:t>
-            </a:r>
-          </a:p>
-          <a:p>
-            <a:r>
-              <a:rPr lang="en-US" sz="1600" dirty="0" smtClean="0"/>
-              <a:t>Project is of strategic importance</a:t>
-            </a:r>
-          </a:p>
-          <a:p>
-            <a:r>
-              <a:rPr lang="en-US" sz="1600" dirty="0" smtClean="0"/>
-              <a:t>System is well understood (scope and features set)</a:t>
-            </a:r>
-          </a:p>
-          <a:p>
-            <a:r>
-              <a:rPr lang="en-US" sz="1600" dirty="0" smtClean="0"/>
-              <a:t>Requirements are fairly stable</a:t>
-            </a:r>
-          </a:p>
-          <a:p>
-            <a:r>
-              <a:rPr lang="en-US" sz="1600" dirty="0" smtClean="0"/>
-              <a:t>System is large and complex (critical safety/high reliability requirements)</a:t>
-            </a:r>
-          </a:p>
-          <a:p>
-            <a:r>
-              <a:rPr lang="en-US" sz="1600" dirty="0" smtClean="0"/>
-              <a:t>Project stakeholders have a weak relationship with the development team</a:t>
-            </a:r>
-          </a:p>
-          <a:p>
-            <a:r>
-              <a:rPr lang="en-US" sz="1600" dirty="0" smtClean="0"/>
-              <a:t>External legal concerns</a:t>
-            </a:r>
-          </a:p>
-          <a:p>
-            <a:r>
-              <a:rPr lang="en-US" sz="1600" dirty="0" smtClean="0"/>
-              <a:t>Focus is on a strong, quantitative process improvement</a:t>
-            </a:r>
-          </a:p>
-          <a:p>
-            <a:r>
-              <a:rPr lang="en-US" sz="1600" dirty="0" smtClean="0"/>
-              <a:t>Definition and management of process are important</a:t>
-            </a:r>
-          </a:p>
-          <a:p>
-            <a:r>
-              <a:rPr lang="en-US" sz="1600" dirty="0" smtClean="0"/>
-              <a:t>Predictability and stability of process are important</a:t>
-            </a:r>
-            <a:endParaRPr lang="en-US" sz="1600" dirty="0"/>
-          </a:p>
-        </p:txBody>
-      </p:sp>
-      <p:sp>
-        <p:nvSpPr>
-          <p:cNvPr id="7" name="TextBox 6"/>
-          <p:cNvSpPr txBox="1"/>
-          <p:nvPr/>
-        </p:nvSpPr>
-        <p:spPr>
-          <a:xfrm>
-            <a:off x="1828800" y="76200"/>
-            <a:ext cx="5141151" cy="461665"/>
+            <a:off x="6468140" y="4800600"/>
+            <a:ext cx="2294860" cy="1879600"/>
           </a:xfrm>
           <a:prstGeom prst="rect">
             <a:avLst/>
           </a:prstGeom>
           <a:noFill/>
+          <a:ln>
+            <a:noFill/>
+          </a:ln>
+          <a:extLst>
+            <a:ext uri="{909E8E84-426E-40DD-AFC4-6F175D3DCCD1}">
+              <a14:hiddenFill xmlns:a14="http://schemas.microsoft.com/office/drawing/2010/main">
+                <a:solidFill>
+                  <a:srgbClr val="FFFFFF"/>
+                </a:solidFill>
+              </a14:hiddenFill>
+            </a:ext>
+            <a:ext uri="{91240B29-F687-4F45-9708-019B960494DF}">
+              <a14:hiddenLine xmlns:a14="http://schemas.microsoft.com/office/drawing/2010/main" w="9525">
+                <a:solidFill>
+                  <a:srgbClr val="000000"/>
+                </a:solidFill>
+                <a:miter lim="800000"/>
+                <a:headEnd/>
+                <a:tailEnd/>
+              </a14:hiddenLine>
+            </a:ext>
+          </a:extLst>
         </p:spPr>
-        <p:txBody>
-          <a:bodyPr wrap="none" rtlCol="0">
-            <a:spAutoFit/>
-          </a:bodyPr>
-          <a:lstStyle/>
-          <a:p>
-            <a:r>
-              <a:rPr lang="en-US" dirty="0" smtClean="0">
-                <a:solidFill>
-                  <a:schemeClr val="bg2"/>
-                </a:solidFill>
-              </a:rPr>
-              <a:t>Agile                                    Plan-Driven</a:t>
-            </a:r>
-            <a:endParaRPr lang="en-US" dirty="0">
-              <a:solidFill>
-                <a:schemeClr val="bg2"/>
-              </a:solidFill>
-            </a:endParaRPr>
-          </a:p>
-        </p:txBody>
-      </p:sp>
-      <p:sp>
-        <p:nvSpPr>
-          <p:cNvPr id="2" name="TextBox 1"/>
-          <p:cNvSpPr txBox="1"/>
-          <p:nvPr/>
-        </p:nvSpPr>
-        <p:spPr>
-          <a:xfrm>
-            <a:off x="3429000" y="0"/>
-            <a:ext cx="1361270" cy="523220"/>
-          </a:xfrm>
-          <a:prstGeom prst="rect">
-            <a:avLst/>
-          </a:prstGeom>
-          <a:noFill/>
-        </p:spPr>
-        <p:txBody>
-          <a:bodyPr wrap="none" rtlCol="0">
-            <a:spAutoFit/>
-          </a:bodyPr>
-          <a:lstStyle/>
-          <a:p>
-            <a:r>
-              <a:rPr lang="en-GB" sz="2800" b="1" dirty="0" smtClean="0">
-                <a:solidFill>
-                  <a:srgbClr val="FF0000"/>
-                </a:solidFill>
-              </a:rPr>
-              <a:t>Answer</a:t>
-            </a:r>
-            <a:endParaRPr lang="en-GB" b="1" dirty="0">
-              <a:solidFill>
-                <a:srgbClr val="FF0000"/>
-              </a:solidFill>
-            </a:endParaRPr>
-          </a:p>
-        </p:txBody>
-      </p:sp>
+      </p:pic>
     </p:spTree>
     <p:extLst>
       <p:ext uri="{BB962C8B-B14F-4D97-AF65-F5344CB8AC3E}">
-        <p14:creationId xmlns:p14="http://schemas.microsoft.com/office/powerpoint/2010/main" xmlns="" val="1315319606"/>
+        <p14:creationId xmlns:p14="http://schemas.microsoft.com/office/powerpoint/2010/main" val="3440749323"/>
       </p:ext>
     </p:extLst>
   </p:cSld>
   <p:clrMapOvr>
     <a:masterClrMapping/>
   </p:clrMapOvr>
-  <p:timing>
-    <p:tnLst>
-      <p:par>
-        <p:cTn id="1" dur="indefinite" restart="never" nodeType="tmRoot"/>
-      </p:par>
-    </p:tnLst>
-  </p:timing>
 </p:sld>
 </file>
 
@@ -4757,91 +4584,278 @@
       </p:grpSpPr>
       <p:sp>
         <p:nvSpPr>
-          <p:cNvPr id="10242" name="Rectangle 2"/>
-          <p:cNvSpPr>
-            <a:spLocks noGrp="1" noChangeArrowheads="1"/>
-          </p:cNvSpPr>
-          <p:nvPr>
-            <p:ph type="title"/>
-          </p:nvPr>
-        </p:nvSpPr>
-        <p:spPr/>
-        <p:txBody>
-          <a:bodyPr/>
-          <a:lstStyle/>
-          <a:p>
-            <a:pPr eaLnBrk="1" hangingPunct="1"/>
-            <a:r>
-              <a:rPr lang="en-US" altLang="en-US" smtClean="0"/>
-              <a:t>Outline</a:t>
-            </a:r>
-          </a:p>
-        </p:txBody>
-      </p:sp>
-      <p:sp>
-        <p:nvSpPr>
-          <p:cNvPr id="10243" name="Rectangle 3"/>
-          <p:cNvSpPr>
-            <a:spLocks noGrp="1" noChangeArrowheads="1"/>
-          </p:cNvSpPr>
-          <p:nvPr>
-            <p:ph idx="1"/>
+          <p:cNvPr id="4" name="Content Placeholder 3"/>
+          <p:cNvSpPr>
+            <a:spLocks noGrp="1"/>
+          </p:cNvSpPr>
+          <p:nvPr>
+            <p:ph sz="half" idx="2"/>
           </p:nvPr>
         </p:nvSpPr>
         <p:spPr>
           <a:xfrm>
-            <a:off x="685800" y="1981200"/>
-            <a:ext cx="7924800" cy="4572000"/>
+            <a:off x="630238" y="609600"/>
+            <a:ext cx="3868737" cy="6172200"/>
           </a:xfrm>
         </p:spPr>
         <p:txBody>
-          <a:bodyPr/>
-          <a:lstStyle/>
-          <a:p>
-            <a:pPr eaLnBrk="1" hangingPunct="1"/>
-            <a:r>
-              <a:rPr lang="en-US" altLang="en-US" dirty="0" smtClean="0"/>
-              <a:t>Review</a:t>
-            </a:r>
-          </a:p>
-          <a:p>
-            <a:pPr eaLnBrk="1" hangingPunct="1"/>
-            <a:r>
-              <a:rPr lang="en-US" altLang="en-US" dirty="0" smtClean="0"/>
-              <a:t>What do we mean by Pragmatics?</a:t>
-            </a:r>
-          </a:p>
-          <a:p>
-            <a:pPr eaLnBrk="1" hangingPunct="1"/>
-            <a:r>
-              <a:rPr lang="en-US" altLang="en-US" dirty="0" smtClean="0"/>
-              <a:t>Management and Planning</a:t>
-            </a:r>
-          </a:p>
-          <a:p>
-            <a:pPr eaLnBrk="1" hangingPunct="1"/>
-            <a:r>
-              <a:rPr lang="en-US" altLang="en-US" dirty="0" smtClean="0"/>
-              <a:t>Benefits and Risks of Object Orientated Methods</a:t>
-            </a:r>
-          </a:p>
-          <a:p>
-            <a:pPr eaLnBrk="1" hangingPunct="1"/>
-            <a:r>
-              <a:rPr lang="en-US" altLang="en-US" dirty="0" smtClean="0"/>
-              <a:t>Testing</a:t>
-            </a:r>
-          </a:p>
-          <a:p>
-            <a:pPr eaLnBrk="1" hangingPunct="1"/>
-            <a:r>
-              <a:rPr lang="en-US" altLang="en-US" dirty="0" smtClean="0"/>
-              <a:t>Conclusion &amp; Discussion</a:t>
-            </a:r>
+          <a:bodyPr>
+            <a:normAutofit/>
+          </a:bodyPr>
+          <a:lstStyle/>
+          <a:p>
+            <a:r>
+              <a:rPr lang="en-US" sz="1600" dirty="0" smtClean="0"/>
+              <a:t>Project is small</a:t>
+            </a:r>
+          </a:p>
+          <a:p>
+            <a:r>
+              <a:rPr lang="en-US" sz="1600" dirty="0" smtClean="0"/>
+              <a:t>Experienced teams with a wide range of abilities take part</a:t>
+            </a:r>
+          </a:p>
+          <a:p>
+            <a:r>
+              <a:rPr lang="en-US" sz="1600" dirty="0" smtClean="0"/>
+              <a:t>Teams are self-starters, independent leaders and others who are self-directing</a:t>
+            </a:r>
+          </a:p>
+          <a:p>
+            <a:r>
+              <a:rPr lang="en-US" sz="1600" dirty="0" smtClean="0"/>
+              <a:t>Project is an in-house project and the team co-located</a:t>
+            </a:r>
+          </a:p>
+          <a:p>
+            <a:r>
+              <a:rPr lang="en-US" sz="1600" dirty="0" smtClean="0"/>
+              <a:t>System is new with lots of unknowns</a:t>
+            </a:r>
+          </a:p>
+          <a:p>
+            <a:r>
+              <a:rPr lang="en-US" sz="1600" dirty="0" smtClean="0"/>
+              <a:t>Requirements must be discovered</a:t>
+            </a:r>
+          </a:p>
+          <a:p>
+            <a:r>
+              <a:rPr lang="en-US" sz="1600" dirty="0" smtClean="0"/>
+              <a:t>Requirements and environment are volatile with high change rates</a:t>
+            </a:r>
+          </a:p>
+          <a:p>
+            <a:r>
+              <a:rPr lang="en-US" sz="1600" dirty="0" smtClean="0"/>
+              <a:t>End-user environment is flexible</a:t>
+            </a:r>
+          </a:p>
+          <a:p>
+            <a:r>
+              <a:rPr lang="en-US" sz="1600" dirty="0" smtClean="0"/>
+              <a:t>Relationship with customer is close and collaborative</a:t>
+            </a:r>
+          </a:p>
+          <a:p>
+            <a:r>
+              <a:rPr lang="en-US" sz="1600" dirty="0" smtClean="0"/>
+              <a:t>Customer is readily available dedicated and co-located</a:t>
+            </a:r>
+          </a:p>
+          <a:p>
+            <a:r>
+              <a:rPr lang="en-US" sz="1600" dirty="0" smtClean="0"/>
+              <a:t>High trust environment exists within the development teams and customer</a:t>
+            </a:r>
+          </a:p>
+          <a:p>
+            <a:r>
+              <a:rPr lang="en-US" sz="1600" dirty="0" smtClean="0"/>
+              <a:t>Rapid value and high-responsiveness are required</a:t>
+            </a:r>
+            <a:endParaRPr lang="en-US" sz="1600" dirty="0"/>
+          </a:p>
+        </p:txBody>
+      </p:sp>
+      <p:sp>
+        <p:nvSpPr>
+          <p:cNvPr id="6" name="Content Placeholder 5"/>
+          <p:cNvSpPr>
+            <a:spLocks noGrp="1"/>
+          </p:cNvSpPr>
+          <p:nvPr>
+            <p:ph sz="quarter" idx="4"/>
+          </p:nvPr>
+        </p:nvSpPr>
+        <p:spPr>
+          <a:xfrm>
+            <a:off x="4629150" y="609600"/>
+            <a:ext cx="3887788" cy="6172200"/>
+          </a:xfrm>
+        </p:spPr>
+        <p:txBody>
+          <a:bodyPr>
+            <a:normAutofit/>
+          </a:bodyPr>
+          <a:lstStyle/>
+          <a:p>
+            <a:r>
+              <a:rPr lang="en-US" sz="1600" dirty="0" smtClean="0"/>
+              <a:t>Project is large</a:t>
+            </a:r>
+          </a:p>
+          <a:p>
+            <a:r>
+              <a:rPr lang="en-US" sz="1600" dirty="0" smtClean="0"/>
+              <a:t>Teams include varied capabilities and skill sets</a:t>
+            </a:r>
+          </a:p>
+          <a:p>
+            <a:r>
+              <a:rPr lang="en-US" sz="1600" dirty="0" smtClean="0"/>
+              <a:t>Teams are geographically distributed and/or outsourced</a:t>
+            </a:r>
+          </a:p>
+          <a:p>
+            <a:r>
+              <a:rPr lang="en-US" sz="1600" dirty="0" smtClean="0"/>
+              <a:t>Project is of strategic importance</a:t>
+            </a:r>
+          </a:p>
+          <a:p>
+            <a:r>
+              <a:rPr lang="en-US" sz="1600" dirty="0" smtClean="0"/>
+              <a:t>System is well understood (scope and features set)</a:t>
+            </a:r>
+          </a:p>
+          <a:p>
+            <a:r>
+              <a:rPr lang="en-US" sz="1600" dirty="0" smtClean="0"/>
+              <a:t>Requirements are fairly stable</a:t>
+            </a:r>
+          </a:p>
+          <a:p>
+            <a:r>
+              <a:rPr lang="en-US" sz="1600" dirty="0" smtClean="0"/>
+              <a:t>System is large and complex (critical safety/high reliability requirements)</a:t>
+            </a:r>
+          </a:p>
+          <a:p>
+            <a:r>
+              <a:rPr lang="en-US" sz="1600" dirty="0" smtClean="0"/>
+              <a:t>Project stakeholders have a weak relationship with the development team</a:t>
+            </a:r>
+          </a:p>
+          <a:p>
+            <a:r>
+              <a:rPr lang="en-US" sz="1600" dirty="0" smtClean="0"/>
+              <a:t>External legal concerns</a:t>
+            </a:r>
+          </a:p>
+          <a:p>
+            <a:r>
+              <a:rPr lang="en-US" sz="1600" dirty="0" smtClean="0"/>
+              <a:t>Focus is on a strong, quantitative process improvement</a:t>
+            </a:r>
+          </a:p>
+          <a:p>
+            <a:r>
+              <a:rPr lang="en-US" sz="1600" dirty="0" smtClean="0"/>
+              <a:t>Definition and management of process are important</a:t>
+            </a:r>
+          </a:p>
+          <a:p>
+            <a:r>
+              <a:rPr lang="en-US" sz="1600" dirty="0" smtClean="0"/>
+              <a:t>Predictability and stability of process are important</a:t>
+            </a:r>
+            <a:endParaRPr lang="en-US" sz="1600" dirty="0"/>
+          </a:p>
+        </p:txBody>
+      </p:sp>
+      <p:sp>
+        <p:nvSpPr>
+          <p:cNvPr id="7" name="TextBox 6"/>
+          <p:cNvSpPr txBox="1"/>
+          <p:nvPr/>
+        </p:nvSpPr>
+        <p:spPr>
+          <a:xfrm>
+            <a:off x="1828800" y="76200"/>
+            <a:ext cx="5141151" cy="461665"/>
+          </a:xfrm>
+          <a:prstGeom prst="rect">
+            <a:avLst/>
+          </a:prstGeom>
+          <a:noFill/>
+        </p:spPr>
+        <p:txBody>
+          <a:bodyPr wrap="none" rtlCol="0">
+            <a:spAutoFit/>
+          </a:bodyPr>
+          <a:lstStyle/>
+          <a:p>
+            <a:r>
+              <a:rPr lang="en-US" dirty="0" smtClean="0">
+                <a:solidFill>
+                  <a:schemeClr val="bg2"/>
+                </a:solidFill>
+              </a:rPr>
+              <a:t>Agile                                    Plan-Driven</a:t>
+            </a:r>
+            <a:endParaRPr lang="en-US" dirty="0">
+              <a:solidFill>
+                <a:schemeClr val="bg2"/>
+              </a:solidFill>
+            </a:endParaRPr>
+          </a:p>
+        </p:txBody>
+      </p:sp>
+      <p:sp>
+        <p:nvSpPr>
+          <p:cNvPr id="2" name="TextBox 1"/>
+          <p:cNvSpPr txBox="1"/>
+          <p:nvPr/>
+        </p:nvSpPr>
+        <p:spPr>
+          <a:xfrm>
+            <a:off x="3429000" y="0"/>
+            <a:ext cx="1361270" cy="523220"/>
+          </a:xfrm>
+          <a:prstGeom prst="rect">
+            <a:avLst/>
+          </a:prstGeom>
+          <a:noFill/>
+        </p:spPr>
+        <p:txBody>
+          <a:bodyPr wrap="none" rtlCol="0">
+            <a:spAutoFit/>
+          </a:bodyPr>
+          <a:lstStyle/>
+          <a:p>
+            <a:r>
+              <a:rPr lang="en-GB" sz="2800" b="1" dirty="0" smtClean="0">
+                <a:solidFill>
+                  <a:srgbClr val="FF0000"/>
+                </a:solidFill>
+              </a:rPr>
+              <a:t>Answer</a:t>
+            </a:r>
+            <a:endParaRPr lang="en-GB" b="1" dirty="0">
+              <a:solidFill>
+                <a:srgbClr val="FF0000"/>
+              </a:solidFill>
+            </a:endParaRPr>
           </a:p>
         </p:txBody>
       </p:sp>
     </p:spTree>
+    <p:extLst>
+      <p:ext uri="{BB962C8B-B14F-4D97-AF65-F5344CB8AC3E}">
+        <p14:creationId xmlns:p14="http://schemas.microsoft.com/office/powerpoint/2010/main" val="1315319606"/>
+      </p:ext>
+    </p:extLst>
   </p:cSld>
   <p:clrMapOvr>
     <a:masterClrMapping/>
@@ -4968,7 +4982,7 @@
     </p:spTree>
     <p:extLst>
       <p:ext uri="{BB962C8B-B14F-4D97-AF65-F5344CB8AC3E}">
-        <p14:creationId xmlns:p14="http://schemas.microsoft.com/office/powerpoint/2010/main" xmlns="" val="713610903"/>
+        <p14:creationId xmlns:p14="http://schemas.microsoft.com/office/powerpoint/2010/main" val="713610903"/>
       </p:ext>
     </p:extLst>
   </p:cSld>
@@ -5101,7 +5115,7 @@
     </p:spTree>
     <p:extLst>
       <p:ext uri="{BB962C8B-B14F-4D97-AF65-F5344CB8AC3E}">
-        <p14:creationId xmlns:p14="http://schemas.microsoft.com/office/powerpoint/2010/main" xmlns="" val="2813030426"/>
+        <p14:creationId xmlns:p14="http://schemas.microsoft.com/office/powerpoint/2010/main" val="2813030426"/>
       </p:ext>
     </p:extLst>
   </p:cSld>
@@ -5303,7 +5317,7 @@
     </p:spTree>
     <p:extLst>
       <p:ext uri="{BB962C8B-B14F-4D97-AF65-F5344CB8AC3E}">
-        <p14:creationId xmlns:p14="http://schemas.microsoft.com/office/powerpoint/2010/main" xmlns="" val="2726353881"/>
+        <p14:creationId xmlns:p14="http://schemas.microsoft.com/office/powerpoint/2010/main" val="2726353881"/>
       </p:ext>
     </p:extLst>
   </p:cSld>
@@ -5426,7 +5440,7 @@
     </p:spTree>
     <p:extLst>
       <p:ext uri="{BB962C8B-B14F-4D97-AF65-F5344CB8AC3E}">
-        <p14:creationId xmlns:p14="http://schemas.microsoft.com/office/powerpoint/2010/main" xmlns="" val="2337650456"/>
+        <p14:creationId xmlns:p14="http://schemas.microsoft.com/office/powerpoint/2010/main" val="2337650456"/>
       </p:ext>
     </p:extLst>
   </p:cSld>
@@ -5508,7 +5522,7 @@
     </p:spTree>
     <p:extLst>
       <p:ext uri="{BB962C8B-B14F-4D97-AF65-F5344CB8AC3E}">
-        <p14:creationId xmlns:p14="http://schemas.microsoft.com/office/powerpoint/2010/main" xmlns="" val="2708133152"/>
+        <p14:creationId xmlns:p14="http://schemas.microsoft.com/office/powerpoint/2010/main" val="2708133152"/>
       </p:ext>
     </p:extLst>
   </p:cSld>
@@ -5606,7 +5620,7 @@
           <a:blip r:embed="rId2" cstate="print">
             <a:extLst>
               <a:ext uri="{28A0092B-C50C-407E-A947-70E740481C1C}">
-                <a14:useLocalDpi xmlns:a14="http://schemas.microsoft.com/office/drawing/2010/main" xmlns="" val="0"/>
+                <a14:useLocalDpi xmlns:a14="http://schemas.microsoft.com/office/drawing/2010/main" val="0"/>
               </a:ext>
             </a:extLst>
           </a:blip>
@@ -5629,14 +5643,14 @@
           </a:ln>
           <a:extLst>
             <a:ext uri="{909E8E84-426E-40DD-AFC4-6F175D3DCCD1}">
-              <a14:hiddenFill xmlns:a14="http://schemas.microsoft.com/office/drawing/2010/main" xmlns="">
+              <a14:hiddenFill xmlns:a14="http://schemas.microsoft.com/office/drawing/2010/main">
                 <a:solidFill>
                   <a:srgbClr val="FFFFFF"/>
                 </a:solidFill>
               </a14:hiddenFill>
             </a:ext>
             <a:ext uri="{91240B29-F687-4F45-9708-019B960494DF}">
-              <a14:hiddenLine xmlns:a14="http://schemas.microsoft.com/office/drawing/2010/main" xmlns="" w="9525">
+              <a14:hiddenLine xmlns:a14="http://schemas.microsoft.com/office/drawing/2010/main" w="9525">
                 <a:solidFill>
                   <a:srgbClr val="000000"/>
                 </a:solidFill>
@@ -5857,7 +5871,7 @@
     </p:spTree>
     <p:extLst>
       <p:ext uri="{BB962C8B-B14F-4D97-AF65-F5344CB8AC3E}">
-        <p14:creationId xmlns:p14="http://schemas.microsoft.com/office/powerpoint/2010/main" xmlns="" val="3572303311"/>
+        <p14:creationId xmlns:p14="http://schemas.microsoft.com/office/powerpoint/2010/main" val="3572303311"/>
       </p:ext>
     </p:extLst>
   </p:cSld>
@@ -5976,7 +5990,7 @@
     </p:spTree>
     <p:extLst>
       <p:ext uri="{BB962C8B-B14F-4D97-AF65-F5344CB8AC3E}">
-        <p14:creationId xmlns:p14="http://schemas.microsoft.com/office/powerpoint/2010/main" xmlns="" val="1016890434"/>
+        <p14:creationId xmlns:p14="http://schemas.microsoft.com/office/powerpoint/2010/main" val="1016890434"/>
       </p:ext>
     </p:extLst>
   </p:cSld>
@@ -6086,7 +6100,7 @@
     </p:spTree>
     <p:extLst>
       <p:ext uri="{BB962C8B-B14F-4D97-AF65-F5344CB8AC3E}">
-        <p14:creationId xmlns:p14="http://schemas.microsoft.com/office/powerpoint/2010/main" xmlns="" val="338097095"/>
+        <p14:creationId xmlns:p14="http://schemas.microsoft.com/office/powerpoint/2010/main" val="338097095"/>
       </p:ext>
     </p:extLst>
   </p:cSld>
@@ -6391,7 +6405,7 @@
     </p:spTree>
     <p:extLst>
       <p:ext uri="{BB962C8B-B14F-4D97-AF65-F5344CB8AC3E}">
-        <p14:creationId xmlns:p14="http://schemas.microsoft.com/office/powerpoint/2010/main" xmlns="" val="1985037990"/>
+        <p14:creationId xmlns:p14="http://schemas.microsoft.com/office/powerpoint/2010/main" val="1985037990"/>
       </p:ext>
     </p:extLst>
   </p:cSld>
@@ -6525,7 +6539,7 @@
     </p:spTree>
     <p:extLst>
       <p:ext uri="{BB962C8B-B14F-4D97-AF65-F5344CB8AC3E}">
-        <p14:creationId xmlns:p14="http://schemas.microsoft.com/office/powerpoint/2010/main" xmlns="" val="2784503646"/>
+        <p14:creationId xmlns:p14="http://schemas.microsoft.com/office/powerpoint/2010/main" val="2784503646"/>
       </p:ext>
     </p:extLst>
   </p:cSld>
@@ -6666,7 +6680,7 @@
     </p:spTree>
     <p:extLst>
       <p:ext uri="{BB962C8B-B14F-4D97-AF65-F5344CB8AC3E}">
-        <p14:creationId xmlns:p14="http://schemas.microsoft.com/office/powerpoint/2010/main" xmlns="" val="4020148598"/>
+        <p14:creationId xmlns:p14="http://schemas.microsoft.com/office/powerpoint/2010/main" val="4020148598"/>
       </p:ext>
     </p:extLst>
   </p:cSld>
@@ -6677,6 +6691,1318 @@
 </file>
 
 <file path=ppt/slides/slide3.xml><?xml version="1.0" encoding="utf-8"?>
+<p:sld xmlns:a="http://schemas.openxmlformats.org/drawingml/2006/main" xmlns:r="http://schemas.openxmlformats.org/officeDocument/2006/relationships" xmlns:p="http://schemas.openxmlformats.org/presentationml/2006/main">
+  <p:cSld>
+    <p:spTree>
+      <p:nvGrpSpPr>
+        <p:cNvPr id="1" name=""/>
+        <p:cNvGrpSpPr/>
+        <p:nvPr/>
+      </p:nvGrpSpPr>
+      <p:grpSpPr>
+        <a:xfrm>
+          <a:off x="0" y="0"/>
+          <a:ext cx="0" cy="0"/>
+          <a:chOff x="0" y="0"/>
+          <a:chExt cx="0" cy="0"/>
+        </a:xfrm>
+      </p:grpSpPr>
+      <p:sp>
+        <p:nvSpPr>
+          <p:cNvPr id="10242" name="Rectangle 2"/>
+          <p:cNvSpPr>
+            <a:spLocks noGrp="1" noChangeArrowheads="1"/>
+          </p:cNvSpPr>
+          <p:nvPr>
+            <p:ph type="title"/>
+          </p:nvPr>
+        </p:nvSpPr>
+        <p:spPr/>
+        <p:txBody>
+          <a:bodyPr/>
+          <a:lstStyle/>
+          <a:p>
+            <a:pPr eaLnBrk="1" hangingPunct="1"/>
+            <a:r>
+              <a:rPr lang="en-US" altLang="en-US" smtClean="0"/>
+              <a:t>Outline</a:t>
+            </a:r>
+          </a:p>
+        </p:txBody>
+      </p:sp>
+      <p:sp>
+        <p:nvSpPr>
+          <p:cNvPr id="10243" name="Rectangle 3"/>
+          <p:cNvSpPr>
+            <a:spLocks noGrp="1" noChangeArrowheads="1"/>
+          </p:cNvSpPr>
+          <p:nvPr>
+            <p:ph idx="1"/>
+          </p:nvPr>
+        </p:nvSpPr>
+        <p:spPr>
+          <a:xfrm>
+            <a:off x="685800" y="1981200"/>
+            <a:ext cx="7924800" cy="4572000"/>
+          </a:xfrm>
+        </p:spPr>
+        <p:txBody>
+          <a:bodyPr/>
+          <a:lstStyle/>
+          <a:p>
+            <a:pPr eaLnBrk="1" hangingPunct="1"/>
+            <a:r>
+              <a:rPr lang="en-US" altLang="en-US" dirty="0" smtClean="0"/>
+              <a:t>Review</a:t>
+            </a:r>
+          </a:p>
+          <a:p>
+            <a:pPr eaLnBrk="1" hangingPunct="1"/>
+            <a:r>
+              <a:rPr lang="en-US" altLang="en-US" dirty="0" smtClean="0"/>
+              <a:t>What do we mean by Pragmatics?</a:t>
+            </a:r>
+          </a:p>
+          <a:p>
+            <a:pPr eaLnBrk="1" hangingPunct="1"/>
+            <a:r>
+              <a:rPr lang="en-US" altLang="en-US" dirty="0" smtClean="0"/>
+              <a:t>Management and Planning</a:t>
+            </a:r>
+          </a:p>
+          <a:p>
+            <a:pPr eaLnBrk="1" hangingPunct="1"/>
+            <a:r>
+              <a:rPr lang="en-US" altLang="en-US" dirty="0" smtClean="0"/>
+              <a:t>Benefits and Risks of Object Orientated Methods</a:t>
+            </a:r>
+          </a:p>
+          <a:p>
+            <a:pPr eaLnBrk="1" hangingPunct="1"/>
+            <a:r>
+              <a:rPr lang="en-US" altLang="en-US" dirty="0" smtClean="0"/>
+              <a:t>Testing</a:t>
+            </a:r>
+          </a:p>
+          <a:p>
+            <a:pPr eaLnBrk="1" hangingPunct="1"/>
+            <a:r>
+              <a:rPr lang="en-US" altLang="en-US" dirty="0" smtClean="0"/>
+              <a:t>Conclusion &amp; Discussion</a:t>
+            </a:r>
+          </a:p>
+        </p:txBody>
+      </p:sp>
+    </p:spTree>
+  </p:cSld>
+  <p:clrMapOvr>
+    <a:masterClrMapping/>
+  </p:clrMapOvr>
+  <p:timing>
+    <p:tnLst>
+      <p:par>
+        <p:cTn id="1" dur="indefinite" restart="never" nodeType="tmRoot"/>
+      </p:par>
+    </p:tnLst>
+  </p:timing>
+</p:sld>
+</file>
+
+<file path=ppt/slides/slide30.xml><?xml version="1.0" encoding="utf-8"?>
+<p:sld xmlns:a="http://schemas.openxmlformats.org/drawingml/2006/main" xmlns:r="http://schemas.openxmlformats.org/officeDocument/2006/relationships" xmlns:p="http://schemas.openxmlformats.org/presentationml/2006/main">
+  <p:cSld>
+    <p:spTree>
+      <p:nvGrpSpPr>
+        <p:cNvPr id="1" name=""/>
+        <p:cNvGrpSpPr/>
+        <p:nvPr/>
+      </p:nvGrpSpPr>
+      <p:grpSpPr>
+        <a:xfrm>
+          <a:off x="0" y="0"/>
+          <a:ext cx="0" cy="0"/>
+          <a:chOff x="0" y="0"/>
+          <a:chExt cx="0" cy="0"/>
+        </a:xfrm>
+      </p:grpSpPr>
+      <p:sp>
+        <p:nvSpPr>
+          <p:cNvPr id="2" name="Title 1"/>
+          <p:cNvSpPr>
+            <a:spLocks noGrp="1"/>
+          </p:cNvSpPr>
+          <p:nvPr>
+            <p:ph type="title"/>
+          </p:nvPr>
+        </p:nvSpPr>
+        <p:spPr/>
+        <p:txBody>
+          <a:bodyPr/>
+          <a:lstStyle/>
+          <a:p>
+            <a:r>
+              <a:rPr lang="en-GB" b="1" dirty="0" smtClean="0"/>
+              <a:t>Integration</a:t>
+            </a:r>
+            <a:endParaRPr lang="en-GB" dirty="0"/>
+          </a:p>
+        </p:txBody>
+      </p:sp>
+      <p:sp>
+        <p:nvSpPr>
+          <p:cNvPr id="3" name="Content Placeholder 2"/>
+          <p:cNvSpPr>
+            <a:spLocks noGrp="1"/>
+          </p:cNvSpPr>
+          <p:nvPr>
+            <p:ph idx="1"/>
+          </p:nvPr>
+        </p:nvSpPr>
+        <p:spPr/>
+        <p:txBody>
+          <a:bodyPr/>
+          <a:lstStyle/>
+          <a:p>
+            <a:r>
+              <a:rPr lang="en-GB" dirty="0" smtClean="0"/>
+              <a:t>Integration events</a:t>
+            </a:r>
+          </a:p>
+          <a:p>
+            <a:r>
+              <a:rPr lang="en-GB" dirty="0" smtClean="0"/>
+              <a:t>Each marking </a:t>
+            </a:r>
+            <a:r>
+              <a:rPr lang="en-GB" dirty="0"/>
+              <a:t>the creation of another prototype or architectural </a:t>
+            </a:r>
+            <a:r>
+              <a:rPr lang="en-GB" dirty="0" smtClean="0"/>
+              <a:t>release</a:t>
+            </a:r>
+          </a:p>
+          <a:p>
+            <a:r>
+              <a:rPr lang="en-GB" dirty="0" smtClean="0"/>
+              <a:t>Generally </a:t>
+            </a:r>
+            <a:r>
+              <a:rPr lang="en-GB" dirty="0"/>
+              <a:t>incremental in </a:t>
+            </a:r>
+            <a:r>
+              <a:rPr lang="en-GB" dirty="0" smtClean="0"/>
+              <a:t>nature</a:t>
+            </a:r>
+          </a:p>
+          <a:p>
+            <a:pPr lvl="1"/>
+            <a:r>
+              <a:rPr lang="en-GB" dirty="0" smtClean="0"/>
+              <a:t>(i.e., not big-bang)</a:t>
+            </a:r>
+            <a:endParaRPr lang="en-GB" dirty="0"/>
+          </a:p>
+        </p:txBody>
+      </p:sp>
+    </p:spTree>
+    <p:extLst>
+      <p:ext uri="{BB962C8B-B14F-4D97-AF65-F5344CB8AC3E}">
+        <p14:creationId xmlns:p14="http://schemas.microsoft.com/office/powerpoint/2010/main" val="2540850130"/>
+      </p:ext>
+    </p:extLst>
+  </p:cSld>
+  <p:clrMapOvr>
+    <a:masterClrMapping/>
+  </p:clrMapOvr>
+</p:sld>
+</file>
+
+<file path=ppt/slides/slide31.xml><?xml version="1.0" encoding="utf-8"?>
+<p:sld xmlns:a="http://schemas.openxmlformats.org/drawingml/2006/main" xmlns:r="http://schemas.openxmlformats.org/officeDocument/2006/relationships" xmlns:p="http://schemas.openxmlformats.org/presentationml/2006/main">
+  <p:cSld>
+    <p:spTree>
+      <p:nvGrpSpPr>
+        <p:cNvPr id="1" name=""/>
+        <p:cNvGrpSpPr/>
+        <p:nvPr/>
+      </p:nvGrpSpPr>
+      <p:grpSpPr>
+        <a:xfrm>
+          <a:off x="0" y="0"/>
+          <a:ext cx="0" cy="0"/>
+          <a:chOff x="0" y="0"/>
+          <a:chExt cx="0" cy="0"/>
+        </a:xfrm>
+      </p:grpSpPr>
+      <p:sp>
+        <p:nvSpPr>
+          <p:cNvPr id="2" name="Title 1"/>
+          <p:cNvSpPr>
+            <a:spLocks noGrp="1"/>
+          </p:cNvSpPr>
+          <p:nvPr>
+            <p:ph type="title"/>
+          </p:nvPr>
+        </p:nvSpPr>
+        <p:spPr/>
+        <p:txBody>
+          <a:bodyPr/>
+          <a:lstStyle/>
+          <a:p>
+            <a:r>
+              <a:rPr lang="en-GB" dirty="0"/>
+              <a:t>Testing</a:t>
+            </a:r>
+          </a:p>
+        </p:txBody>
+      </p:sp>
+      <p:sp>
+        <p:nvSpPr>
+          <p:cNvPr id="3" name="Content Placeholder 2"/>
+          <p:cNvSpPr>
+            <a:spLocks noGrp="1"/>
+          </p:cNvSpPr>
+          <p:nvPr>
+            <p:ph idx="1"/>
+          </p:nvPr>
+        </p:nvSpPr>
+        <p:spPr/>
+        <p:txBody>
+          <a:bodyPr/>
+          <a:lstStyle/>
+          <a:p>
+            <a:r>
+              <a:rPr lang="en-GB" dirty="0" smtClean="0"/>
+              <a:t>Testing should </a:t>
+            </a:r>
+            <a:r>
+              <a:rPr lang="en-GB" dirty="0"/>
+              <a:t>encompass at least three </a:t>
+            </a:r>
+            <a:r>
+              <a:rPr lang="en-GB" dirty="0" smtClean="0"/>
+              <a:t>dimensions:</a:t>
+            </a:r>
+          </a:p>
+          <a:p>
+            <a:pPr marL="457200" lvl="1" indent="0">
+              <a:buNone/>
+            </a:pPr>
+            <a:r>
+              <a:rPr lang="en-GB" dirty="0" smtClean="0"/>
+              <a:t>1.</a:t>
+            </a:r>
+            <a:r>
+              <a:rPr lang="en-GB" i="1" dirty="0" smtClean="0"/>
+              <a:t> Unit </a:t>
+            </a:r>
+            <a:r>
+              <a:rPr lang="en-GB" i="1" dirty="0"/>
+              <a:t>testing</a:t>
+            </a:r>
+            <a:r>
+              <a:rPr lang="en-GB" dirty="0"/>
+              <a:t/>
+            </a:r>
+            <a:br>
+              <a:rPr lang="en-GB" dirty="0"/>
+            </a:br>
+            <a:r>
+              <a:rPr lang="en-GB" dirty="0" smtClean="0"/>
+              <a:t>2. Component testing</a:t>
+            </a:r>
+          </a:p>
+          <a:p>
+            <a:pPr marL="457200" lvl="1" indent="0">
+              <a:buNone/>
+            </a:pPr>
+            <a:r>
+              <a:rPr lang="en-GB" i="1" dirty="0" smtClean="0"/>
+              <a:t>3. System </a:t>
+            </a:r>
+            <a:r>
+              <a:rPr lang="en-GB" i="1" dirty="0"/>
+              <a:t>testing</a:t>
+            </a:r>
+            <a:r>
+              <a:rPr lang="en-GB" dirty="0"/>
+              <a:t/>
+            </a:r>
+            <a:br>
+              <a:rPr lang="en-GB" dirty="0"/>
+            </a:br>
+            <a:r>
+              <a:rPr lang="en-GB" dirty="0"/>
+              <a:t/>
+            </a:r>
+            <a:br>
+              <a:rPr lang="en-GB" dirty="0"/>
+            </a:br>
+            <a:endParaRPr lang="en-GB" dirty="0"/>
+          </a:p>
+        </p:txBody>
+      </p:sp>
+    </p:spTree>
+    <p:extLst>
+      <p:ext uri="{BB962C8B-B14F-4D97-AF65-F5344CB8AC3E}">
+        <p14:creationId xmlns:p14="http://schemas.microsoft.com/office/powerpoint/2010/main" val="830208248"/>
+      </p:ext>
+    </p:extLst>
+  </p:cSld>
+  <p:clrMapOvr>
+    <a:masterClrMapping/>
+  </p:clrMapOvr>
+</p:sld>
+</file>
+
+<file path=ppt/slides/slide32.xml><?xml version="1.0" encoding="utf-8"?>
+<p:sld xmlns:a="http://schemas.openxmlformats.org/drawingml/2006/main" xmlns:r="http://schemas.openxmlformats.org/officeDocument/2006/relationships" xmlns:p="http://schemas.openxmlformats.org/presentationml/2006/main">
+  <p:cSld>
+    <p:spTree>
+      <p:nvGrpSpPr>
+        <p:cNvPr id="1" name=""/>
+        <p:cNvGrpSpPr/>
+        <p:nvPr/>
+      </p:nvGrpSpPr>
+      <p:grpSpPr>
+        <a:xfrm>
+          <a:off x="0" y="0"/>
+          <a:ext cx="0" cy="0"/>
+          <a:chOff x="0" y="0"/>
+          <a:chExt cx="0" cy="0"/>
+        </a:xfrm>
+      </p:grpSpPr>
+      <p:sp>
+        <p:nvSpPr>
+          <p:cNvPr id="2" name="Title 1"/>
+          <p:cNvSpPr>
+            <a:spLocks noGrp="1"/>
+          </p:cNvSpPr>
+          <p:nvPr>
+            <p:ph type="title"/>
+          </p:nvPr>
+        </p:nvSpPr>
+        <p:spPr/>
+        <p:txBody>
+          <a:bodyPr/>
+          <a:lstStyle/>
+          <a:p>
+            <a:r>
+              <a:rPr lang="en-GB" dirty="0" smtClean="0"/>
+              <a:t>Unit Testing</a:t>
+            </a:r>
+            <a:endParaRPr lang="en-GB" dirty="0"/>
+          </a:p>
+        </p:txBody>
+      </p:sp>
+      <p:sp>
+        <p:nvSpPr>
+          <p:cNvPr id="3" name="Content Placeholder 2"/>
+          <p:cNvSpPr>
+            <a:spLocks noGrp="1"/>
+          </p:cNvSpPr>
+          <p:nvPr>
+            <p:ph idx="1"/>
+          </p:nvPr>
+        </p:nvSpPr>
+        <p:spPr/>
+        <p:txBody>
+          <a:bodyPr/>
+          <a:lstStyle/>
+          <a:p>
+            <a:r>
+              <a:rPr lang="en-GB" dirty="0" smtClean="0"/>
+              <a:t>Involves </a:t>
+            </a:r>
+            <a:r>
+              <a:rPr lang="en-GB" dirty="0"/>
+              <a:t>testing individual classes and </a:t>
+            </a:r>
+            <a:r>
+              <a:rPr lang="en-GB" dirty="0" smtClean="0"/>
+              <a:t>mechanisms and is the responsibility </a:t>
+            </a:r>
+            <a:r>
+              <a:rPr lang="en-GB" dirty="0"/>
+              <a:t>of the application engineer </a:t>
+            </a:r>
+            <a:r>
+              <a:rPr lang="en-GB" dirty="0" smtClean="0"/>
+              <a:t>who implemented </a:t>
+            </a:r>
+            <a:r>
+              <a:rPr lang="en-GB" dirty="0"/>
+              <a:t>the </a:t>
+            </a:r>
+            <a:r>
+              <a:rPr lang="en-GB" dirty="0" smtClean="0"/>
+              <a:t>structure</a:t>
+            </a:r>
+            <a:endParaRPr lang="en-GB" dirty="0"/>
+          </a:p>
+        </p:txBody>
+      </p:sp>
+    </p:spTree>
+    <p:extLst>
+      <p:ext uri="{BB962C8B-B14F-4D97-AF65-F5344CB8AC3E}">
+        <p14:creationId xmlns:p14="http://schemas.microsoft.com/office/powerpoint/2010/main" val="3200125596"/>
+      </p:ext>
+    </p:extLst>
+  </p:cSld>
+  <p:clrMapOvr>
+    <a:masterClrMapping/>
+  </p:clrMapOvr>
+</p:sld>
+</file>
+
+<file path=ppt/slides/slide33.xml><?xml version="1.0" encoding="utf-8"?>
+<p:sld xmlns:a="http://schemas.openxmlformats.org/drawingml/2006/main" xmlns:r="http://schemas.openxmlformats.org/officeDocument/2006/relationships" xmlns:p="http://schemas.openxmlformats.org/presentationml/2006/main">
+  <p:cSld>
+    <p:spTree>
+      <p:nvGrpSpPr>
+        <p:cNvPr id="1" name=""/>
+        <p:cNvGrpSpPr/>
+        <p:nvPr/>
+      </p:nvGrpSpPr>
+      <p:grpSpPr>
+        <a:xfrm>
+          <a:off x="0" y="0"/>
+          <a:ext cx="0" cy="0"/>
+          <a:chOff x="0" y="0"/>
+          <a:chExt cx="0" cy="0"/>
+        </a:xfrm>
+      </p:grpSpPr>
+      <p:sp>
+        <p:nvSpPr>
+          <p:cNvPr id="2" name="Title 1"/>
+          <p:cNvSpPr>
+            <a:spLocks noGrp="1"/>
+          </p:cNvSpPr>
+          <p:nvPr>
+            <p:ph type="title"/>
+          </p:nvPr>
+        </p:nvSpPr>
+        <p:spPr>
+          <a:xfrm>
+            <a:off x="685800" y="76200"/>
+            <a:ext cx="7772400" cy="1143000"/>
+          </a:xfrm>
+        </p:spPr>
+        <p:txBody>
+          <a:bodyPr/>
+          <a:lstStyle/>
+          <a:p>
+            <a:r>
+              <a:rPr lang="en-GB" dirty="0" smtClean="0"/>
+              <a:t>Component Testing</a:t>
+            </a:r>
+            <a:endParaRPr lang="en-GB" dirty="0"/>
+          </a:p>
+        </p:txBody>
+      </p:sp>
+      <p:sp>
+        <p:nvSpPr>
+          <p:cNvPr id="3" name="Content Placeholder 2"/>
+          <p:cNvSpPr>
+            <a:spLocks noGrp="1"/>
+          </p:cNvSpPr>
+          <p:nvPr>
+            <p:ph idx="1"/>
+          </p:nvPr>
+        </p:nvSpPr>
+        <p:spPr>
+          <a:xfrm>
+            <a:off x="685800" y="1447800"/>
+            <a:ext cx="7772400" cy="5029200"/>
+          </a:xfrm>
+        </p:spPr>
+        <p:txBody>
+          <a:bodyPr>
+            <a:normAutofit fontScale="92500" lnSpcReduction="10000"/>
+          </a:bodyPr>
+          <a:lstStyle/>
+          <a:p>
+            <a:r>
+              <a:rPr lang="en-GB" dirty="0" smtClean="0"/>
+              <a:t>Involves </a:t>
+            </a:r>
+            <a:r>
+              <a:rPr lang="en-GB" dirty="0"/>
+              <a:t>integration testing a complete </a:t>
+            </a:r>
+            <a:r>
+              <a:rPr lang="en-GB" dirty="0" smtClean="0"/>
+              <a:t>component and is </a:t>
+            </a:r>
+            <a:r>
+              <a:rPr lang="en-GB" dirty="0"/>
+              <a:t>the responsibility of the component lead. </a:t>
+            </a:r>
+            <a:endParaRPr lang="en-GB" dirty="0" smtClean="0"/>
+          </a:p>
+          <a:p>
+            <a:r>
+              <a:rPr lang="en-GB" dirty="0" smtClean="0"/>
+              <a:t>Component </a:t>
+            </a:r>
+            <a:r>
+              <a:rPr lang="en-GB" dirty="0"/>
+              <a:t>tests can </a:t>
+            </a:r>
+            <a:r>
+              <a:rPr lang="en-GB" dirty="0" smtClean="0"/>
+              <a:t>be used </a:t>
+            </a:r>
+            <a:r>
+              <a:rPr lang="en-GB" dirty="0"/>
+              <a:t>as regression tests for each newly released version of the </a:t>
+            </a:r>
+            <a:r>
+              <a:rPr lang="en-GB" dirty="0" smtClean="0"/>
+              <a:t>component</a:t>
+            </a:r>
+            <a:endParaRPr lang="en-GB" dirty="0"/>
+          </a:p>
+          <a:p>
+            <a:r>
+              <a:rPr lang="en-GB" dirty="0"/>
+              <a:t>Note that the term component is generic and can mean a single </a:t>
+            </a:r>
+            <a:r>
+              <a:rPr lang="en-GB" dirty="0" smtClean="0"/>
+              <a:t>component in </a:t>
+            </a:r>
+            <a:r>
+              <a:rPr lang="en-GB" dirty="0"/>
+              <a:t>a small project or a collection </a:t>
+            </a:r>
+            <a:r>
+              <a:rPr lang="en-GB" dirty="0" smtClean="0"/>
+              <a:t>of components</a:t>
+            </a:r>
+            <a:r>
+              <a:rPr lang="en-GB" dirty="0"/>
+              <a:t>, sometimes referred to as </a:t>
+            </a:r>
+            <a:r>
+              <a:rPr lang="en-GB" dirty="0" smtClean="0"/>
+              <a:t>a subsystem</a:t>
+            </a:r>
+            <a:r>
+              <a:rPr lang="en-GB" dirty="0"/>
+              <a:t>, in a larger project</a:t>
+            </a:r>
+          </a:p>
+        </p:txBody>
+      </p:sp>
+    </p:spTree>
+    <p:extLst>
+      <p:ext uri="{BB962C8B-B14F-4D97-AF65-F5344CB8AC3E}">
+        <p14:creationId xmlns:p14="http://schemas.microsoft.com/office/powerpoint/2010/main" val="152427149"/>
+      </p:ext>
+    </p:extLst>
+  </p:cSld>
+  <p:clrMapOvr>
+    <a:masterClrMapping/>
+  </p:clrMapOvr>
+</p:sld>
+</file>
+
+<file path=ppt/slides/slide34.xml><?xml version="1.0" encoding="utf-8"?>
+<p:sld xmlns:a="http://schemas.openxmlformats.org/drawingml/2006/main" xmlns:r="http://schemas.openxmlformats.org/officeDocument/2006/relationships" xmlns:p="http://schemas.openxmlformats.org/presentationml/2006/main">
+  <p:cSld>
+    <p:spTree>
+      <p:nvGrpSpPr>
+        <p:cNvPr id="1" name=""/>
+        <p:cNvGrpSpPr/>
+        <p:nvPr/>
+      </p:nvGrpSpPr>
+      <p:grpSpPr>
+        <a:xfrm>
+          <a:off x="0" y="0"/>
+          <a:ext cx="0" cy="0"/>
+          <a:chOff x="0" y="0"/>
+          <a:chExt cx="0" cy="0"/>
+        </a:xfrm>
+      </p:grpSpPr>
+      <p:sp>
+        <p:nvSpPr>
+          <p:cNvPr id="2" name="Title 1"/>
+          <p:cNvSpPr>
+            <a:spLocks noGrp="1"/>
+          </p:cNvSpPr>
+          <p:nvPr>
+            <p:ph type="title"/>
+          </p:nvPr>
+        </p:nvSpPr>
+        <p:spPr/>
+        <p:txBody>
+          <a:bodyPr/>
+          <a:lstStyle/>
+          <a:p>
+            <a:r>
+              <a:rPr lang="en-GB" dirty="0" smtClean="0"/>
+              <a:t>System Testing</a:t>
+            </a:r>
+            <a:endParaRPr lang="en-GB" dirty="0"/>
+          </a:p>
+        </p:txBody>
+      </p:sp>
+      <p:sp>
+        <p:nvSpPr>
+          <p:cNvPr id="3" name="Content Placeholder 2"/>
+          <p:cNvSpPr>
+            <a:spLocks noGrp="1"/>
+          </p:cNvSpPr>
+          <p:nvPr>
+            <p:ph idx="1"/>
+          </p:nvPr>
+        </p:nvSpPr>
+        <p:spPr/>
+        <p:txBody>
+          <a:bodyPr/>
+          <a:lstStyle/>
+          <a:p>
+            <a:r>
+              <a:rPr lang="en-GB" dirty="0" smtClean="0"/>
+              <a:t>Involves </a:t>
+            </a:r>
+            <a:r>
+              <a:rPr lang="en-GB" dirty="0"/>
+              <a:t>integration testing the system as a whole and is </a:t>
+            </a:r>
+            <a:r>
+              <a:rPr lang="en-GB" dirty="0" smtClean="0"/>
+              <a:t>the responsibility </a:t>
+            </a:r>
+            <a:r>
+              <a:rPr lang="en-GB" dirty="0"/>
+              <a:t>of the quality assurance </a:t>
+            </a:r>
+            <a:r>
+              <a:rPr lang="en-GB" dirty="0" smtClean="0"/>
+              <a:t>team</a:t>
+            </a:r>
+          </a:p>
+          <a:p>
+            <a:r>
+              <a:rPr lang="en-GB" dirty="0" smtClean="0"/>
+              <a:t>System </a:t>
+            </a:r>
+            <a:r>
+              <a:rPr lang="en-GB" dirty="0"/>
+              <a:t>tests are also </a:t>
+            </a:r>
+            <a:r>
+              <a:rPr lang="en-GB" dirty="0" smtClean="0"/>
+              <a:t>typically used </a:t>
+            </a:r>
+            <a:r>
+              <a:rPr lang="en-GB" dirty="0"/>
+              <a:t>as regression tests by the integration team when assembling </a:t>
+            </a:r>
+            <a:r>
+              <a:rPr lang="en-GB" dirty="0" smtClean="0"/>
+              <a:t>new releases</a:t>
+            </a:r>
+            <a:endParaRPr lang="en-GB" dirty="0"/>
+          </a:p>
+        </p:txBody>
+      </p:sp>
+    </p:spTree>
+    <p:extLst>
+      <p:ext uri="{BB962C8B-B14F-4D97-AF65-F5344CB8AC3E}">
+        <p14:creationId xmlns:p14="http://schemas.microsoft.com/office/powerpoint/2010/main" val="1523786038"/>
+      </p:ext>
+    </p:extLst>
+  </p:cSld>
+  <p:clrMapOvr>
+    <a:masterClrMapping/>
+  </p:clrMapOvr>
+</p:sld>
+</file>
+
+<file path=ppt/slides/slide35.xml><?xml version="1.0" encoding="utf-8"?>
+<p:sld xmlns:a="http://schemas.openxmlformats.org/drawingml/2006/main" xmlns:r="http://schemas.openxmlformats.org/officeDocument/2006/relationships" xmlns:p="http://schemas.openxmlformats.org/presentationml/2006/main">
+  <p:cSld>
+    <p:spTree>
+      <p:nvGrpSpPr>
+        <p:cNvPr id="1" name=""/>
+        <p:cNvGrpSpPr/>
+        <p:nvPr/>
+      </p:nvGrpSpPr>
+      <p:grpSpPr>
+        <a:xfrm>
+          <a:off x="0" y="0"/>
+          <a:ext cx="0" cy="0"/>
+          <a:chOff x="0" y="0"/>
+          <a:chExt cx="0" cy="0"/>
+        </a:xfrm>
+      </p:grpSpPr>
+      <p:sp>
+        <p:nvSpPr>
+          <p:cNvPr id="2" name="Title 1"/>
+          <p:cNvSpPr>
+            <a:spLocks noGrp="1"/>
+          </p:cNvSpPr>
+          <p:nvPr>
+            <p:ph type="title"/>
+          </p:nvPr>
+        </p:nvSpPr>
+        <p:spPr/>
+        <p:txBody>
+          <a:bodyPr/>
+          <a:lstStyle/>
+          <a:p>
+            <a:r>
+              <a:rPr lang="en-US" dirty="0" smtClean="0"/>
+              <a:t>Question</a:t>
+            </a:r>
+            <a:endParaRPr lang="en-US" dirty="0"/>
+          </a:p>
+        </p:txBody>
+      </p:sp>
+      <p:sp>
+        <p:nvSpPr>
+          <p:cNvPr id="3" name="Content Placeholder 2"/>
+          <p:cNvSpPr>
+            <a:spLocks noGrp="1"/>
+          </p:cNvSpPr>
+          <p:nvPr>
+            <p:ph idx="1"/>
+          </p:nvPr>
+        </p:nvSpPr>
+        <p:spPr>
+          <a:xfrm>
+            <a:off x="381000" y="1981200"/>
+            <a:ext cx="8382000" cy="4114800"/>
+          </a:xfrm>
+        </p:spPr>
+        <p:txBody>
+          <a:bodyPr>
+            <a:normAutofit fontScale="92500" lnSpcReduction="20000"/>
+          </a:bodyPr>
+          <a:lstStyle/>
+          <a:p>
+            <a:r>
+              <a:rPr lang="en-GB" dirty="0" smtClean="0"/>
+              <a:t>Testing should encompass which three dimensions?</a:t>
+            </a:r>
+          </a:p>
+          <a:p>
+            <a:pPr>
+              <a:buNone/>
+            </a:pPr>
+            <a:endParaRPr lang="en-GB" i="1" dirty="0" smtClean="0"/>
+          </a:p>
+          <a:p>
+            <a:pPr>
+              <a:buNone/>
+            </a:pPr>
+            <a:r>
+              <a:rPr lang="en-GB" i="1" dirty="0" smtClean="0"/>
+              <a:t>a) </a:t>
+            </a:r>
+            <a:r>
+              <a:rPr lang="en-GB" dirty="0" smtClean="0"/>
+              <a:t>Component testing, </a:t>
+            </a:r>
+            <a:r>
+              <a:rPr lang="en-GB" i="1" dirty="0" smtClean="0"/>
+              <a:t>Unit testing</a:t>
+            </a:r>
+            <a:r>
+              <a:rPr lang="en-GB" dirty="0" smtClean="0"/>
+              <a:t>, </a:t>
+            </a:r>
+            <a:r>
+              <a:rPr lang="en-GB" i="1" dirty="0" smtClean="0"/>
+              <a:t>System testing</a:t>
+            </a:r>
+          </a:p>
+          <a:p>
+            <a:pPr>
+              <a:buNone/>
+            </a:pPr>
+            <a:r>
+              <a:rPr lang="en-GB" i="1" dirty="0" smtClean="0"/>
+              <a:t>b) Unit testing, System Components, Quality testing</a:t>
+            </a:r>
+          </a:p>
+          <a:p>
+            <a:pPr>
+              <a:buNone/>
+            </a:pPr>
+            <a:r>
+              <a:rPr lang="en-GB" i="1" dirty="0" smtClean="0"/>
+              <a:t>c) Unit testing, System testing, Compound testing</a:t>
+            </a:r>
+            <a:endParaRPr lang="en-US" dirty="0" smtClean="0"/>
+          </a:p>
+          <a:p>
+            <a:pPr>
+              <a:buNone/>
+            </a:pPr>
+            <a:endParaRPr lang="en-US" dirty="0"/>
+          </a:p>
+        </p:txBody>
+      </p:sp>
+    </p:spTree>
+  </p:cSld>
+  <p:clrMapOvr>
+    <a:masterClrMapping/>
+  </p:clrMapOvr>
+</p:sld>
+</file>
+
+<file path=ppt/slides/slide36.xml><?xml version="1.0" encoding="utf-8"?>
+<p:sld xmlns:a="http://schemas.openxmlformats.org/drawingml/2006/main" xmlns:r="http://schemas.openxmlformats.org/officeDocument/2006/relationships" xmlns:p="http://schemas.openxmlformats.org/presentationml/2006/main">
+  <p:cSld>
+    <p:spTree>
+      <p:nvGrpSpPr>
+        <p:cNvPr id="1" name=""/>
+        <p:cNvGrpSpPr/>
+        <p:nvPr/>
+      </p:nvGrpSpPr>
+      <p:grpSpPr>
+        <a:xfrm>
+          <a:off x="0" y="0"/>
+          <a:ext cx="0" cy="0"/>
+          <a:chOff x="0" y="0"/>
+          <a:chExt cx="0" cy="0"/>
+        </a:xfrm>
+      </p:grpSpPr>
+      <p:sp>
+        <p:nvSpPr>
+          <p:cNvPr id="2" name="Title 1"/>
+          <p:cNvSpPr>
+            <a:spLocks noGrp="1"/>
+          </p:cNvSpPr>
+          <p:nvPr>
+            <p:ph type="title"/>
+          </p:nvPr>
+        </p:nvSpPr>
+        <p:spPr/>
+        <p:txBody>
+          <a:bodyPr/>
+          <a:lstStyle/>
+          <a:p>
+            <a:r>
+              <a:rPr lang="en-US" dirty="0" smtClean="0"/>
+              <a:t>Answer</a:t>
+            </a:r>
+            <a:endParaRPr lang="en-US" dirty="0"/>
+          </a:p>
+        </p:txBody>
+      </p:sp>
+      <p:sp>
+        <p:nvSpPr>
+          <p:cNvPr id="3" name="Content Placeholder 2"/>
+          <p:cNvSpPr>
+            <a:spLocks noGrp="1"/>
+          </p:cNvSpPr>
+          <p:nvPr>
+            <p:ph idx="1"/>
+          </p:nvPr>
+        </p:nvSpPr>
+        <p:spPr/>
+        <p:txBody>
+          <a:bodyPr/>
+          <a:lstStyle/>
+          <a:p>
+            <a:r>
+              <a:rPr lang="en-US" dirty="0" smtClean="0"/>
+              <a:t>a) </a:t>
+            </a:r>
+            <a:r>
+              <a:rPr lang="en-GB" dirty="0" smtClean="0"/>
+              <a:t>Component testing, </a:t>
+            </a:r>
+            <a:r>
+              <a:rPr lang="en-GB" i="1" dirty="0" smtClean="0"/>
+              <a:t>Unit testing</a:t>
+            </a:r>
+            <a:r>
+              <a:rPr lang="en-GB" dirty="0" smtClean="0"/>
+              <a:t>, </a:t>
+            </a:r>
+            <a:r>
+              <a:rPr lang="en-GB" i="1" dirty="0" smtClean="0"/>
+              <a:t>System testing</a:t>
+            </a:r>
+            <a:endParaRPr lang="en-US" dirty="0"/>
+          </a:p>
+        </p:txBody>
+      </p:sp>
+    </p:spTree>
+  </p:cSld>
+  <p:clrMapOvr>
+    <a:masterClrMapping/>
+  </p:clrMapOvr>
+</p:sld>
+</file>
+
+<file path=ppt/slides/slide37.xml><?xml version="1.0" encoding="utf-8"?>
+<p:sld xmlns:a="http://schemas.openxmlformats.org/drawingml/2006/main" xmlns:r="http://schemas.openxmlformats.org/officeDocument/2006/relationships" xmlns:p="http://schemas.openxmlformats.org/presentationml/2006/main">
+  <p:cSld>
+    <p:spTree>
+      <p:nvGrpSpPr>
+        <p:cNvPr id="1" name=""/>
+        <p:cNvGrpSpPr/>
+        <p:nvPr/>
+      </p:nvGrpSpPr>
+      <p:grpSpPr>
+        <a:xfrm>
+          <a:off x="0" y="0"/>
+          <a:ext cx="0" cy="0"/>
+          <a:chOff x="0" y="0"/>
+          <a:chExt cx="0" cy="0"/>
+        </a:xfrm>
+      </p:grpSpPr>
+      <p:sp>
+        <p:nvSpPr>
+          <p:cNvPr id="2" name="Title 1"/>
+          <p:cNvSpPr>
+            <a:spLocks noGrp="1"/>
+          </p:cNvSpPr>
+          <p:nvPr>
+            <p:ph type="title"/>
+          </p:nvPr>
+        </p:nvSpPr>
+        <p:spPr/>
+        <p:txBody>
+          <a:bodyPr/>
+          <a:lstStyle/>
+          <a:p>
+            <a:r>
+              <a:rPr lang="en-GB" dirty="0"/>
+              <a:t>Reuse</a:t>
+            </a:r>
+          </a:p>
+        </p:txBody>
+      </p:sp>
+      <p:sp>
+        <p:nvSpPr>
+          <p:cNvPr id="3" name="Content Placeholder 2"/>
+          <p:cNvSpPr>
+            <a:spLocks noGrp="1"/>
+          </p:cNvSpPr>
+          <p:nvPr>
+            <p:ph idx="1"/>
+          </p:nvPr>
+        </p:nvSpPr>
+        <p:spPr/>
+        <p:txBody>
+          <a:bodyPr/>
+          <a:lstStyle/>
+          <a:p>
+            <a:r>
+              <a:rPr lang="en-GB" dirty="0" smtClean="0"/>
+              <a:t>Acclaimed </a:t>
+            </a:r>
+            <a:r>
+              <a:rPr lang="en-GB" dirty="0"/>
+              <a:t>benefits of object-oriented development is </a:t>
+            </a:r>
+            <a:r>
+              <a:rPr lang="en-GB" dirty="0" smtClean="0"/>
+              <a:t>reuse</a:t>
+            </a:r>
+          </a:p>
+          <a:p>
+            <a:r>
+              <a:rPr lang="en-GB" dirty="0" smtClean="0"/>
+              <a:t>Depends on management</a:t>
+            </a:r>
+          </a:p>
+          <a:p>
+            <a:r>
+              <a:rPr lang="en-GB" dirty="0" smtClean="0"/>
+              <a:t>Realize the </a:t>
+            </a:r>
+            <a:r>
+              <a:rPr lang="en-GB" dirty="0"/>
+              <a:t>benefits of reusing </a:t>
+            </a:r>
+            <a:r>
+              <a:rPr lang="en-GB" dirty="0" smtClean="0"/>
+              <a:t>the many </a:t>
+            </a:r>
+            <a:r>
+              <a:rPr lang="en-GB" dirty="0" err="1"/>
+              <a:t>artifacts</a:t>
+            </a:r>
+            <a:r>
+              <a:rPr lang="en-GB" dirty="0"/>
+              <a:t> of the development process</a:t>
+            </a:r>
+          </a:p>
+        </p:txBody>
+      </p:sp>
+    </p:spTree>
+    <p:extLst>
+      <p:ext uri="{BB962C8B-B14F-4D97-AF65-F5344CB8AC3E}">
+        <p14:creationId xmlns:p14="http://schemas.microsoft.com/office/powerpoint/2010/main" val="2034320265"/>
+      </p:ext>
+    </p:extLst>
+  </p:cSld>
+  <p:clrMapOvr>
+    <a:masterClrMapping/>
+  </p:clrMapOvr>
+</p:sld>
+</file>
+
+<file path=ppt/slides/slide38.xml><?xml version="1.0" encoding="utf-8"?>
+<p:sld xmlns:a="http://schemas.openxmlformats.org/drawingml/2006/main" xmlns:r="http://schemas.openxmlformats.org/officeDocument/2006/relationships" xmlns:p="http://schemas.openxmlformats.org/presentationml/2006/main">
+  <p:cSld>
+    <p:spTree>
+      <p:nvGrpSpPr>
+        <p:cNvPr id="1" name=""/>
+        <p:cNvGrpSpPr/>
+        <p:nvPr/>
+      </p:nvGrpSpPr>
+      <p:grpSpPr>
+        <a:xfrm>
+          <a:off x="0" y="0"/>
+          <a:ext cx="0" cy="0"/>
+          <a:chOff x="0" y="0"/>
+          <a:chExt cx="0" cy="0"/>
+        </a:xfrm>
+      </p:grpSpPr>
+      <p:sp>
+        <p:nvSpPr>
+          <p:cNvPr id="2" name="Title 1"/>
+          <p:cNvSpPr>
+            <a:spLocks noGrp="1"/>
+          </p:cNvSpPr>
+          <p:nvPr>
+            <p:ph type="title"/>
+          </p:nvPr>
+        </p:nvSpPr>
+        <p:spPr/>
+        <p:txBody>
+          <a:bodyPr/>
+          <a:lstStyle/>
+          <a:p>
+            <a:r>
+              <a:rPr lang="en-GB" dirty="0"/>
+              <a:t>Elements of Reuse</a:t>
+            </a:r>
+          </a:p>
+        </p:txBody>
+      </p:sp>
+      <p:sp>
+        <p:nvSpPr>
+          <p:cNvPr id="3" name="Content Placeholder 2"/>
+          <p:cNvSpPr>
+            <a:spLocks noGrp="1"/>
+          </p:cNvSpPr>
+          <p:nvPr>
+            <p:ph idx="1"/>
+          </p:nvPr>
+        </p:nvSpPr>
+        <p:spPr/>
+        <p:txBody>
+          <a:bodyPr>
+            <a:normAutofit fontScale="92500" lnSpcReduction="10000"/>
+          </a:bodyPr>
+          <a:lstStyle/>
+          <a:p>
+            <a:r>
+              <a:rPr lang="en-GB" dirty="0">
+                <a:solidFill>
+                  <a:srgbClr val="FF0000"/>
+                </a:solidFill>
+              </a:rPr>
+              <a:t>Any</a:t>
+            </a:r>
+            <a:r>
+              <a:rPr lang="en-GB" dirty="0"/>
+              <a:t> </a:t>
+            </a:r>
+            <a:r>
+              <a:rPr lang="en-GB" dirty="0" err="1"/>
+              <a:t>artifact</a:t>
+            </a:r>
+            <a:r>
+              <a:rPr lang="en-GB" dirty="0"/>
+              <a:t> of software development can be </a:t>
+            </a:r>
+            <a:r>
+              <a:rPr lang="en-GB" dirty="0" smtClean="0"/>
+              <a:t>reused</a:t>
+            </a:r>
+          </a:p>
+          <a:p>
+            <a:r>
+              <a:rPr lang="en-GB" dirty="0" smtClean="0"/>
+              <a:t>Any stage, e.g., requirement, development and testing</a:t>
+            </a:r>
+          </a:p>
+          <a:p>
+            <a:r>
+              <a:rPr lang="en-GB" dirty="0" smtClean="0"/>
+              <a:t>For example, design</a:t>
+            </a:r>
+            <a:r>
+              <a:rPr lang="en-GB" dirty="0"/>
+              <a:t>, </a:t>
+            </a:r>
+            <a:r>
+              <a:rPr lang="en-GB" dirty="0" smtClean="0"/>
+              <a:t>code </a:t>
+            </a:r>
+            <a:r>
+              <a:rPr lang="en-GB" dirty="0"/>
+              <a:t>and </a:t>
+            </a:r>
+            <a:r>
+              <a:rPr lang="en-GB" dirty="0" smtClean="0"/>
+              <a:t>documentation</a:t>
+            </a:r>
+          </a:p>
+          <a:p>
+            <a:pPr lvl="1"/>
+            <a:r>
+              <a:rPr lang="en-GB" dirty="0"/>
+              <a:t>reuse patterns of classes, objects, and designs in the form of </a:t>
+            </a:r>
+            <a:r>
+              <a:rPr lang="en-GB" dirty="0" smtClean="0"/>
+              <a:t>idioms, mechanisms</a:t>
+            </a:r>
+            <a:r>
+              <a:rPr lang="en-GB" dirty="0"/>
+              <a:t>, and frameworks</a:t>
+            </a:r>
+          </a:p>
+        </p:txBody>
+      </p:sp>
+    </p:spTree>
+    <p:extLst>
+      <p:ext uri="{BB962C8B-B14F-4D97-AF65-F5344CB8AC3E}">
+        <p14:creationId xmlns:p14="http://schemas.microsoft.com/office/powerpoint/2010/main" val="3872833892"/>
+      </p:ext>
+    </p:extLst>
+  </p:cSld>
+  <p:clrMapOvr>
+    <a:masterClrMapping/>
+  </p:clrMapOvr>
+</p:sld>
+</file>
+
+<file path=ppt/slides/slide39.xml><?xml version="1.0" encoding="utf-8"?>
+<p:sld xmlns:a="http://schemas.openxmlformats.org/drawingml/2006/main" xmlns:r="http://schemas.openxmlformats.org/officeDocument/2006/relationships" xmlns:p="http://schemas.openxmlformats.org/presentationml/2006/main">
+  <p:cSld>
+    <p:spTree>
+      <p:nvGrpSpPr>
+        <p:cNvPr id="1" name=""/>
+        <p:cNvGrpSpPr/>
+        <p:nvPr/>
+      </p:nvGrpSpPr>
+      <p:grpSpPr>
+        <a:xfrm>
+          <a:off x="0" y="0"/>
+          <a:ext cx="0" cy="0"/>
+          <a:chOff x="0" y="0"/>
+          <a:chExt cx="0" cy="0"/>
+        </a:xfrm>
+      </p:grpSpPr>
+      <p:sp>
+        <p:nvSpPr>
+          <p:cNvPr id="2" name="Title 1"/>
+          <p:cNvSpPr>
+            <a:spLocks noGrp="1"/>
+          </p:cNvSpPr>
+          <p:nvPr>
+            <p:ph type="title"/>
+          </p:nvPr>
+        </p:nvSpPr>
+        <p:spPr/>
+        <p:txBody>
+          <a:bodyPr/>
+          <a:lstStyle/>
+          <a:p>
+            <a:r>
+              <a:rPr lang="en-GB" dirty="0" smtClean="0"/>
+              <a:t>Question</a:t>
+            </a:r>
+            <a:endParaRPr lang="en-GB" dirty="0"/>
+          </a:p>
+        </p:txBody>
+      </p:sp>
+      <p:sp>
+        <p:nvSpPr>
+          <p:cNvPr id="3" name="Content Placeholder 2"/>
+          <p:cNvSpPr>
+            <a:spLocks noGrp="1"/>
+          </p:cNvSpPr>
+          <p:nvPr>
+            <p:ph idx="1"/>
+          </p:nvPr>
+        </p:nvSpPr>
+        <p:spPr/>
+        <p:txBody>
+          <a:bodyPr/>
+          <a:lstStyle/>
+          <a:p>
+            <a:r>
+              <a:rPr lang="en-GB" dirty="0"/>
+              <a:t>Documentation should </a:t>
+            </a:r>
+            <a:r>
+              <a:rPr lang="en-GB" dirty="0" smtClean="0"/>
+              <a:t>drive </a:t>
+            </a:r>
+            <a:r>
+              <a:rPr lang="en-GB" dirty="0"/>
+              <a:t>the development </a:t>
+            </a:r>
+            <a:r>
+              <a:rPr lang="en-GB" dirty="0" smtClean="0"/>
+              <a:t>process</a:t>
+            </a:r>
+          </a:p>
+          <a:p>
+            <a:endParaRPr lang="en-GB" dirty="0"/>
+          </a:p>
+          <a:p>
+            <a:pPr marL="514350" indent="-514350">
+              <a:buAutoNum type="alphaLcParenR"/>
+            </a:pPr>
+            <a:r>
+              <a:rPr lang="en-GB" dirty="0" smtClean="0"/>
+              <a:t>True</a:t>
+            </a:r>
+          </a:p>
+          <a:p>
+            <a:pPr marL="514350" indent="-514350">
+              <a:buAutoNum type="alphaLcParenR"/>
+            </a:pPr>
+            <a:r>
+              <a:rPr lang="en-GB" dirty="0" smtClean="0"/>
+              <a:t>False</a:t>
+            </a:r>
+            <a:endParaRPr lang="en-GB" dirty="0"/>
+          </a:p>
+        </p:txBody>
+      </p:sp>
+    </p:spTree>
+    <p:extLst>
+      <p:ext uri="{BB962C8B-B14F-4D97-AF65-F5344CB8AC3E}">
+        <p14:creationId xmlns:p14="http://schemas.microsoft.com/office/powerpoint/2010/main" val="3422991992"/>
+      </p:ext>
+    </p:extLst>
+  </p:cSld>
+  <p:clrMapOvr>
+    <a:masterClrMapping/>
+  </p:clrMapOvr>
+</p:sld>
+</file>
+
+<file path=ppt/slides/slide4.xml><?xml version="1.0" encoding="utf-8"?>
 <p:sld xmlns:a="http://schemas.openxmlformats.org/drawingml/2006/main" xmlns:r="http://schemas.openxmlformats.org/officeDocument/2006/relationships" xmlns:p="http://schemas.openxmlformats.org/presentationml/2006/main">
   <p:cSld>
     <p:spTree>
@@ -6776,7 +8102,7 @@
     </p:spTree>
     <p:extLst>
       <p:ext uri="{BB962C8B-B14F-4D97-AF65-F5344CB8AC3E}">
-        <p14:creationId xmlns:p14="http://schemas.microsoft.com/office/powerpoint/2010/main" xmlns="" val="3771947640"/>
+        <p14:creationId xmlns:p14="http://schemas.microsoft.com/office/powerpoint/2010/main" val="3771947640"/>
       </p:ext>
     </p:extLst>
   </p:cSld>
@@ -6786,7 +8112,7 @@
 </p:sld>
 </file>
 
-<file path=ppt/slides/slide30.xml><?xml version="1.0" encoding="utf-8"?>
+<file path=ppt/slides/slide40.xml><?xml version="1.0" encoding="utf-8"?>
 <p:sld xmlns:a="http://schemas.openxmlformats.org/drawingml/2006/main" xmlns:r="http://schemas.openxmlformats.org/officeDocument/2006/relationships" xmlns:p="http://schemas.openxmlformats.org/presentationml/2006/main">
   <p:cSld>
     <p:spTree>
@@ -6819,8 +8145,8 @@
           <a:lstStyle/>
           <a:p>
             <a:r>
-              <a:rPr lang="en-GB" b="1" dirty="0" smtClean="0"/>
-              <a:t>Integration</a:t>
+              <a:rPr lang="en-GB" dirty="0" smtClean="0"/>
+              <a:t>Answer</a:t>
             </a:r>
             <a:endParaRPr lang="en-GB" dirty="0"/>
           </a:p>
@@ -6843,43 +8169,42 @@
           <a:p>
             <a:r>
               <a:rPr lang="en-GB" dirty="0" smtClean="0"/>
-              <a:t>Integration events</a:t>
-            </a:r>
-          </a:p>
-          <a:p>
-            <a:r>
-              <a:rPr lang="en-GB" dirty="0" smtClean="0"/>
-              <a:t>Each marking </a:t>
-            </a:r>
-            <a:r>
-              <a:rPr lang="en-GB" dirty="0"/>
-              <a:t>the creation of another prototype or architectural </a:t>
-            </a:r>
-            <a:r>
-              <a:rPr lang="en-GB" dirty="0" smtClean="0"/>
-              <a:t>release</a:t>
-            </a:r>
-          </a:p>
-          <a:p>
-            <a:r>
-              <a:rPr lang="en-GB" dirty="0" smtClean="0"/>
-              <a:t>Generally </a:t>
-            </a:r>
-            <a:r>
-              <a:rPr lang="en-GB" dirty="0"/>
-              <a:t>incremental in </a:t>
-            </a:r>
-            <a:r>
-              <a:rPr lang="en-GB" dirty="0" smtClean="0"/>
-              <a:t>nature</a:t>
-            </a:r>
-          </a:p>
-          <a:p>
-            <a:pPr lvl="1"/>
-            <a:r>
-              <a:rPr lang="en-GB" dirty="0" smtClean="0"/>
-              <a:t>(i.e., not big-bang)</a:t>
-            </a:r>
+              <a:t>b) False</a:t>
+            </a:r>
+          </a:p>
+          <a:p>
+            <a:endParaRPr lang="en-GB" dirty="0"/>
+          </a:p>
+          <a:p>
+            <a:pPr marL="0" indent="0">
+              <a:buNone/>
+            </a:pPr>
+            <a:r>
+              <a:rPr lang="en-GB" dirty="0"/>
+              <a:t>Documentation should </a:t>
+            </a:r>
+            <a:r>
+              <a:rPr lang="en-GB" dirty="0">
+                <a:solidFill>
+                  <a:srgbClr val="FF0000"/>
+                </a:solidFill>
+              </a:rPr>
+              <a:t>never</a:t>
+            </a:r>
+            <a:r>
+              <a:rPr lang="en-GB" dirty="0"/>
+              <a:t> drive the development process</a:t>
+            </a:r>
+            <a:br>
+              <a:rPr lang="en-GB" dirty="0"/>
+            </a:br>
+            <a:r>
+              <a:rPr lang="en-GB" dirty="0"/>
+              <a:t/>
+            </a:r>
+            <a:br>
+              <a:rPr lang="en-GB" dirty="0"/>
+            </a:br>
             <a:endParaRPr lang="en-GB" dirty="0"/>
           </a:p>
         </p:txBody>
@@ -6887,7 +8212,7 @@
     </p:spTree>
     <p:extLst>
       <p:ext uri="{BB962C8B-B14F-4D97-AF65-F5344CB8AC3E}">
-        <p14:creationId xmlns:p14="http://schemas.microsoft.com/office/powerpoint/2010/main" xmlns="" val="2540850130"/>
+        <p14:creationId xmlns:p14="http://schemas.microsoft.com/office/powerpoint/2010/main" val="2947681496"/>
       </p:ext>
     </p:extLst>
   </p:cSld>
@@ -6897,7 +8222,7 @@
 </p:sld>
 </file>
 
-<file path=ppt/slides/slide31.xml><?xml version="1.0" encoding="utf-8"?>
+<file path=ppt/slides/slide41.xml><?xml version="1.0" encoding="utf-8"?>
 <p:sld xmlns:a="http://schemas.openxmlformats.org/drawingml/2006/main" xmlns:r="http://schemas.openxmlformats.org/officeDocument/2006/relationships" xmlns:p="http://schemas.openxmlformats.org/presentationml/2006/main">
   <p:cSld>
     <p:spTree>
@@ -6931,7 +8256,7 @@
           <a:p>
             <a:r>
               <a:rPr lang="en-GB" dirty="0"/>
-              <a:t>Testing</a:t>
+              <a:t>Institutionalizing Reuse</a:t>
             </a:r>
           </a:p>
         </p:txBody>
@@ -6952,80 +8277,91 @@
           <a:lstStyle/>
           <a:p>
             <a:r>
-              <a:rPr lang="en-GB" dirty="0" smtClean="0"/>
-              <a:t>Testing should </a:t>
-            </a:r>
-            <a:r>
-              <a:rPr lang="en-GB" dirty="0"/>
-              <a:t>encompass at least three </a:t>
-            </a:r>
-            <a:r>
-              <a:rPr lang="en-GB" dirty="0" smtClean="0"/>
-              <a:t>dimensions:</a:t>
-            </a:r>
-          </a:p>
-          <a:p>
-            <a:pPr marL="457200" lvl="1" indent="0">
+              <a:rPr lang="en-GB" dirty="0"/>
+              <a:t>Reuse within a project or even within an entire organization doesn’t just </a:t>
+            </a:r>
+            <a:r>
+              <a:rPr lang="en-GB" dirty="0" smtClean="0"/>
+              <a:t>happen</a:t>
+            </a:r>
+          </a:p>
+          <a:p>
+            <a:endParaRPr lang="en-GB" dirty="0"/>
+          </a:p>
+          <a:p>
+            <a:pPr marL="0" indent="0">
               <a:buNone/>
             </a:pPr>
             <a:r>
               <a:rPr lang="en-GB" dirty="0" smtClean="0"/>
-              <a:t>1.</a:t>
-            </a:r>
-            <a:r>
-              <a:rPr lang="en-GB" i="1" dirty="0" smtClean="0"/>
-              <a:t> Unit </a:t>
-            </a:r>
-            <a:r>
-              <a:rPr lang="en-GB" i="1" dirty="0"/>
-              <a:t>testing</a:t>
-            </a:r>
-            <a:r>
-              <a:rPr lang="en-GB" dirty="0"/>
-              <a:t/>
-            </a:r>
-            <a:br>
-              <a:rPr lang="en-GB" dirty="0"/>
-            </a:br>
-            <a:r>
-              <a:rPr lang="en-GB" dirty="0" smtClean="0"/>
-              <a:t>2. Component testing</a:t>
-            </a:r>
-          </a:p>
-          <a:p>
-            <a:pPr marL="457200" lvl="1" indent="0">
-              <a:buNone/>
-            </a:pPr>
-            <a:r>
-              <a:rPr lang="en-GB" i="1" dirty="0" smtClean="0"/>
-              <a:t>3. System </a:t>
-            </a:r>
-            <a:r>
-              <a:rPr lang="en-GB" i="1" dirty="0"/>
-              <a:t>testing</a:t>
-            </a:r>
-            <a:r>
-              <a:rPr lang="en-GB" dirty="0"/>
-              <a:t/>
-            </a:r>
-            <a:br>
-              <a:rPr lang="en-GB" dirty="0"/>
-            </a:br>
-            <a:r>
-              <a:rPr lang="en-GB" dirty="0"/>
-              <a:t/>
-            </a:r>
-            <a:br>
-              <a:rPr lang="en-GB" dirty="0"/>
-            </a:br>
+              <a:t>			 </a:t>
+            </a:r>
+            <a:r>
+              <a:rPr lang="en-GB" sz="6600" dirty="0" smtClean="0"/>
+              <a:t>WHY?</a:t>
+            </a:r>
             <a:endParaRPr lang="en-GB" dirty="0"/>
           </a:p>
         </p:txBody>
       </p:sp>
+      <p:pic>
+        <p:nvPicPr>
+          <p:cNvPr id="4" name="Picture 1"/>
+          <p:cNvPicPr>
+            <a:picLocks noChangeAspect="1"/>
+          </p:cNvPicPr>
+          <p:nvPr/>
+        </p:nvPicPr>
+        <p:blipFill>
+          <a:blip r:embed="rId2" cstate="print">
+            <a:extLst>
+              <a:ext uri="{28A0092B-C50C-407E-A947-70E740481C1C}">
+                <a14:useLocalDpi xmlns:a14="http://schemas.microsoft.com/office/drawing/2010/main" val="0"/>
+              </a:ext>
+            </a:extLst>
+          </a:blip>
+          <a:srcRect/>
+          <a:stretch>
+            <a:fillRect/>
+          </a:stretch>
+        </p:blipFill>
+        <p:spPr bwMode="auto">
+          <a:xfrm>
+            <a:off x="6468140" y="4800600"/>
+            <a:ext cx="2294860" cy="1879600"/>
+          </a:xfrm>
+          <a:prstGeom prst="rect">
+            <a:avLst/>
+          </a:prstGeom>
+          <a:noFill/>
+          <a:ln>
+            <a:noFill/>
+          </a:ln>
+          <a:extLst>
+            <a:ext uri="{909E8E84-426E-40DD-AFC4-6F175D3DCCD1}">
+              <a14:hiddenFill xmlns:a14="http://schemas.microsoft.com/office/drawing/2010/main">
+                <a:solidFill>
+                  <a:srgbClr val="FFFFFF"/>
+                </a:solidFill>
+              </a14:hiddenFill>
+            </a:ext>
+            <a:ext uri="{91240B29-F687-4F45-9708-019B960494DF}">
+              <a14:hiddenLine xmlns:a14="http://schemas.microsoft.com/office/drawing/2010/main" w="9525">
+                <a:solidFill>
+                  <a:srgbClr val="000000"/>
+                </a:solidFill>
+                <a:miter lim="800000"/>
+                <a:headEnd/>
+                <a:tailEnd/>
+              </a14:hiddenLine>
+            </a:ext>
+          </a:extLst>
+        </p:spPr>
+      </p:pic>
     </p:spTree>
     <p:extLst>
       <p:ext uri="{BB962C8B-B14F-4D97-AF65-F5344CB8AC3E}">
-        <p14:creationId xmlns:p14="http://schemas.microsoft.com/office/powerpoint/2010/main" xmlns="" val="830208248"/>
+        <p14:creationId xmlns:p14="http://schemas.microsoft.com/office/powerpoint/2010/main" val="4021884752"/>
       </p:ext>
     </p:extLst>
   </p:cSld>
@@ -7035,7 +8371,7 @@
 </p:sld>
 </file>
 
-<file path=ppt/slides/slide32.xml><?xml version="1.0" encoding="utf-8"?>
+<file path=ppt/slides/slide42.xml><?xml version="1.0" encoding="utf-8"?>
 <p:sld xmlns:a="http://schemas.openxmlformats.org/drawingml/2006/main" xmlns:r="http://schemas.openxmlformats.org/officeDocument/2006/relationships" xmlns:p="http://schemas.openxmlformats.org/presentationml/2006/main">
   <p:cSld>
     <p:spTree>
@@ -7068,10 +8404,9 @@
           <a:lstStyle/>
           <a:p>
             <a:r>
-              <a:rPr lang="en-GB" dirty="0" smtClean="0"/>
-              <a:t>Unit Testing</a:t>
-            </a:r>
-            <a:endParaRPr lang="en-GB" dirty="0"/>
+              <a:rPr lang="en-GB" dirty="0"/>
+              <a:t>Institutionalizing Reuse</a:t>
+            </a:r>
           </a:p>
         </p:txBody>
       </p:sp>
@@ -7092,40 +8427,81 @@
           <a:p>
             <a:r>
               <a:rPr lang="en-GB" dirty="0" smtClean="0"/>
-              <a:t>Involves </a:t>
-            </a:r>
-            <a:r>
-              <a:rPr lang="en-GB" dirty="0"/>
-              <a:t>testing individual classes and </a:t>
-            </a:r>
-            <a:r>
-              <a:rPr lang="en-GB" dirty="0" smtClean="0"/>
-              <a:t>mechanisms and is the responsibility </a:t>
-            </a:r>
-            <a:r>
-              <a:rPr lang="en-GB" dirty="0"/>
-              <a:t>of the application engineer </a:t>
-            </a:r>
-            <a:r>
-              <a:rPr lang="en-GB" dirty="0" smtClean="0"/>
-              <a:t>who implemented </a:t>
-            </a:r>
-            <a:r>
-              <a:rPr lang="en-GB" dirty="0"/>
-              <a:t>the </a:t>
-            </a:r>
-            <a:r>
-              <a:rPr lang="en-GB" dirty="0" smtClean="0"/>
-              <a:t>structure</a:t>
-            </a:r>
-            <a:endParaRPr lang="en-GB" dirty="0"/>
+              <a:t>Encouraged</a:t>
+            </a:r>
+          </a:p>
+          <a:p>
+            <a:r>
+              <a:rPr lang="en-GB" dirty="0" smtClean="0"/>
+              <a:t>Opportunities </a:t>
+            </a:r>
+            <a:r>
+              <a:rPr lang="en-GB" dirty="0"/>
+              <a:t>for reuse must </a:t>
+            </a:r>
+            <a:r>
+              <a:rPr lang="en-GB" dirty="0" smtClean="0"/>
+              <a:t>be actively </a:t>
+            </a:r>
+            <a:r>
+              <a:rPr lang="en-GB" dirty="0"/>
+              <a:t>sought out and </a:t>
+            </a:r>
+            <a:r>
+              <a:rPr lang="en-GB" dirty="0" smtClean="0"/>
+              <a:t>rewarded</a:t>
+            </a:r>
+          </a:p>
+          <a:p>
+            <a:r>
+              <a:rPr lang="en-GB" dirty="0" smtClean="0"/>
+              <a:t>Pattern </a:t>
+            </a:r>
+            <a:r>
+              <a:rPr lang="en-GB" dirty="0"/>
+              <a:t>scavenging as an </a:t>
+            </a:r>
+            <a:r>
+              <a:rPr lang="en-GB" dirty="0">
+                <a:solidFill>
+                  <a:srgbClr val="FF0000"/>
+                </a:solidFill>
+              </a:rPr>
+              <a:t>explicit</a:t>
+            </a:r>
+            <a:r>
+              <a:rPr lang="en-GB" dirty="0"/>
+              <a:t> activity in the </a:t>
+            </a:r>
+            <a:r>
+              <a:rPr lang="en-GB" dirty="0" smtClean="0"/>
+              <a:t>development process</a:t>
+            </a:r>
+          </a:p>
+          <a:p>
+            <a:r>
+              <a:rPr lang="en-GB" dirty="0" smtClean="0"/>
+              <a:t>Making </a:t>
+            </a:r>
+            <a:r>
+              <a:rPr lang="en-GB" dirty="0"/>
+              <a:t>specific </a:t>
+            </a:r>
+            <a:r>
+              <a:rPr lang="en-GB" dirty="0" smtClean="0"/>
+              <a:t>individuals responsible </a:t>
+            </a:r>
+            <a:r>
+              <a:rPr lang="en-GB" dirty="0"/>
+              <a:t>for leading the reuse activity</a:t>
+            </a:r>
           </a:p>
         </p:txBody>
       </p:sp>
     </p:spTree>
     <p:extLst>
       <p:ext uri="{BB962C8B-B14F-4D97-AF65-F5344CB8AC3E}">
-        <p14:creationId xmlns:p14="http://schemas.microsoft.com/office/powerpoint/2010/main" xmlns="" val="3200125596"/>
+        <p14:creationId xmlns:p14="http://schemas.microsoft.com/office/powerpoint/2010/main" val="3610348242"/>
       </p:ext>
     </p:extLst>
   </p:cSld>
@@ -7135,7 +8511,7 @@
 </p:sld>
 </file>
 
-<file path=ppt/slides/slide33.xml><?xml version="1.0" encoding="utf-8"?>
+<file path=ppt/slides/slide43.xml><?xml version="1.0" encoding="utf-8"?>
 <p:sld xmlns:a="http://schemas.openxmlformats.org/drawingml/2006/main" xmlns:r="http://schemas.openxmlformats.org/officeDocument/2006/relationships" xmlns:p="http://schemas.openxmlformats.org/presentationml/2006/main">
   <p:cSld>
     <p:spTree>
@@ -7162,19 +8538,14 @@
             <p:ph type="title"/>
           </p:nvPr>
         </p:nvSpPr>
-        <p:spPr>
-          <a:xfrm>
-            <a:off x="685800" y="76200"/>
-            <a:ext cx="7772400" cy="1143000"/>
-          </a:xfrm>
-        </p:spPr>
-        <p:txBody>
-          <a:bodyPr/>
-          <a:lstStyle/>
-          <a:p>
-            <a:r>
-              <a:rPr lang="en-GB" dirty="0" smtClean="0"/>
-              <a:t>Component Testing</a:t>
+        <p:spPr/>
+        <p:txBody>
+          <a:bodyPr/>
+          <a:lstStyle/>
+          <a:p>
+            <a:r>
+              <a:rPr lang="en-GB" dirty="0" smtClean="0"/>
+              <a:t>Long Term</a:t>
             </a:r>
             <a:endParaRPr lang="en-GB" dirty="0"/>
           </a:p>
@@ -7190,87 +8561,40 @@
             <p:ph idx="1"/>
           </p:nvPr>
         </p:nvSpPr>
-        <p:spPr>
-          <a:xfrm>
-            <a:off x="685800" y="1447800"/>
-            <a:ext cx="7772400" cy="5029200"/>
-          </a:xfrm>
-        </p:spPr>
-        <p:txBody>
-          <a:bodyPr>
-            <a:normAutofit fontScale="92500" lnSpcReduction="10000"/>
-          </a:bodyPr>
-          <a:lstStyle/>
-          <a:p>
-            <a:r>
-              <a:rPr lang="en-GB" dirty="0" smtClean="0"/>
-              <a:t>Involves </a:t>
-            </a:r>
-            <a:r>
-              <a:rPr lang="en-GB" dirty="0"/>
-              <a:t>integration testing a complete </a:t>
-            </a:r>
-            <a:r>
-              <a:rPr lang="en-GB" dirty="0" smtClean="0"/>
-              <a:t>component and is </a:t>
-            </a:r>
-            <a:r>
-              <a:rPr lang="en-GB" dirty="0"/>
-              <a:t>the responsibility of the component lead. </a:t>
-            </a:r>
-            <a:endParaRPr lang="en-GB" dirty="0" smtClean="0"/>
-          </a:p>
-          <a:p>
-            <a:r>
-              <a:rPr lang="en-GB" dirty="0" smtClean="0"/>
-              <a:t>Component </a:t>
-            </a:r>
-            <a:r>
-              <a:rPr lang="en-GB" dirty="0"/>
-              <a:t>tests can </a:t>
-            </a:r>
-            <a:r>
-              <a:rPr lang="en-GB" dirty="0" smtClean="0"/>
-              <a:t>be used </a:t>
-            </a:r>
-            <a:r>
-              <a:rPr lang="en-GB" dirty="0"/>
-              <a:t>as regression tests for each newly released version of the </a:t>
-            </a:r>
-            <a:r>
-              <a:rPr lang="en-GB" dirty="0" smtClean="0"/>
-              <a:t>component</a:t>
-            </a:r>
-            <a:endParaRPr lang="en-GB" dirty="0"/>
-          </a:p>
-          <a:p>
-            <a:r>
-              <a:rPr lang="en-GB" dirty="0"/>
-              <a:t>Note that the term component is generic and can mean a single </a:t>
-            </a:r>
-            <a:r>
-              <a:rPr lang="en-GB" dirty="0" smtClean="0"/>
-              <a:t>component in </a:t>
-            </a:r>
-            <a:r>
-              <a:rPr lang="en-GB" dirty="0"/>
-              <a:t>a small project or a collection </a:t>
-            </a:r>
-            <a:r>
-              <a:rPr lang="en-GB" dirty="0" smtClean="0"/>
-              <a:t>of components</a:t>
-            </a:r>
-            <a:r>
-              <a:rPr lang="en-GB" dirty="0"/>
-              <a:t>, sometimes referred to as </a:t>
-            </a:r>
-            <a:r>
-              <a:rPr lang="en-GB" dirty="0" smtClean="0"/>
-              <a:t>a subsystem</a:t>
-            </a:r>
-            <a:r>
-              <a:rPr lang="en-GB" dirty="0"/>
-              <a:t>, in a larger project</a:t>
+        <p:spPr/>
+        <p:txBody>
+          <a:bodyPr/>
+          <a:lstStyle/>
+          <a:p>
+            <a:r>
+              <a:rPr lang="en-GB" dirty="0" smtClean="0"/>
+              <a:t>Reuse </a:t>
+            </a:r>
+            <a:r>
+              <a:rPr lang="en-GB" dirty="0"/>
+              <a:t>costs resources in the short term but pays off in the long </a:t>
+            </a:r>
+            <a:r>
+              <a:rPr lang="en-GB" dirty="0" smtClean="0"/>
+              <a:t>term</a:t>
+            </a:r>
+          </a:p>
+          <a:p>
+            <a:r>
+              <a:rPr lang="en-GB" dirty="0" smtClean="0"/>
+              <a:t>Organization </a:t>
+            </a:r>
+            <a:r>
+              <a:rPr lang="en-GB" dirty="0"/>
+              <a:t>that takes a </a:t>
+            </a:r>
+            <a:r>
+              <a:rPr lang="en-GB" dirty="0" smtClean="0"/>
+              <a:t>long-term view </a:t>
+            </a:r>
+            <a:r>
+              <a:rPr lang="en-GB" dirty="0"/>
+              <a:t>of software development and optimizes resources</a:t>
             </a:r>
           </a:p>
         </p:txBody>
@@ -7278,7 +8602,7 @@
     </p:spTree>
     <p:extLst>
       <p:ext uri="{BB962C8B-B14F-4D97-AF65-F5344CB8AC3E}">
-        <p14:creationId xmlns:p14="http://schemas.microsoft.com/office/powerpoint/2010/main" xmlns="" val="152427149"/>
+        <p14:creationId xmlns:p14="http://schemas.microsoft.com/office/powerpoint/2010/main" val="764621647"/>
       </p:ext>
     </p:extLst>
   </p:cSld>
@@ -7288,7 +8612,7 @@
 </p:sld>
 </file>
 
-<file path=ppt/slides/slide34.xml><?xml version="1.0" encoding="utf-8"?>
+<file path=ppt/slides/slide44.xml><?xml version="1.0" encoding="utf-8"?>
 <p:sld xmlns:a="http://schemas.openxmlformats.org/drawingml/2006/main" xmlns:r="http://schemas.openxmlformats.org/officeDocument/2006/relationships" xmlns:p="http://schemas.openxmlformats.org/presentationml/2006/main">
   <p:cSld>
     <p:spTree>
@@ -7321,10 +8645,9 @@
           <a:lstStyle/>
           <a:p>
             <a:r>
-              <a:rPr lang="en-GB" dirty="0" smtClean="0"/>
-              <a:t>System Testing</a:t>
-            </a:r>
-            <a:endParaRPr lang="en-GB" dirty="0"/>
+              <a:rPr lang="en-GB" dirty="0"/>
+              <a:t>Quality Assurance and Metrics</a:t>
+            </a:r>
           </a:p>
         </p:txBody>
       </p:sp>
@@ -7345,54 +8668,27 @@
           <a:p>
             <a:r>
               <a:rPr lang="en-GB" dirty="0" smtClean="0"/>
-              <a:t>Involves </a:t>
-            </a:r>
-            <a:r>
-              <a:rPr lang="en-GB" dirty="0"/>
-              <a:t>integration testing the system as a whole and is </a:t>
-            </a:r>
-            <a:r>
-              <a:rPr lang="en-GB" dirty="0" smtClean="0"/>
-              <a:t>the responsibility </a:t>
-            </a:r>
-            <a:r>
-              <a:rPr lang="en-GB" dirty="0"/>
-              <a:t>of the quality assurance </a:t>
-            </a:r>
-            <a:r>
-              <a:rPr lang="en-GB" dirty="0" smtClean="0"/>
-              <a:t>team</a:t>
-            </a:r>
-          </a:p>
-          <a:p>
-            <a:r>
-              <a:rPr lang="en-GB" dirty="0" smtClean="0"/>
-              <a:t>System </a:t>
-            </a:r>
-            <a:r>
-              <a:rPr lang="en-GB" dirty="0"/>
-              <a:t>tests are also </a:t>
-            </a:r>
-            <a:r>
-              <a:rPr lang="en-GB" dirty="0" smtClean="0"/>
-              <a:t>typically used </a:t>
-            </a:r>
-            <a:r>
-              <a:rPr lang="en-GB" dirty="0"/>
-              <a:t>as regression tests by the integration team when assembling </a:t>
-            </a:r>
-            <a:r>
-              <a:rPr lang="en-GB" dirty="0" smtClean="0"/>
-              <a:t>new releases</a:t>
-            </a:r>
-            <a:endParaRPr lang="en-GB" dirty="0"/>
+              <a:t>Systematic </a:t>
+            </a:r>
+            <a:r>
+              <a:rPr lang="en-GB" dirty="0"/>
+              <a:t>activities providing </a:t>
+            </a:r>
+            <a:r>
+              <a:rPr lang="en-GB" dirty="0" smtClean="0"/>
+              <a:t>evidence of </a:t>
+            </a:r>
+            <a:r>
+              <a:rPr lang="en-GB" dirty="0"/>
+              <a:t>the fitness for use of the total software product</a:t>
+            </a:r>
           </a:p>
         </p:txBody>
       </p:sp>
     </p:spTree>
     <p:extLst>
       <p:ext uri="{BB962C8B-B14F-4D97-AF65-F5344CB8AC3E}">
-        <p14:creationId xmlns:p14="http://schemas.microsoft.com/office/powerpoint/2010/main" xmlns="" val="1523786038"/>
+        <p14:creationId xmlns:p14="http://schemas.microsoft.com/office/powerpoint/2010/main" val="4271149563"/>
       </p:ext>
     </p:extLst>
   </p:cSld>
@@ -7402,7 +8698,7 @@
 </p:sld>
 </file>
 
-<file path=ppt/slides/slide35.xml><?xml version="1.0" encoding="utf-8"?>
+<file path=ppt/slides/slide45.xml><?xml version="1.0" encoding="utf-8"?>
 <p:sld xmlns:a="http://schemas.openxmlformats.org/drawingml/2006/main" xmlns:r="http://schemas.openxmlformats.org/officeDocument/2006/relationships" xmlns:p="http://schemas.openxmlformats.org/presentationml/2006/main">
   <p:cSld>
     <p:spTree>
@@ -7435,10 +8731,9 @@
           <a:lstStyle/>
           <a:p>
             <a:r>
-              <a:rPr lang="en-US" dirty="0" smtClean="0"/>
-              <a:t>Question</a:t>
-            </a:r>
-            <a:endParaRPr lang="en-US" dirty="0"/>
+              <a:rPr lang="en-GB" dirty="0"/>
+              <a:t>Software Quality</a:t>
+            </a:r>
           </a:p>
         </p:txBody>
       </p:sp>
@@ -7452,98 +8747,74 @@
             <p:ph idx="1"/>
           </p:nvPr>
         </p:nvSpPr>
-        <p:spPr>
-          <a:xfrm>
-            <a:off x="381000" y="1981200"/>
-            <a:ext cx="8382000" cy="4114800"/>
-          </a:xfrm>
-        </p:spPr>
-        <p:txBody>
-          <a:bodyPr>
-            <a:normAutofit fontScale="92500" lnSpcReduction="20000"/>
-          </a:bodyPr>
-          <a:lstStyle/>
-          <a:p>
-            <a:r>
-              <a:rPr lang="en-GB" dirty="0" smtClean="0"/>
-              <a:t>Testing should encompass </a:t>
-            </a:r>
-            <a:r>
-              <a:rPr lang="en-GB" dirty="0" smtClean="0"/>
-              <a:t>which three dimensions?</a:t>
-            </a:r>
-          </a:p>
-          <a:p>
-            <a:pPr>
-              <a:buNone/>
-            </a:pPr>
-            <a:endParaRPr lang="en-GB" i="1" dirty="0" smtClean="0"/>
-          </a:p>
-          <a:p>
-            <a:pPr>
-              <a:buNone/>
-            </a:pPr>
-            <a:r>
-              <a:rPr lang="en-GB" i="1" dirty="0" smtClean="0"/>
-              <a:t>a) </a:t>
-            </a:r>
-            <a:r>
-              <a:rPr lang="en-GB" dirty="0" smtClean="0"/>
-              <a:t>Component testing, </a:t>
-            </a:r>
-            <a:r>
-              <a:rPr lang="en-GB" i="1" dirty="0" smtClean="0"/>
-              <a:t>Unit testing</a:t>
-            </a:r>
-            <a:r>
-              <a:rPr lang="en-GB" dirty="0" smtClean="0"/>
-              <a:t>, </a:t>
-            </a:r>
-            <a:r>
-              <a:rPr lang="en-GB" i="1" dirty="0" smtClean="0"/>
-              <a:t>System </a:t>
-            </a:r>
-            <a:r>
-              <a:rPr lang="en-GB" i="1" dirty="0" smtClean="0"/>
-              <a:t>testing</a:t>
-            </a:r>
-          </a:p>
-          <a:p>
-            <a:pPr>
-              <a:buNone/>
-            </a:pPr>
-            <a:r>
-              <a:rPr lang="en-GB" i="1" dirty="0" smtClean="0"/>
-              <a:t>b) </a:t>
-            </a:r>
-            <a:r>
-              <a:rPr lang="en-GB" i="1" dirty="0" smtClean="0"/>
-              <a:t>Unit </a:t>
-            </a:r>
-            <a:r>
-              <a:rPr lang="en-GB" i="1" dirty="0" smtClean="0"/>
-              <a:t>testing, System Components, Quality testing</a:t>
-            </a:r>
-          </a:p>
-          <a:p>
-            <a:pPr>
-              <a:buNone/>
-            </a:pPr>
-            <a:r>
-              <a:rPr lang="en-GB" i="1" dirty="0" smtClean="0"/>
-              <a:t>c) Unit testing, System testing, Compound testing</a:t>
-            </a:r>
-            <a:endParaRPr lang="en-US" dirty="0" smtClean="0"/>
-          </a:p>
-          <a:p>
-            <a:pPr>
-              <a:buNone/>
-            </a:pPr>
-            <a:endParaRPr lang="en-US" dirty="0"/>
+        <p:spPr/>
+        <p:txBody>
+          <a:bodyPr/>
+          <a:lstStyle/>
+          <a:p>
+            <a:r>
+              <a:rPr lang="en-GB" dirty="0" smtClean="0"/>
+              <a:t>Software </a:t>
+            </a:r>
+            <a:r>
+              <a:rPr lang="en-GB" dirty="0"/>
+              <a:t>quality as </a:t>
+            </a:r>
+            <a:r>
+              <a:rPr lang="en-GB" dirty="0" smtClean="0"/>
+              <a:t>the </a:t>
+            </a:r>
+            <a:r>
+              <a:rPr lang="en-GB" dirty="0"/>
+              <a:t>fitness for use of </a:t>
+            </a:r>
+            <a:r>
+              <a:rPr lang="en-GB" dirty="0" smtClean="0"/>
+              <a:t>the total </a:t>
+            </a:r>
+            <a:r>
+              <a:rPr lang="en-GB" dirty="0"/>
+              <a:t>software </a:t>
+            </a:r>
+            <a:r>
+              <a:rPr lang="en-GB" dirty="0" smtClean="0"/>
+              <a:t>product</a:t>
+            </a:r>
+          </a:p>
+          <a:p>
+            <a:r>
+              <a:rPr lang="en-GB" dirty="0"/>
+              <a:t>Software quality </a:t>
+            </a:r>
+            <a:r>
+              <a:rPr lang="en-GB" dirty="0">
+                <a:solidFill>
+                  <a:srgbClr val="FF0000"/>
+                </a:solidFill>
+              </a:rPr>
+              <a:t>doesn’t just happen</a:t>
+            </a:r>
+            <a:r>
+              <a:rPr lang="en-GB" dirty="0"/>
+              <a:t>: It must </a:t>
+            </a:r>
+            <a:r>
+              <a:rPr lang="en-GB" dirty="0" smtClean="0"/>
+              <a:t>be engineered </a:t>
+            </a:r>
+            <a:r>
+              <a:rPr lang="en-GB" dirty="0"/>
+              <a:t>into the system</a:t>
+            </a:r>
           </a:p>
         </p:txBody>
       </p:sp>
     </p:spTree>
+    <p:extLst>
+      <p:ext uri="{BB962C8B-B14F-4D97-AF65-F5344CB8AC3E}">
+        <p14:creationId xmlns:p14="http://schemas.microsoft.com/office/powerpoint/2010/main" val="1410255766"/>
+      </p:ext>
+    </p:extLst>
   </p:cSld>
   <p:clrMapOvr>
     <a:masterClrMapping/>
@@ -7551,7 +8822,7 @@
 </p:sld>
 </file>
 
-<file path=ppt/slides/slide36.xml><?xml version="1.0" encoding="utf-8"?>
+<file path=ppt/slides/slide46.xml><?xml version="1.0" encoding="utf-8"?>
 <p:sld xmlns:a="http://schemas.openxmlformats.org/drawingml/2006/main" xmlns:r="http://schemas.openxmlformats.org/officeDocument/2006/relationships" xmlns:p="http://schemas.openxmlformats.org/presentationml/2006/main">
   <p:cSld>
     <p:spTree>
@@ -7584,10 +8855,9 @@
           <a:lstStyle/>
           <a:p>
             <a:r>
-              <a:rPr lang="en-US" dirty="0" smtClean="0"/>
-              <a:t>Answer</a:t>
-            </a:r>
-            <a:endParaRPr lang="en-US" dirty="0"/>
+              <a:rPr lang="en-GB" dirty="0"/>
+              <a:t>Object-Oriented Metrics</a:t>
+            </a:r>
           </a:p>
         </p:txBody>
       </p:sp>
@@ -7607,30 +8877,51 @@
           <a:lstStyle/>
           <a:p>
             <a:r>
-              <a:rPr lang="en-US" dirty="0" smtClean="0"/>
-              <a:t>a) </a:t>
-            </a:r>
-            <a:r>
-              <a:rPr lang="en-GB" dirty="0" smtClean="0"/>
-              <a:t>Component testing, </a:t>
-            </a:r>
-            <a:r>
-              <a:rPr lang="en-GB" i="1" dirty="0" smtClean="0"/>
-              <a:t>Unit testing</a:t>
-            </a:r>
-            <a:r>
-              <a:rPr lang="en-GB" dirty="0" smtClean="0"/>
-              <a:t>, </a:t>
-            </a:r>
-            <a:r>
-              <a:rPr lang="en-GB" i="1" dirty="0" smtClean="0"/>
-              <a:t>System testing</a:t>
-            </a:r>
-            <a:endParaRPr lang="en-US" dirty="0"/>
+              <a:rPr lang="en-GB" dirty="0" smtClean="0"/>
+              <a:t>Lord Kelvin:</a:t>
+            </a:r>
+          </a:p>
+          <a:p>
+            <a:pPr marL="0" indent="0">
+              <a:buNone/>
+            </a:pPr>
+            <a:r>
+              <a:rPr lang="en-GB" dirty="0" smtClean="0"/>
+              <a:t>“When </a:t>
+            </a:r>
+            <a:r>
+              <a:rPr lang="en-GB" dirty="0"/>
+              <a:t>you can measure what you</a:t>
+            </a:r>
+          </a:p>
+          <a:p>
+            <a:pPr marL="0" indent="0">
+              <a:buNone/>
+            </a:pPr>
+            <a:r>
+              <a:rPr lang="en-GB" dirty="0"/>
+              <a:t>are speaking about, and express it into numbers, you know something about </a:t>
+            </a:r>
+            <a:r>
+              <a:rPr lang="en-GB" dirty="0" smtClean="0"/>
+              <a:t>it...</a:t>
+            </a:r>
+            <a:endParaRPr lang="en-GB" dirty="0"/>
+          </a:p>
+          <a:p>
+            <a:pPr marL="0" indent="0">
+              <a:buNone/>
+            </a:pPr>
+            <a:endParaRPr lang="en-GB" dirty="0"/>
           </a:p>
         </p:txBody>
       </p:sp>
     </p:spTree>
+    <p:extLst>
+      <p:ext uri="{BB962C8B-B14F-4D97-AF65-F5344CB8AC3E}">
+        <p14:creationId xmlns:p14="http://schemas.microsoft.com/office/powerpoint/2010/main" val="2130846482"/>
+      </p:ext>
+    </p:extLst>
   </p:cSld>
   <p:clrMapOvr>
     <a:masterClrMapping/>
@@ -7638,7 +8929,7 @@
 </p:sld>
 </file>
 
-<file path=ppt/slides/slide37.xml><?xml version="1.0" encoding="utf-8"?>
+<file path=ppt/slides/slide47.xml><?xml version="1.0" encoding="utf-8"?>
 <p:sld xmlns:a="http://schemas.openxmlformats.org/drawingml/2006/main" xmlns:r="http://schemas.openxmlformats.org/officeDocument/2006/relationships" xmlns:p="http://schemas.openxmlformats.org/presentationml/2006/main">
   <p:cSld>
     <p:spTree>
@@ -7671,9 +8962,10 @@
           <a:lstStyle/>
           <a:p>
             <a:r>
-              <a:rPr lang="en-GB" dirty="0"/>
-              <a:t>Reuse</a:t>
-            </a:r>
+              <a:rPr lang="en-GB" dirty="0" smtClean="0"/>
+              <a:t>Process &amp; Product Metrics</a:t>
+            </a:r>
+            <a:endParaRPr lang="en-GB" dirty="0"/>
           </a:p>
         </p:txBody>
       </p:sp>
@@ -7689,56 +8981,87 @@
         </p:nvSpPr>
         <p:spPr/>
         <p:txBody>
-          <a:bodyPr/>
-          <a:lstStyle/>
-          <a:p>
-            <a:r>
-              <a:rPr lang="en-GB" dirty="0" smtClean="0"/>
-              <a:t>Acclaimed </a:t>
-            </a:r>
-            <a:r>
-              <a:rPr lang="en-GB" dirty="0"/>
-              <a:t>benefits of object-oriented development is </a:t>
-            </a:r>
-            <a:r>
-              <a:rPr lang="en-GB" dirty="0" smtClean="0"/>
-              <a:t>reuse</a:t>
-            </a:r>
-          </a:p>
-          <a:p>
-            <a:r>
-              <a:rPr lang="en-GB" dirty="0" smtClean="0"/>
-              <a:t>Depends on management</a:t>
-            </a:r>
-          </a:p>
-          <a:p>
-            <a:r>
-              <a:rPr lang="en-GB" dirty="0" smtClean="0"/>
-              <a:t>Realize the </a:t>
-            </a:r>
-            <a:r>
-              <a:rPr lang="en-GB" dirty="0"/>
-              <a:t>benefits of reusing </a:t>
-            </a:r>
-            <a:r>
-              <a:rPr lang="en-GB" dirty="0" smtClean="0"/>
-              <a:t>the many </a:t>
+          <a:bodyPr>
+            <a:normAutofit fontScale="92500" lnSpcReduction="20000"/>
+          </a:bodyPr>
+          <a:lstStyle/>
+          <a:p>
+            <a:r>
+              <a:rPr lang="en-GB" dirty="0"/>
+              <a:t>Metrics to assist us in this </a:t>
             </a:r>
             <a:r>
               <a:rPr lang="en-GB" dirty="0" err="1"/>
-              <a:t>artifacts</a:t>
-            </a:r>
-            <a:r>
-              <a:rPr lang="en-GB" dirty="0"/>
-              <a:t> of the development process</a:t>
-            </a:r>
+              <a:t>endeavor</a:t>
+            </a:r>
+            <a:r>
+              <a:rPr lang="en-GB" dirty="0"/>
+              <a:t> fall into one of two categories, process metrics or product </a:t>
+            </a:r>
+            <a:r>
+              <a:rPr lang="en-GB" dirty="0" smtClean="0"/>
+              <a:t>metrics</a:t>
+            </a:r>
+          </a:p>
+          <a:p>
+            <a:r>
+              <a:rPr lang="en-GB" dirty="0">
+                <a:solidFill>
+                  <a:srgbClr val="FF0000"/>
+                </a:solidFill>
+              </a:rPr>
+              <a:t>Process metrics</a:t>
+            </a:r>
+            <a:r>
+              <a:rPr lang="en-GB" dirty="0"/>
+              <a:t>, sometimes called </a:t>
+            </a:r>
+            <a:r>
+              <a:rPr lang="en-GB" u="sng" dirty="0">
+                <a:solidFill>
+                  <a:srgbClr val="FF0000"/>
+                </a:solidFill>
+              </a:rPr>
+              <a:t>project metrics</a:t>
+            </a:r>
+            <a:r>
+              <a:rPr lang="en-GB" dirty="0"/>
+              <a:t>, </a:t>
+            </a:r>
+            <a:r>
+              <a:rPr lang="en-GB" dirty="0" smtClean="0"/>
+              <a:t>assist the </a:t>
+            </a:r>
+            <a:r>
+              <a:rPr lang="en-GB" dirty="0"/>
+              <a:t>management team in assessing progress with respect to the </a:t>
+            </a:r>
+            <a:r>
+              <a:rPr lang="en-GB" dirty="0" smtClean="0"/>
+              <a:t>object-oriented development </a:t>
+            </a:r>
+            <a:r>
+              <a:rPr lang="en-GB" dirty="0"/>
+              <a:t>process being used</a:t>
+            </a:r>
+            <a:br>
+              <a:rPr lang="en-GB" dirty="0"/>
+            </a:br>
+            <a:r>
+              <a:rPr lang="en-GB" dirty="0"/>
+              <a:t/>
+            </a:r>
+            <a:br>
+              <a:rPr lang="en-GB" dirty="0"/>
+            </a:br>
+            <a:endParaRPr lang="en-GB" dirty="0"/>
           </a:p>
         </p:txBody>
       </p:sp>
     </p:spTree>
     <p:extLst>
       <p:ext uri="{BB962C8B-B14F-4D97-AF65-F5344CB8AC3E}">
-        <p14:creationId xmlns:p14="http://schemas.microsoft.com/office/powerpoint/2010/main" xmlns="" val="2034320265"/>
+        <p14:creationId xmlns:p14="http://schemas.microsoft.com/office/powerpoint/2010/main" val="904534021"/>
       </p:ext>
     </p:extLst>
   </p:cSld>
@@ -7748,7 +9071,7 @@
 </p:sld>
 </file>
 
-<file path=ppt/slides/slide38.xml><?xml version="1.0" encoding="utf-8"?>
+<file path=ppt/slides/slide48.xml><?xml version="1.0" encoding="utf-8"?>
 <p:sld xmlns:a="http://schemas.openxmlformats.org/drawingml/2006/main" xmlns:r="http://schemas.openxmlformats.org/officeDocument/2006/relationships" xmlns:p="http://schemas.openxmlformats.org/presentationml/2006/main">
   <p:cSld>
     <p:spTree>
@@ -7781,9 +9104,10 @@
           <a:lstStyle/>
           <a:p>
             <a:r>
-              <a:rPr lang="en-GB" dirty="0"/>
-              <a:t>Elements of Reuse</a:t>
-            </a:r>
+              <a:rPr lang="en-GB" dirty="0" smtClean="0"/>
+              <a:t>Process Metrics</a:t>
+            </a:r>
+            <a:endParaRPr lang="en-GB" dirty="0"/>
           </a:p>
         </p:txBody>
       </p:sp>
@@ -7799,85 +9123,41 @@
         </p:nvSpPr>
         <p:spPr/>
         <p:txBody>
-          <a:bodyPr>
-            <a:normAutofit fontScale="92500" lnSpcReduction="10000"/>
-          </a:bodyPr>
-          <a:lstStyle/>
-          <a:p>
-            <a:r>
-              <a:rPr lang="en-GB" dirty="0">
-                <a:solidFill>
-                  <a:srgbClr val="FF0000"/>
-                </a:solidFill>
-              </a:rPr>
-              <a:t>Any</a:t>
-            </a:r>
-            <a:r>
-              <a:rPr lang="en-GB" dirty="0"/>
-              <a:t> </a:t>
-            </a:r>
-            <a:r>
-              <a:rPr lang="en-GB" dirty="0" err="1"/>
-              <a:t>artifact</a:t>
-            </a:r>
-            <a:r>
-              <a:rPr lang="en-GB" dirty="0"/>
-              <a:t> of software development can be </a:t>
-            </a:r>
-            <a:r>
-              <a:rPr lang="en-GB" dirty="0" smtClean="0"/>
-              <a:t>reused</a:t>
-            </a:r>
-          </a:p>
-          <a:p>
-            <a:r>
-              <a:rPr lang="en-GB" dirty="0" smtClean="0"/>
-              <a:t>Any stage, e.g., requirement, development and testing</a:t>
-            </a:r>
-          </a:p>
-          <a:p>
-            <a:r>
-              <a:rPr lang="en-GB" dirty="0" smtClean="0"/>
-              <a:t>For example, design</a:t>
-            </a:r>
-            <a:r>
-              <a:rPr lang="en-GB" dirty="0"/>
-              <a:t>, </a:t>
-            </a:r>
-            <a:r>
-              <a:rPr lang="en-GB" dirty="0" smtClean="0"/>
-              <a:t>code </a:t>
-            </a:r>
-            <a:r>
-              <a:rPr lang="en-GB" dirty="0"/>
-              <a:t>and </a:t>
-            </a:r>
-            <a:r>
-              <a:rPr lang="en-GB" dirty="0" smtClean="0"/>
-              <a:t>documentation</a:t>
-            </a:r>
-          </a:p>
-          <a:p>
-            <a:pPr lvl="1"/>
-            <a:r>
-              <a:rPr lang="en-GB" dirty="0"/>
-              <a:t>reuse patterns of classes, objects, and designs in the form of </a:t>
-            </a:r>
-            <a:r>
-              <a:rPr lang="en-GB" dirty="0" smtClean="0"/>
-              <a:t>idioms, mechanisms</a:t>
-            </a:r>
-            <a:r>
-              <a:rPr lang="en-GB" dirty="0"/>
-              <a:t>, and frameworks</a:t>
-            </a:r>
-          </a:p>
-        </p:txBody>
-      </p:sp>
+          <a:bodyPr/>
+          <a:lstStyle/>
+          <a:p>
+            <a:endParaRPr lang="en-GB"/>
+          </a:p>
+        </p:txBody>
+      </p:sp>
+      <p:pic>
+        <p:nvPicPr>
+          <p:cNvPr id="4" name="Picture 3"/>
+          <p:cNvPicPr>
+            <a:picLocks noChangeAspect="1"/>
+          </p:cNvPicPr>
+          <p:nvPr/>
+        </p:nvPicPr>
+        <p:blipFill>
+          <a:blip r:embed="rId2" cstate="print"/>
+          <a:stretch>
+            <a:fillRect/>
+          </a:stretch>
+        </p:blipFill>
+        <p:spPr>
+          <a:xfrm>
+            <a:off x="2286000" y="1915619"/>
+            <a:ext cx="5091113" cy="4163448"/>
+          </a:xfrm>
+          <a:prstGeom prst="rect">
+            <a:avLst/>
+          </a:prstGeom>
+        </p:spPr>
+      </p:pic>
     </p:spTree>
     <p:extLst>
       <p:ext uri="{BB962C8B-B14F-4D97-AF65-F5344CB8AC3E}">
-        <p14:creationId xmlns:p14="http://schemas.microsoft.com/office/powerpoint/2010/main" xmlns="" val="3872833892"/>
+        <p14:creationId xmlns:p14="http://schemas.microsoft.com/office/powerpoint/2010/main" val="2249465940"/>
       </p:ext>
     </p:extLst>
   </p:cSld>
@@ -7887,7 +9167,7 @@
 </p:sld>
 </file>
 
-<file path=ppt/slides/slide39.xml><?xml version="1.0" encoding="utf-8"?>
+<file path=ppt/slides/slide49.xml><?xml version="1.0" encoding="utf-8"?>
 <p:sld xmlns:a="http://schemas.openxmlformats.org/drawingml/2006/main" xmlns:r="http://schemas.openxmlformats.org/officeDocument/2006/relationships" xmlns:p="http://schemas.openxmlformats.org/presentationml/2006/main">
   <p:cSld>
     <p:spTree>
@@ -7920,10 +9200,9 @@
           <a:lstStyle/>
           <a:p>
             <a:r>
-              <a:rPr lang="en-GB" dirty="0" smtClean="0"/>
-              <a:t>Question</a:t>
-            </a:r>
-            <a:endParaRPr lang="en-GB" dirty="0"/>
+              <a:rPr lang="en-GB" dirty="0"/>
+              <a:t>Documentation</a:t>
+            </a:r>
           </a:p>
         </p:txBody>
       </p:sp>
@@ -7943,41 +9222,34 @@
           <a:lstStyle/>
           <a:p>
             <a:r>
-              <a:rPr lang="en-GB" dirty="0"/>
-              <a:t>Documentation should </a:t>
-            </a:r>
-            <a:r>
-              <a:rPr lang="en-GB" dirty="0" smtClean="0"/>
-              <a:t>drive </a:t>
-            </a:r>
-            <a:r>
-              <a:rPr lang="en-GB" dirty="0"/>
-              <a:t>the development </a:t>
-            </a:r>
-            <a:r>
-              <a:rPr lang="en-GB" dirty="0" smtClean="0"/>
-              <a:t>process</a:t>
-            </a:r>
-          </a:p>
-          <a:p>
-            <a:endParaRPr lang="en-GB" dirty="0"/>
-          </a:p>
-          <a:p>
-            <a:pPr marL="514350" indent="-514350">
-              <a:buAutoNum type="alphaLcParenR"/>
-            </a:pPr>
-            <a:r>
-              <a:rPr lang="en-GB" dirty="0" smtClean="0"/>
-              <a:t>True</a:t>
-            </a:r>
-          </a:p>
-          <a:p>
-            <a:pPr marL="514350" indent="-514350">
-              <a:buAutoNum type="alphaLcParenR"/>
-            </a:pPr>
-            <a:r>
-              <a:rPr lang="en-GB" dirty="0" smtClean="0"/>
-              <a:t>False</a:t>
+              <a:rPr lang="en-GB" dirty="0" smtClean="0"/>
+              <a:t>Development </a:t>
+            </a:r>
+            <a:r>
+              <a:rPr lang="en-GB" dirty="0" err="1"/>
+              <a:t>artifacts</a:t>
+            </a:r>
+            <a:r>
+              <a:rPr lang="en-GB" dirty="0"/>
+              <a:t> that are critical to the complete lifecycle of a software </a:t>
+            </a:r>
+            <a:r>
+              <a:rPr lang="en-GB" dirty="0" smtClean="0"/>
+              <a:t>system (other than code)</a:t>
+            </a:r>
+          </a:p>
+          <a:p>
+            <a:r>
+              <a:rPr lang="en-GB" dirty="0" smtClean="0"/>
+              <a:t>Example, requirements and design</a:t>
+            </a:r>
+            <a:r>
+              <a:rPr lang="en-GB" dirty="0"/>
+              <a:t>, must be documented to support the development process and the operation and maintenance of the </a:t>
+            </a:r>
+            <a:r>
+              <a:rPr lang="en-GB" dirty="0" smtClean="0"/>
+              <a:t>system</a:t>
             </a:r>
             <a:endParaRPr lang="en-GB" dirty="0"/>
           </a:p>
@@ -7986,7 +9258,7 @@
     </p:spTree>
     <p:extLst>
       <p:ext uri="{BB962C8B-B14F-4D97-AF65-F5344CB8AC3E}">
-        <p14:creationId xmlns:p14="http://schemas.microsoft.com/office/powerpoint/2010/main" xmlns="" val="3422991992"/>
+        <p14:creationId xmlns:p14="http://schemas.microsoft.com/office/powerpoint/2010/main" val="2107893518"/>
       </p:ext>
     </p:extLst>
   </p:cSld>
@@ -7996,7 +9268,7 @@
 </p:sld>
 </file>
 
-<file path=ppt/slides/slide4.xml><?xml version="1.0" encoding="utf-8"?>
+<file path=ppt/slides/slide5.xml><?xml version="1.0" encoding="utf-8"?>
 <p:sld xmlns:a="http://schemas.openxmlformats.org/drawingml/2006/main" xmlns:r="http://schemas.openxmlformats.org/officeDocument/2006/relationships" xmlns:p="http://schemas.openxmlformats.org/presentationml/2006/main">
   <p:cSld>
     <p:spTree>
@@ -8158,7 +9430,7 @@
     </p:spTree>
     <p:extLst>
       <p:ext uri="{BB962C8B-B14F-4D97-AF65-F5344CB8AC3E}">
-        <p14:creationId xmlns:p14="http://schemas.microsoft.com/office/powerpoint/2010/main" xmlns="" val="812927162"/>
+        <p14:creationId xmlns:p14="http://schemas.microsoft.com/office/powerpoint/2010/main" val="812927162"/>
       </p:ext>
     </p:extLst>
   </p:cSld>
@@ -8172,1272 +9444,6 @@
       </p:par>
     </p:tnLst>
   </p:timing>
-</p:sld>
-</file>
-
-<file path=ppt/slides/slide40.xml><?xml version="1.0" encoding="utf-8"?>
-<p:sld xmlns:a="http://schemas.openxmlformats.org/drawingml/2006/main" xmlns:r="http://schemas.openxmlformats.org/officeDocument/2006/relationships" xmlns:p="http://schemas.openxmlformats.org/presentationml/2006/main">
-  <p:cSld>
-    <p:spTree>
-      <p:nvGrpSpPr>
-        <p:cNvPr id="1" name=""/>
-        <p:cNvGrpSpPr/>
-        <p:nvPr/>
-      </p:nvGrpSpPr>
-      <p:grpSpPr>
-        <a:xfrm>
-          <a:off x="0" y="0"/>
-          <a:ext cx="0" cy="0"/>
-          <a:chOff x="0" y="0"/>
-          <a:chExt cx="0" cy="0"/>
-        </a:xfrm>
-      </p:grpSpPr>
-      <p:sp>
-        <p:nvSpPr>
-          <p:cNvPr id="2" name="Title 1"/>
-          <p:cNvSpPr>
-            <a:spLocks noGrp="1"/>
-          </p:cNvSpPr>
-          <p:nvPr>
-            <p:ph type="title"/>
-          </p:nvPr>
-        </p:nvSpPr>
-        <p:spPr/>
-        <p:txBody>
-          <a:bodyPr/>
-          <a:lstStyle/>
-          <a:p>
-            <a:r>
-              <a:rPr lang="en-GB" dirty="0" smtClean="0"/>
-              <a:t>Answer</a:t>
-            </a:r>
-            <a:endParaRPr lang="en-GB" dirty="0"/>
-          </a:p>
-        </p:txBody>
-      </p:sp>
-      <p:sp>
-        <p:nvSpPr>
-          <p:cNvPr id="3" name="Content Placeholder 2"/>
-          <p:cNvSpPr>
-            <a:spLocks noGrp="1"/>
-          </p:cNvSpPr>
-          <p:nvPr>
-            <p:ph idx="1"/>
-          </p:nvPr>
-        </p:nvSpPr>
-        <p:spPr/>
-        <p:txBody>
-          <a:bodyPr/>
-          <a:lstStyle/>
-          <a:p>
-            <a:r>
-              <a:rPr lang="en-GB" dirty="0" smtClean="0"/>
-              <a:t>b) False</a:t>
-            </a:r>
-          </a:p>
-          <a:p>
-            <a:endParaRPr lang="en-GB" dirty="0"/>
-          </a:p>
-          <a:p>
-            <a:pPr marL="0" indent="0">
-              <a:buNone/>
-            </a:pPr>
-            <a:r>
-              <a:rPr lang="en-GB" dirty="0"/>
-              <a:t>Documentation should </a:t>
-            </a:r>
-            <a:r>
-              <a:rPr lang="en-GB" dirty="0">
-                <a:solidFill>
-                  <a:srgbClr val="FF0000"/>
-                </a:solidFill>
-              </a:rPr>
-              <a:t>never</a:t>
-            </a:r>
-            <a:r>
-              <a:rPr lang="en-GB" dirty="0"/>
-              <a:t> drive the development process</a:t>
-            </a:r>
-            <a:br>
-              <a:rPr lang="en-GB" dirty="0"/>
-            </a:br>
-            <a:r>
-              <a:rPr lang="en-GB" dirty="0"/>
-              <a:t/>
-            </a:r>
-            <a:br>
-              <a:rPr lang="en-GB" dirty="0"/>
-            </a:br>
-            <a:endParaRPr lang="en-GB" dirty="0"/>
-          </a:p>
-        </p:txBody>
-      </p:sp>
-    </p:spTree>
-    <p:extLst>
-      <p:ext uri="{BB962C8B-B14F-4D97-AF65-F5344CB8AC3E}">
-        <p14:creationId xmlns:p14="http://schemas.microsoft.com/office/powerpoint/2010/main" xmlns="" val="2947681496"/>
-      </p:ext>
-    </p:extLst>
-  </p:cSld>
-  <p:clrMapOvr>
-    <a:masterClrMapping/>
-  </p:clrMapOvr>
-</p:sld>
-</file>
-
-<file path=ppt/slides/slide41.xml><?xml version="1.0" encoding="utf-8"?>
-<p:sld xmlns:a="http://schemas.openxmlformats.org/drawingml/2006/main" xmlns:r="http://schemas.openxmlformats.org/officeDocument/2006/relationships" xmlns:p="http://schemas.openxmlformats.org/presentationml/2006/main">
-  <p:cSld>
-    <p:spTree>
-      <p:nvGrpSpPr>
-        <p:cNvPr id="1" name=""/>
-        <p:cNvGrpSpPr/>
-        <p:nvPr/>
-      </p:nvGrpSpPr>
-      <p:grpSpPr>
-        <a:xfrm>
-          <a:off x="0" y="0"/>
-          <a:ext cx="0" cy="0"/>
-          <a:chOff x="0" y="0"/>
-          <a:chExt cx="0" cy="0"/>
-        </a:xfrm>
-      </p:grpSpPr>
-      <p:sp>
-        <p:nvSpPr>
-          <p:cNvPr id="2" name="Title 1"/>
-          <p:cNvSpPr>
-            <a:spLocks noGrp="1"/>
-          </p:cNvSpPr>
-          <p:nvPr>
-            <p:ph type="title"/>
-          </p:nvPr>
-        </p:nvSpPr>
-        <p:spPr/>
-        <p:txBody>
-          <a:bodyPr/>
-          <a:lstStyle/>
-          <a:p>
-            <a:r>
-              <a:rPr lang="en-GB" dirty="0"/>
-              <a:t>Institutionalizing Reuse</a:t>
-            </a:r>
-          </a:p>
-        </p:txBody>
-      </p:sp>
-      <p:sp>
-        <p:nvSpPr>
-          <p:cNvPr id="3" name="Content Placeholder 2"/>
-          <p:cNvSpPr>
-            <a:spLocks noGrp="1"/>
-          </p:cNvSpPr>
-          <p:nvPr>
-            <p:ph idx="1"/>
-          </p:nvPr>
-        </p:nvSpPr>
-        <p:spPr/>
-        <p:txBody>
-          <a:bodyPr/>
-          <a:lstStyle/>
-          <a:p>
-            <a:r>
-              <a:rPr lang="en-GB" dirty="0"/>
-              <a:t>Reuse within a project or even within an entire organization doesn’t just </a:t>
-            </a:r>
-            <a:r>
-              <a:rPr lang="en-GB" dirty="0" smtClean="0"/>
-              <a:t>happen</a:t>
-            </a:r>
-          </a:p>
-          <a:p>
-            <a:endParaRPr lang="en-GB" dirty="0"/>
-          </a:p>
-          <a:p>
-            <a:pPr marL="0" indent="0">
-              <a:buNone/>
-            </a:pPr>
-            <a:r>
-              <a:rPr lang="en-GB" dirty="0" smtClean="0"/>
-              <a:t>			 </a:t>
-            </a:r>
-            <a:r>
-              <a:rPr lang="en-GB" sz="6600" dirty="0" smtClean="0"/>
-              <a:t>WHY?</a:t>
-            </a:r>
-            <a:endParaRPr lang="en-GB" dirty="0"/>
-          </a:p>
-        </p:txBody>
-      </p:sp>
-      <p:pic>
-        <p:nvPicPr>
-          <p:cNvPr id="4" name="Picture 1"/>
-          <p:cNvPicPr>
-            <a:picLocks noChangeAspect="1"/>
-          </p:cNvPicPr>
-          <p:nvPr/>
-        </p:nvPicPr>
-        <p:blipFill>
-          <a:blip r:embed="rId2" cstate="print">
-            <a:extLst>
-              <a:ext uri="{28A0092B-C50C-407E-A947-70E740481C1C}">
-                <a14:useLocalDpi xmlns:a14="http://schemas.microsoft.com/office/drawing/2010/main" xmlns="" val="0"/>
-              </a:ext>
-            </a:extLst>
-          </a:blip>
-          <a:srcRect/>
-          <a:stretch>
-            <a:fillRect/>
-          </a:stretch>
-        </p:blipFill>
-        <p:spPr bwMode="auto">
-          <a:xfrm>
-            <a:off x="6468140" y="4800600"/>
-            <a:ext cx="2294860" cy="1879600"/>
-          </a:xfrm>
-          <a:prstGeom prst="rect">
-            <a:avLst/>
-          </a:prstGeom>
-          <a:noFill/>
-          <a:ln>
-            <a:noFill/>
-          </a:ln>
-          <a:extLst>
-            <a:ext uri="{909E8E84-426E-40DD-AFC4-6F175D3DCCD1}">
-              <a14:hiddenFill xmlns:a14="http://schemas.microsoft.com/office/drawing/2010/main" xmlns="">
-                <a:solidFill>
-                  <a:srgbClr val="FFFFFF"/>
-                </a:solidFill>
-              </a14:hiddenFill>
-            </a:ext>
-            <a:ext uri="{91240B29-F687-4F45-9708-019B960494DF}">
-              <a14:hiddenLine xmlns:a14="http://schemas.microsoft.com/office/drawing/2010/main" xmlns="" w="9525">
-                <a:solidFill>
-                  <a:srgbClr val="000000"/>
-                </a:solidFill>
-                <a:miter lim="800000"/>
-                <a:headEnd/>
-                <a:tailEnd/>
-              </a14:hiddenLine>
-            </a:ext>
-          </a:extLst>
-        </p:spPr>
-      </p:pic>
-    </p:spTree>
-    <p:extLst>
-      <p:ext uri="{BB962C8B-B14F-4D97-AF65-F5344CB8AC3E}">
-        <p14:creationId xmlns:p14="http://schemas.microsoft.com/office/powerpoint/2010/main" xmlns="" val="4021884752"/>
-      </p:ext>
-    </p:extLst>
-  </p:cSld>
-  <p:clrMapOvr>
-    <a:masterClrMapping/>
-  </p:clrMapOvr>
-</p:sld>
-</file>
-
-<file path=ppt/slides/slide42.xml><?xml version="1.0" encoding="utf-8"?>
-<p:sld xmlns:a="http://schemas.openxmlformats.org/drawingml/2006/main" xmlns:r="http://schemas.openxmlformats.org/officeDocument/2006/relationships" xmlns:p="http://schemas.openxmlformats.org/presentationml/2006/main">
-  <p:cSld>
-    <p:spTree>
-      <p:nvGrpSpPr>
-        <p:cNvPr id="1" name=""/>
-        <p:cNvGrpSpPr/>
-        <p:nvPr/>
-      </p:nvGrpSpPr>
-      <p:grpSpPr>
-        <a:xfrm>
-          <a:off x="0" y="0"/>
-          <a:ext cx="0" cy="0"/>
-          <a:chOff x="0" y="0"/>
-          <a:chExt cx="0" cy="0"/>
-        </a:xfrm>
-      </p:grpSpPr>
-      <p:sp>
-        <p:nvSpPr>
-          <p:cNvPr id="2" name="Title 1"/>
-          <p:cNvSpPr>
-            <a:spLocks noGrp="1"/>
-          </p:cNvSpPr>
-          <p:nvPr>
-            <p:ph type="title"/>
-          </p:nvPr>
-        </p:nvSpPr>
-        <p:spPr/>
-        <p:txBody>
-          <a:bodyPr/>
-          <a:lstStyle/>
-          <a:p>
-            <a:r>
-              <a:rPr lang="en-GB" dirty="0"/>
-              <a:t>Institutionalizing Reuse</a:t>
-            </a:r>
-          </a:p>
-        </p:txBody>
-      </p:sp>
-      <p:sp>
-        <p:nvSpPr>
-          <p:cNvPr id="3" name="Content Placeholder 2"/>
-          <p:cNvSpPr>
-            <a:spLocks noGrp="1"/>
-          </p:cNvSpPr>
-          <p:nvPr>
-            <p:ph idx="1"/>
-          </p:nvPr>
-        </p:nvSpPr>
-        <p:spPr/>
-        <p:txBody>
-          <a:bodyPr/>
-          <a:lstStyle/>
-          <a:p>
-            <a:r>
-              <a:rPr lang="en-GB" dirty="0" smtClean="0"/>
-              <a:t>Encouraged</a:t>
-            </a:r>
-          </a:p>
-          <a:p>
-            <a:r>
-              <a:rPr lang="en-GB" dirty="0" smtClean="0"/>
-              <a:t>Opportunities </a:t>
-            </a:r>
-            <a:r>
-              <a:rPr lang="en-GB" dirty="0"/>
-              <a:t>for reuse must </a:t>
-            </a:r>
-            <a:r>
-              <a:rPr lang="en-GB" dirty="0" smtClean="0"/>
-              <a:t>be actively </a:t>
-            </a:r>
-            <a:r>
-              <a:rPr lang="en-GB" dirty="0"/>
-              <a:t>sought out and </a:t>
-            </a:r>
-            <a:r>
-              <a:rPr lang="en-GB" dirty="0" smtClean="0"/>
-              <a:t>rewarded</a:t>
-            </a:r>
-          </a:p>
-          <a:p>
-            <a:r>
-              <a:rPr lang="en-GB" dirty="0" smtClean="0"/>
-              <a:t>Pattern </a:t>
-            </a:r>
-            <a:r>
-              <a:rPr lang="en-GB" dirty="0"/>
-              <a:t>scavenging as an </a:t>
-            </a:r>
-            <a:r>
-              <a:rPr lang="en-GB" dirty="0">
-                <a:solidFill>
-                  <a:srgbClr val="FF0000"/>
-                </a:solidFill>
-              </a:rPr>
-              <a:t>explicit</a:t>
-            </a:r>
-            <a:r>
-              <a:rPr lang="en-GB" dirty="0"/>
-              <a:t> activity in the </a:t>
-            </a:r>
-            <a:r>
-              <a:rPr lang="en-GB" dirty="0" smtClean="0"/>
-              <a:t>development process</a:t>
-            </a:r>
-          </a:p>
-          <a:p>
-            <a:r>
-              <a:rPr lang="en-GB" dirty="0" smtClean="0"/>
-              <a:t>Making </a:t>
-            </a:r>
-            <a:r>
-              <a:rPr lang="en-GB" dirty="0"/>
-              <a:t>specific </a:t>
-            </a:r>
-            <a:r>
-              <a:rPr lang="en-GB" dirty="0" smtClean="0"/>
-              <a:t>individuals responsible </a:t>
-            </a:r>
-            <a:r>
-              <a:rPr lang="en-GB" dirty="0"/>
-              <a:t>for leading the reuse activity</a:t>
-            </a:r>
-          </a:p>
-        </p:txBody>
-      </p:sp>
-    </p:spTree>
-    <p:extLst>
-      <p:ext uri="{BB962C8B-B14F-4D97-AF65-F5344CB8AC3E}">
-        <p14:creationId xmlns:p14="http://schemas.microsoft.com/office/powerpoint/2010/main" xmlns="" val="3610348242"/>
-      </p:ext>
-    </p:extLst>
-  </p:cSld>
-  <p:clrMapOvr>
-    <a:masterClrMapping/>
-  </p:clrMapOvr>
-</p:sld>
-</file>
-
-<file path=ppt/slides/slide43.xml><?xml version="1.0" encoding="utf-8"?>
-<p:sld xmlns:a="http://schemas.openxmlformats.org/drawingml/2006/main" xmlns:r="http://schemas.openxmlformats.org/officeDocument/2006/relationships" xmlns:p="http://schemas.openxmlformats.org/presentationml/2006/main">
-  <p:cSld>
-    <p:spTree>
-      <p:nvGrpSpPr>
-        <p:cNvPr id="1" name=""/>
-        <p:cNvGrpSpPr/>
-        <p:nvPr/>
-      </p:nvGrpSpPr>
-      <p:grpSpPr>
-        <a:xfrm>
-          <a:off x="0" y="0"/>
-          <a:ext cx="0" cy="0"/>
-          <a:chOff x="0" y="0"/>
-          <a:chExt cx="0" cy="0"/>
-        </a:xfrm>
-      </p:grpSpPr>
-      <p:sp>
-        <p:nvSpPr>
-          <p:cNvPr id="2" name="Title 1"/>
-          <p:cNvSpPr>
-            <a:spLocks noGrp="1"/>
-          </p:cNvSpPr>
-          <p:nvPr>
-            <p:ph type="title"/>
-          </p:nvPr>
-        </p:nvSpPr>
-        <p:spPr/>
-        <p:txBody>
-          <a:bodyPr/>
-          <a:lstStyle/>
-          <a:p>
-            <a:r>
-              <a:rPr lang="en-GB" dirty="0" smtClean="0"/>
-              <a:t>Long Term</a:t>
-            </a:r>
-            <a:endParaRPr lang="en-GB" dirty="0"/>
-          </a:p>
-        </p:txBody>
-      </p:sp>
-      <p:sp>
-        <p:nvSpPr>
-          <p:cNvPr id="3" name="Content Placeholder 2"/>
-          <p:cNvSpPr>
-            <a:spLocks noGrp="1"/>
-          </p:cNvSpPr>
-          <p:nvPr>
-            <p:ph idx="1"/>
-          </p:nvPr>
-        </p:nvSpPr>
-        <p:spPr/>
-        <p:txBody>
-          <a:bodyPr/>
-          <a:lstStyle/>
-          <a:p>
-            <a:r>
-              <a:rPr lang="en-GB" dirty="0" smtClean="0"/>
-              <a:t>Reuse </a:t>
-            </a:r>
-            <a:r>
-              <a:rPr lang="en-GB" dirty="0"/>
-              <a:t>costs resources in the short term but pays off in the long </a:t>
-            </a:r>
-            <a:r>
-              <a:rPr lang="en-GB" dirty="0" smtClean="0"/>
-              <a:t>term</a:t>
-            </a:r>
-          </a:p>
-          <a:p>
-            <a:r>
-              <a:rPr lang="en-GB" dirty="0" smtClean="0"/>
-              <a:t>Organization </a:t>
-            </a:r>
-            <a:r>
-              <a:rPr lang="en-GB" dirty="0"/>
-              <a:t>that takes a </a:t>
-            </a:r>
-            <a:r>
-              <a:rPr lang="en-GB" dirty="0" smtClean="0"/>
-              <a:t>long-term view </a:t>
-            </a:r>
-            <a:r>
-              <a:rPr lang="en-GB" dirty="0"/>
-              <a:t>of software development and optimizes resources</a:t>
-            </a:r>
-          </a:p>
-        </p:txBody>
-      </p:sp>
-    </p:spTree>
-    <p:extLst>
-      <p:ext uri="{BB962C8B-B14F-4D97-AF65-F5344CB8AC3E}">
-        <p14:creationId xmlns:p14="http://schemas.microsoft.com/office/powerpoint/2010/main" xmlns="" val="764621647"/>
-      </p:ext>
-    </p:extLst>
-  </p:cSld>
-  <p:clrMapOvr>
-    <a:masterClrMapping/>
-  </p:clrMapOvr>
-</p:sld>
-</file>
-
-<file path=ppt/slides/slide44.xml><?xml version="1.0" encoding="utf-8"?>
-<p:sld xmlns:a="http://schemas.openxmlformats.org/drawingml/2006/main" xmlns:r="http://schemas.openxmlformats.org/officeDocument/2006/relationships" xmlns:p="http://schemas.openxmlformats.org/presentationml/2006/main">
-  <p:cSld>
-    <p:spTree>
-      <p:nvGrpSpPr>
-        <p:cNvPr id="1" name=""/>
-        <p:cNvGrpSpPr/>
-        <p:nvPr/>
-      </p:nvGrpSpPr>
-      <p:grpSpPr>
-        <a:xfrm>
-          <a:off x="0" y="0"/>
-          <a:ext cx="0" cy="0"/>
-          <a:chOff x="0" y="0"/>
-          <a:chExt cx="0" cy="0"/>
-        </a:xfrm>
-      </p:grpSpPr>
-      <p:sp>
-        <p:nvSpPr>
-          <p:cNvPr id="2" name="Title 1"/>
-          <p:cNvSpPr>
-            <a:spLocks noGrp="1"/>
-          </p:cNvSpPr>
-          <p:nvPr>
-            <p:ph type="title"/>
-          </p:nvPr>
-        </p:nvSpPr>
-        <p:spPr/>
-        <p:txBody>
-          <a:bodyPr/>
-          <a:lstStyle/>
-          <a:p>
-            <a:r>
-              <a:rPr lang="en-GB" dirty="0"/>
-              <a:t>Quality Assurance and Metrics</a:t>
-            </a:r>
-          </a:p>
-        </p:txBody>
-      </p:sp>
-      <p:sp>
-        <p:nvSpPr>
-          <p:cNvPr id="3" name="Content Placeholder 2"/>
-          <p:cNvSpPr>
-            <a:spLocks noGrp="1"/>
-          </p:cNvSpPr>
-          <p:nvPr>
-            <p:ph idx="1"/>
-          </p:nvPr>
-        </p:nvSpPr>
-        <p:spPr/>
-        <p:txBody>
-          <a:bodyPr/>
-          <a:lstStyle/>
-          <a:p>
-            <a:r>
-              <a:rPr lang="en-GB" dirty="0" smtClean="0"/>
-              <a:t>Systematic </a:t>
-            </a:r>
-            <a:r>
-              <a:rPr lang="en-GB" dirty="0"/>
-              <a:t>activities providing </a:t>
-            </a:r>
-            <a:r>
-              <a:rPr lang="en-GB" dirty="0" smtClean="0"/>
-              <a:t>evidence of </a:t>
-            </a:r>
-            <a:r>
-              <a:rPr lang="en-GB" dirty="0"/>
-              <a:t>the fitness for use of the total software product</a:t>
-            </a:r>
-          </a:p>
-        </p:txBody>
-      </p:sp>
-    </p:spTree>
-    <p:extLst>
-      <p:ext uri="{BB962C8B-B14F-4D97-AF65-F5344CB8AC3E}">
-        <p14:creationId xmlns:p14="http://schemas.microsoft.com/office/powerpoint/2010/main" xmlns="" val="4271149563"/>
-      </p:ext>
-    </p:extLst>
-  </p:cSld>
-  <p:clrMapOvr>
-    <a:masterClrMapping/>
-  </p:clrMapOvr>
-</p:sld>
-</file>
-
-<file path=ppt/slides/slide45.xml><?xml version="1.0" encoding="utf-8"?>
-<p:sld xmlns:a="http://schemas.openxmlformats.org/drawingml/2006/main" xmlns:r="http://schemas.openxmlformats.org/officeDocument/2006/relationships" xmlns:p="http://schemas.openxmlformats.org/presentationml/2006/main">
-  <p:cSld>
-    <p:spTree>
-      <p:nvGrpSpPr>
-        <p:cNvPr id="1" name=""/>
-        <p:cNvGrpSpPr/>
-        <p:nvPr/>
-      </p:nvGrpSpPr>
-      <p:grpSpPr>
-        <a:xfrm>
-          <a:off x="0" y="0"/>
-          <a:ext cx="0" cy="0"/>
-          <a:chOff x="0" y="0"/>
-          <a:chExt cx="0" cy="0"/>
-        </a:xfrm>
-      </p:grpSpPr>
-      <p:sp>
-        <p:nvSpPr>
-          <p:cNvPr id="2" name="Title 1"/>
-          <p:cNvSpPr>
-            <a:spLocks noGrp="1"/>
-          </p:cNvSpPr>
-          <p:nvPr>
-            <p:ph type="title"/>
-          </p:nvPr>
-        </p:nvSpPr>
-        <p:spPr/>
-        <p:txBody>
-          <a:bodyPr/>
-          <a:lstStyle/>
-          <a:p>
-            <a:r>
-              <a:rPr lang="en-GB" dirty="0"/>
-              <a:t>Software Quality</a:t>
-            </a:r>
-          </a:p>
-        </p:txBody>
-      </p:sp>
-      <p:sp>
-        <p:nvSpPr>
-          <p:cNvPr id="3" name="Content Placeholder 2"/>
-          <p:cNvSpPr>
-            <a:spLocks noGrp="1"/>
-          </p:cNvSpPr>
-          <p:nvPr>
-            <p:ph idx="1"/>
-          </p:nvPr>
-        </p:nvSpPr>
-        <p:spPr/>
-        <p:txBody>
-          <a:bodyPr/>
-          <a:lstStyle/>
-          <a:p>
-            <a:r>
-              <a:rPr lang="en-GB" dirty="0" smtClean="0"/>
-              <a:t>Software </a:t>
-            </a:r>
-            <a:r>
-              <a:rPr lang="en-GB" dirty="0"/>
-              <a:t>quality as </a:t>
-            </a:r>
-            <a:r>
-              <a:rPr lang="en-GB" dirty="0" smtClean="0"/>
-              <a:t>the </a:t>
-            </a:r>
-            <a:r>
-              <a:rPr lang="en-GB" dirty="0"/>
-              <a:t>fitness for use of </a:t>
-            </a:r>
-            <a:r>
-              <a:rPr lang="en-GB" dirty="0" smtClean="0"/>
-              <a:t>the total </a:t>
-            </a:r>
-            <a:r>
-              <a:rPr lang="en-GB" dirty="0"/>
-              <a:t>software </a:t>
-            </a:r>
-            <a:r>
-              <a:rPr lang="en-GB" dirty="0" smtClean="0"/>
-              <a:t>product</a:t>
-            </a:r>
-          </a:p>
-          <a:p>
-            <a:r>
-              <a:rPr lang="en-GB" dirty="0"/>
-              <a:t>Software quality </a:t>
-            </a:r>
-            <a:r>
-              <a:rPr lang="en-GB" dirty="0">
-                <a:solidFill>
-                  <a:srgbClr val="FF0000"/>
-                </a:solidFill>
-              </a:rPr>
-              <a:t>doesn’t just happen</a:t>
-            </a:r>
-            <a:r>
-              <a:rPr lang="en-GB" dirty="0"/>
-              <a:t>: It must </a:t>
-            </a:r>
-            <a:r>
-              <a:rPr lang="en-GB" dirty="0" smtClean="0"/>
-              <a:t>be engineered </a:t>
-            </a:r>
-            <a:r>
-              <a:rPr lang="en-GB" dirty="0"/>
-              <a:t>into the system</a:t>
-            </a:r>
-          </a:p>
-        </p:txBody>
-      </p:sp>
-    </p:spTree>
-    <p:extLst>
-      <p:ext uri="{BB962C8B-B14F-4D97-AF65-F5344CB8AC3E}">
-        <p14:creationId xmlns:p14="http://schemas.microsoft.com/office/powerpoint/2010/main" xmlns="" val="1410255766"/>
-      </p:ext>
-    </p:extLst>
-  </p:cSld>
-  <p:clrMapOvr>
-    <a:masterClrMapping/>
-  </p:clrMapOvr>
-</p:sld>
-</file>
-
-<file path=ppt/slides/slide46.xml><?xml version="1.0" encoding="utf-8"?>
-<p:sld xmlns:a="http://schemas.openxmlformats.org/drawingml/2006/main" xmlns:r="http://schemas.openxmlformats.org/officeDocument/2006/relationships" xmlns:p="http://schemas.openxmlformats.org/presentationml/2006/main">
-  <p:cSld>
-    <p:spTree>
-      <p:nvGrpSpPr>
-        <p:cNvPr id="1" name=""/>
-        <p:cNvGrpSpPr/>
-        <p:nvPr/>
-      </p:nvGrpSpPr>
-      <p:grpSpPr>
-        <a:xfrm>
-          <a:off x="0" y="0"/>
-          <a:ext cx="0" cy="0"/>
-          <a:chOff x="0" y="0"/>
-          <a:chExt cx="0" cy="0"/>
-        </a:xfrm>
-      </p:grpSpPr>
-      <p:sp>
-        <p:nvSpPr>
-          <p:cNvPr id="2" name="Title 1"/>
-          <p:cNvSpPr>
-            <a:spLocks noGrp="1"/>
-          </p:cNvSpPr>
-          <p:nvPr>
-            <p:ph type="title"/>
-          </p:nvPr>
-        </p:nvSpPr>
-        <p:spPr/>
-        <p:txBody>
-          <a:bodyPr/>
-          <a:lstStyle/>
-          <a:p>
-            <a:r>
-              <a:rPr lang="en-GB" dirty="0"/>
-              <a:t>Object-Oriented Metrics</a:t>
-            </a:r>
-          </a:p>
-        </p:txBody>
-      </p:sp>
-      <p:sp>
-        <p:nvSpPr>
-          <p:cNvPr id="3" name="Content Placeholder 2"/>
-          <p:cNvSpPr>
-            <a:spLocks noGrp="1"/>
-          </p:cNvSpPr>
-          <p:nvPr>
-            <p:ph idx="1"/>
-          </p:nvPr>
-        </p:nvSpPr>
-        <p:spPr/>
-        <p:txBody>
-          <a:bodyPr/>
-          <a:lstStyle/>
-          <a:p>
-            <a:r>
-              <a:rPr lang="en-GB" dirty="0" smtClean="0"/>
-              <a:t>Lord Kelvin:</a:t>
-            </a:r>
-          </a:p>
-          <a:p>
-            <a:pPr marL="0" indent="0">
-              <a:buNone/>
-            </a:pPr>
-            <a:r>
-              <a:rPr lang="en-GB" dirty="0" smtClean="0"/>
-              <a:t>“When </a:t>
-            </a:r>
-            <a:r>
-              <a:rPr lang="en-GB" dirty="0"/>
-              <a:t>you can measure what you</a:t>
-            </a:r>
-          </a:p>
-          <a:p>
-            <a:pPr marL="0" indent="0">
-              <a:buNone/>
-            </a:pPr>
-            <a:r>
-              <a:rPr lang="en-GB" dirty="0"/>
-              <a:t>are speaking about, and express it into numbers, you know something about </a:t>
-            </a:r>
-            <a:r>
-              <a:rPr lang="en-GB" dirty="0" smtClean="0"/>
-              <a:t>it...</a:t>
-            </a:r>
-            <a:endParaRPr lang="en-GB" dirty="0"/>
-          </a:p>
-          <a:p>
-            <a:pPr marL="0" indent="0">
-              <a:buNone/>
-            </a:pPr>
-            <a:endParaRPr lang="en-GB" dirty="0"/>
-          </a:p>
-        </p:txBody>
-      </p:sp>
-    </p:spTree>
-    <p:extLst>
-      <p:ext uri="{BB962C8B-B14F-4D97-AF65-F5344CB8AC3E}">
-        <p14:creationId xmlns:p14="http://schemas.microsoft.com/office/powerpoint/2010/main" xmlns="" val="2130846482"/>
-      </p:ext>
-    </p:extLst>
-  </p:cSld>
-  <p:clrMapOvr>
-    <a:masterClrMapping/>
-  </p:clrMapOvr>
-</p:sld>
-</file>
-
-<file path=ppt/slides/slide47.xml><?xml version="1.0" encoding="utf-8"?>
-<p:sld xmlns:a="http://schemas.openxmlformats.org/drawingml/2006/main" xmlns:r="http://schemas.openxmlformats.org/officeDocument/2006/relationships" xmlns:p="http://schemas.openxmlformats.org/presentationml/2006/main">
-  <p:cSld>
-    <p:spTree>
-      <p:nvGrpSpPr>
-        <p:cNvPr id="1" name=""/>
-        <p:cNvGrpSpPr/>
-        <p:nvPr/>
-      </p:nvGrpSpPr>
-      <p:grpSpPr>
-        <a:xfrm>
-          <a:off x="0" y="0"/>
-          <a:ext cx="0" cy="0"/>
-          <a:chOff x="0" y="0"/>
-          <a:chExt cx="0" cy="0"/>
-        </a:xfrm>
-      </p:grpSpPr>
-      <p:sp>
-        <p:nvSpPr>
-          <p:cNvPr id="2" name="Title 1"/>
-          <p:cNvSpPr>
-            <a:spLocks noGrp="1"/>
-          </p:cNvSpPr>
-          <p:nvPr>
-            <p:ph type="title"/>
-          </p:nvPr>
-        </p:nvSpPr>
-        <p:spPr/>
-        <p:txBody>
-          <a:bodyPr/>
-          <a:lstStyle/>
-          <a:p>
-            <a:r>
-              <a:rPr lang="en-GB" dirty="0" smtClean="0"/>
-              <a:t>Process &amp; Product Metrics</a:t>
-            </a:r>
-            <a:endParaRPr lang="en-GB" dirty="0"/>
-          </a:p>
-        </p:txBody>
-      </p:sp>
-      <p:sp>
-        <p:nvSpPr>
-          <p:cNvPr id="3" name="Content Placeholder 2"/>
-          <p:cNvSpPr>
-            <a:spLocks noGrp="1"/>
-          </p:cNvSpPr>
-          <p:nvPr>
-            <p:ph idx="1"/>
-          </p:nvPr>
-        </p:nvSpPr>
-        <p:spPr/>
-        <p:txBody>
-          <a:bodyPr>
-            <a:normAutofit fontScale="92500" lnSpcReduction="20000"/>
-          </a:bodyPr>
-          <a:lstStyle/>
-          <a:p>
-            <a:r>
-              <a:rPr lang="en-GB" dirty="0"/>
-              <a:t>Metrics to assist us in this </a:t>
-            </a:r>
-            <a:r>
-              <a:rPr lang="en-GB" dirty="0" err="1"/>
-              <a:t>endeavor</a:t>
-            </a:r>
-            <a:r>
-              <a:rPr lang="en-GB" dirty="0"/>
-              <a:t> fall into one of two categories, process metrics or product </a:t>
-            </a:r>
-            <a:r>
-              <a:rPr lang="en-GB" dirty="0" smtClean="0"/>
-              <a:t>metrics</a:t>
-            </a:r>
-          </a:p>
-          <a:p>
-            <a:r>
-              <a:rPr lang="en-GB" dirty="0">
-                <a:solidFill>
-                  <a:srgbClr val="FF0000"/>
-                </a:solidFill>
-              </a:rPr>
-              <a:t>Process metrics</a:t>
-            </a:r>
-            <a:r>
-              <a:rPr lang="en-GB" dirty="0"/>
-              <a:t>, sometimes called </a:t>
-            </a:r>
-            <a:r>
-              <a:rPr lang="en-GB" u="sng" dirty="0">
-                <a:solidFill>
-                  <a:srgbClr val="FF0000"/>
-                </a:solidFill>
-              </a:rPr>
-              <a:t>project metrics</a:t>
-            </a:r>
-            <a:r>
-              <a:rPr lang="en-GB" dirty="0"/>
-              <a:t>, </a:t>
-            </a:r>
-            <a:r>
-              <a:rPr lang="en-GB" dirty="0" smtClean="0"/>
-              <a:t>assist the </a:t>
-            </a:r>
-            <a:r>
-              <a:rPr lang="en-GB" dirty="0"/>
-              <a:t>management team in assessing progress with respect to the </a:t>
-            </a:r>
-            <a:r>
-              <a:rPr lang="en-GB" dirty="0" smtClean="0"/>
-              <a:t>object-oriented development </a:t>
-            </a:r>
-            <a:r>
-              <a:rPr lang="en-GB" dirty="0"/>
-              <a:t>process being used</a:t>
-            </a:r>
-            <a:br>
-              <a:rPr lang="en-GB" dirty="0"/>
-            </a:br>
-            <a:r>
-              <a:rPr lang="en-GB" dirty="0"/>
-              <a:t/>
-            </a:r>
-            <a:br>
-              <a:rPr lang="en-GB" dirty="0"/>
-            </a:br>
-            <a:endParaRPr lang="en-GB" dirty="0"/>
-          </a:p>
-        </p:txBody>
-      </p:sp>
-    </p:spTree>
-    <p:extLst>
-      <p:ext uri="{BB962C8B-B14F-4D97-AF65-F5344CB8AC3E}">
-        <p14:creationId xmlns:p14="http://schemas.microsoft.com/office/powerpoint/2010/main" xmlns="" val="904534021"/>
-      </p:ext>
-    </p:extLst>
-  </p:cSld>
-  <p:clrMapOvr>
-    <a:masterClrMapping/>
-  </p:clrMapOvr>
-</p:sld>
-</file>
-
-<file path=ppt/slides/slide48.xml><?xml version="1.0" encoding="utf-8"?>
-<p:sld xmlns:a="http://schemas.openxmlformats.org/drawingml/2006/main" xmlns:r="http://schemas.openxmlformats.org/officeDocument/2006/relationships" xmlns:p="http://schemas.openxmlformats.org/presentationml/2006/main">
-  <p:cSld>
-    <p:spTree>
-      <p:nvGrpSpPr>
-        <p:cNvPr id="1" name=""/>
-        <p:cNvGrpSpPr/>
-        <p:nvPr/>
-      </p:nvGrpSpPr>
-      <p:grpSpPr>
-        <a:xfrm>
-          <a:off x="0" y="0"/>
-          <a:ext cx="0" cy="0"/>
-          <a:chOff x="0" y="0"/>
-          <a:chExt cx="0" cy="0"/>
-        </a:xfrm>
-      </p:grpSpPr>
-      <p:sp>
-        <p:nvSpPr>
-          <p:cNvPr id="2" name="Title 1"/>
-          <p:cNvSpPr>
-            <a:spLocks noGrp="1"/>
-          </p:cNvSpPr>
-          <p:nvPr>
-            <p:ph type="title"/>
-          </p:nvPr>
-        </p:nvSpPr>
-        <p:spPr/>
-        <p:txBody>
-          <a:bodyPr/>
-          <a:lstStyle/>
-          <a:p>
-            <a:r>
-              <a:rPr lang="en-GB" dirty="0" smtClean="0"/>
-              <a:t>Process Metrics</a:t>
-            </a:r>
-            <a:endParaRPr lang="en-GB" dirty="0"/>
-          </a:p>
-        </p:txBody>
-      </p:sp>
-      <p:sp>
-        <p:nvSpPr>
-          <p:cNvPr id="3" name="Content Placeholder 2"/>
-          <p:cNvSpPr>
-            <a:spLocks noGrp="1"/>
-          </p:cNvSpPr>
-          <p:nvPr>
-            <p:ph idx="1"/>
-          </p:nvPr>
-        </p:nvSpPr>
-        <p:spPr/>
-        <p:txBody>
-          <a:bodyPr/>
-          <a:lstStyle/>
-          <a:p>
-            <a:endParaRPr lang="en-GB"/>
-          </a:p>
-        </p:txBody>
-      </p:sp>
-      <p:pic>
-        <p:nvPicPr>
-          <p:cNvPr id="4" name="Picture 3"/>
-          <p:cNvPicPr>
-            <a:picLocks noChangeAspect="1"/>
-          </p:cNvPicPr>
-          <p:nvPr/>
-        </p:nvPicPr>
-        <p:blipFill>
-          <a:blip r:embed="rId2" cstate="print"/>
-          <a:stretch>
-            <a:fillRect/>
-          </a:stretch>
-        </p:blipFill>
-        <p:spPr>
-          <a:xfrm>
-            <a:off x="2286000" y="1915619"/>
-            <a:ext cx="5091113" cy="4163448"/>
-          </a:xfrm>
-          <a:prstGeom prst="rect">
-            <a:avLst/>
-          </a:prstGeom>
-        </p:spPr>
-      </p:pic>
-    </p:spTree>
-    <p:extLst>
-      <p:ext uri="{BB962C8B-B14F-4D97-AF65-F5344CB8AC3E}">
-        <p14:creationId xmlns:p14="http://schemas.microsoft.com/office/powerpoint/2010/main" xmlns="" val="2249465940"/>
-      </p:ext>
-    </p:extLst>
-  </p:cSld>
-  <p:clrMapOvr>
-    <a:masterClrMapping/>
-  </p:clrMapOvr>
-</p:sld>
-</file>
-
-<file path=ppt/slides/slide49.xml><?xml version="1.0" encoding="utf-8"?>
-<p:sld xmlns:a="http://schemas.openxmlformats.org/drawingml/2006/main" xmlns:r="http://schemas.openxmlformats.org/officeDocument/2006/relationships" xmlns:p="http://schemas.openxmlformats.org/presentationml/2006/main">
-  <p:cSld>
-    <p:spTree>
-      <p:nvGrpSpPr>
-        <p:cNvPr id="1" name=""/>
-        <p:cNvGrpSpPr/>
-        <p:nvPr/>
-      </p:nvGrpSpPr>
-      <p:grpSpPr>
-        <a:xfrm>
-          <a:off x="0" y="0"/>
-          <a:ext cx="0" cy="0"/>
-          <a:chOff x="0" y="0"/>
-          <a:chExt cx="0" cy="0"/>
-        </a:xfrm>
-      </p:grpSpPr>
-      <p:sp>
-        <p:nvSpPr>
-          <p:cNvPr id="2" name="Title 1"/>
-          <p:cNvSpPr>
-            <a:spLocks noGrp="1"/>
-          </p:cNvSpPr>
-          <p:nvPr>
-            <p:ph type="title"/>
-          </p:nvPr>
-        </p:nvSpPr>
-        <p:spPr/>
-        <p:txBody>
-          <a:bodyPr/>
-          <a:lstStyle/>
-          <a:p>
-            <a:r>
-              <a:rPr lang="en-GB" dirty="0"/>
-              <a:t>Documentation</a:t>
-            </a:r>
-          </a:p>
-        </p:txBody>
-      </p:sp>
-      <p:sp>
-        <p:nvSpPr>
-          <p:cNvPr id="3" name="Content Placeholder 2"/>
-          <p:cNvSpPr>
-            <a:spLocks noGrp="1"/>
-          </p:cNvSpPr>
-          <p:nvPr>
-            <p:ph idx="1"/>
-          </p:nvPr>
-        </p:nvSpPr>
-        <p:spPr/>
-        <p:txBody>
-          <a:bodyPr/>
-          <a:lstStyle/>
-          <a:p>
-            <a:r>
-              <a:rPr lang="en-GB" dirty="0" smtClean="0"/>
-              <a:t>Development </a:t>
-            </a:r>
-            <a:r>
-              <a:rPr lang="en-GB" dirty="0" err="1"/>
-              <a:t>artifacts</a:t>
-            </a:r>
-            <a:r>
-              <a:rPr lang="en-GB" dirty="0"/>
-              <a:t> that are critical to the complete lifecycle of a software </a:t>
-            </a:r>
-            <a:r>
-              <a:rPr lang="en-GB" dirty="0" smtClean="0"/>
-              <a:t>system (other than code)</a:t>
-            </a:r>
-          </a:p>
-          <a:p>
-            <a:r>
-              <a:rPr lang="en-GB" dirty="0" smtClean="0"/>
-              <a:t>Example, requirements and design</a:t>
-            </a:r>
-            <a:r>
-              <a:rPr lang="en-GB" dirty="0"/>
-              <a:t>, must be documented to support the development process and the operation and maintenance of the </a:t>
-            </a:r>
-            <a:r>
-              <a:rPr lang="en-GB" dirty="0" smtClean="0"/>
-              <a:t>system</a:t>
-            </a:r>
-            <a:endParaRPr lang="en-GB" dirty="0"/>
-          </a:p>
-        </p:txBody>
-      </p:sp>
-    </p:spTree>
-    <p:extLst>
-      <p:ext uri="{BB962C8B-B14F-4D97-AF65-F5344CB8AC3E}">
-        <p14:creationId xmlns:p14="http://schemas.microsoft.com/office/powerpoint/2010/main" xmlns="" val="2107893518"/>
-      </p:ext>
-    </p:extLst>
-  </p:cSld>
-  <p:clrMapOvr>
-    <a:masterClrMapping/>
-  </p:clrMapOvr>
-</p:sld>
-</file>
-
-<file path=ppt/slides/slide5.xml><?xml version="1.0" encoding="utf-8"?>
-<p:sld xmlns:a="http://schemas.openxmlformats.org/drawingml/2006/main" xmlns:r="http://schemas.openxmlformats.org/officeDocument/2006/relationships" xmlns:p="http://schemas.openxmlformats.org/presentationml/2006/main">
-  <p:cSld>
-    <p:spTree>
-      <p:nvGrpSpPr>
-        <p:cNvPr id="1" name=""/>
-        <p:cNvGrpSpPr/>
-        <p:nvPr/>
-      </p:nvGrpSpPr>
-      <p:grpSpPr>
-        <a:xfrm>
-          <a:off x="0" y="0"/>
-          <a:ext cx="0" cy="0"/>
-          <a:chOff x="0" y="0"/>
-          <a:chExt cx="0" cy="0"/>
-        </a:xfrm>
-      </p:grpSpPr>
-      <p:sp>
-        <p:nvSpPr>
-          <p:cNvPr id="2" name="Title 1"/>
-          <p:cNvSpPr>
-            <a:spLocks noGrp="1"/>
-          </p:cNvSpPr>
-          <p:nvPr>
-            <p:ph type="title"/>
-          </p:nvPr>
-        </p:nvSpPr>
-        <p:spPr>
-          <a:xfrm>
-            <a:off x="685800" y="0"/>
-            <a:ext cx="7772400" cy="1143000"/>
-          </a:xfrm>
-        </p:spPr>
-        <p:txBody>
-          <a:bodyPr/>
-          <a:lstStyle/>
-          <a:p>
-            <a:r>
-              <a:rPr lang="en-US" b="1" i="1" dirty="0" smtClean="0"/>
-              <a:t>Question</a:t>
-            </a:r>
-            <a:endParaRPr lang="en-US" dirty="0"/>
-          </a:p>
-        </p:txBody>
-      </p:sp>
-      <p:sp>
-        <p:nvSpPr>
-          <p:cNvPr id="3" name="Content Placeholder 2"/>
-          <p:cNvSpPr>
-            <a:spLocks noGrp="1"/>
-          </p:cNvSpPr>
-          <p:nvPr>
-            <p:ph idx="1"/>
-          </p:nvPr>
-        </p:nvSpPr>
-        <p:spPr>
-          <a:xfrm>
-            <a:off x="685800" y="1066800"/>
-            <a:ext cx="7772400" cy="4114800"/>
-          </a:xfrm>
-        </p:spPr>
-        <p:txBody>
-          <a:bodyPr/>
-          <a:lstStyle/>
-          <a:p>
-            <a:r>
-              <a:rPr lang="en-US" dirty="0" smtClean="0"/>
-              <a:t>Which is incremental and iterative?</a:t>
-            </a:r>
-            <a:endParaRPr lang="en-US" dirty="0"/>
-          </a:p>
-        </p:txBody>
-      </p:sp>
-      <p:pic>
-        <p:nvPicPr>
-          <p:cNvPr id="4" name="Picture 3"/>
-          <p:cNvPicPr>
-            <a:picLocks noChangeAspect="1"/>
-          </p:cNvPicPr>
-          <p:nvPr/>
-        </p:nvPicPr>
-        <p:blipFill>
-          <a:blip r:embed="rId2" cstate="print"/>
-          <a:stretch>
-            <a:fillRect/>
-          </a:stretch>
-        </p:blipFill>
-        <p:spPr>
-          <a:xfrm>
-            <a:off x="1295400" y="1524000"/>
-            <a:ext cx="6248400" cy="5133975"/>
-          </a:xfrm>
-          <a:prstGeom prst="rect">
-            <a:avLst/>
-          </a:prstGeom>
-        </p:spPr>
-      </p:pic>
-    </p:spTree>
-    <p:extLst>
-      <p:ext uri="{BB962C8B-B14F-4D97-AF65-F5344CB8AC3E}">
-        <p14:creationId xmlns:p14="http://schemas.microsoft.com/office/powerpoint/2010/main" xmlns="" val="3029983702"/>
-      </p:ext>
-    </p:extLst>
-  </p:cSld>
-  <p:clrMapOvr>
-    <a:masterClrMapping/>
-  </p:clrMapOvr>
 </p:sld>
 </file>
 
@@ -9594,7 +9600,7 @@
     </p:spTree>
     <p:extLst>
       <p:ext uri="{BB962C8B-B14F-4D97-AF65-F5344CB8AC3E}">
-        <p14:creationId xmlns:p14="http://schemas.microsoft.com/office/powerpoint/2010/main" xmlns="" val="2759452002"/>
+        <p14:creationId xmlns:p14="http://schemas.microsoft.com/office/powerpoint/2010/main" val="2759452002"/>
       </p:ext>
     </p:extLst>
   </p:cSld>
@@ -9717,7 +9723,7 @@
     </p:spTree>
     <p:extLst>
       <p:ext uri="{BB962C8B-B14F-4D97-AF65-F5344CB8AC3E}">
-        <p14:creationId xmlns:p14="http://schemas.microsoft.com/office/powerpoint/2010/main" xmlns="" val="1527939254"/>
+        <p14:creationId xmlns:p14="http://schemas.microsoft.com/office/powerpoint/2010/main" val="1527939254"/>
       </p:ext>
     </p:extLst>
   </p:cSld>
@@ -9889,7 +9895,7 @@
     </p:spTree>
     <p:extLst>
       <p:ext uri="{BB962C8B-B14F-4D97-AF65-F5344CB8AC3E}">
-        <p14:creationId xmlns:p14="http://schemas.microsoft.com/office/powerpoint/2010/main" xmlns="" val="724208070"/>
+        <p14:creationId xmlns:p14="http://schemas.microsoft.com/office/powerpoint/2010/main" val="724208070"/>
       </p:ext>
     </p:extLst>
   </p:cSld>
@@ -10213,7 +10219,7 @@
     </p:spTree>
     <p:extLst>
       <p:ext uri="{BB962C8B-B14F-4D97-AF65-F5344CB8AC3E}">
-        <p14:creationId xmlns:p14="http://schemas.microsoft.com/office/powerpoint/2010/main" xmlns="" val="671992687"/>
+        <p14:creationId xmlns:p14="http://schemas.microsoft.com/office/powerpoint/2010/main" val="671992687"/>
       </p:ext>
     </p:extLst>
   </p:cSld>
@@ -10382,11 +10388,7 @@
           <a:p>
             <a:r>
               <a:rPr lang="en-GB" altLang="en-US" dirty="0" smtClean="0"/>
-              <a:t>Read Chapter </a:t>
-            </a:r>
-            <a:r>
-              <a:rPr lang="en-GB" altLang="en-US" dirty="0" smtClean="0"/>
-              <a:t>8</a:t>
+              <a:t>Read Chapter 8</a:t>
             </a:r>
           </a:p>
           <a:p>
@@ -10588,7 +10590,7 @@
     </p:spTree>
     <p:extLst>
       <p:ext uri="{BB962C8B-B14F-4D97-AF65-F5344CB8AC3E}">
-        <p14:creationId xmlns:p14="http://schemas.microsoft.com/office/powerpoint/2010/main" xmlns="" val="1785507044"/>
+        <p14:creationId xmlns:p14="http://schemas.microsoft.com/office/powerpoint/2010/main" val="1785507044"/>
       </p:ext>
     </p:extLst>
   </p:cSld>
@@ -10689,7 +10691,7 @@
     </p:spTree>
     <p:extLst>
       <p:ext uri="{BB962C8B-B14F-4D97-AF65-F5344CB8AC3E}">
-        <p14:creationId xmlns:p14="http://schemas.microsoft.com/office/powerpoint/2010/main" xmlns="" val="1883125445"/>
+        <p14:creationId xmlns:p14="http://schemas.microsoft.com/office/powerpoint/2010/main" val="1883125445"/>
       </p:ext>
     </p:extLst>
   </p:cSld>
@@ -10765,7 +10767,7 @@
     </p:spTree>
     <p:extLst>
       <p:ext uri="{BB962C8B-B14F-4D97-AF65-F5344CB8AC3E}">
-        <p14:creationId xmlns:p14="http://schemas.microsoft.com/office/powerpoint/2010/main" xmlns="" val="2955333060"/>
+        <p14:creationId xmlns:p14="http://schemas.microsoft.com/office/powerpoint/2010/main" val="2955333060"/>
       </p:ext>
     </p:extLst>
   </p:cSld>
@@ -10776,6 +10778,116 @@
 </file>
 
 <file path=ppt/slides/slide6.xml><?xml version="1.0" encoding="utf-8"?>
+<p:sld xmlns:a="http://schemas.openxmlformats.org/drawingml/2006/main" xmlns:r="http://schemas.openxmlformats.org/officeDocument/2006/relationships" xmlns:p="http://schemas.openxmlformats.org/presentationml/2006/main">
+  <p:cSld>
+    <p:spTree>
+      <p:nvGrpSpPr>
+        <p:cNvPr id="1" name=""/>
+        <p:cNvGrpSpPr/>
+        <p:nvPr/>
+      </p:nvGrpSpPr>
+      <p:grpSpPr>
+        <a:xfrm>
+          <a:off x="0" y="0"/>
+          <a:ext cx="0" cy="0"/>
+          <a:chOff x="0" y="0"/>
+          <a:chExt cx="0" cy="0"/>
+        </a:xfrm>
+      </p:grpSpPr>
+      <p:sp>
+        <p:nvSpPr>
+          <p:cNvPr id="2" name="Title 1"/>
+          <p:cNvSpPr>
+            <a:spLocks noGrp="1"/>
+          </p:cNvSpPr>
+          <p:nvPr>
+            <p:ph type="title"/>
+          </p:nvPr>
+        </p:nvSpPr>
+        <p:spPr>
+          <a:xfrm>
+            <a:off x="685800" y="0"/>
+            <a:ext cx="7772400" cy="1143000"/>
+          </a:xfrm>
+        </p:spPr>
+        <p:txBody>
+          <a:bodyPr/>
+          <a:lstStyle/>
+          <a:p>
+            <a:r>
+              <a:rPr lang="en-US" b="1" i="1" dirty="0" smtClean="0"/>
+              <a:t>Question</a:t>
+            </a:r>
+            <a:endParaRPr lang="en-US" dirty="0"/>
+          </a:p>
+        </p:txBody>
+      </p:sp>
+      <p:sp>
+        <p:nvSpPr>
+          <p:cNvPr id="3" name="Content Placeholder 2"/>
+          <p:cNvSpPr>
+            <a:spLocks noGrp="1"/>
+          </p:cNvSpPr>
+          <p:nvPr>
+            <p:ph idx="1"/>
+          </p:nvPr>
+        </p:nvSpPr>
+        <p:spPr>
+          <a:xfrm>
+            <a:off x="685800" y="1066800"/>
+            <a:ext cx="7772400" cy="4114800"/>
+          </a:xfrm>
+        </p:spPr>
+        <p:txBody>
+          <a:bodyPr/>
+          <a:lstStyle/>
+          <a:p>
+            <a:r>
+              <a:rPr lang="en-US" dirty="0" smtClean="0"/>
+              <a:t>Which is incremental and iterative?</a:t>
+            </a:r>
+            <a:endParaRPr lang="en-US" dirty="0"/>
+          </a:p>
+        </p:txBody>
+      </p:sp>
+      <p:pic>
+        <p:nvPicPr>
+          <p:cNvPr id="4" name="Picture 3"/>
+          <p:cNvPicPr>
+            <a:picLocks noChangeAspect="1"/>
+          </p:cNvPicPr>
+          <p:nvPr/>
+        </p:nvPicPr>
+        <p:blipFill>
+          <a:blip r:embed="rId2" cstate="print"/>
+          <a:stretch>
+            <a:fillRect/>
+          </a:stretch>
+        </p:blipFill>
+        <p:spPr>
+          <a:xfrm>
+            <a:off x="1295400" y="1524000"/>
+            <a:ext cx="6248400" cy="5133975"/>
+          </a:xfrm>
+          <a:prstGeom prst="rect">
+            <a:avLst/>
+          </a:prstGeom>
+        </p:spPr>
+      </p:pic>
+    </p:spTree>
+    <p:extLst>
+      <p:ext uri="{BB962C8B-B14F-4D97-AF65-F5344CB8AC3E}">
+        <p14:creationId xmlns:p14="http://schemas.microsoft.com/office/powerpoint/2010/main" val="3029983702"/>
+      </p:ext>
+    </p:extLst>
+  </p:cSld>
+  <p:clrMapOvr>
+    <a:masterClrMapping/>
+  </p:clrMapOvr>
+</p:sld>
+</file>
+
+<file path=ppt/slides/slide7.xml><?xml version="1.0" encoding="utf-8"?>
 <p:sld xmlns:a="http://schemas.openxmlformats.org/drawingml/2006/main" xmlns:r="http://schemas.openxmlformats.org/officeDocument/2006/relationships" xmlns:p="http://schemas.openxmlformats.org/presentationml/2006/main">
   <p:cSld>
     <p:spTree>
@@ -10875,7 +10987,7 @@
     </p:spTree>
     <p:extLst>
       <p:ext uri="{BB962C8B-B14F-4D97-AF65-F5344CB8AC3E}">
-        <p14:creationId xmlns:p14="http://schemas.microsoft.com/office/powerpoint/2010/main" xmlns="" val="1159629100"/>
+        <p14:creationId xmlns:p14="http://schemas.microsoft.com/office/powerpoint/2010/main" val="1159629100"/>
       </p:ext>
     </p:extLst>
   </p:cSld>
@@ -10885,7 +10997,7 @@
 </p:sld>
 </file>
 
-<file path=ppt/slides/slide7.xml><?xml version="1.0" encoding="utf-8"?>
+<file path=ppt/slides/slide8.xml><?xml version="1.0" encoding="utf-8"?>
 <p:sld xmlns:a="http://schemas.openxmlformats.org/drawingml/2006/main" xmlns:r="http://schemas.openxmlformats.org/officeDocument/2006/relationships" xmlns:p="http://schemas.openxmlformats.org/presentationml/2006/main">
   <p:cSld>
     <p:spTree>
@@ -10983,7 +11095,7 @@
     </p:spTree>
     <p:extLst>
       <p:ext uri="{BB962C8B-B14F-4D97-AF65-F5344CB8AC3E}">
-        <p14:creationId xmlns:p14="http://schemas.microsoft.com/office/powerpoint/2010/main" xmlns="" val="2875424083"/>
+        <p14:creationId xmlns:p14="http://schemas.microsoft.com/office/powerpoint/2010/main" val="2875424083"/>
       </p:ext>
     </p:extLst>
   </p:cSld>
@@ -10993,7 +11105,7 @@
 </p:sld>
 </file>
 
-<file path=ppt/slides/slide8.xml><?xml version="1.0" encoding="utf-8"?>
+<file path=ppt/slides/slide9.xml><?xml version="1.0" encoding="utf-8"?>
 <p:sld xmlns:a="http://schemas.openxmlformats.org/drawingml/2006/main" xmlns:r="http://schemas.openxmlformats.org/officeDocument/2006/relationships" xmlns:p="http://schemas.openxmlformats.org/presentationml/2006/main">
   <p:cSld>
     <p:spTree>
@@ -11093,14 +11205,14 @@
             <a:effectLst/>
             <a:extLst>
               <a:ext uri="{909E8E84-426E-40DD-AFC4-6F175D3DCCD1}">
-                <a14:hiddenFill xmlns:a14="http://schemas.microsoft.com/office/drawing/2010/main" xmlns="">
+                <a14:hiddenFill xmlns:a14="http://schemas.microsoft.com/office/drawing/2010/main">
                   <a:solidFill>
                     <a:schemeClr val="accent1"/>
                   </a:solidFill>
                 </a14:hiddenFill>
               </a:ext>
               <a:ext uri="{91240B29-F687-4F45-9708-019B960494DF}">
-                <a14:hiddenLine xmlns:a14="http://schemas.microsoft.com/office/drawing/2010/main" xmlns="" w="9525">
+                <a14:hiddenLine xmlns:a14="http://schemas.microsoft.com/office/drawing/2010/main" w="9525">
                   <a:solidFill>
                     <a:schemeClr val="tx1"/>
                   </a:solidFill>
@@ -11110,7 +11222,7 @@
                 </a14:hiddenLine>
               </a:ext>
               <a:ext uri="{AF507438-7753-43E0-B8FC-AC1667EBCBE1}">
-                <a14:hiddenEffects xmlns:a14="http://schemas.microsoft.com/office/drawing/2010/main" xmlns="">
+                <a14:hiddenEffects xmlns:a14="http://schemas.microsoft.com/office/drawing/2010/main">
                   <a:effectLst>
                     <a:outerShdw dist="35921" dir="2700000" algn="ctr" rotWithShape="0">
                       <a:schemeClr val="bg2"/>
@@ -11288,14 +11400,14 @@
             <a:effectLst/>
             <a:extLst>
               <a:ext uri="{909E8E84-426E-40DD-AFC4-6F175D3DCCD1}">
-                <a14:hiddenFill xmlns:a14="http://schemas.microsoft.com/office/drawing/2010/main" xmlns="">
+                <a14:hiddenFill xmlns:a14="http://schemas.microsoft.com/office/drawing/2010/main">
                   <a:solidFill>
                     <a:schemeClr val="accent1"/>
                   </a:solidFill>
                 </a14:hiddenFill>
               </a:ext>
               <a:ext uri="{91240B29-F687-4F45-9708-019B960494DF}">
-                <a14:hiddenLine xmlns:a14="http://schemas.microsoft.com/office/drawing/2010/main" xmlns="" w="9525">
+                <a14:hiddenLine xmlns:a14="http://schemas.microsoft.com/office/drawing/2010/main" w="9525">
                   <a:solidFill>
                     <a:schemeClr val="tx1"/>
                   </a:solidFill>
@@ -11305,7 +11417,7 @@
                 </a14:hiddenLine>
               </a:ext>
               <a:ext uri="{AF507438-7753-43E0-B8FC-AC1667EBCBE1}">
-                <a14:hiddenEffects xmlns:a14="http://schemas.microsoft.com/office/drawing/2010/main" xmlns="">
+                <a14:hiddenEffects xmlns:a14="http://schemas.microsoft.com/office/drawing/2010/main">
                   <a:effectLst>
                     <a:outerShdw dist="35921" dir="2700000" algn="ctr" rotWithShape="0">
                       <a:schemeClr val="bg2"/>
@@ -11529,143 +11641,7 @@
     </p:spTree>
     <p:extLst>
       <p:ext uri="{BB962C8B-B14F-4D97-AF65-F5344CB8AC3E}">
-        <p14:creationId xmlns:p14="http://schemas.microsoft.com/office/powerpoint/2010/main" xmlns="" val="2994663293"/>
-      </p:ext>
-    </p:extLst>
-  </p:cSld>
-  <p:clrMapOvr>
-    <a:masterClrMapping/>
-  </p:clrMapOvr>
-</p:sld>
-</file>
-
-<file path=ppt/slides/slide9.xml><?xml version="1.0" encoding="utf-8"?>
-<p:sld xmlns:a="http://schemas.openxmlformats.org/drawingml/2006/main" xmlns:r="http://schemas.openxmlformats.org/officeDocument/2006/relationships" xmlns:p="http://schemas.openxmlformats.org/presentationml/2006/main">
-  <p:cSld>
-    <p:spTree>
-      <p:nvGrpSpPr>
-        <p:cNvPr id="1" name=""/>
-        <p:cNvGrpSpPr/>
-        <p:nvPr/>
-      </p:nvGrpSpPr>
-      <p:grpSpPr>
-        <a:xfrm>
-          <a:off x="0" y="0"/>
-          <a:ext cx="0" cy="0"/>
-          <a:chOff x="0" y="0"/>
-          <a:chExt cx="0" cy="0"/>
-        </a:xfrm>
-      </p:grpSpPr>
-      <p:sp>
-        <p:nvSpPr>
-          <p:cNvPr id="2" name="Title 1"/>
-          <p:cNvSpPr>
-            <a:spLocks noGrp="1"/>
-          </p:cNvSpPr>
-          <p:nvPr>
-            <p:ph type="title"/>
-          </p:nvPr>
-        </p:nvSpPr>
-        <p:spPr/>
-        <p:txBody>
-          <a:bodyPr/>
-          <a:lstStyle/>
-          <a:p>
-            <a:r>
-              <a:rPr lang="en-US" dirty="0" smtClean="0"/>
-              <a:t>Question</a:t>
-            </a:r>
-            <a:endParaRPr lang="en-US" dirty="0"/>
-          </a:p>
-        </p:txBody>
-      </p:sp>
-      <p:sp>
-        <p:nvSpPr>
-          <p:cNvPr id="3" name="Content Placeholder 2"/>
-          <p:cNvSpPr>
-            <a:spLocks noGrp="1"/>
-          </p:cNvSpPr>
-          <p:nvPr>
-            <p:ph idx="1"/>
-          </p:nvPr>
-        </p:nvSpPr>
-        <p:spPr/>
-        <p:txBody>
-          <a:bodyPr/>
-          <a:lstStyle/>
-          <a:p>
-            <a:r>
-              <a:rPr lang="en-US" dirty="0" smtClean="0"/>
-              <a:t>Which development approach is the waterfall model?</a:t>
-            </a:r>
-          </a:p>
-          <a:p>
-            <a:endParaRPr lang="en-US" dirty="0" smtClean="0"/>
-          </a:p>
-          <a:p>
-            <a:pPr>
-              <a:buNone/>
-            </a:pPr>
-            <a:r>
-              <a:rPr lang="en-US" dirty="0"/>
-              <a:t>a</a:t>
-            </a:r>
-            <a:r>
-              <a:rPr lang="en-US" dirty="0" smtClean="0"/>
-              <a:t>) iterative development approach</a:t>
-            </a:r>
-          </a:p>
-          <a:p>
-            <a:pPr>
-              <a:buNone/>
-            </a:pPr>
-            <a:r>
-              <a:rPr lang="en-US" dirty="0"/>
-              <a:t>b</a:t>
-            </a:r>
-            <a:r>
-              <a:rPr lang="en-US" dirty="0" smtClean="0"/>
-              <a:t>) static development approach</a:t>
-            </a:r>
-          </a:p>
-          <a:p>
-            <a:pPr>
-              <a:buNone/>
-            </a:pPr>
-            <a:r>
-              <a:rPr lang="en-US" dirty="0"/>
-              <a:t>c</a:t>
-            </a:r>
-            <a:r>
-              <a:rPr lang="en-US" dirty="0" smtClean="0"/>
-              <a:t>) behavioral development approach</a:t>
-            </a:r>
-          </a:p>
-          <a:p>
-            <a:pPr>
-              <a:buNone/>
-            </a:pPr>
-            <a:r>
-              <a:rPr lang="en-US" dirty="0" smtClean="0"/>
-              <a:t>d) </a:t>
-            </a:r>
-            <a:r>
-              <a:rPr lang="en-US" dirty="0"/>
-              <a:t>incremental development approach</a:t>
-            </a:r>
-          </a:p>
-          <a:p>
-            <a:pPr>
-              <a:buNone/>
-            </a:pPr>
-            <a:endParaRPr lang="en-US" dirty="0"/>
-          </a:p>
-        </p:txBody>
-      </p:sp>
-    </p:spTree>
-    <p:extLst>
-      <p:ext uri="{BB962C8B-B14F-4D97-AF65-F5344CB8AC3E}">
-        <p14:creationId xmlns:p14="http://schemas.microsoft.com/office/powerpoint/2010/main" xmlns="" val="2166848228"/>
+        <p14:creationId xmlns:p14="http://schemas.microsoft.com/office/powerpoint/2010/main" val="2994663293"/>
       </p:ext>
     </p:extLst>
   </p:cSld>
@@ -12158,7 +12134,7 @@
   </a:extraClrSchemeLst>
   <a:extLst>
     <a:ext uri="{05A4C25C-085E-4340-85A3-A5531E510DB2}">
-      <thm15:themeFamily xmlns:thm15="http://schemas.microsoft.com/office/thememl/2012/main" xmlns="" name="Office Theme" id="{62F939B6-93AF-4DB8-9C6B-D6C7DFDC589F}" vid="{4A3C46E8-61CC-4603-A589-7422A47A8E4A}"/>
+      <thm15:themeFamily xmlns:thm15="http://schemas.microsoft.com/office/thememl/2012/main" name="Office Theme" id="{62F939B6-93AF-4DB8-9C6B-D6C7DFDC589F}" vid="{4A3C46E8-61CC-4603-A589-7422A47A8E4A}"/>
     </a:ext>
   </a:extLst>
 </a:theme>
@@ -12419,7 +12395,7 @@
   <a:extraClrSchemeLst/>
   <a:extLst>
     <a:ext uri="{05A4C25C-085E-4340-85A3-A5531E510DB2}">
-      <thm15:themeFamily xmlns:thm15="http://schemas.microsoft.com/office/thememl/2012/main" xmlns="" name="Office Theme" id="{62F939B6-93AF-4DB8-9C6B-D6C7DFDC589F}" vid="{4A3C46E8-61CC-4603-A589-7422A47A8E4A}"/>
+      <thm15:themeFamily xmlns:thm15="http://schemas.microsoft.com/office/thememl/2012/main" name="Office Theme" id="{62F939B6-93AF-4DB8-9C6B-D6C7DFDC589F}" vid="{4A3C46E8-61CC-4603-A589-7422A47A8E4A}"/>
     </a:ext>
   </a:extLst>
 </a:theme>
